--- a/LCC/Java/03_程式語言基本法.pptx
+++ b/LCC/Java/03_程式語言基本法.pptx
@@ -7,21 +7,25 @@
   <p:sldIdLst>
     <p:sldId id="256" r:id="rId2"/>
     <p:sldId id="262" r:id="rId3"/>
-    <p:sldId id="257" r:id="rId4"/>
-    <p:sldId id="258" r:id="rId5"/>
-    <p:sldId id="259" r:id="rId6"/>
-    <p:sldId id="260" r:id="rId7"/>
-    <p:sldId id="261" r:id="rId8"/>
-    <p:sldId id="265" r:id="rId9"/>
-    <p:sldId id="266" r:id="rId10"/>
-    <p:sldId id="263" r:id="rId11"/>
-    <p:sldId id="264" r:id="rId12"/>
-    <p:sldId id="271" r:id="rId13"/>
-    <p:sldId id="272" r:id="rId14"/>
-    <p:sldId id="267" r:id="rId15"/>
-    <p:sldId id="268" r:id="rId16"/>
-    <p:sldId id="269" r:id="rId17"/>
-    <p:sldId id="270" r:id="rId18"/>
+    <p:sldId id="276" r:id="rId4"/>
+    <p:sldId id="257" r:id="rId5"/>
+    <p:sldId id="258" r:id="rId6"/>
+    <p:sldId id="259" r:id="rId7"/>
+    <p:sldId id="260" r:id="rId8"/>
+    <p:sldId id="261" r:id="rId9"/>
+    <p:sldId id="265" r:id="rId10"/>
+    <p:sldId id="266" r:id="rId11"/>
+    <p:sldId id="263" r:id="rId12"/>
+    <p:sldId id="264" r:id="rId13"/>
+    <p:sldId id="271" r:id="rId14"/>
+    <p:sldId id="272" r:id="rId15"/>
+    <p:sldId id="273" r:id="rId16"/>
+    <p:sldId id="274" r:id="rId17"/>
+    <p:sldId id="275" r:id="rId18"/>
+    <p:sldId id="267" r:id="rId19"/>
+    <p:sldId id="268" r:id="rId20"/>
+    <p:sldId id="269" r:id="rId21"/>
+    <p:sldId id="270" r:id="rId22"/>
   </p:sldIdLst>
   <p:sldSz cx="12192000" cy="6858000"/>
   <p:notesSz cx="6858000" cy="9144000"/>
@@ -862,7 +866,7 @@
             <a:fld id="{B61BEF0D-F0BB-DE4B-95CE-6DB70DBA9567}" type="datetimeFigureOut">
               <a:rPr lang="en-US" dirty="0"/>
               <a:pPr/>
-              <a:t>12/30/2020</a:t>
+              <a:t>9/15/2021</a:t>
             </a:fld>
             <a:endParaRPr lang="en-US" dirty="0"/>
           </a:p>
@@ -1110,7 +1114,7 @@
             <a:fld id="{B61BEF0D-F0BB-DE4B-95CE-6DB70DBA9567}" type="datetimeFigureOut">
               <a:rPr lang="en-US" dirty="0"/>
               <a:pPr/>
-              <a:t>12/30/2020</a:t>
+              <a:t>9/15/2021</a:t>
             </a:fld>
             <a:endParaRPr lang="en-US" dirty="0"/>
           </a:p>
@@ -1421,7 +1425,7 @@
             <a:fld id="{B61BEF0D-F0BB-DE4B-95CE-6DB70DBA9567}" type="datetimeFigureOut">
               <a:rPr lang="en-US" dirty="0"/>
               <a:pPr/>
-              <a:t>12/30/2020</a:t>
+              <a:t>9/15/2021</a:t>
             </a:fld>
             <a:endParaRPr lang="en-US" dirty="0"/>
           </a:p>
@@ -1759,7 +1763,7 @@
             <a:fld id="{B61BEF0D-F0BB-DE4B-95CE-6DB70DBA9567}" type="datetimeFigureOut">
               <a:rPr lang="en-US" dirty="0"/>
               <a:pPr/>
-              <a:t>12/30/2020</a:t>
+              <a:t>9/15/2021</a:t>
             </a:fld>
             <a:endParaRPr lang="en-US" dirty="0"/>
           </a:p>
@@ -2070,7 +2074,7 @@
             <a:fld id="{B61BEF0D-F0BB-DE4B-95CE-6DB70DBA9567}" type="datetimeFigureOut">
               <a:rPr lang="en-US" dirty="0"/>
               <a:pPr/>
-              <a:t>12/30/2020</a:t>
+              <a:t>9/15/2021</a:t>
             </a:fld>
             <a:endParaRPr lang="en-US" dirty="0"/>
           </a:p>
@@ -2460,7 +2464,7 @@
             <a:fld id="{B61BEF0D-F0BB-DE4B-95CE-6DB70DBA9567}" type="datetimeFigureOut">
               <a:rPr lang="en-US" dirty="0"/>
               <a:pPr/>
-              <a:t>12/30/2020</a:t>
+              <a:t>9/15/2021</a:t>
             </a:fld>
             <a:endParaRPr lang="en-US" dirty="0"/>
           </a:p>
@@ -2626,7 +2630,7 @@
           <a:p>
             <a:fld id="{55C6B4A9-1611-4792-9094-5F34BCA07E0B}" type="datetimeFigureOut">
               <a:rPr lang="en-US" dirty="0"/>
-              <a:t>12/30/2020</a:t>
+              <a:t>9/15/2021</a:t>
             </a:fld>
             <a:endParaRPr lang="en-US" dirty="0"/>
           </a:p>
@@ -2802,7 +2806,7 @@
             <a:fld id="{B61BEF0D-F0BB-DE4B-95CE-6DB70DBA9567}" type="datetimeFigureOut">
               <a:rPr lang="en-US" dirty="0"/>
               <a:pPr/>
-              <a:t>12/30/2020</a:t>
+              <a:t>9/15/2021</a:t>
             </a:fld>
             <a:endParaRPr lang="en-US" dirty="0"/>
           </a:p>
@@ -2983,7 +2987,7 @@
             <a:fld id="{B61BEF0D-F0BB-DE4B-95CE-6DB70DBA9567}" type="datetimeFigureOut">
               <a:rPr lang="en-US" dirty="0"/>
               <a:pPr/>
-              <a:t>12/30/2020</a:t>
+              <a:t>9/15/2021</a:t>
             </a:fld>
             <a:endParaRPr lang="en-US" dirty="0"/>
           </a:p>
@@ -3256,7 +3260,7 @@
             <a:fld id="{B61BEF0D-F0BB-DE4B-95CE-6DB70DBA9567}" type="datetimeFigureOut">
               <a:rPr lang="en-US" dirty="0"/>
               <a:pPr/>
-              <a:t>12/30/2020</a:t>
+              <a:t>9/15/2021</a:t>
             </a:fld>
             <a:endParaRPr lang="en-US" dirty="0"/>
           </a:p>
@@ -3484,7 +3488,7 @@
           <a:p>
             <a:fld id="{EB712588-04B1-427B-82EE-E8DB90309F08}" type="datetimeFigureOut">
               <a:rPr lang="en-US" dirty="0"/>
-              <a:t>12/30/2020</a:t>
+              <a:t>9/15/2021</a:t>
             </a:fld>
             <a:endParaRPr lang="en-US" dirty="0"/>
           </a:p>
@@ -3854,7 +3858,7 @@
             <a:fld id="{B61BEF0D-F0BB-DE4B-95CE-6DB70DBA9567}" type="datetimeFigureOut">
               <a:rPr lang="en-US" dirty="0"/>
               <a:pPr/>
-              <a:t>12/30/2020</a:t>
+              <a:t>9/15/2021</a:t>
             </a:fld>
             <a:endParaRPr lang="en-US" dirty="0"/>
           </a:p>
@@ -3974,7 +3978,7 @@
             <a:fld id="{B61BEF0D-F0BB-DE4B-95CE-6DB70DBA9567}" type="datetimeFigureOut">
               <a:rPr lang="en-US" dirty="0"/>
               <a:pPr/>
-              <a:t>12/30/2020</a:t>
+              <a:t>9/15/2021</a:t>
             </a:fld>
             <a:endParaRPr lang="en-US" dirty="0"/>
           </a:p>
@@ -4066,7 +4070,7 @@
             <a:fld id="{B61BEF0D-F0BB-DE4B-95CE-6DB70DBA9567}" type="datetimeFigureOut">
               <a:rPr lang="en-US" dirty="0"/>
               <a:pPr/>
-              <a:t>12/30/2020</a:t>
+              <a:t>9/15/2021</a:t>
             </a:fld>
             <a:endParaRPr lang="en-US" dirty="0"/>
           </a:p>
@@ -4317,7 +4321,7 @@
           <a:p>
             <a:fld id="{42A54C80-263E-416B-A8E0-580EDEADCBDC}" type="datetimeFigureOut">
               <a:rPr lang="en-US" dirty="0"/>
-              <a:t>12/30/2020</a:t>
+              <a:t>9/15/2021</a:t>
             </a:fld>
             <a:endParaRPr lang="en-US" dirty="0"/>
           </a:p>
@@ -4576,7 +4580,7 @@
             <a:fld id="{B61BEF0D-F0BB-DE4B-95CE-6DB70DBA9567}" type="datetimeFigureOut">
               <a:rPr lang="en-US" dirty="0"/>
               <a:pPr/>
-              <a:t>12/30/2020</a:t>
+              <a:t>9/15/2021</a:t>
             </a:fld>
             <a:endParaRPr lang="en-US" dirty="0"/>
           </a:p>
@@ -5316,7 +5320,7 @@
             <a:fld id="{B61BEF0D-F0BB-DE4B-95CE-6DB70DBA9567}" type="datetimeFigureOut">
               <a:rPr lang="en-US" dirty="0"/>
               <a:pPr/>
-              <a:t>12/30/2020</a:t>
+              <a:t>9/15/2021</a:t>
             </a:fld>
             <a:endParaRPr lang="en-US" dirty="0"/>
           </a:p>
@@ -6049,6 +6053,136 @@
           <a:p>
             <a:r>
               <a:rPr lang="zh-TW" altLang="en-US" dirty="0" smtClean="0"/>
+              <a:t>練習一參考</a:t>
+            </a:r>
+            <a:r>
+              <a:rPr lang="zh-TW" altLang="en-US" dirty="0"/>
+              <a:t>解答</a:t>
+            </a:r>
+          </a:p>
+        </p:txBody>
+      </p:sp>
+      <p:sp>
+        <p:nvSpPr>
+          <p:cNvPr id="3" name="內容版面配置區 2"/>
+          <p:cNvSpPr>
+            <a:spLocks noGrp="1"/>
+          </p:cNvSpPr>
+          <p:nvPr>
+            <p:ph idx="1"/>
+          </p:nvPr>
+        </p:nvSpPr>
+        <p:spPr/>
+        <p:txBody>
+          <a:bodyPr/>
+          <a:lstStyle/>
+          <a:p>
+            <a:endParaRPr lang="zh-TW" altLang="en-US"/>
+          </a:p>
+        </p:txBody>
+      </p:sp>
+      <p:pic>
+        <p:nvPicPr>
+          <p:cNvPr id="4" name="圖片 3"/>
+          <p:cNvPicPr>
+            <a:picLocks noChangeAspect="1"/>
+          </p:cNvPicPr>
+          <p:nvPr/>
+        </p:nvPicPr>
+        <p:blipFill>
+          <a:blip r:embed="rId2"/>
+          <a:stretch>
+            <a:fillRect/>
+          </a:stretch>
+        </p:blipFill>
+        <p:spPr>
+          <a:xfrm>
+            <a:off x="555689" y="1509563"/>
+            <a:ext cx="5790248" cy="4898748"/>
+          </a:xfrm>
+          <a:prstGeom prst="rect">
+            <a:avLst/>
+          </a:prstGeom>
+        </p:spPr>
+      </p:pic>
+      <p:pic>
+        <p:nvPicPr>
+          <p:cNvPr id="5" name="圖片 4"/>
+          <p:cNvPicPr>
+            <a:picLocks noChangeAspect="1"/>
+          </p:cNvPicPr>
+          <p:nvPr/>
+        </p:nvPicPr>
+        <p:blipFill>
+          <a:blip r:embed="rId3"/>
+          <a:stretch>
+            <a:fillRect/>
+          </a:stretch>
+        </p:blipFill>
+        <p:spPr>
+          <a:xfrm>
+            <a:off x="6749877" y="2666809"/>
+            <a:ext cx="5048250" cy="1762125"/>
+          </a:xfrm>
+          <a:prstGeom prst="rect">
+            <a:avLst/>
+          </a:prstGeom>
+        </p:spPr>
+      </p:pic>
+    </p:spTree>
+    <p:extLst>
+      <p:ext uri="{BB962C8B-B14F-4D97-AF65-F5344CB8AC3E}">
+        <p14:creationId xmlns:p14="http://schemas.microsoft.com/office/powerpoint/2010/main" val="3946003581"/>
+      </p:ext>
+    </p:extLst>
+  </p:cSld>
+  <p:clrMapOvr>
+    <a:masterClrMapping/>
+  </p:clrMapOvr>
+  <p:timing>
+    <p:tnLst>
+      <p:par>
+        <p:cTn id="1" dur="indefinite" restart="never" nodeType="tmRoot"/>
+      </p:par>
+    </p:tnLst>
+  </p:timing>
+</p:sld>
+</file>
+
+<file path=ppt/slides/slide11.xml><?xml version="1.0" encoding="utf-8"?>
+<p:sld xmlns:a="http://schemas.openxmlformats.org/drawingml/2006/main" xmlns:r="http://schemas.openxmlformats.org/officeDocument/2006/relationships" xmlns:p="http://schemas.openxmlformats.org/presentationml/2006/main">
+  <p:cSld>
+    <p:spTree>
+      <p:nvGrpSpPr>
+        <p:cNvPr id="1" name=""/>
+        <p:cNvGrpSpPr/>
+        <p:nvPr/>
+      </p:nvGrpSpPr>
+      <p:grpSpPr>
+        <a:xfrm>
+          <a:off x="0" y="0"/>
+          <a:ext cx="0" cy="0"/>
+          <a:chOff x="0" y="0"/>
+          <a:chExt cx="0" cy="0"/>
+        </a:xfrm>
+      </p:grpSpPr>
+      <p:sp>
+        <p:nvSpPr>
+          <p:cNvPr id="2" name="標題 1"/>
+          <p:cNvSpPr>
+            <a:spLocks noGrp="1"/>
+          </p:cNvSpPr>
+          <p:nvPr>
+            <p:ph type="title"/>
+          </p:nvPr>
+        </p:nvSpPr>
+        <p:spPr/>
+        <p:txBody>
+          <a:bodyPr/>
+          <a:lstStyle/>
+          <a:p>
+            <a:r>
+              <a:rPr lang="zh-TW" altLang="en-US" dirty="0" smtClean="0"/>
               <a:t>練習二</a:t>
             </a:r>
             <a:r>
@@ -6180,6 +6314,290 @@
           </a:p>
         </p:txBody>
       </p:sp>
+      <p:grpSp>
+        <p:nvGrpSpPr>
+          <p:cNvPr id="5" name="群組 4"/>
+          <p:cNvGrpSpPr/>
+          <p:nvPr/>
+        </p:nvGrpSpPr>
+        <p:grpSpPr>
+          <a:xfrm>
+            <a:off x="6510146" y="3811424"/>
+            <a:ext cx="4908613" cy="2863696"/>
+            <a:chOff x="8833104" y="502920"/>
+            <a:chExt cx="2587752" cy="1427480"/>
+          </a:xfrm>
+        </p:grpSpPr>
+        <p:sp>
+          <p:nvSpPr>
+            <p:cNvPr id="6" name="圓角矩形 5"/>
+            <p:cNvSpPr/>
+            <p:nvPr/>
+          </p:nvSpPr>
+          <p:spPr>
+            <a:xfrm>
+              <a:off x="8833104" y="502920"/>
+              <a:ext cx="2587752" cy="1197864"/>
+            </a:xfrm>
+            <a:prstGeom prst="roundRect">
+              <a:avLst/>
+            </a:prstGeom>
+            <a:solidFill>
+              <a:schemeClr val="tx1"/>
+            </a:solidFill>
+            <a:ln>
+              <a:solidFill>
+                <a:schemeClr val="tx1"/>
+              </a:solidFill>
+            </a:ln>
+          </p:spPr>
+          <p:style>
+            <a:lnRef idx="2">
+              <a:schemeClr val="accent1">
+                <a:shade val="50000"/>
+              </a:schemeClr>
+            </a:lnRef>
+            <a:fillRef idx="1">
+              <a:schemeClr val="accent1"/>
+            </a:fillRef>
+            <a:effectRef idx="0">
+              <a:schemeClr val="accent1"/>
+            </a:effectRef>
+            <a:fontRef idx="minor">
+              <a:schemeClr val="lt1"/>
+            </a:fontRef>
+          </p:style>
+          <p:txBody>
+            <a:bodyPr rtlCol="0" anchor="ctr"/>
+            <a:lstStyle/>
+            <a:p>
+              <a:pPr algn="ctr"/>
+              <a:endParaRPr lang="zh-TW" altLang="en-US"/>
+            </a:p>
+          </p:txBody>
+        </p:sp>
+        <p:sp>
+          <p:nvSpPr>
+            <p:cNvPr id="7" name="矩形 6"/>
+            <p:cNvSpPr/>
+            <p:nvPr/>
+          </p:nvSpPr>
+          <p:spPr>
+            <a:xfrm>
+              <a:off x="8942832" y="609600"/>
+              <a:ext cx="2386584" cy="999744"/>
+            </a:xfrm>
+            <a:prstGeom prst="rect">
+              <a:avLst/>
+            </a:prstGeom>
+            <a:solidFill>
+              <a:schemeClr val="bg2">
+                <a:lumMod val="90000"/>
+              </a:schemeClr>
+            </a:solidFill>
+            <a:ln>
+              <a:solidFill>
+                <a:schemeClr val="tx1"/>
+              </a:solidFill>
+            </a:ln>
+          </p:spPr>
+          <p:style>
+            <a:lnRef idx="2">
+              <a:schemeClr val="accent1">
+                <a:shade val="50000"/>
+              </a:schemeClr>
+            </a:lnRef>
+            <a:fillRef idx="1">
+              <a:schemeClr val="accent1"/>
+            </a:fillRef>
+            <a:effectRef idx="0">
+              <a:schemeClr val="accent1"/>
+            </a:effectRef>
+            <a:fontRef idx="minor">
+              <a:schemeClr val="lt1"/>
+            </a:fontRef>
+          </p:style>
+          <p:txBody>
+            <a:bodyPr rtlCol="0" anchor="t"/>
+            <a:lstStyle/>
+            <a:p>
+              <a:r>
+                <a:rPr lang="zh-TW" altLang="en-US" dirty="0" smtClean="0">
+                  <a:solidFill>
+                    <a:schemeClr val="tx1"/>
+                  </a:solidFill>
+                </a:rPr>
+                <a:t>第一科成績</a:t>
+              </a:r>
+              <a:r>
+                <a:rPr lang="en-US" altLang="zh-TW" dirty="0" smtClean="0">
+                  <a:solidFill>
+                    <a:schemeClr val="tx1"/>
+                  </a:solidFill>
+                </a:rPr>
+                <a:t>=</a:t>
+              </a:r>
+              <a:r>
+                <a:rPr lang="en-US" altLang="zh-TW" dirty="0" smtClean="0">
+                  <a:solidFill>
+                    <a:srgbClr val="0070C0"/>
+                  </a:solidFill>
+                </a:rPr>
+                <a:t>88</a:t>
+              </a:r>
+              <a:endParaRPr lang="en-US" altLang="zh-TW" dirty="0" smtClean="0">
+                <a:solidFill>
+                  <a:schemeClr val="tx1"/>
+                </a:solidFill>
+              </a:endParaRPr>
+            </a:p>
+            <a:p>
+              <a:r>
+                <a:rPr lang="zh-TW" altLang="en-US" dirty="0" smtClean="0">
+                  <a:solidFill>
+                    <a:schemeClr val="tx1"/>
+                  </a:solidFill>
+                </a:rPr>
+                <a:t>第二科</a:t>
+              </a:r>
+              <a:r>
+                <a:rPr lang="zh-TW" altLang="en-US" dirty="0">
+                  <a:solidFill>
+                    <a:schemeClr val="tx1"/>
+                  </a:solidFill>
+                </a:rPr>
+                <a:t>成績</a:t>
+              </a:r>
+              <a:r>
+                <a:rPr lang="en-US" altLang="zh-TW" dirty="0" smtClean="0">
+                  <a:solidFill>
+                    <a:schemeClr val="tx1"/>
+                  </a:solidFill>
+                </a:rPr>
+                <a:t>=</a:t>
+              </a:r>
+              <a:r>
+                <a:rPr lang="en-US" altLang="zh-TW" dirty="0" smtClean="0">
+                  <a:solidFill>
+                    <a:srgbClr val="0070C0"/>
+                  </a:solidFill>
+                </a:rPr>
+                <a:t>90</a:t>
+              </a:r>
+            </a:p>
+            <a:p>
+              <a:r>
+                <a:rPr lang="zh-TW" altLang="en-US" dirty="0" smtClean="0">
+                  <a:solidFill>
+                    <a:schemeClr val="tx1"/>
+                  </a:solidFill>
+                </a:rPr>
+                <a:t>第三科</a:t>
+              </a:r>
+              <a:r>
+                <a:rPr lang="zh-TW" altLang="en-US" dirty="0">
+                  <a:solidFill>
+                    <a:schemeClr val="tx1"/>
+                  </a:solidFill>
+                </a:rPr>
+                <a:t>成績</a:t>
+              </a:r>
+              <a:r>
+                <a:rPr lang="en-US" altLang="zh-TW" dirty="0" smtClean="0">
+                  <a:solidFill>
+                    <a:schemeClr val="tx1"/>
+                  </a:solidFill>
+                </a:rPr>
+                <a:t>=</a:t>
+              </a:r>
+              <a:r>
+                <a:rPr lang="en-US" altLang="zh-TW" dirty="0" smtClean="0">
+                  <a:solidFill>
+                    <a:srgbClr val="0070C0"/>
+                  </a:solidFill>
+                </a:rPr>
+                <a:t>70</a:t>
+              </a:r>
+              <a:endParaRPr lang="zh-TW" altLang="en-US" dirty="0">
+                <a:solidFill>
+                  <a:srgbClr val="0070C0"/>
+                </a:solidFill>
+              </a:endParaRPr>
+            </a:p>
+            <a:p>
+              <a:r>
+                <a:rPr lang="zh-TW" altLang="en-US" dirty="0">
+                  <a:solidFill>
+                    <a:schemeClr val="tx1"/>
+                  </a:solidFill>
+                </a:rPr>
+                <a:t>三科成績總和</a:t>
+              </a:r>
+              <a:r>
+                <a:rPr lang="en-US" altLang="zh-TW" dirty="0" smtClean="0">
+                  <a:solidFill>
+                    <a:schemeClr val="tx1"/>
+                  </a:solidFill>
+                </a:rPr>
+                <a:t>=248</a:t>
+              </a:r>
+              <a:endParaRPr lang="zh-TW" altLang="en-US" dirty="0">
+                <a:solidFill>
+                  <a:schemeClr val="tx1"/>
+                </a:solidFill>
+              </a:endParaRPr>
+            </a:p>
+          </p:txBody>
+        </p:sp>
+        <p:sp>
+          <p:nvSpPr>
+            <p:cNvPr id="8" name="梯形 7"/>
+            <p:cNvSpPr/>
+            <p:nvPr/>
+          </p:nvSpPr>
+          <p:spPr>
+            <a:xfrm>
+              <a:off x="9811512" y="1700784"/>
+              <a:ext cx="713232" cy="229616"/>
+            </a:xfrm>
+            <a:prstGeom prst="trapezoid">
+              <a:avLst/>
+            </a:prstGeom>
+            <a:solidFill>
+              <a:schemeClr val="tx1"/>
+            </a:solidFill>
+            <a:ln>
+              <a:solidFill>
+                <a:schemeClr val="tx1"/>
+              </a:solidFill>
+            </a:ln>
+          </p:spPr>
+          <p:style>
+            <a:lnRef idx="2">
+              <a:schemeClr val="accent1">
+                <a:shade val="50000"/>
+              </a:schemeClr>
+            </a:lnRef>
+            <a:fillRef idx="1">
+              <a:schemeClr val="accent1"/>
+            </a:fillRef>
+            <a:effectRef idx="0">
+              <a:schemeClr val="accent1"/>
+            </a:effectRef>
+            <a:fontRef idx="minor">
+              <a:schemeClr val="lt1"/>
+            </a:fontRef>
+          </p:style>
+          <p:txBody>
+            <a:bodyPr rtlCol="0" anchor="ctr"/>
+            <a:lstStyle/>
+            <a:p>
+              <a:pPr algn="ctr"/>
+              <a:endParaRPr lang="zh-TW" altLang="en-US"/>
+            </a:p>
+          </p:txBody>
+        </p:sp>
+      </p:grpSp>
     </p:spTree>
     <p:extLst>
       <p:ext uri="{BB962C8B-B14F-4D97-AF65-F5344CB8AC3E}">
@@ -6193,14 +6611,82 @@
   <p:timing>
     <p:tnLst>
       <p:par>
-        <p:cTn id="1" dur="indefinite" restart="never" nodeType="tmRoot"/>
+        <p:cTn id="1" dur="indefinite" restart="never" nodeType="tmRoot">
+          <p:childTnLst>
+            <p:seq concurrent="1" nextAc="seek">
+              <p:cTn id="2" dur="indefinite" nodeType="mainSeq">
+                <p:childTnLst>
+                  <p:par>
+                    <p:cTn id="3" fill="hold">
+                      <p:stCondLst>
+                        <p:cond delay="indefinite"/>
+                      </p:stCondLst>
+                      <p:childTnLst>
+                        <p:par>
+                          <p:cTn id="4" fill="hold">
+                            <p:stCondLst>
+                              <p:cond delay="0"/>
+                            </p:stCondLst>
+                            <p:childTnLst>
+                              <p:par>
+                                <p:cTn id="5" presetID="1" presetClass="entr" presetSubtype="0" fill="hold" nodeType="clickEffect">
+                                  <p:stCondLst>
+                                    <p:cond delay="0"/>
+                                  </p:stCondLst>
+                                  <p:childTnLst>
+                                    <p:set>
+                                      <p:cBhvr>
+                                        <p:cTn id="6" dur="1" fill="hold">
+                                          <p:stCondLst>
+                                            <p:cond delay="0"/>
+                                          </p:stCondLst>
+                                        </p:cTn>
+                                        <p:tgtEl>
+                                          <p:spTgt spid="5"/>
+                                        </p:tgtEl>
+                                        <p:attrNameLst>
+                                          <p:attrName>style.visibility</p:attrName>
+                                        </p:attrNameLst>
+                                      </p:cBhvr>
+                                      <p:to>
+                                        <p:strVal val="visible"/>
+                                      </p:to>
+                                    </p:set>
+                                  </p:childTnLst>
+                                </p:cTn>
+                              </p:par>
+                            </p:childTnLst>
+                          </p:cTn>
+                        </p:par>
+                      </p:childTnLst>
+                    </p:cTn>
+                  </p:par>
+                </p:childTnLst>
+              </p:cTn>
+              <p:prevCondLst>
+                <p:cond evt="onPrev" delay="0">
+                  <p:tgtEl>
+                    <p:sldTgt/>
+                  </p:tgtEl>
+                </p:cond>
+              </p:prevCondLst>
+              <p:nextCondLst>
+                <p:cond evt="onNext" delay="0">
+                  <p:tgtEl>
+                    <p:sldTgt/>
+                  </p:tgtEl>
+                </p:cond>
+              </p:nextCondLst>
+            </p:seq>
+          </p:childTnLst>
+        </p:cTn>
       </p:par>
     </p:tnLst>
   </p:timing>
 </p:sld>
 </file>
 
-<file path=ppt/slides/slide11.xml><?xml version="1.0" encoding="utf-8"?>
+<file path=ppt/slides/slide12.xml><?xml version="1.0" encoding="utf-8"?>
 <p:sld xmlns:a="http://schemas.openxmlformats.org/drawingml/2006/main" xmlns:r="http://schemas.openxmlformats.org/officeDocument/2006/relationships" xmlns:p="http://schemas.openxmlformats.org/presentationml/2006/main">
   <p:cSld>
     <p:spTree>
@@ -6327,7 +6813,7 @@
 </p:sld>
 </file>
 
-<file path=ppt/slides/slide12.xml><?xml version="1.0" encoding="utf-8"?>
+<file path=ppt/slides/slide13.xml><?xml version="1.0" encoding="utf-8"?>
 <p:sld xmlns:a="http://schemas.openxmlformats.org/drawingml/2006/main" xmlns:r="http://schemas.openxmlformats.org/officeDocument/2006/relationships" xmlns:p="http://schemas.openxmlformats.org/presentationml/2006/main">
   <p:cSld>
     <p:spTree>
@@ -6382,8 +6868,8 @@
           </a:p>
         </p:txBody>
       </p:sp>
-      <mc:AlternateContent xmlns:mc="http://schemas.openxmlformats.org/markup-compatibility/2006">
-        <mc:Choice xmlns:a14="http://schemas.microsoft.com/office/drawing/2010/main" Requires="a14">
+      <mc:AlternateContent xmlns:mc="http://schemas.openxmlformats.org/markup-compatibility/2006" xmlns:a14="http://schemas.microsoft.com/office/drawing/2010/main">
+        <mc:Choice Requires="a14">
           <p:sp>
             <p:nvSpPr>
               <p:cNvPr id="3" name="內容版面配置區 2"/>
@@ -6678,7 +7164,7 @@
             </p:txBody>
           </p:sp>
         </mc:Choice>
-        <mc:Fallback>
+        <mc:Fallback xmlns="">
           <p:sp>
             <p:nvSpPr>
               <p:cNvPr id="3" name="內容版面配置區 2"/>
@@ -7160,7 +7646,7 @@
 </p:sld>
 </file>
 
-<file path=ppt/slides/slide13.xml><?xml version="1.0" encoding="utf-8"?>
+<file path=ppt/slides/slide14.xml><?xml version="1.0" encoding="utf-8"?>
 <p:sld xmlns:a="http://schemas.openxmlformats.org/drawingml/2006/main" xmlns:r="http://schemas.openxmlformats.org/officeDocument/2006/relationships" xmlns:p="http://schemas.openxmlformats.org/presentationml/2006/main">
   <p:cSld>
     <p:spTree>
@@ -7266,354 +7752,7 @@
 </p:sld>
 </file>
 
-<file path=ppt/slides/slide14.xml><?xml version="1.0" encoding="utf-8"?>
-<p:sld xmlns:a="http://schemas.openxmlformats.org/drawingml/2006/main" xmlns:r="http://schemas.openxmlformats.org/officeDocument/2006/relationships" xmlns:p="http://schemas.openxmlformats.org/presentationml/2006/main">
-  <p:cSld>
-    <p:spTree>
-      <p:nvGrpSpPr>
-        <p:cNvPr id="1" name=""/>
-        <p:cNvGrpSpPr/>
-        <p:nvPr/>
-      </p:nvGrpSpPr>
-      <p:grpSpPr>
-        <a:xfrm>
-          <a:off x="0" y="0"/>
-          <a:ext cx="0" cy="0"/>
-          <a:chOff x="0" y="0"/>
-          <a:chExt cx="0" cy="0"/>
-        </a:xfrm>
-      </p:grpSpPr>
-      <p:sp>
-        <p:nvSpPr>
-          <p:cNvPr id="4" name="標題 3"/>
-          <p:cNvSpPr>
-            <a:spLocks noGrp="1"/>
-          </p:cNvSpPr>
-          <p:nvPr>
-            <p:ph type="title"/>
-          </p:nvPr>
-        </p:nvSpPr>
-        <p:spPr/>
-        <p:txBody>
-          <a:bodyPr/>
-          <a:lstStyle/>
-          <a:p>
-            <a:r>
-              <a:rPr lang="zh-TW" altLang="en-US" dirty="0" smtClean="0"/>
-              <a:t>物件導向初探</a:t>
-            </a:r>
-            <a:endParaRPr lang="zh-TW" altLang="en-US" dirty="0"/>
-          </a:p>
-        </p:txBody>
-      </p:sp>
-      <p:sp>
-        <p:nvSpPr>
-          <p:cNvPr id="5" name="文字版面配置區 4"/>
-          <p:cNvSpPr>
-            <a:spLocks noGrp="1"/>
-          </p:cNvSpPr>
-          <p:nvPr>
-            <p:ph type="body" idx="1"/>
-          </p:nvPr>
-        </p:nvSpPr>
-        <p:spPr/>
-        <p:txBody>
-          <a:bodyPr/>
-          <a:lstStyle/>
-          <a:p>
-            <a:r>
-              <a:rPr lang="zh-TW" altLang="en-US" dirty="0" smtClean="0"/>
-              <a:t>很粗淺的物件導向概念解說</a:t>
-            </a:r>
-            <a:endParaRPr lang="zh-TW" altLang="en-US" dirty="0"/>
-          </a:p>
-        </p:txBody>
-      </p:sp>
-    </p:spTree>
-    <p:extLst>
-      <p:ext uri="{BB962C8B-B14F-4D97-AF65-F5344CB8AC3E}">
-        <p14:creationId xmlns:p14="http://schemas.microsoft.com/office/powerpoint/2010/main" val="1545178772"/>
-      </p:ext>
-    </p:extLst>
-  </p:cSld>
-  <p:clrMapOvr>
-    <a:masterClrMapping/>
-  </p:clrMapOvr>
-  <p:timing>
-    <p:tnLst>
-      <p:par>
-        <p:cTn id="1" dur="indefinite" restart="never" nodeType="tmRoot"/>
-      </p:par>
-    </p:tnLst>
-  </p:timing>
-</p:sld>
-</file>
-
 <file path=ppt/slides/slide15.xml><?xml version="1.0" encoding="utf-8"?>
-<p:sld xmlns:a="http://schemas.openxmlformats.org/drawingml/2006/main" xmlns:r="http://schemas.openxmlformats.org/officeDocument/2006/relationships" xmlns:p="http://schemas.openxmlformats.org/presentationml/2006/main">
-  <p:cSld>
-    <p:spTree>
-      <p:nvGrpSpPr>
-        <p:cNvPr id="1" name=""/>
-        <p:cNvGrpSpPr/>
-        <p:nvPr/>
-      </p:nvGrpSpPr>
-      <p:grpSpPr>
-        <a:xfrm>
-          <a:off x="0" y="0"/>
-          <a:ext cx="0" cy="0"/>
-          <a:chOff x="0" y="0"/>
-          <a:chExt cx="0" cy="0"/>
-        </a:xfrm>
-      </p:grpSpPr>
-      <p:sp>
-        <p:nvSpPr>
-          <p:cNvPr id="4" name="標題 3"/>
-          <p:cNvSpPr>
-            <a:spLocks noGrp="1"/>
-          </p:cNvSpPr>
-          <p:nvPr>
-            <p:ph type="title"/>
-          </p:nvPr>
-        </p:nvSpPr>
-        <p:spPr/>
-        <p:txBody>
-          <a:bodyPr/>
-          <a:lstStyle/>
-          <a:p>
-            <a:r>
-              <a:rPr lang="zh-TW" altLang="en-US" dirty="0"/>
-              <a:t>物件導向初</a:t>
-            </a:r>
-            <a:r>
-              <a:rPr lang="zh-TW" altLang="en-US" dirty="0" smtClean="0"/>
-              <a:t>探 </a:t>
-            </a:r>
-            <a:r>
-              <a:rPr lang="en-US" altLang="zh-TW" dirty="0" smtClean="0"/>
-              <a:t>-- </a:t>
-            </a:r>
-            <a:r>
-              <a:rPr lang="zh-TW" altLang="en-US" dirty="0" smtClean="0">
-                <a:solidFill>
-                  <a:srgbClr val="C00000"/>
-                </a:solidFill>
-              </a:rPr>
-              <a:t>類別</a:t>
-            </a:r>
-            <a:endParaRPr lang="zh-TW" altLang="en-US" dirty="0">
-              <a:solidFill>
-                <a:srgbClr val="C00000"/>
-              </a:solidFill>
-            </a:endParaRPr>
-          </a:p>
-        </p:txBody>
-      </p:sp>
-      <p:sp>
-        <p:nvSpPr>
-          <p:cNvPr id="5" name="內容版面配置區 4"/>
-          <p:cNvSpPr>
-            <a:spLocks noGrp="1"/>
-          </p:cNvSpPr>
-          <p:nvPr>
-            <p:ph idx="1"/>
-          </p:nvPr>
-        </p:nvSpPr>
-        <p:spPr/>
-        <p:txBody>
-          <a:bodyPr/>
-          <a:lstStyle/>
-          <a:p>
-            <a:r>
-              <a:rPr lang="zh-TW" altLang="en-US" dirty="0" smtClean="0"/>
-              <a:t>類別就像是規格書</a:t>
-            </a:r>
-            <a:endParaRPr lang="en-US" altLang="zh-TW" dirty="0" smtClean="0"/>
-          </a:p>
-          <a:p>
-            <a:r>
-              <a:rPr lang="zh-TW" altLang="en-US" dirty="0" smtClean="0"/>
-              <a:t>描述一個產品的各種特性</a:t>
-            </a:r>
-            <a:r>
-              <a:rPr lang="en-US" altLang="zh-TW" dirty="0" smtClean="0"/>
-              <a:t>(</a:t>
-            </a:r>
-            <a:r>
-              <a:rPr lang="zh-TW" altLang="en-US" b="1" dirty="0" smtClean="0">
-                <a:solidFill>
-                  <a:srgbClr val="C00000"/>
-                </a:solidFill>
-              </a:rPr>
-              <a:t>屬性</a:t>
-            </a:r>
-            <a:r>
-              <a:rPr lang="en-US" altLang="zh-TW" dirty="0" smtClean="0"/>
-              <a:t>)</a:t>
-            </a:r>
-            <a:r>
-              <a:rPr lang="zh-TW" altLang="en-US" dirty="0" smtClean="0"/>
-              <a:t>，例如外觀、重量、尺寸、價格</a:t>
-            </a:r>
-            <a:r>
-              <a:rPr lang="en-US" altLang="zh-TW" dirty="0" smtClean="0"/>
-              <a:t>…..</a:t>
-            </a:r>
-          </a:p>
-          <a:p>
-            <a:r>
-              <a:rPr lang="zh-TW" altLang="en-US" dirty="0"/>
-              <a:t>描述一個產品的</a:t>
-            </a:r>
-            <a:r>
-              <a:rPr lang="zh-TW" altLang="en-US" dirty="0" smtClean="0"/>
-              <a:t>操作方法</a:t>
-            </a:r>
-            <a:r>
-              <a:rPr lang="en-US" altLang="zh-TW" dirty="0" smtClean="0"/>
-              <a:t>(</a:t>
-            </a:r>
-            <a:r>
-              <a:rPr lang="zh-TW" altLang="en-US" b="1" dirty="0" smtClean="0">
-                <a:solidFill>
-                  <a:srgbClr val="C00000"/>
-                </a:solidFill>
-              </a:rPr>
-              <a:t>方法</a:t>
-            </a:r>
-            <a:r>
-              <a:rPr lang="en-US" altLang="zh-TW" dirty="0" smtClean="0"/>
-              <a:t>)</a:t>
-            </a:r>
-            <a:r>
-              <a:rPr lang="zh-TW" altLang="en-US" dirty="0" smtClean="0"/>
-              <a:t>，例如汽車的發動、關閉、前進、後退、轉彎</a:t>
-            </a:r>
-            <a:r>
-              <a:rPr lang="en-US" altLang="zh-TW" dirty="0" smtClean="0"/>
-              <a:t>….</a:t>
-            </a:r>
-          </a:p>
-          <a:p>
-            <a:r>
-              <a:rPr lang="zh-TW" altLang="en-US" dirty="0" smtClean="0"/>
-              <a:t>透過規格書，我們知道某類東西的各種特性與操作方法，但是</a:t>
-            </a:r>
-            <a:r>
-              <a:rPr lang="zh-TW" altLang="en-US" dirty="0"/>
-              <a:t>汽車</a:t>
-            </a:r>
-            <a:r>
-              <a:rPr lang="zh-TW" altLang="en-US" dirty="0" smtClean="0"/>
-              <a:t>規格書不是真的汽車，我們</a:t>
-            </a:r>
-            <a:r>
-              <a:rPr lang="zh-TW" altLang="en-US" dirty="0" smtClean="0">
-                <a:solidFill>
-                  <a:srgbClr val="C00000"/>
-                </a:solidFill>
-              </a:rPr>
-              <a:t>沒辦法</a:t>
-            </a:r>
-            <a:r>
-              <a:rPr lang="en-US" altLang="zh-TW" dirty="0" smtClean="0">
-                <a:solidFill>
-                  <a:srgbClr val="C00000"/>
-                </a:solidFill>
-              </a:rPr>
-              <a:t>”</a:t>
-            </a:r>
-            <a:r>
-              <a:rPr lang="zh-TW" altLang="en-US" dirty="0" smtClean="0">
-                <a:solidFill>
-                  <a:srgbClr val="C00000"/>
-                </a:solidFill>
-              </a:rPr>
-              <a:t>駕駛汽車規格書</a:t>
-            </a:r>
-            <a:r>
-              <a:rPr lang="en-US" altLang="zh-TW" dirty="0" smtClean="0">
-                <a:solidFill>
-                  <a:srgbClr val="C00000"/>
-                </a:solidFill>
-              </a:rPr>
-              <a:t>”</a:t>
-            </a:r>
-            <a:r>
-              <a:rPr lang="zh-TW" altLang="en-US" dirty="0" smtClean="0"/>
-              <a:t>！</a:t>
-            </a:r>
-            <a:endParaRPr lang="en-US" altLang="zh-TW" dirty="0" smtClean="0"/>
-          </a:p>
-          <a:p>
-            <a:r>
-              <a:rPr lang="zh-TW" altLang="en-US" dirty="0"/>
-              <a:t>有了規格書，必須要依照規格書去生產</a:t>
-            </a:r>
-            <a:r>
-              <a:rPr lang="zh-TW" altLang="en-US" dirty="0" smtClean="0"/>
-              <a:t>製造出真的產品，例如生產出一台汽車。</a:t>
-            </a:r>
-            <a:endParaRPr lang="en-US" altLang="zh-TW" dirty="0" smtClean="0"/>
-          </a:p>
-          <a:p>
-            <a:r>
-              <a:rPr lang="zh-TW" altLang="en-US" dirty="0"/>
-              <a:t>我們才可以開真的汽車，而</a:t>
-            </a:r>
-            <a:r>
-              <a:rPr lang="zh-TW" altLang="en-US" dirty="0" smtClean="0"/>
-              <a:t>不是</a:t>
-            </a:r>
-            <a:r>
-              <a:rPr lang="en-US" altLang="zh-TW" dirty="0" smtClean="0"/>
-              <a:t>”</a:t>
-            </a:r>
-            <a:r>
-              <a:rPr lang="zh-TW" altLang="en-US" dirty="0" smtClean="0"/>
-              <a:t>駕駛</a:t>
-            </a:r>
-            <a:r>
-              <a:rPr lang="zh-TW" altLang="en-US" dirty="0"/>
-              <a:t>規格</a:t>
-            </a:r>
-            <a:r>
-              <a:rPr lang="zh-TW" altLang="en-US" dirty="0" smtClean="0"/>
-              <a:t>書</a:t>
-            </a:r>
-            <a:r>
-              <a:rPr lang="en-US" altLang="zh-TW" dirty="0" smtClean="0"/>
-              <a:t>”</a:t>
-            </a:r>
-            <a:r>
-              <a:rPr lang="zh-TW" altLang="en-US" dirty="0" smtClean="0"/>
-              <a:t>。</a:t>
-            </a:r>
-            <a:endParaRPr lang="zh-TW" altLang="en-US" dirty="0"/>
-          </a:p>
-        </p:txBody>
-      </p:sp>
-    </p:spTree>
-    <p:extLst>
-      <p:ext uri="{BB962C8B-B14F-4D97-AF65-F5344CB8AC3E}">
-        <p14:creationId xmlns:p14="http://schemas.microsoft.com/office/powerpoint/2010/main" val="4016429832"/>
-      </p:ext>
-    </p:extLst>
-  </p:cSld>
-  <p:clrMapOvr>
-    <a:masterClrMapping/>
-  </p:clrMapOvr>
-  <p:timing>
-    <p:tnLst>
-      <p:par>
-        <p:cTn id="1" dur="indefinite" restart="never" nodeType="tmRoot"/>
-      </p:par>
-    </p:tnLst>
-  </p:timing>
-</p:sld>
-</file>
-
-<file path=ppt/slides/slide16.xml><?xml version="1.0" encoding="utf-8"?>
 <p:sld xmlns:a="http://schemas.openxmlformats.org/drawingml/2006/main" xmlns:r="http://schemas.openxmlformats.org/officeDocument/2006/relationships" xmlns:p="http://schemas.openxmlformats.org/presentationml/2006/main">
   <p:cSld>
     <p:spTree>
@@ -7646,20 +7785,497 @@
           <a:lstStyle/>
           <a:p>
             <a:r>
+              <a:rPr lang="zh-TW" altLang="en-US" dirty="0" smtClean="0"/>
+              <a:t>練習四</a:t>
+            </a:r>
+            <a:r>
+              <a:rPr lang="en-US" altLang="zh-TW" dirty="0" smtClean="0"/>
+              <a:t/>
+            </a:r>
+            <a:br>
+              <a:rPr lang="en-US" altLang="zh-TW" dirty="0" smtClean="0"/>
+            </a:br>
+            <a:r>
               <a:rPr lang="zh-TW" altLang="en-US" dirty="0"/>
-              <a:t>物件導向初探 </a:t>
-            </a:r>
-            <a:r>
-              <a:rPr lang="en-US" altLang="zh-TW" dirty="0"/>
-              <a:t>--</a:t>
-            </a:r>
-            <a:r>
-              <a:rPr lang="zh-TW" altLang="en-US" dirty="0" smtClean="0">
+              <a:t>溫度</a:t>
+            </a:r>
+            <a:r>
+              <a:rPr lang="zh-TW" altLang="en-US" dirty="0" smtClean="0"/>
+              <a:t>轉換，華氏轉攝氏</a:t>
+            </a:r>
+            <a:endParaRPr lang="zh-TW" altLang="en-US" dirty="0"/>
+          </a:p>
+        </p:txBody>
+      </p:sp>
+      <mc:AlternateContent xmlns:mc="http://schemas.openxmlformats.org/markup-compatibility/2006" xmlns:a14="http://schemas.microsoft.com/office/drawing/2010/main">
+        <mc:Choice Requires="a14">
+          <p:sp>
+            <p:nvSpPr>
+              <p:cNvPr id="3" name="內容版面配置區 2"/>
+              <p:cNvSpPr>
+                <a:spLocks noGrp="1"/>
+              </p:cNvSpPr>
+              <p:nvPr>
+                <p:ph idx="1"/>
+              </p:nvPr>
+            </p:nvSpPr>
+            <p:spPr/>
+            <p:txBody>
+              <a:bodyPr/>
+              <a:lstStyle/>
+              <a:p>
+                <a:r>
+                  <a:rPr lang="zh-TW" altLang="en-US" dirty="0" smtClean="0"/>
+                  <a:t>請設計一個程式，讓我可以輸入華氏溫度，</a:t>
+                </a:r>
+                <a:r>
+                  <a:rPr lang="zh-TW" altLang="en-US" dirty="0"/>
+                  <a:t>然後</a:t>
+                </a:r>
+                <a:r>
+                  <a:rPr lang="zh-TW" altLang="en-US" dirty="0" smtClean="0"/>
+                  <a:t>顯示相對的攝氏溫度</a:t>
+                </a:r>
+                <a:endParaRPr lang="en-US" altLang="zh-TW" dirty="0" smtClean="0"/>
+              </a:p>
+              <a:p>
+                <a:r>
+                  <a:rPr lang="zh-TW" altLang="en-US" dirty="0" smtClean="0"/>
+                  <a:t>考慮</a:t>
+                </a:r>
+                <a:r>
+                  <a:rPr lang="zh-TW" altLang="en-US" dirty="0"/>
+                  <a:t>重點：</a:t>
+                </a:r>
+              </a:p>
+              <a:p>
+                <a:pPr lvl="1"/>
+                <a:r>
+                  <a:rPr lang="zh-TW" altLang="en-US" dirty="0"/>
+                  <a:t>輸入：</a:t>
+                </a:r>
+                <a:r>
+                  <a:rPr lang="zh-TW" altLang="en-US" dirty="0" smtClean="0"/>
+                  <a:t>華氏溫度</a:t>
+                </a:r>
+                <a:endParaRPr lang="en-US" altLang="zh-TW" dirty="0" smtClean="0"/>
+              </a:p>
+              <a:p>
+                <a:pPr lvl="1"/>
+                <a:r>
+                  <a:rPr lang="zh-TW" altLang="en-US" dirty="0" smtClean="0"/>
+                  <a:t>運算：溫度轉換公式？</a:t>
+                </a:r>
+                <a:endParaRPr lang="en-US" altLang="zh-TW" dirty="0" smtClean="0"/>
+              </a:p>
+              <a:p>
+                <a:pPr lvl="2"/>
+                <a:r>
+                  <a:rPr lang="zh-TW" altLang="en-US" dirty="0" smtClean="0">
+                    <a:ea typeface="Cambria Math" panose="02040503050406030204" pitchFamily="18" charset="0"/>
+                  </a:rPr>
+                  <a:t>攝氏溫度</a:t>
+                </a:r>
+                <a14:m>
+                  <m:oMath xmlns:m="http://schemas.openxmlformats.org/officeDocument/2006/math">
+                    <m:r>
+                      <a:rPr lang="en-US" altLang="zh-TW" i="1" dirty="0">
+                        <a:latin typeface="Cambria Math" panose="02040503050406030204" pitchFamily="18" charset="0"/>
+                        <a:ea typeface="Cambria Math" panose="02040503050406030204" pitchFamily="18" charset="0"/>
+                      </a:rPr>
+                      <m:t>=(</m:t>
+                    </m:r>
+                    <m:r>
+                      <m:rPr>
+                        <m:nor/>
+                      </m:rPr>
+                      <a:rPr lang="zh-TW" altLang="en-US" dirty="0"/>
+                      <m:t>華氏溫度 </m:t>
+                    </m:r>
+                    <m:r>
+                      <m:rPr>
+                        <m:nor/>
+                      </m:rPr>
+                      <a:rPr lang="en-US" altLang="zh-TW" dirty="0"/>
+                      <m:t>− 32)</m:t>
+                    </m:r>
+                    <m:r>
+                      <a:rPr lang="en-US" altLang="zh-TW" i="1" smtClean="0">
+                        <a:latin typeface="Cambria Math" panose="02040503050406030204" pitchFamily="18" charset="0"/>
+                        <a:ea typeface="Cambria Math" panose="02040503050406030204" pitchFamily="18" charset="0"/>
+                      </a:rPr>
+                      <m:t>×</m:t>
+                    </m:r>
+                    <m:f>
+                      <m:fPr>
+                        <m:ctrlPr>
+                          <a:rPr lang="en-US" altLang="zh-TW" i="1" smtClean="0">
+                            <a:latin typeface="Cambria Math" panose="02040503050406030204" pitchFamily="18" charset="0"/>
+                            <a:ea typeface="Cambria Math" panose="02040503050406030204" pitchFamily="18" charset="0"/>
+                          </a:rPr>
+                        </m:ctrlPr>
+                      </m:fPr>
+                      <m:num>
+                        <m:r>
+                          <a:rPr lang="en-US" altLang="zh-TW" b="0" i="1" smtClean="0">
+                            <a:latin typeface="Cambria Math" panose="02040503050406030204" pitchFamily="18" charset="0"/>
+                            <a:ea typeface="Cambria Math" panose="02040503050406030204" pitchFamily="18" charset="0"/>
+                          </a:rPr>
+                          <m:t>5</m:t>
+                        </m:r>
+                      </m:num>
+                      <m:den>
+                        <m:r>
+                          <a:rPr lang="en-US" altLang="zh-TW" b="0" i="1" smtClean="0">
+                            <a:latin typeface="Cambria Math" panose="02040503050406030204" pitchFamily="18" charset="0"/>
+                            <a:ea typeface="Cambria Math" panose="02040503050406030204" pitchFamily="18" charset="0"/>
+                          </a:rPr>
+                          <m:t>9</m:t>
+                        </m:r>
+                      </m:den>
+                    </m:f>
+                  </m:oMath>
+                </a14:m>
+                <a:r>
+                  <a:rPr lang="en-US" altLang="zh-TW" i="1" dirty="0" smtClean="0">
+                    <a:latin typeface="Cambria Math" panose="02040503050406030204" pitchFamily="18" charset="0"/>
+                    <a:ea typeface="Cambria Math" panose="02040503050406030204" pitchFamily="18" charset="0"/>
+                  </a:rPr>
+                  <a:t> </a:t>
+                </a:r>
+                <a:r>
+                  <a:rPr lang="en-US" altLang="zh-TW" dirty="0" smtClean="0"/>
+                  <a:t>(</a:t>
+                </a:r>
+                <a:r>
+                  <a:rPr lang="zh-TW" altLang="en-US" dirty="0" smtClean="0"/>
+                  <a:t>想想怎麼來的</a:t>
+                </a:r>
+                <a:r>
+                  <a:rPr lang="en-US" altLang="zh-TW" dirty="0" smtClean="0"/>
+                  <a:t>?)</a:t>
+                </a:r>
+              </a:p>
+              <a:p>
+                <a:pPr lvl="1"/>
+                <a:r>
+                  <a:rPr lang="zh-TW" altLang="en-US" dirty="0" smtClean="0"/>
+                  <a:t>輸出：攝氏</a:t>
+                </a:r>
+                <a:r>
+                  <a:rPr lang="zh-TW" altLang="en-US" dirty="0"/>
+                  <a:t>溫度</a:t>
+                </a:r>
+                <a:endParaRPr lang="en-US" altLang="zh-TW" dirty="0"/>
+              </a:p>
+              <a:p>
+                <a:r>
+                  <a:rPr lang="zh-TW" altLang="en-US" dirty="0" smtClean="0"/>
+                  <a:t>變數</a:t>
+                </a:r>
+                <a:r>
+                  <a:rPr lang="zh-TW" altLang="en-US" dirty="0"/>
+                  <a:t>宣告：需要幾個？叫甚麼名字？</a:t>
+                </a:r>
+              </a:p>
+              <a:p>
+                <a:endParaRPr lang="zh-TW" altLang="en-US" dirty="0"/>
+              </a:p>
+            </p:txBody>
+          </p:sp>
+        </mc:Choice>
+        <mc:Fallback xmlns="">
+          <p:sp>
+            <p:nvSpPr>
+              <p:cNvPr id="3" name="內容版面配置區 2"/>
+              <p:cNvSpPr>
+                <a:spLocks noGrp="1" noRot="1" noChangeAspect="1" noMove="1" noResize="1" noEditPoints="1" noAdjustHandles="1" noChangeArrowheads="1" noChangeShapeType="1" noTextEdit="1"/>
+              </p:cNvSpPr>
+              <p:nvPr>
+                <p:ph idx="1"/>
+              </p:nvPr>
+            </p:nvSpPr>
+            <p:spPr>
+              <a:blipFill>
+                <a:blip r:embed="rId2"/>
+                <a:stretch>
+                  <a:fillRect l="-142" t="-785"/>
+                </a:stretch>
+              </a:blipFill>
+            </p:spPr>
+            <p:txBody>
+              <a:bodyPr/>
+              <a:lstStyle/>
+              <a:p>
+                <a:r>
+                  <a:rPr lang="zh-TW" altLang="en-US">
+                    <a:noFill/>
+                  </a:rPr>
+                  <a:t> </a:t>
+                </a:r>
+              </a:p>
+            </p:txBody>
+          </p:sp>
+        </mc:Fallback>
+      </mc:AlternateContent>
+      <p:grpSp>
+        <p:nvGrpSpPr>
+          <p:cNvPr id="4" name="群組 3"/>
+          <p:cNvGrpSpPr/>
+          <p:nvPr/>
+        </p:nvGrpSpPr>
+        <p:grpSpPr>
+          <a:xfrm>
+            <a:off x="6605900" y="3763779"/>
+            <a:ext cx="4779150" cy="2882965"/>
+            <a:chOff x="8833104" y="502920"/>
+            <a:chExt cx="2587752" cy="1427480"/>
+          </a:xfrm>
+        </p:grpSpPr>
+        <p:sp>
+          <p:nvSpPr>
+            <p:cNvPr id="5" name="圓角矩形 4"/>
+            <p:cNvSpPr/>
+            <p:nvPr/>
+          </p:nvSpPr>
+          <p:spPr>
+            <a:xfrm>
+              <a:off x="8833104" y="502920"/>
+              <a:ext cx="2587752" cy="1197864"/>
+            </a:xfrm>
+            <a:prstGeom prst="roundRect">
+              <a:avLst/>
+            </a:prstGeom>
+            <a:solidFill>
+              <a:schemeClr val="tx1"/>
+            </a:solidFill>
+            <a:ln>
+              <a:solidFill>
+                <a:schemeClr val="tx1"/>
+              </a:solidFill>
+            </a:ln>
+          </p:spPr>
+          <p:style>
+            <a:lnRef idx="2">
+              <a:schemeClr val="accent1">
+                <a:shade val="50000"/>
+              </a:schemeClr>
+            </a:lnRef>
+            <a:fillRef idx="1">
+              <a:schemeClr val="accent1"/>
+            </a:fillRef>
+            <a:effectRef idx="0">
+              <a:schemeClr val="accent1"/>
+            </a:effectRef>
+            <a:fontRef idx="minor">
+              <a:schemeClr val="lt1"/>
+            </a:fontRef>
+          </p:style>
+          <p:txBody>
+            <a:bodyPr rtlCol="0" anchor="ctr"/>
+            <a:lstStyle/>
+            <a:p>
+              <a:pPr algn="ctr"/>
+              <a:endParaRPr lang="zh-TW" altLang="en-US"/>
+            </a:p>
+          </p:txBody>
+        </p:sp>
+        <p:sp>
+          <p:nvSpPr>
+            <p:cNvPr id="6" name="矩形 5"/>
+            <p:cNvSpPr/>
+            <p:nvPr/>
+          </p:nvSpPr>
+          <p:spPr>
+            <a:xfrm>
+              <a:off x="8942832" y="609600"/>
+              <a:ext cx="2386584" cy="999744"/>
+            </a:xfrm>
+            <a:prstGeom prst="rect">
+              <a:avLst/>
+            </a:prstGeom>
+            <a:solidFill>
+              <a:schemeClr val="bg2">
+                <a:lumMod val="90000"/>
+              </a:schemeClr>
+            </a:solidFill>
+            <a:ln>
+              <a:solidFill>
+                <a:schemeClr val="tx1"/>
+              </a:solidFill>
+            </a:ln>
+          </p:spPr>
+          <p:style>
+            <a:lnRef idx="2">
+              <a:schemeClr val="accent1">
+                <a:shade val="50000"/>
+              </a:schemeClr>
+            </a:lnRef>
+            <a:fillRef idx="1">
+              <a:schemeClr val="accent1"/>
+            </a:fillRef>
+            <a:effectRef idx="0">
+              <a:schemeClr val="accent1"/>
+            </a:effectRef>
+            <a:fontRef idx="minor">
+              <a:schemeClr val="lt1"/>
+            </a:fontRef>
+          </p:style>
+          <p:txBody>
+            <a:bodyPr rtlCol="0" anchor="t"/>
+            <a:lstStyle/>
+            <a:p>
+              <a:r>
+                <a:rPr lang="zh-TW" altLang="en-US" dirty="0" smtClean="0">
+                  <a:solidFill>
+                    <a:schemeClr val="tx1"/>
+                  </a:solidFill>
+                </a:rPr>
+                <a:t>請輸入華氏溫度</a:t>
+              </a:r>
+              <a:r>
+                <a:rPr lang="en-US" altLang="zh-TW" dirty="0" smtClean="0">
+                  <a:solidFill>
+                    <a:schemeClr val="tx1"/>
+                  </a:solidFill>
+                </a:rPr>
+                <a:t>=</a:t>
+              </a:r>
+              <a:r>
+                <a:rPr lang="en-US" altLang="zh-TW" dirty="0" smtClean="0">
+                  <a:solidFill>
+                    <a:srgbClr val="0070C0"/>
+                  </a:solidFill>
+                </a:rPr>
+                <a:t>100</a:t>
+              </a:r>
+            </a:p>
+            <a:p>
+              <a:r>
+                <a:rPr lang="zh-TW" altLang="en-US" dirty="0" smtClean="0">
+                  <a:solidFill>
+                    <a:schemeClr val="tx1"/>
+                  </a:solidFill>
+                </a:rPr>
+                <a:t>華氏</a:t>
+              </a:r>
+              <a:r>
+                <a:rPr lang="en-US" altLang="zh-TW" dirty="0" smtClean="0">
+                  <a:solidFill>
+                    <a:schemeClr val="tx1"/>
+                  </a:solidFill>
+                </a:rPr>
+                <a:t>100</a:t>
+              </a:r>
+              <a:r>
+                <a:rPr lang="zh-TW" altLang="en-US" dirty="0" smtClean="0">
+                  <a:solidFill>
+                    <a:schemeClr val="tx1"/>
+                  </a:solidFill>
+                </a:rPr>
+                <a:t>度等於攝氏</a:t>
+              </a:r>
+              <a:r>
+                <a:rPr lang="en-US" altLang="zh-TW" dirty="0" smtClean="0">
+                  <a:solidFill>
+                    <a:schemeClr val="tx1"/>
+                  </a:solidFill>
+                </a:rPr>
+                <a:t>37.77777778</a:t>
+              </a:r>
+              <a:r>
+                <a:rPr lang="zh-TW" altLang="en-US" dirty="0" smtClean="0">
+                  <a:solidFill>
+                    <a:schemeClr val="tx1"/>
+                  </a:solidFill>
+                </a:rPr>
+                <a:t>度</a:t>
+              </a:r>
+              <a:endParaRPr lang="zh-TW" altLang="en-US" dirty="0">
+                <a:solidFill>
+                  <a:schemeClr val="tx1"/>
+                </a:solidFill>
+              </a:endParaRPr>
+            </a:p>
+          </p:txBody>
+        </p:sp>
+        <p:sp>
+          <p:nvSpPr>
+            <p:cNvPr id="7" name="梯形 6"/>
+            <p:cNvSpPr/>
+            <p:nvPr/>
+          </p:nvSpPr>
+          <p:spPr>
+            <a:xfrm>
+              <a:off x="9811512" y="1700784"/>
+              <a:ext cx="713232" cy="229616"/>
+            </a:xfrm>
+            <a:prstGeom prst="trapezoid">
+              <a:avLst/>
+            </a:prstGeom>
+            <a:solidFill>
+              <a:schemeClr val="tx1"/>
+            </a:solidFill>
+            <a:ln>
+              <a:solidFill>
+                <a:schemeClr val="tx1"/>
+              </a:solidFill>
+            </a:ln>
+          </p:spPr>
+          <p:style>
+            <a:lnRef idx="2">
+              <a:schemeClr val="accent1">
+                <a:shade val="50000"/>
+              </a:schemeClr>
+            </a:lnRef>
+            <a:fillRef idx="1">
+              <a:schemeClr val="accent1"/>
+            </a:fillRef>
+            <a:effectRef idx="0">
+              <a:schemeClr val="accent1"/>
+            </a:effectRef>
+            <a:fontRef idx="minor">
+              <a:schemeClr val="lt1"/>
+            </a:fontRef>
+          </p:style>
+          <p:txBody>
+            <a:bodyPr rtlCol="0" anchor="ctr"/>
+            <a:lstStyle/>
+            <a:p>
+              <a:pPr algn="ctr"/>
+              <a:endParaRPr lang="zh-TW" altLang="en-US"/>
+            </a:p>
+          </p:txBody>
+        </p:sp>
+      </p:grpSp>
+      <p:sp>
+        <p:nvSpPr>
+          <p:cNvPr id="8" name="矩形 7"/>
+          <p:cNvSpPr/>
+          <p:nvPr/>
+        </p:nvSpPr>
+        <p:spPr>
+          <a:xfrm>
+            <a:off x="677334" y="5902219"/>
+            <a:ext cx="1669047" cy="369332"/>
+          </a:xfrm>
+          <a:prstGeom prst="rect">
+            <a:avLst/>
+          </a:prstGeom>
+        </p:spPr>
+        <p:txBody>
+          <a:bodyPr wrap="none">
+            <a:spAutoFit/>
+          </a:bodyPr>
+          <a:lstStyle/>
+          <a:p>
+            <a:r>
+              <a:rPr lang="en-US" altLang="zh-TW" dirty="0" smtClean="0">
                 <a:solidFill>
                   <a:srgbClr val="C00000"/>
                 </a:solidFill>
               </a:rPr>
-              <a:t>物件</a:t>
+              <a:t>Example02_03</a:t>
             </a:r>
             <a:endParaRPr lang="zh-TW" altLang="en-US" dirty="0">
               <a:solidFill>
@@ -7669,238 +8285,10 @@
           </a:p>
         </p:txBody>
       </p:sp>
-      <p:sp>
-        <p:nvSpPr>
-          <p:cNvPr id="3" name="內容版面配置區 2"/>
-          <p:cNvSpPr>
-            <a:spLocks noGrp="1"/>
-          </p:cNvSpPr>
-          <p:nvPr>
-            <p:ph idx="1"/>
-          </p:nvPr>
-        </p:nvSpPr>
-        <p:spPr/>
-        <p:txBody>
-          <a:bodyPr/>
-          <a:lstStyle/>
-          <a:p>
-            <a:r>
-              <a:rPr lang="zh-TW" altLang="en-US" dirty="0" smtClean="0"/>
-              <a:t>依照規格書去生產出產品，這個產品就是</a:t>
-            </a:r>
-            <a:r>
-              <a:rPr lang="zh-TW" altLang="en-US" sz="2800" b="1" dirty="0" smtClean="0">
-                <a:solidFill>
-                  <a:srgbClr val="C00000"/>
-                </a:solidFill>
-              </a:rPr>
-              <a:t>物件</a:t>
-            </a:r>
-            <a:r>
-              <a:rPr lang="zh-TW" altLang="en-US" dirty="0" smtClean="0"/>
-              <a:t>！</a:t>
-            </a:r>
-            <a:endParaRPr lang="en-US" altLang="zh-TW" dirty="0" smtClean="0"/>
-          </a:p>
-          <a:p>
-            <a:r>
-              <a:rPr lang="zh-TW" altLang="en-US" dirty="0" smtClean="0"/>
-              <a:t>例如依照汽車規格</a:t>
-            </a:r>
-            <a:r>
-              <a:rPr lang="zh-TW" altLang="en-US" dirty="0"/>
-              <a:t>書去生產製造出</a:t>
-            </a:r>
-            <a:r>
-              <a:rPr lang="zh-TW" altLang="en-US" dirty="0" smtClean="0"/>
-              <a:t>真的一台汽車，這台車才是我們可以真的操作的物件</a:t>
-            </a:r>
-            <a:endParaRPr lang="en-US" altLang="zh-TW" dirty="0" smtClean="0"/>
-          </a:p>
-          <a:p>
-            <a:r>
-              <a:rPr lang="zh-TW" altLang="en-US" dirty="0"/>
-              <a:t>前面練習中的程式碼</a:t>
-            </a:r>
-            <a:r>
-              <a:rPr lang="zh-TW" altLang="en-US" dirty="0" smtClean="0"/>
-              <a:t>：</a:t>
-            </a:r>
-            <a:endParaRPr lang="en-US" altLang="zh-TW" dirty="0" smtClean="0"/>
-          </a:p>
-          <a:p>
-            <a:r>
-              <a:rPr lang="zh-TW" altLang="en-US" dirty="0"/>
-              <a:t>這行程式就是告訴</a:t>
-            </a:r>
-            <a:r>
-              <a:rPr lang="zh-TW" altLang="en-US" dirty="0" smtClean="0"/>
-              <a:t>電腦，我要依照</a:t>
-            </a:r>
-            <a:r>
-              <a:rPr lang="en-US" altLang="zh-TW" dirty="0" smtClean="0"/>
-              <a:t>Scanner</a:t>
-            </a:r>
-            <a:r>
-              <a:rPr lang="zh-TW" altLang="en-US" dirty="0" smtClean="0"/>
-              <a:t>這個類別</a:t>
-            </a:r>
-            <a:r>
-              <a:rPr lang="en-US" altLang="zh-TW" dirty="0" smtClean="0"/>
-              <a:t>(</a:t>
-            </a:r>
-            <a:r>
-              <a:rPr lang="zh-TW" altLang="en-US" dirty="0" smtClean="0"/>
-              <a:t>規格書</a:t>
-            </a:r>
-            <a:r>
-              <a:rPr lang="en-US" altLang="zh-TW" dirty="0" smtClean="0"/>
-              <a:t>)</a:t>
-            </a:r>
-            <a:r>
-              <a:rPr lang="zh-TW" altLang="en-US" dirty="0" smtClean="0"/>
-              <a:t>去製造一個物件，這個物件叫做</a:t>
-            </a:r>
-            <a:r>
-              <a:rPr lang="en-US" altLang="zh-TW" dirty="0" err="1" smtClean="0">
-                <a:solidFill>
-                  <a:srgbClr val="C00000"/>
-                </a:solidFill>
-              </a:rPr>
-              <a:t>sc</a:t>
-            </a:r>
-            <a:r>
-              <a:rPr lang="zh-TW" altLang="en-US" dirty="0" smtClean="0"/>
-              <a:t>。</a:t>
-            </a:r>
-            <a:endParaRPr lang="en-US" altLang="zh-TW" dirty="0" smtClean="0"/>
-          </a:p>
-          <a:p>
-            <a:r>
-              <a:rPr lang="en-US" altLang="zh-TW" dirty="0" err="1" smtClean="0">
-                <a:solidFill>
-                  <a:srgbClr val="C00000"/>
-                </a:solidFill>
-              </a:rPr>
-              <a:t>sc</a:t>
-            </a:r>
-            <a:r>
-              <a:rPr lang="zh-TW" altLang="en-US" dirty="0" smtClean="0"/>
-              <a:t>就是我們可以操作的</a:t>
-            </a:r>
-            <a:r>
-              <a:rPr lang="en-US" altLang="zh-TW" dirty="0" smtClean="0"/>
-              <a:t>Scanner</a:t>
-            </a:r>
-            <a:r>
-              <a:rPr lang="zh-TW" altLang="en-US" dirty="0" smtClean="0"/>
-              <a:t>物件了！</a:t>
-            </a:r>
-            <a:endParaRPr lang="en-US" altLang="zh-TW" dirty="0" smtClean="0"/>
-          </a:p>
-          <a:p>
-            <a:r>
-              <a:rPr lang="zh-TW" altLang="en-US" dirty="0" smtClean="0"/>
-              <a:t>所以後面的程式碼才能使用</a:t>
-            </a:r>
-            <a:r>
-              <a:rPr lang="en-US" altLang="zh-TW" dirty="0" err="1" smtClean="0"/>
-              <a:t>sc</a:t>
-            </a:r>
-            <a:r>
-              <a:rPr lang="zh-TW" altLang="en-US" dirty="0" smtClean="0"/>
-              <a:t>去做輸入。</a:t>
-            </a:r>
-            <a:endParaRPr lang="en-US" altLang="zh-TW" dirty="0"/>
-          </a:p>
-          <a:p>
-            <a:pPr marL="0" indent="0">
-              <a:buNone/>
-            </a:pPr>
-            <a:r>
-              <a:rPr lang="en-US" altLang="zh-TW" dirty="0" smtClean="0"/>
-              <a:t>										</a:t>
-            </a:r>
-            <a:r>
-              <a:rPr lang="zh-TW" altLang="en-US" i="1" dirty="0" smtClean="0"/>
-              <a:t>叫</a:t>
-            </a:r>
-            <a:r>
-              <a:rPr lang="en-US" altLang="zh-TW" i="1" dirty="0" err="1" smtClean="0"/>
-              <a:t>sc</a:t>
-            </a:r>
-            <a:r>
-              <a:rPr lang="zh-TW" altLang="en-US" i="1" dirty="0" smtClean="0"/>
-              <a:t>這個物件去做</a:t>
-            </a:r>
-            <a:r>
-              <a:rPr lang="en-US" altLang="zh-TW" i="1" dirty="0" err="1" smtClean="0"/>
-              <a:t>nextInt</a:t>
-            </a:r>
-            <a:r>
-              <a:rPr lang="en-US" altLang="zh-TW" i="1" dirty="0" smtClean="0"/>
-              <a:t>()</a:t>
-            </a:r>
-            <a:r>
-              <a:rPr lang="zh-TW" altLang="en-US" i="1" dirty="0" smtClean="0"/>
-              <a:t>的方法。</a:t>
-            </a:r>
-            <a:endParaRPr lang="zh-TW" altLang="en-US" i="1" dirty="0"/>
-          </a:p>
-        </p:txBody>
-      </p:sp>
-      <p:pic>
-        <p:nvPicPr>
-          <p:cNvPr id="5" name="圖片 4"/>
-          <p:cNvPicPr>
-            <a:picLocks noChangeAspect="1"/>
-          </p:cNvPicPr>
-          <p:nvPr/>
-        </p:nvPicPr>
-        <p:blipFill>
-          <a:blip r:embed="rId2"/>
-          <a:stretch>
-            <a:fillRect/>
-          </a:stretch>
-        </p:blipFill>
-        <p:spPr>
-          <a:xfrm>
-            <a:off x="3409950" y="3346793"/>
-            <a:ext cx="5372100" cy="409575"/>
-          </a:xfrm>
-          <a:prstGeom prst="rect">
-            <a:avLst/>
-          </a:prstGeom>
-        </p:spPr>
-      </p:pic>
-      <p:pic>
-        <p:nvPicPr>
-          <p:cNvPr id="6" name="圖片 5"/>
-          <p:cNvPicPr>
-            <a:picLocks noChangeAspect="1"/>
-          </p:cNvPicPr>
-          <p:nvPr/>
-        </p:nvPicPr>
-        <p:blipFill>
-          <a:blip r:embed="rId3"/>
-          <a:stretch>
-            <a:fillRect/>
-          </a:stretch>
-        </p:blipFill>
-        <p:spPr>
-          <a:xfrm>
-            <a:off x="5293233" y="4830732"/>
-            <a:ext cx="2876550" cy="361950"/>
-          </a:xfrm>
-          <a:prstGeom prst="rect">
-            <a:avLst/>
-          </a:prstGeom>
-        </p:spPr>
-      </p:pic>
     </p:spTree>
     <p:extLst>
       <p:ext uri="{BB962C8B-B14F-4D97-AF65-F5344CB8AC3E}">
-        <p14:creationId xmlns:p14="http://schemas.microsoft.com/office/powerpoint/2010/main" val="1814296937"/>
+        <p14:creationId xmlns:p14="http://schemas.microsoft.com/office/powerpoint/2010/main" val="4168673696"/>
       </p:ext>
     </p:extLst>
   </p:cSld>
@@ -7910,9 +8298,3819 @@
   <p:timing>
     <p:tnLst>
       <p:par>
-        <p:cTn id="1" dur="indefinite" restart="never" nodeType="tmRoot"/>
+        <p:cTn id="1" dur="indefinite" restart="never" nodeType="tmRoot">
+          <p:childTnLst>
+            <p:seq concurrent="1" nextAc="seek">
+              <p:cTn id="2" dur="indefinite" nodeType="mainSeq">
+                <p:childTnLst>
+                  <p:par>
+                    <p:cTn id="3" fill="hold">
+                      <p:stCondLst>
+                        <p:cond delay="indefinite"/>
+                      </p:stCondLst>
+                      <p:childTnLst>
+                        <p:par>
+                          <p:cTn id="4" fill="hold">
+                            <p:stCondLst>
+                              <p:cond delay="0"/>
+                            </p:stCondLst>
+                            <p:childTnLst>
+                              <p:par>
+                                <p:cTn id="5" presetID="1" presetClass="entr" presetSubtype="0" fill="hold" nodeType="clickEffect">
+                                  <p:stCondLst>
+                                    <p:cond delay="0"/>
+                                  </p:stCondLst>
+                                  <p:childTnLst>
+                                    <p:set>
+                                      <p:cBhvr>
+                                        <p:cTn id="6" dur="1" fill="hold">
+                                          <p:stCondLst>
+                                            <p:cond delay="0"/>
+                                          </p:stCondLst>
+                                        </p:cTn>
+                                        <p:tgtEl>
+                                          <p:spTgt spid="4"/>
+                                        </p:tgtEl>
+                                        <p:attrNameLst>
+                                          <p:attrName>style.visibility</p:attrName>
+                                        </p:attrNameLst>
+                                      </p:cBhvr>
+                                      <p:to>
+                                        <p:strVal val="visible"/>
+                                      </p:to>
+                                    </p:set>
+                                  </p:childTnLst>
+                                </p:cTn>
+                              </p:par>
+                            </p:childTnLst>
+                          </p:cTn>
+                        </p:par>
+                      </p:childTnLst>
+                    </p:cTn>
+                  </p:par>
+                </p:childTnLst>
+              </p:cTn>
+              <p:prevCondLst>
+                <p:cond evt="onPrev" delay="0">
+                  <p:tgtEl>
+                    <p:sldTgt/>
+                  </p:tgtEl>
+                </p:cond>
+              </p:prevCondLst>
+              <p:nextCondLst>
+                <p:cond evt="onNext" delay="0">
+                  <p:tgtEl>
+                    <p:sldTgt/>
+                  </p:tgtEl>
+                </p:cond>
+              </p:nextCondLst>
+            </p:seq>
+          </p:childTnLst>
+        </p:cTn>
       </p:par>
     </p:tnLst>
+  </p:timing>
+</p:sld>
+</file>
+
+<file path=ppt/slides/slide16.xml><?xml version="1.0" encoding="utf-8"?>
+<p:sld xmlns:a="http://schemas.openxmlformats.org/drawingml/2006/main" xmlns:r="http://schemas.openxmlformats.org/officeDocument/2006/relationships" xmlns:p="http://schemas.openxmlformats.org/presentationml/2006/main">
+  <p:cSld>
+    <p:spTree>
+      <p:nvGrpSpPr>
+        <p:cNvPr id="1" name=""/>
+        <p:cNvGrpSpPr/>
+        <p:nvPr/>
+      </p:nvGrpSpPr>
+      <p:grpSpPr>
+        <a:xfrm>
+          <a:off x="0" y="0"/>
+          <a:ext cx="0" cy="0"/>
+          <a:chOff x="0" y="0"/>
+          <a:chExt cx="0" cy="0"/>
+        </a:xfrm>
+      </p:grpSpPr>
+      <p:graphicFrame>
+        <p:nvGraphicFramePr>
+          <p:cNvPr id="28" name="表格 27"/>
+          <p:cNvGraphicFramePr>
+            <a:graphicFrameLocks noGrp="1"/>
+          </p:cNvGraphicFramePr>
+          <p:nvPr>
+            <p:extLst/>
+          </p:nvPr>
+        </p:nvGraphicFramePr>
+        <p:xfrm>
+          <a:off x="5321050" y="2298195"/>
+          <a:ext cx="391160" cy="3176020"/>
+        </p:xfrm>
+        <a:graphic>
+          <a:graphicData uri="http://schemas.openxmlformats.org/drawingml/2006/table">
+            <a:tbl>
+              <a:tblPr firstRow="1" bandRow="1">
+                <a:tableStyleId>{5C22544A-7EE6-4342-B048-85BDC9FD1C3A}</a:tableStyleId>
+              </a:tblPr>
+              <a:tblGrid>
+                <a:gridCol w="391160">
+                  <a:extLst>
+                    <a:ext uri="{9D8B030D-6E8A-4147-A177-3AD203B41FA5}">
+                      <a16:colId xmlns:a16="http://schemas.microsoft.com/office/drawing/2014/main" val="690862659"/>
+                    </a:ext>
+                  </a:extLst>
+                </a:gridCol>
+              </a:tblGrid>
+              <a:tr h="317602">
+                <a:tc>
+                  <a:txBody>
+                    <a:bodyPr/>
+                    <a:lstStyle/>
+                    <a:p>
+                      <a:endParaRPr lang="zh-TW" altLang="en-US" sz="600" dirty="0"/>
+                    </a:p>
+                  </a:txBody>
+                  <a:tcPr>
+                    <a:lnL w="12700" cap="flat" cmpd="sng" algn="ctr">
+                      <a:noFill/>
+                      <a:prstDash val="solid"/>
+                      <a:round/>
+                      <a:headEnd type="none" w="med" len="med"/>
+                      <a:tailEnd type="none" w="med" len="med"/>
+                    </a:lnL>
+                    <a:lnR w="12700" cap="flat" cmpd="sng" algn="ctr">
+                      <a:noFill/>
+                      <a:prstDash val="solid"/>
+                      <a:round/>
+                      <a:headEnd type="none" w="med" len="med"/>
+                      <a:tailEnd type="none" w="med" len="med"/>
+                    </a:lnR>
+                    <a:lnT w="12700" cap="flat" cmpd="sng" algn="ctr">
+                      <a:solidFill>
+                        <a:srgbClr val="FF0000"/>
+                      </a:solidFill>
+                      <a:prstDash val="solid"/>
+                      <a:round/>
+                      <a:headEnd type="none" w="med" len="med"/>
+                      <a:tailEnd type="none" w="med" len="med"/>
+                    </a:lnT>
+                    <a:lnB w="12700" cap="flat" cmpd="sng" algn="ctr">
+                      <a:solidFill>
+                        <a:srgbClr val="FF0000"/>
+                      </a:solidFill>
+                      <a:prstDash val="solid"/>
+                      <a:round/>
+                      <a:headEnd type="none" w="med" len="med"/>
+                      <a:tailEnd type="none" w="med" len="med"/>
+                    </a:lnB>
+                    <a:solidFill>
+                      <a:schemeClr val="bg1"/>
+                    </a:solidFill>
+                  </a:tcPr>
+                </a:tc>
+                <a:extLst>
+                  <a:ext uri="{0D108BD9-81ED-4DB2-BD59-A6C34878D82A}">
+                    <a16:rowId xmlns:a16="http://schemas.microsoft.com/office/drawing/2014/main" val="1912614425"/>
+                  </a:ext>
+                </a:extLst>
+              </a:tr>
+              <a:tr h="317602">
+                <a:tc>
+                  <a:txBody>
+                    <a:bodyPr/>
+                    <a:lstStyle/>
+                    <a:p>
+                      <a:endParaRPr lang="zh-TW" altLang="en-US" sz="600"/>
+                    </a:p>
+                  </a:txBody>
+                  <a:tcPr>
+                    <a:lnL w="12700" cap="flat" cmpd="sng" algn="ctr">
+                      <a:noFill/>
+                      <a:prstDash val="solid"/>
+                      <a:round/>
+                      <a:headEnd type="none" w="med" len="med"/>
+                      <a:tailEnd type="none" w="med" len="med"/>
+                    </a:lnL>
+                    <a:lnR w="12700" cap="flat" cmpd="sng" algn="ctr">
+                      <a:noFill/>
+                      <a:prstDash val="solid"/>
+                      <a:round/>
+                      <a:headEnd type="none" w="med" len="med"/>
+                      <a:tailEnd type="none" w="med" len="med"/>
+                    </a:lnR>
+                    <a:lnT w="12700" cap="flat" cmpd="sng" algn="ctr">
+                      <a:solidFill>
+                        <a:srgbClr val="FF0000"/>
+                      </a:solidFill>
+                      <a:prstDash val="solid"/>
+                      <a:round/>
+                      <a:headEnd type="none" w="med" len="med"/>
+                      <a:tailEnd type="none" w="med" len="med"/>
+                    </a:lnT>
+                    <a:lnB w="12700" cap="flat" cmpd="sng" algn="ctr">
+                      <a:solidFill>
+                        <a:srgbClr val="FF0000"/>
+                      </a:solidFill>
+                      <a:prstDash val="solid"/>
+                      <a:round/>
+                      <a:headEnd type="none" w="med" len="med"/>
+                      <a:tailEnd type="none" w="med" len="med"/>
+                    </a:lnB>
+                    <a:solidFill>
+                      <a:schemeClr val="bg1"/>
+                    </a:solidFill>
+                  </a:tcPr>
+                </a:tc>
+                <a:extLst>
+                  <a:ext uri="{0D108BD9-81ED-4DB2-BD59-A6C34878D82A}">
+                    <a16:rowId xmlns:a16="http://schemas.microsoft.com/office/drawing/2014/main" val="2970923743"/>
+                  </a:ext>
+                </a:extLst>
+              </a:tr>
+              <a:tr h="317602">
+                <a:tc>
+                  <a:txBody>
+                    <a:bodyPr/>
+                    <a:lstStyle/>
+                    <a:p>
+                      <a:endParaRPr lang="zh-TW" altLang="en-US" sz="600" dirty="0"/>
+                    </a:p>
+                  </a:txBody>
+                  <a:tcPr>
+                    <a:lnL w="12700" cap="flat" cmpd="sng" algn="ctr">
+                      <a:noFill/>
+                      <a:prstDash val="solid"/>
+                      <a:round/>
+                      <a:headEnd type="none" w="med" len="med"/>
+                      <a:tailEnd type="none" w="med" len="med"/>
+                    </a:lnL>
+                    <a:lnR w="12700" cap="flat" cmpd="sng" algn="ctr">
+                      <a:noFill/>
+                      <a:prstDash val="solid"/>
+                      <a:round/>
+                      <a:headEnd type="none" w="med" len="med"/>
+                      <a:tailEnd type="none" w="med" len="med"/>
+                    </a:lnR>
+                    <a:lnT w="12700" cap="flat" cmpd="sng" algn="ctr">
+                      <a:solidFill>
+                        <a:srgbClr val="FF0000"/>
+                      </a:solidFill>
+                      <a:prstDash val="solid"/>
+                      <a:round/>
+                      <a:headEnd type="none" w="med" len="med"/>
+                      <a:tailEnd type="none" w="med" len="med"/>
+                    </a:lnT>
+                    <a:lnB w="12700" cap="flat" cmpd="sng" algn="ctr">
+                      <a:solidFill>
+                        <a:srgbClr val="FF0000"/>
+                      </a:solidFill>
+                      <a:prstDash val="solid"/>
+                      <a:round/>
+                      <a:headEnd type="none" w="med" len="med"/>
+                      <a:tailEnd type="none" w="med" len="med"/>
+                    </a:lnB>
+                    <a:solidFill>
+                      <a:schemeClr val="bg1"/>
+                    </a:solidFill>
+                  </a:tcPr>
+                </a:tc>
+                <a:extLst>
+                  <a:ext uri="{0D108BD9-81ED-4DB2-BD59-A6C34878D82A}">
+                    <a16:rowId xmlns:a16="http://schemas.microsoft.com/office/drawing/2014/main" val="530438703"/>
+                  </a:ext>
+                </a:extLst>
+              </a:tr>
+              <a:tr h="317602">
+                <a:tc>
+                  <a:txBody>
+                    <a:bodyPr/>
+                    <a:lstStyle/>
+                    <a:p>
+                      <a:endParaRPr lang="zh-TW" altLang="en-US" sz="600"/>
+                    </a:p>
+                  </a:txBody>
+                  <a:tcPr>
+                    <a:lnL w="12700" cap="flat" cmpd="sng" algn="ctr">
+                      <a:noFill/>
+                      <a:prstDash val="solid"/>
+                      <a:round/>
+                      <a:headEnd type="none" w="med" len="med"/>
+                      <a:tailEnd type="none" w="med" len="med"/>
+                    </a:lnL>
+                    <a:lnR w="12700" cap="flat" cmpd="sng" algn="ctr">
+                      <a:noFill/>
+                      <a:prstDash val="solid"/>
+                      <a:round/>
+                      <a:headEnd type="none" w="med" len="med"/>
+                      <a:tailEnd type="none" w="med" len="med"/>
+                    </a:lnR>
+                    <a:lnT w="12700" cap="flat" cmpd="sng" algn="ctr">
+                      <a:solidFill>
+                        <a:srgbClr val="FF0000"/>
+                      </a:solidFill>
+                      <a:prstDash val="solid"/>
+                      <a:round/>
+                      <a:headEnd type="none" w="med" len="med"/>
+                      <a:tailEnd type="none" w="med" len="med"/>
+                    </a:lnT>
+                    <a:lnB w="12700" cap="flat" cmpd="sng" algn="ctr">
+                      <a:solidFill>
+                        <a:srgbClr val="FF0000"/>
+                      </a:solidFill>
+                      <a:prstDash val="solid"/>
+                      <a:round/>
+                      <a:headEnd type="none" w="med" len="med"/>
+                      <a:tailEnd type="none" w="med" len="med"/>
+                    </a:lnB>
+                    <a:solidFill>
+                      <a:schemeClr val="bg1"/>
+                    </a:solidFill>
+                  </a:tcPr>
+                </a:tc>
+                <a:extLst>
+                  <a:ext uri="{0D108BD9-81ED-4DB2-BD59-A6C34878D82A}">
+                    <a16:rowId xmlns:a16="http://schemas.microsoft.com/office/drawing/2014/main" val="3242706618"/>
+                  </a:ext>
+                </a:extLst>
+              </a:tr>
+              <a:tr h="317602">
+                <a:tc>
+                  <a:txBody>
+                    <a:bodyPr/>
+                    <a:lstStyle/>
+                    <a:p>
+                      <a:endParaRPr lang="zh-TW" altLang="en-US" sz="600"/>
+                    </a:p>
+                  </a:txBody>
+                  <a:tcPr>
+                    <a:lnL w="12700" cap="flat" cmpd="sng" algn="ctr">
+                      <a:noFill/>
+                      <a:prstDash val="solid"/>
+                      <a:round/>
+                      <a:headEnd type="none" w="med" len="med"/>
+                      <a:tailEnd type="none" w="med" len="med"/>
+                    </a:lnL>
+                    <a:lnR w="12700" cap="flat" cmpd="sng" algn="ctr">
+                      <a:noFill/>
+                      <a:prstDash val="solid"/>
+                      <a:round/>
+                      <a:headEnd type="none" w="med" len="med"/>
+                      <a:tailEnd type="none" w="med" len="med"/>
+                    </a:lnR>
+                    <a:lnT w="12700" cap="flat" cmpd="sng" algn="ctr">
+                      <a:solidFill>
+                        <a:srgbClr val="FF0000"/>
+                      </a:solidFill>
+                      <a:prstDash val="solid"/>
+                      <a:round/>
+                      <a:headEnd type="none" w="med" len="med"/>
+                      <a:tailEnd type="none" w="med" len="med"/>
+                    </a:lnT>
+                    <a:lnB w="12700" cap="flat" cmpd="sng" algn="ctr">
+                      <a:solidFill>
+                        <a:srgbClr val="FF0000"/>
+                      </a:solidFill>
+                      <a:prstDash val="solid"/>
+                      <a:round/>
+                      <a:headEnd type="none" w="med" len="med"/>
+                      <a:tailEnd type="none" w="med" len="med"/>
+                    </a:lnB>
+                    <a:solidFill>
+                      <a:schemeClr val="bg1"/>
+                    </a:solidFill>
+                  </a:tcPr>
+                </a:tc>
+                <a:extLst>
+                  <a:ext uri="{0D108BD9-81ED-4DB2-BD59-A6C34878D82A}">
+                    <a16:rowId xmlns:a16="http://schemas.microsoft.com/office/drawing/2014/main" val="1456266779"/>
+                  </a:ext>
+                </a:extLst>
+              </a:tr>
+              <a:tr h="317602">
+                <a:tc>
+                  <a:txBody>
+                    <a:bodyPr/>
+                    <a:lstStyle/>
+                    <a:p>
+                      <a:endParaRPr lang="zh-TW" altLang="en-US" sz="600"/>
+                    </a:p>
+                  </a:txBody>
+                  <a:tcPr>
+                    <a:lnL w="12700" cap="flat" cmpd="sng" algn="ctr">
+                      <a:noFill/>
+                      <a:prstDash val="solid"/>
+                      <a:round/>
+                      <a:headEnd type="none" w="med" len="med"/>
+                      <a:tailEnd type="none" w="med" len="med"/>
+                    </a:lnL>
+                    <a:lnR w="12700" cap="flat" cmpd="sng" algn="ctr">
+                      <a:noFill/>
+                      <a:prstDash val="solid"/>
+                      <a:round/>
+                      <a:headEnd type="none" w="med" len="med"/>
+                      <a:tailEnd type="none" w="med" len="med"/>
+                    </a:lnR>
+                    <a:lnT w="12700" cap="flat" cmpd="sng" algn="ctr">
+                      <a:solidFill>
+                        <a:srgbClr val="FF0000"/>
+                      </a:solidFill>
+                      <a:prstDash val="solid"/>
+                      <a:round/>
+                      <a:headEnd type="none" w="med" len="med"/>
+                      <a:tailEnd type="none" w="med" len="med"/>
+                    </a:lnT>
+                    <a:lnB w="12700" cap="flat" cmpd="sng" algn="ctr">
+                      <a:solidFill>
+                        <a:srgbClr val="FF0000"/>
+                      </a:solidFill>
+                      <a:prstDash val="solid"/>
+                      <a:round/>
+                      <a:headEnd type="none" w="med" len="med"/>
+                      <a:tailEnd type="none" w="med" len="med"/>
+                    </a:lnB>
+                    <a:solidFill>
+                      <a:schemeClr val="bg1"/>
+                    </a:solidFill>
+                  </a:tcPr>
+                </a:tc>
+                <a:extLst>
+                  <a:ext uri="{0D108BD9-81ED-4DB2-BD59-A6C34878D82A}">
+                    <a16:rowId xmlns:a16="http://schemas.microsoft.com/office/drawing/2014/main" val="1999859578"/>
+                  </a:ext>
+                </a:extLst>
+              </a:tr>
+              <a:tr h="317602">
+                <a:tc>
+                  <a:txBody>
+                    <a:bodyPr/>
+                    <a:lstStyle/>
+                    <a:p>
+                      <a:endParaRPr lang="zh-TW" altLang="en-US" sz="600"/>
+                    </a:p>
+                  </a:txBody>
+                  <a:tcPr>
+                    <a:lnL w="12700" cap="flat" cmpd="sng" algn="ctr">
+                      <a:noFill/>
+                      <a:prstDash val="solid"/>
+                      <a:round/>
+                      <a:headEnd type="none" w="med" len="med"/>
+                      <a:tailEnd type="none" w="med" len="med"/>
+                    </a:lnL>
+                    <a:lnR w="12700" cap="flat" cmpd="sng" algn="ctr">
+                      <a:noFill/>
+                      <a:prstDash val="solid"/>
+                      <a:round/>
+                      <a:headEnd type="none" w="med" len="med"/>
+                      <a:tailEnd type="none" w="med" len="med"/>
+                    </a:lnR>
+                    <a:lnT w="12700" cap="flat" cmpd="sng" algn="ctr">
+                      <a:solidFill>
+                        <a:srgbClr val="FF0000"/>
+                      </a:solidFill>
+                      <a:prstDash val="solid"/>
+                      <a:round/>
+                      <a:headEnd type="none" w="med" len="med"/>
+                      <a:tailEnd type="none" w="med" len="med"/>
+                    </a:lnT>
+                    <a:lnB w="12700" cap="flat" cmpd="sng" algn="ctr">
+                      <a:solidFill>
+                        <a:srgbClr val="FF0000"/>
+                      </a:solidFill>
+                      <a:prstDash val="solid"/>
+                      <a:round/>
+                      <a:headEnd type="none" w="med" len="med"/>
+                      <a:tailEnd type="none" w="med" len="med"/>
+                    </a:lnB>
+                    <a:solidFill>
+                      <a:schemeClr val="bg1"/>
+                    </a:solidFill>
+                  </a:tcPr>
+                </a:tc>
+                <a:extLst>
+                  <a:ext uri="{0D108BD9-81ED-4DB2-BD59-A6C34878D82A}">
+                    <a16:rowId xmlns:a16="http://schemas.microsoft.com/office/drawing/2014/main" val="3004317643"/>
+                  </a:ext>
+                </a:extLst>
+              </a:tr>
+              <a:tr h="317602">
+                <a:tc>
+                  <a:txBody>
+                    <a:bodyPr/>
+                    <a:lstStyle/>
+                    <a:p>
+                      <a:endParaRPr lang="zh-TW" altLang="en-US" sz="600" dirty="0"/>
+                    </a:p>
+                  </a:txBody>
+                  <a:tcPr>
+                    <a:lnL w="12700" cap="flat" cmpd="sng" algn="ctr">
+                      <a:noFill/>
+                      <a:prstDash val="solid"/>
+                      <a:round/>
+                      <a:headEnd type="none" w="med" len="med"/>
+                      <a:tailEnd type="none" w="med" len="med"/>
+                    </a:lnL>
+                    <a:lnR w="12700" cap="flat" cmpd="sng" algn="ctr">
+                      <a:noFill/>
+                      <a:prstDash val="solid"/>
+                      <a:round/>
+                      <a:headEnd type="none" w="med" len="med"/>
+                      <a:tailEnd type="none" w="med" len="med"/>
+                    </a:lnR>
+                    <a:lnT w="12700" cap="flat" cmpd="sng" algn="ctr">
+                      <a:solidFill>
+                        <a:srgbClr val="FF0000"/>
+                      </a:solidFill>
+                      <a:prstDash val="solid"/>
+                      <a:round/>
+                      <a:headEnd type="none" w="med" len="med"/>
+                      <a:tailEnd type="none" w="med" len="med"/>
+                    </a:lnT>
+                    <a:lnB w="12700" cap="flat" cmpd="sng" algn="ctr">
+                      <a:solidFill>
+                        <a:srgbClr val="FF0000"/>
+                      </a:solidFill>
+                      <a:prstDash val="solid"/>
+                      <a:round/>
+                      <a:headEnd type="none" w="med" len="med"/>
+                      <a:tailEnd type="none" w="med" len="med"/>
+                    </a:lnB>
+                    <a:solidFill>
+                      <a:schemeClr val="bg1"/>
+                    </a:solidFill>
+                  </a:tcPr>
+                </a:tc>
+                <a:extLst>
+                  <a:ext uri="{0D108BD9-81ED-4DB2-BD59-A6C34878D82A}">
+                    <a16:rowId xmlns:a16="http://schemas.microsoft.com/office/drawing/2014/main" val="921155682"/>
+                  </a:ext>
+                </a:extLst>
+              </a:tr>
+              <a:tr h="317602">
+                <a:tc>
+                  <a:txBody>
+                    <a:bodyPr/>
+                    <a:lstStyle/>
+                    <a:p>
+                      <a:endParaRPr lang="zh-TW" altLang="en-US" sz="600" dirty="0"/>
+                    </a:p>
+                  </a:txBody>
+                  <a:tcPr>
+                    <a:lnL w="12700" cap="flat" cmpd="sng" algn="ctr">
+                      <a:noFill/>
+                      <a:prstDash val="solid"/>
+                      <a:round/>
+                      <a:headEnd type="none" w="med" len="med"/>
+                      <a:tailEnd type="none" w="med" len="med"/>
+                    </a:lnL>
+                    <a:lnR w="12700" cap="flat" cmpd="sng" algn="ctr">
+                      <a:noFill/>
+                      <a:prstDash val="solid"/>
+                      <a:round/>
+                      <a:headEnd type="none" w="med" len="med"/>
+                      <a:tailEnd type="none" w="med" len="med"/>
+                    </a:lnR>
+                    <a:lnT w="12700" cap="flat" cmpd="sng" algn="ctr">
+                      <a:solidFill>
+                        <a:srgbClr val="FF0000"/>
+                      </a:solidFill>
+                      <a:prstDash val="solid"/>
+                      <a:round/>
+                      <a:headEnd type="none" w="med" len="med"/>
+                      <a:tailEnd type="none" w="med" len="med"/>
+                    </a:lnT>
+                    <a:lnB w="12700" cap="flat" cmpd="sng" algn="ctr">
+                      <a:solidFill>
+                        <a:srgbClr val="FF0000"/>
+                      </a:solidFill>
+                      <a:prstDash val="solid"/>
+                      <a:round/>
+                      <a:headEnd type="none" w="med" len="med"/>
+                      <a:tailEnd type="none" w="med" len="med"/>
+                    </a:lnB>
+                    <a:solidFill>
+                      <a:schemeClr val="bg1"/>
+                    </a:solidFill>
+                  </a:tcPr>
+                </a:tc>
+                <a:extLst>
+                  <a:ext uri="{0D108BD9-81ED-4DB2-BD59-A6C34878D82A}">
+                    <a16:rowId xmlns:a16="http://schemas.microsoft.com/office/drawing/2014/main" val="1400972698"/>
+                  </a:ext>
+                </a:extLst>
+              </a:tr>
+              <a:tr h="317602">
+                <a:tc>
+                  <a:txBody>
+                    <a:bodyPr/>
+                    <a:lstStyle/>
+                    <a:p>
+                      <a:endParaRPr lang="zh-TW" altLang="en-US" sz="600" dirty="0"/>
+                    </a:p>
+                  </a:txBody>
+                  <a:tcPr>
+                    <a:lnL w="12700" cap="flat" cmpd="sng" algn="ctr">
+                      <a:noFill/>
+                      <a:prstDash val="solid"/>
+                      <a:round/>
+                      <a:headEnd type="none" w="med" len="med"/>
+                      <a:tailEnd type="none" w="med" len="med"/>
+                    </a:lnL>
+                    <a:lnR w="12700" cap="flat" cmpd="sng" algn="ctr">
+                      <a:noFill/>
+                      <a:prstDash val="solid"/>
+                      <a:round/>
+                      <a:headEnd type="none" w="med" len="med"/>
+                      <a:tailEnd type="none" w="med" len="med"/>
+                    </a:lnR>
+                    <a:lnT w="12700" cap="flat" cmpd="sng" algn="ctr">
+                      <a:solidFill>
+                        <a:srgbClr val="FF0000"/>
+                      </a:solidFill>
+                      <a:prstDash val="solid"/>
+                      <a:round/>
+                      <a:headEnd type="none" w="med" len="med"/>
+                      <a:tailEnd type="none" w="med" len="med"/>
+                    </a:lnT>
+                    <a:lnB w="12700" cap="flat" cmpd="sng" algn="ctr">
+                      <a:solidFill>
+                        <a:srgbClr val="FF0000"/>
+                      </a:solidFill>
+                      <a:prstDash val="solid"/>
+                      <a:round/>
+                      <a:headEnd type="none" w="med" len="med"/>
+                      <a:tailEnd type="none" w="med" len="med"/>
+                    </a:lnB>
+                    <a:solidFill>
+                      <a:schemeClr val="bg1"/>
+                    </a:solidFill>
+                  </a:tcPr>
+                </a:tc>
+                <a:extLst>
+                  <a:ext uri="{0D108BD9-81ED-4DB2-BD59-A6C34878D82A}">
+                    <a16:rowId xmlns:a16="http://schemas.microsoft.com/office/drawing/2014/main" val="4267998869"/>
+                  </a:ext>
+                </a:extLst>
+              </a:tr>
+            </a:tbl>
+          </a:graphicData>
+        </a:graphic>
+      </p:graphicFrame>
+      <p:graphicFrame>
+        <p:nvGraphicFramePr>
+          <p:cNvPr id="29" name="表格 28"/>
+          <p:cNvGraphicFramePr>
+            <a:graphicFrameLocks noGrp="1"/>
+          </p:cNvGraphicFramePr>
+          <p:nvPr>
+            <p:extLst/>
+          </p:nvPr>
+        </p:nvGraphicFramePr>
+        <p:xfrm>
+          <a:off x="4902459" y="3892303"/>
+          <a:ext cx="391160" cy="1588005"/>
+        </p:xfrm>
+        <a:graphic>
+          <a:graphicData uri="http://schemas.openxmlformats.org/drawingml/2006/table">
+            <a:tbl>
+              <a:tblPr firstRow="1" bandRow="1">
+                <a:tableStyleId>{5C22544A-7EE6-4342-B048-85BDC9FD1C3A}</a:tableStyleId>
+              </a:tblPr>
+              <a:tblGrid>
+                <a:gridCol w="391160">
+                  <a:extLst>
+                    <a:ext uri="{9D8B030D-6E8A-4147-A177-3AD203B41FA5}">
+                      <a16:colId xmlns:a16="http://schemas.microsoft.com/office/drawing/2014/main" val="690862659"/>
+                    </a:ext>
+                  </a:extLst>
+                </a:gridCol>
+              </a:tblGrid>
+              <a:tr h="176445">
+                <a:tc>
+                  <a:txBody>
+                    <a:bodyPr/>
+                    <a:lstStyle/>
+                    <a:p>
+                      <a:endParaRPr lang="zh-TW" altLang="en-US" sz="300" dirty="0"/>
+                    </a:p>
+                  </a:txBody>
+                  <a:tcPr>
+                    <a:lnL w="12700" cap="flat" cmpd="sng" algn="ctr">
+                      <a:noFill/>
+                      <a:prstDash val="solid"/>
+                      <a:round/>
+                      <a:headEnd type="none" w="med" len="med"/>
+                      <a:tailEnd type="none" w="med" len="med"/>
+                    </a:lnL>
+                    <a:lnR w="12700" cap="flat" cmpd="sng" algn="ctr">
+                      <a:noFill/>
+                      <a:prstDash val="solid"/>
+                      <a:round/>
+                      <a:headEnd type="none" w="med" len="med"/>
+                      <a:tailEnd type="none" w="med" len="med"/>
+                    </a:lnR>
+                    <a:lnT w="12700" cap="flat" cmpd="sng" algn="ctr">
+                      <a:solidFill>
+                        <a:schemeClr val="tx1"/>
+                      </a:solidFill>
+                      <a:prstDash val="solid"/>
+                      <a:round/>
+                      <a:headEnd type="none" w="med" len="med"/>
+                      <a:tailEnd type="none" w="med" len="med"/>
+                    </a:lnT>
+                    <a:lnB w="12700" cap="flat" cmpd="sng" algn="ctr">
+                      <a:solidFill>
+                        <a:schemeClr val="tx1"/>
+                      </a:solidFill>
+                      <a:prstDash val="solid"/>
+                      <a:round/>
+                      <a:headEnd type="none" w="med" len="med"/>
+                      <a:tailEnd type="none" w="med" len="med"/>
+                    </a:lnB>
+                    <a:solidFill>
+                      <a:schemeClr val="bg1"/>
+                    </a:solidFill>
+                  </a:tcPr>
+                </a:tc>
+                <a:extLst>
+                  <a:ext uri="{0D108BD9-81ED-4DB2-BD59-A6C34878D82A}">
+                    <a16:rowId xmlns:a16="http://schemas.microsoft.com/office/drawing/2014/main" val="1912614425"/>
+                  </a:ext>
+                </a:extLst>
+              </a:tr>
+              <a:tr h="176445">
+                <a:tc>
+                  <a:txBody>
+                    <a:bodyPr/>
+                    <a:lstStyle/>
+                    <a:p>
+                      <a:endParaRPr lang="zh-TW" altLang="en-US" sz="300"/>
+                    </a:p>
+                  </a:txBody>
+                  <a:tcPr>
+                    <a:lnL w="12700" cap="flat" cmpd="sng" algn="ctr">
+                      <a:noFill/>
+                      <a:prstDash val="solid"/>
+                      <a:round/>
+                      <a:headEnd type="none" w="med" len="med"/>
+                      <a:tailEnd type="none" w="med" len="med"/>
+                    </a:lnL>
+                    <a:lnR w="12700" cap="flat" cmpd="sng" algn="ctr">
+                      <a:noFill/>
+                      <a:prstDash val="solid"/>
+                      <a:round/>
+                      <a:headEnd type="none" w="med" len="med"/>
+                      <a:tailEnd type="none" w="med" len="med"/>
+                    </a:lnR>
+                    <a:lnT w="12700" cap="flat" cmpd="sng" algn="ctr">
+                      <a:solidFill>
+                        <a:schemeClr val="tx1"/>
+                      </a:solidFill>
+                      <a:prstDash val="solid"/>
+                      <a:round/>
+                      <a:headEnd type="none" w="med" len="med"/>
+                      <a:tailEnd type="none" w="med" len="med"/>
+                    </a:lnT>
+                    <a:lnB w="12700" cap="flat" cmpd="sng" algn="ctr">
+                      <a:solidFill>
+                        <a:schemeClr val="tx1"/>
+                      </a:solidFill>
+                      <a:prstDash val="solid"/>
+                      <a:round/>
+                      <a:headEnd type="none" w="med" len="med"/>
+                      <a:tailEnd type="none" w="med" len="med"/>
+                    </a:lnB>
+                    <a:solidFill>
+                      <a:schemeClr val="bg1"/>
+                    </a:solidFill>
+                  </a:tcPr>
+                </a:tc>
+                <a:extLst>
+                  <a:ext uri="{0D108BD9-81ED-4DB2-BD59-A6C34878D82A}">
+                    <a16:rowId xmlns:a16="http://schemas.microsoft.com/office/drawing/2014/main" val="2970923743"/>
+                  </a:ext>
+                </a:extLst>
+              </a:tr>
+              <a:tr h="176445">
+                <a:tc>
+                  <a:txBody>
+                    <a:bodyPr/>
+                    <a:lstStyle/>
+                    <a:p>
+                      <a:endParaRPr lang="zh-TW" altLang="en-US" sz="300" kern="1200" dirty="0">
+                        <a:solidFill>
+                          <a:schemeClr val="dk1"/>
+                        </a:solidFill>
+                        <a:latin typeface="+mn-lt"/>
+                        <a:ea typeface="+mn-ea"/>
+                        <a:cs typeface="+mn-cs"/>
+                      </a:endParaRPr>
+                    </a:p>
+                  </a:txBody>
+                  <a:tcPr>
+                    <a:lnL w="12700" cap="flat" cmpd="sng" algn="ctr">
+                      <a:noFill/>
+                      <a:prstDash val="solid"/>
+                      <a:round/>
+                      <a:headEnd type="none" w="med" len="med"/>
+                      <a:tailEnd type="none" w="med" len="med"/>
+                    </a:lnL>
+                    <a:lnR w="12700" cap="flat" cmpd="sng" algn="ctr">
+                      <a:noFill/>
+                      <a:prstDash val="solid"/>
+                      <a:round/>
+                      <a:headEnd type="none" w="med" len="med"/>
+                      <a:tailEnd type="none" w="med" len="med"/>
+                    </a:lnR>
+                    <a:lnT w="12700" cap="flat" cmpd="sng" algn="ctr">
+                      <a:solidFill>
+                        <a:schemeClr val="tx1"/>
+                      </a:solidFill>
+                      <a:prstDash val="solid"/>
+                      <a:round/>
+                      <a:headEnd type="none" w="med" len="med"/>
+                      <a:tailEnd type="none" w="med" len="med"/>
+                    </a:lnT>
+                    <a:lnB w="12700" cap="flat" cmpd="sng" algn="ctr">
+                      <a:solidFill>
+                        <a:schemeClr val="tx1"/>
+                      </a:solidFill>
+                      <a:prstDash val="solid"/>
+                      <a:round/>
+                      <a:headEnd type="none" w="med" len="med"/>
+                      <a:tailEnd type="none" w="med" len="med"/>
+                    </a:lnB>
+                    <a:solidFill>
+                      <a:schemeClr val="bg1"/>
+                    </a:solidFill>
+                  </a:tcPr>
+                </a:tc>
+                <a:extLst>
+                  <a:ext uri="{0D108BD9-81ED-4DB2-BD59-A6C34878D82A}">
+                    <a16:rowId xmlns:a16="http://schemas.microsoft.com/office/drawing/2014/main" val="530438703"/>
+                  </a:ext>
+                </a:extLst>
+              </a:tr>
+              <a:tr h="176445">
+                <a:tc>
+                  <a:txBody>
+                    <a:bodyPr/>
+                    <a:lstStyle/>
+                    <a:p>
+                      <a:endParaRPr lang="zh-TW" altLang="en-US" sz="300"/>
+                    </a:p>
+                  </a:txBody>
+                  <a:tcPr>
+                    <a:lnL w="12700" cap="flat" cmpd="sng" algn="ctr">
+                      <a:noFill/>
+                      <a:prstDash val="solid"/>
+                      <a:round/>
+                      <a:headEnd type="none" w="med" len="med"/>
+                      <a:tailEnd type="none" w="med" len="med"/>
+                    </a:lnL>
+                    <a:lnR w="12700" cap="flat" cmpd="sng" algn="ctr">
+                      <a:noFill/>
+                      <a:prstDash val="solid"/>
+                      <a:round/>
+                      <a:headEnd type="none" w="med" len="med"/>
+                      <a:tailEnd type="none" w="med" len="med"/>
+                    </a:lnR>
+                    <a:lnT w="12700" cap="flat" cmpd="sng" algn="ctr">
+                      <a:solidFill>
+                        <a:schemeClr val="tx1"/>
+                      </a:solidFill>
+                      <a:prstDash val="solid"/>
+                      <a:round/>
+                      <a:headEnd type="none" w="med" len="med"/>
+                      <a:tailEnd type="none" w="med" len="med"/>
+                    </a:lnT>
+                    <a:lnB w="12700" cap="flat" cmpd="sng" algn="ctr">
+                      <a:solidFill>
+                        <a:schemeClr val="tx1"/>
+                      </a:solidFill>
+                      <a:prstDash val="solid"/>
+                      <a:round/>
+                      <a:headEnd type="none" w="med" len="med"/>
+                      <a:tailEnd type="none" w="med" len="med"/>
+                    </a:lnB>
+                    <a:solidFill>
+                      <a:schemeClr val="bg1"/>
+                    </a:solidFill>
+                  </a:tcPr>
+                </a:tc>
+                <a:extLst>
+                  <a:ext uri="{0D108BD9-81ED-4DB2-BD59-A6C34878D82A}">
+                    <a16:rowId xmlns:a16="http://schemas.microsoft.com/office/drawing/2014/main" val="3242706618"/>
+                  </a:ext>
+                </a:extLst>
+              </a:tr>
+              <a:tr h="176445">
+                <a:tc>
+                  <a:txBody>
+                    <a:bodyPr/>
+                    <a:lstStyle/>
+                    <a:p>
+                      <a:endParaRPr lang="zh-TW" altLang="en-US" sz="300" dirty="0"/>
+                    </a:p>
+                  </a:txBody>
+                  <a:tcPr>
+                    <a:lnL w="12700" cap="flat" cmpd="sng" algn="ctr">
+                      <a:noFill/>
+                      <a:prstDash val="solid"/>
+                      <a:round/>
+                      <a:headEnd type="none" w="med" len="med"/>
+                      <a:tailEnd type="none" w="med" len="med"/>
+                    </a:lnL>
+                    <a:lnR w="12700" cap="flat" cmpd="sng" algn="ctr">
+                      <a:noFill/>
+                      <a:prstDash val="solid"/>
+                      <a:round/>
+                      <a:headEnd type="none" w="med" len="med"/>
+                      <a:tailEnd type="none" w="med" len="med"/>
+                    </a:lnR>
+                    <a:lnT w="12700" cap="flat" cmpd="sng" algn="ctr">
+                      <a:solidFill>
+                        <a:schemeClr val="tx1"/>
+                      </a:solidFill>
+                      <a:prstDash val="solid"/>
+                      <a:round/>
+                      <a:headEnd type="none" w="med" len="med"/>
+                      <a:tailEnd type="none" w="med" len="med"/>
+                    </a:lnT>
+                    <a:lnB w="12700" cap="flat" cmpd="sng" algn="ctr">
+                      <a:solidFill>
+                        <a:schemeClr val="tx1"/>
+                      </a:solidFill>
+                      <a:prstDash val="solid"/>
+                      <a:round/>
+                      <a:headEnd type="none" w="med" len="med"/>
+                      <a:tailEnd type="none" w="med" len="med"/>
+                    </a:lnB>
+                    <a:solidFill>
+                      <a:schemeClr val="bg1"/>
+                    </a:solidFill>
+                  </a:tcPr>
+                </a:tc>
+                <a:extLst>
+                  <a:ext uri="{0D108BD9-81ED-4DB2-BD59-A6C34878D82A}">
+                    <a16:rowId xmlns:a16="http://schemas.microsoft.com/office/drawing/2014/main" val="1456266779"/>
+                  </a:ext>
+                </a:extLst>
+              </a:tr>
+              <a:tr h="176445">
+                <a:tc>
+                  <a:txBody>
+                    <a:bodyPr/>
+                    <a:lstStyle/>
+                    <a:p>
+                      <a:endParaRPr lang="zh-TW" altLang="en-US" sz="300"/>
+                    </a:p>
+                  </a:txBody>
+                  <a:tcPr>
+                    <a:lnL w="12700" cap="flat" cmpd="sng" algn="ctr">
+                      <a:noFill/>
+                      <a:prstDash val="solid"/>
+                      <a:round/>
+                      <a:headEnd type="none" w="med" len="med"/>
+                      <a:tailEnd type="none" w="med" len="med"/>
+                    </a:lnL>
+                    <a:lnR w="12700" cap="flat" cmpd="sng" algn="ctr">
+                      <a:noFill/>
+                      <a:prstDash val="solid"/>
+                      <a:round/>
+                      <a:headEnd type="none" w="med" len="med"/>
+                      <a:tailEnd type="none" w="med" len="med"/>
+                    </a:lnR>
+                    <a:lnT w="12700" cap="flat" cmpd="sng" algn="ctr">
+                      <a:solidFill>
+                        <a:schemeClr val="tx1"/>
+                      </a:solidFill>
+                      <a:prstDash val="solid"/>
+                      <a:round/>
+                      <a:headEnd type="none" w="med" len="med"/>
+                      <a:tailEnd type="none" w="med" len="med"/>
+                    </a:lnT>
+                    <a:lnB w="12700" cap="flat" cmpd="sng" algn="ctr">
+                      <a:solidFill>
+                        <a:schemeClr val="tx1"/>
+                      </a:solidFill>
+                      <a:prstDash val="solid"/>
+                      <a:round/>
+                      <a:headEnd type="none" w="med" len="med"/>
+                      <a:tailEnd type="none" w="med" len="med"/>
+                    </a:lnB>
+                    <a:solidFill>
+                      <a:schemeClr val="bg1"/>
+                    </a:solidFill>
+                  </a:tcPr>
+                </a:tc>
+                <a:extLst>
+                  <a:ext uri="{0D108BD9-81ED-4DB2-BD59-A6C34878D82A}">
+                    <a16:rowId xmlns:a16="http://schemas.microsoft.com/office/drawing/2014/main" val="1999859578"/>
+                  </a:ext>
+                </a:extLst>
+              </a:tr>
+              <a:tr h="176445">
+                <a:tc>
+                  <a:txBody>
+                    <a:bodyPr/>
+                    <a:lstStyle/>
+                    <a:p>
+                      <a:endParaRPr lang="zh-TW" altLang="en-US" sz="300"/>
+                    </a:p>
+                  </a:txBody>
+                  <a:tcPr>
+                    <a:lnL w="12700" cap="flat" cmpd="sng" algn="ctr">
+                      <a:noFill/>
+                      <a:prstDash val="solid"/>
+                      <a:round/>
+                      <a:headEnd type="none" w="med" len="med"/>
+                      <a:tailEnd type="none" w="med" len="med"/>
+                    </a:lnL>
+                    <a:lnR w="12700" cap="flat" cmpd="sng" algn="ctr">
+                      <a:noFill/>
+                      <a:prstDash val="solid"/>
+                      <a:round/>
+                      <a:headEnd type="none" w="med" len="med"/>
+                      <a:tailEnd type="none" w="med" len="med"/>
+                    </a:lnR>
+                    <a:lnT w="12700" cap="flat" cmpd="sng" algn="ctr">
+                      <a:solidFill>
+                        <a:schemeClr val="tx1"/>
+                      </a:solidFill>
+                      <a:prstDash val="solid"/>
+                      <a:round/>
+                      <a:headEnd type="none" w="med" len="med"/>
+                      <a:tailEnd type="none" w="med" len="med"/>
+                    </a:lnT>
+                    <a:lnB w="12700" cap="flat" cmpd="sng" algn="ctr">
+                      <a:solidFill>
+                        <a:schemeClr val="tx1"/>
+                      </a:solidFill>
+                      <a:prstDash val="solid"/>
+                      <a:round/>
+                      <a:headEnd type="none" w="med" len="med"/>
+                      <a:tailEnd type="none" w="med" len="med"/>
+                    </a:lnB>
+                    <a:solidFill>
+                      <a:schemeClr val="bg1"/>
+                    </a:solidFill>
+                  </a:tcPr>
+                </a:tc>
+                <a:extLst>
+                  <a:ext uri="{0D108BD9-81ED-4DB2-BD59-A6C34878D82A}">
+                    <a16:rowId xmlns:a16="http://schemas.microsoft.com/office/drawing/2014/main" val="3004317643"/>
+                  </a:ext>
+                </a:extLst>
+              </a:tr>
+              <a:tr h="176445">
+                <a:tc>
+                  <a:txBody>
+                    <a:bodyPr/>
+                    <a:lstStyle/>
+                    <a:p>
+                      <a:endParaRPr lang="zh-TW" altLang="en-US" sz="300" dirty="0"/>
+                    </a:p>
+                  </a:txBody>
+                  <a:tcPr>
+                    <a:lnL w="12700" cap="flat" cmpd="sng" algn="ctr">
+                      <a:noFill/>
+                      <a:prstDash val="solid"/>
+                      <a:round/>
+                      <a:headEnd type="none" w="med" len="med"/>
+                      <a:tailEnd type="none" w="med" len="med"/>
+                    </a:lnL>
+                    <a:lnR w="12700" cap="flat" cmpd="sng" algn="ctr">
+                      <a:noFill/>
+                      <a:prstDash val="solid"/>
+                      <a:round/>
+                      <a:headEnd type="none" w="med" len="med"/>
+                      <a:tailEnd type="none" w="med" len="med"/>
+                    </a:lnR>
+                    <a:lnT w="12700" cap="flat" cmpd="sng" algn="ctr">
+                      <a:solidFill>
+                        <a:schemeClr val="tx1"/>
+                      </a:solidFill>
+                      <a:prstDash val="solid"/>
+                      <a:round/>
+                      <a:headEnd type="none" w="med" len="med"/>
+                      <a:tailEnd type="none" w="med" len="med"/>
+                    </a:lnT>
+                    <a:lnB w="12700" cap="flat" cmpd="sng" algn="ctr">
+                      <a:solidFill>
+                        <a:schemeClr val="tx1"/>
+                      </a:solidFill>
+                      <a:prstDash val="solid"/>
+                      <a:round/>
+                      <a:headEnd type="none" w="med" len="med"/>
+                      <a:tailEnd type="none" w="med" len="med"/>
+                    </a:lnB>
+                    <a:solidFill>
+                      <a:schemeClr val="bg1"/>
+                    </a:solidFill>
+                  </a:tcPr>
+                </a:tc>
+                <a:extLst>
+                  <a:ext uri="{0D108BD9-81ED-4DB2-BD59-A6C34878D82A}">
+                    <a16:rowId xmlns:a16="http://schemas.microsoft.com/office/drawing/2014/main" val="921155682"/>
+                  </a:ext>
+                </a:extLst>
+              </a:tr>
+              <a:tr h="176445">
+                <a:tc>
+                  <a:txBody>
+                    <a:bodyPr/>
+                    <a:lstStyle/>
+                    <a:p>
+                      <a:endParaRPr lang="zh-TW" altLang="en-US" sz="300" dirty="0"/>
+                    </a:p>
+                  </a:txBody>
+                  <a:tcPr>
+                    <a:lnL w="12700" cap="flat" cmpd="sng" algn="ctr">
+                      <a:noFill/>
+                      <a:prstDash val="solid"/>
+                      <a:round/>
+                      <a:headEnd type="none" w="med" len="med"/>
+                      <a:tailEnd type="none" w="med" len="med"/>
+                    </a:lnL>
+                    <a:lnR w="12700" cap="flat" cmpd="sng" algn="ctr">
+                      <a:noFill/>
+                      <a:prstDash val="solid"/>
+                      <a:round/>
+                      <a:headEnd type="none" w="med" len="med"/>
+                      <a:tailEnd type="none" w="med" len="med"/>
+                    </a:lnR>
+                    <a:lnT w="12700" cap="flat" cmpd="sng" algn="ctr">
+                      <a:solidFill>
+                        <a:schemeClr val="tx1"/>
+                      </a:solidFill>
+                      <a:prstDash val="solid"/>
+                      <a:round/>
+                      <a:headEnd type="none" w="med" len="med"/>
+                      <a:tailEnd type="none" w="med" len="med"/>
+                    </a:lnT>
+                    <a:lnB w="12700" cap="flat" cmpd="sng" algn="ctr">
+                      <a:solidFill>
+                        <a:schemeClr val="tx1"/>
+                      </a:solidFill>
+                      <a:prstDash val="solid"/>
+                      <a:round/>
+                      <a:headEnd type="none" w="med" len="med"/>
+                      <a:tailEnd type="none" w="med" len="med"/>
+                    </a:lnB>
+                    <a:solidFill>
+                      <a:schemeClr val="bg1"/>
+                    </a:solidFill>
+                  </a:tcPr>
+                </a:tc>
+                <a:extLst>
+                  <a:ext uri="{0D108BD9-81ED-4DB2-BD59-A6C34878D82A}">
+                    <a16:rowId xmlns:a16="http://schemas.microsoft.com/office/drawing/2014/main" val="1400972698"/>
+                  </a:ext>
+                </a:extLst>
+              </a:tr>
+            </a:tbl>
+          </a:graphicData>
+        </a:graphic>
+      </p:graphicFrame>
+      <p:graphicFrame>
+        <p:nvGraphicFramePr>
+          <p:cNvPr id="31" name="表格 30"/>
+          <p:cNvGraphicFramePr>
+            <a:graphicFrameLocks noGrp="1"/>
+          </p:cNvGraphicFramePr>
+          <p:nvPr>
+            <p:extLst/>
+          </p:nvPr>
+        </p:nvGraphicFramePr>
+        <p:xfrm>
+          <a:off x="4902456" y="2298195"/>
+          <a:ext cx="391160" cy="1588005"/>
+        </p:xfrm>
+        <a:graphic>
+          <a:graphicData uri="http://schemas.openxmlformats.org/drawingml/2006/table">
+            <a:tbl>
+              <a:tblPr firstRow="1" bandRow="1">
+                <a:tableStyleId>{5C22544A-7EE6-4342-B048-85BDC9FD1C3A}</a:tableStyleId>
+              </a:tblPr>
+              <a:tblGrid>
+                <a:gridCol w="391160">
+                  <a:extLst>
+                    <a:ext uri="{9D8B030D-6E8A-4147-A177-3AD203B41FA5}">
+                      <a16:colId xmlns:a16="http://schemas.microsoft.com/office/drawing/2014/main" val="690862659"/>
+                    </a:ext>
+                  </a:extLst>
+                </a:gridCol>
+              </a:tblGrid>
+              <a:tr h="176445">
+                <a:tc>
+                  <a:txBody>
+                    <a:bodyPr/>
+                    <a:lstStyle/>
+                    <a:p>
+                      <a:endParaRPr lang="zh-TW" altLang="en-US" sz="300" dirty="0"/>
+                    </a:p>
+                  </a:txBody>
+                  <a:tcPr>
+                    <a:lnL w="12700" cap="flat" cmpd="sng" algn="ctr">
+                      <a:noFill/>
+                      <a:prstDash val="solid"/>
+                      <a:round/>
+                      <a:headEnd type="none" w="med" len="med"/>
+                      <a:tailEnd type="none" w="med" len="med"/>
+                    </a:lnL>
+                    <a:lnR w="12700" cap="flat" cmpd="sng" algn="ctr">
+                      <a:noFill/>
+                      <a:prstDash val="solid"/>
+                      <a:round/>
+                      <a:headEnd type="none" w="med" len="med"/>
+                      <a:tailEnd type="none" w="med" len="med"/>
+                    </a:lnR>
+                    <a:lnT w="12700" cap="flat" cmpd="sng" algn="ctr">
+                      <a:solidFill>
+                        <a:schemeClr val="tx1"/>
+                      </a:solidFill>
+                      <a:prstDash val="solid"/>
+                      <a:round/>
+                      <a:headEnd type="none" w="med" len="med"/>
+                      <a:tailEnd type="none" w="med" len="med"/>
+                    </a:lnT>
+                    <a:lnB w="12700" cap="flat" cmpd="sng" algn="ctr">
+                      <a:solidFill>
+                        <a:schemeClr val="tx1"/>
+                      </a:solidFill>
+                      <a:prstDash val="solid"/>
+                      <a:round/>
+                      <a:headEnd type="none" w="med" len="med"/>
+                      <a:tailEnd type="none" w="med" len="med"/>
+                    </a:lnB>
+                    <a:lnTlToBr w="12700" cmpd="sng">
+                      <a:noFill/>
+                      <a:prstDash val="solid"/>
+                    </a:lnTlToBr>
+                    <a:lnBlToTr w="12700" cmpd="sng">
+                      <a:noFill/>
+                      <a:prstDash val="solid"/>
+                    </a:lnBlToTr>
+                    <a:solidFill>
+                      <a:schemeClr val="bg1"/>
+                    </a:solidFill>
+                  </a:tcPr>
+                </a:tc>
+                <a:extLst>
+                  <a:ext uri="{0D108BD9-81ED-4DB2-BD59-A6C34878D82A}">
+                    <a16:rowId xmlns:a16="http://schemas.microsoft.com/office/drawing/2014/main" val="1912614425"/>
+                  </a:ext>
+                </a:extLst>
+              </a:tr>
+              <a:tr h="176445">
+                <a:tc>
+                  <a:txBody>
+                    <a:bodyPr/>
+                    <a:lstStyle/>
+                    <a:p>
+                      <a:endParaRPr lang="zh-TW" altLang="en-US" sz="300" dirty="0"/>
+                    </a:p>
+                  </a:txBody>
+                  <a:tcPr>
+                    <a:lnL w="12700" cap="flat" cmpd="sng" algn="ctr">
+                      <a:noFill/>
+                      <a:prstDash val="solid"/>
+                      <a:round/>
+                      <a:headEnd type="none" w="med" len="med"/>
+                      <a:tailEnd type="none" w="med" len="med"/>
+                    </a:lnL>
+                    <a:lnR w="12700" cap="flat" cmpd="sng" algn="ctr">
+                      <a:noFill/>
+                      <a:prstDash val="solid"/>
+                      <a:round/>
+                      <a:headEnd type="none" w="med" len="med"/>
+                      <a:tailEnd type="none" w="med" len="med"/>
+                    </a:lnR>
+                    <a:lnT w="12700" cap="flat" cmpd="sng" algn="ctr">
+                      <a:solidFill>
+                        <a:schemeClr val="tx1"/>
+                      </a:solidFill>
+                      <a:prstDash val="solid"/>
+                      <a:round/>
+                      <a:headEnd type="none" w="med" len="med"/>
+                      <a:tailEnd type="none" w="med" len="med"/>
+                    </a:lnT>
+                    <a:lnB w="12700" cap="flat" cmpd="sng" algn="ctr">
+                      <a:solidFill>
+                        <a:schemeClr val="tx1"/>
+                      </a:solidFill>
+                      <a:prstDash val="solid"/>
+                      <a:round/>
+                      <a:headEnd type="none" w="med" len="med"/>
+                      <a:tailEnd type="none" w="med" len="med"/>
+                    </a:lnB>
+                    <a:lnTlToBr w="12700" cmpd="sng">
+                      <a:noFill/>
+                      <a:prstDash val="solid"/>
+                    </a:lnTlToBr>
+                    <a:lnBlToTr w="12700" cmpd="sng">
+                      <a:noFill/>
+                      <a:prstDash val="solid"/>
+                    </a:lnBlToTr>
+                    <a:solidFill>
+                      <a:schemeClr val="bg1"/>
+                    </a:solidFill>
+                  </a:tcPr>
+                </a:tc>
+                <a:extLst>
+                  <a:ext uri="{0D108BD9-81ED-4DB2-BD59-A6C34878D82A}">
+                    <a16:rowId xmlns:a16="http://schemas.microsoft.com/office/drawing/2014/main" val="2970923743"/>
+                  </a:ext>
+                </a:extLst>
+              </a:tr>
+              <a:tr h="176445">
+                <a:tc>
+                  <a:txBody>
+                    <a:bodyPr/>
+                    <a:lstStyle/>
+                    <a:p>
+                      <a:endParaRPr lang="zh-TW" altLang="en-US" sz="300" dirty="0"/>
+                    </a:p>
+                  </a:txBody>
+                  <a:tcPr>
+                    <a:lnL w="12700" cap="flat" cmpd="sng" algn="ctr">
+                      <a:noFill/>
+                      <a:prstDash val="solid"/>
+                      <a:round/>
+                      <a:headEnd type="none" w="med" len="med"/>
+                      <a:tailEnd type="none" w="med" len="med"/>
+                    </a:lnL>
+                    <a:lnR w="12700" cap="flat" cmpd="sng" algn="ctr">
+                      <a:noFill/>
+                      <a:prstDash val="solid"/>
+                      <a:round/>
+                      <a:headEnd type="none" w="med" len="med"/>
+                      <a:tailEnd type="none" w="med" len="med"/>
+                    </a:lnR>
+                    <a:lnT w="12700" cap="flat" cmpd="sng" algn="ctr">
+                      <a:solidFill>
+                        <a:schemeClr val="tx1"/>
+                      </a:solidFill>
+                      <a:prstDash val="solid"/>
+                      <a:round/>
+                      <a:headEnd type="none" w="med" len="med"/>
+                      <a:tailEnd type="none" w="med" len="med"/>
+                    </a:lnT>
+                    <a:lnB w="12700" cap="flat" cmpd="sng" algn="ctr">
+                      <a:solidFill>
+                        <a:schemeClr val="tx1"/>
+                      </a:solidFill>
+                      <a:prstDash val="solid"/>
+                      <a:round/>
+                      <a:headEnd type="none" w="med" len="med"/>
+                      <a:tailEnd type="none" w="med" len="med"/>
+                    </a:lnB>
+                    <a:lnTlToBr w="12700" cmpd="sng">
+                      <a:noFill/>
+                      <a:prstDash val="solid"/>
+                    </a:lnTlToBr>
+                    <a:lnBlToTr w="12700" cmpd="sng">
+                      <a:noFill/>
+                      <a:prstDash val="solid"/>
+                    </a:lnBlToTr>
+                    <a:solidFill>
+                      <a:schemeClr val="bg1"/>
+                    </a:solidFill>
+                  </a:tcPr>
+                </a:tc>
+                <a:extLst>
+                  <a:ext uri="{0D108BD9-81ED-4DB2-BD59-A6C34878D82A}">
+                    <a16:rowId xmlns:a16="http://schemas.microsoft.com/office/drawing/2014/main" val="530438703"/>
+                  </a:ext>
+                </a:extLst>
+              </a:tr>
+              <a:tr h="176445">
+                <a:tc>
+                  <a:txBody>
+                    <a:bodyPr/>
+                    <a:lstStyle/>
+                    <a:p>
+                      <a:endParaRPr lang="zh-TW" altLang="en-US" sz="300" dirty="0"/>
+                    </a:p>
+                  </a:txBody>
+                  <a:tcPr>
+                    <a:lnL w="12700" cap="flat" cmpd="sng" algn="ctr">
+                      <a:noFill/>
+                      <a:prstDash val="solid"/>
+                      <a:round/>
+                      <a:headEnd type="none" w="med" len="med"/>
+                      <a:tailEnd type="none" w="med" len="med"/>
+                    </a:lnL>
+                    <a:lnR w="12700" cap="flat" cmpd="sng" algn="ctr">
+                      <a:noFill/>
+                      <a:prstDash val="solid"/>
+                      <a:round/>
+                      <a:headEnd type="none" w="med" len="med"/>
+                      <a:tailEnd type="none" w="med" len="med"/>
+                    </a:lnR>
+                    <a:lnT w="12700" cap="flat" cmpd="sng" algn="ctr">
+                      <a:solidFill>
+                        <a:schemeClr val="tx1"/>
+                      </a:solidFill>
+                      <a:prstDash val="solid"/>
+                      <a:round/>
+                      <a:headEnd type="none" w="med" len="med"/>
+                      <a:tailEnd type="none" w="med" len="med"/>
+                    </a:lnT>
+                    <a:lnB w="12700" cap="flat" cmpd="sng" algn="ctr">
+                      <a:solidFill>
+                        <a:schemeClr val="tx1"/>
+                      </a:solidFill>
+                      <a:prstDash val="solid"/>
+                      <a:round/>
+                      <a:headEnd type="none" w="med" len="med"/>
+                      <a:tailEnd type="none" w="med" len="med"/>
+                    </a:lnB>
+                    <a:lnTlToBr w="12700" cmpd="sng">
+                      <a:noFill/>
+                      <a:prstDash val="solid"/>
+                    </a:lnTlToBr>
+                    <a:lnBlToTr w="12700" cmpd="sng">
+                      <a:noFill/>
+                      <a:prstDash val="solid"/>
+                    </a:lnBlToTr>
+                    <a:solidFill>
+                      <a:schemeClr val="bg1"/>
+                    </a:solidFill>
+                  </a:tcPr>
+                </a:tc>
+                <a:extLst>
+                  <a:ext uri="{0D108BD9-81ED-4DB2-BD59-A6C34878D82A}">
+                    <a16:rowId xmlns:a16="http://schemas.microsoft.com/office/drawing/2014/main" val="3242706618"/>
+                  </a:ext>
+                </a:extLst>
+              </a:tr>
+              <a:tr h="176445">
+                <a:tc>
+                  <a:txBody>
+                    <a:bodyPr/>
+                    <a:lstStyle/>
+                    <a:p>
+                      <a:endParaRPr lang="zh-TW" altLang="en-US" sz="300" dirty="0"/>
+                    </a:p>
+                  </a:txBody>
+                  <a:tcPr>
+                    <a:lnL w="12700" cap="flat" cmpd="sng" algn="ctr">
+                      <a:noFill/>
+                      <a:prstDash val="solid"/>
+                      <a:round/>
+                      <a:headEnd type="none" w="med" len="med"/>
+                      <a:tailEnd type="none" w="med" len="med"/>
+                    </a:lnL>
+                    <a:lnR w="12700" cap="flat" cmpd="sng" algn="ctr">
+                      <a:noFill/>
+                      <a:prstDash val="solid"/>
+                      <a:round/>
+                      <a:headEnd type="none" w="med" len="med"/>
+                      <a:tailEnd type="none" w="med" len="med"/>
+                    </a:lnR>
+                    <a:lnT w="12700" cap="flat" cmpd="sng" algn="ctr">
+                      <a:solidFill>
+                        <a:schemeClr val="tx1"/>
+                      </a:solidFill>
+                      <a:prstDash val="solid"/>
+                      <a:round/>
+                      <a:headEnd type="none" w="med" len="med"/>
+                      <a:tailEnd type="none" w="med" len="med"/>
+                    </a:lnT>
+                    <a:lnB w="12700" cap="flat" cmpd="sng" algn="ctr">
+                      <a:solidFill>
+                        <a:schemeClr val="tx1"/>
+                      </a:solidFill>
+                      <a:prstDash val="solid"/>
+                      <a:round/>
+                      <a:headEnd type="none" w="med" len="med"/>
+                      <a:tailEnd type="none" w="med" len="med"/>
+                    </a:lnB>
+                    <a:lnTlToBr w="12700" cmpd="sng">
+                      <a:noFill/>
+                      <a:prstDash val="solid"/>
+                    </a:lnTlToBr>
+                    <a:lnBlToTr w="12700" cmpd="sng">
+                      <a:noFill/>
+                      <a:prstDash val="solid"/>
+                    </a:lnBlToTr>
+                    <a:solidFill>
+                      <a:schemeClr val="bg1"/>
+                    </a:solidFill>
+                  </a:tcPr>
+                </a:tc>
+                <a:extLst>
+                  <a:ext uri="{0D108BD9-81ED-4DB2-BD59-A6C34878D82A}">
+                    <a16:rowId xmlns:a16="http://schemas.microsoft.com/office/drawing/2014/main" val="1456266779"/>
+                  </a:ext>
+                </a:extLst>
+              </a:tr>
+              <a:tr h="176445">
+                <a:tc>
+                  <a:txBody>
+                    <a:bodyPr/>
+                    <a:lstStyle/>
+                    <a:p>
+                      <a:endParaRPr lang="zh-TW" altLang="en-US" sz="300" dirty="0"/>
+                    </a:p>
+                  </a:txBody>
+                  <a:tcPr>
+                    <a:lnL w="12700" cap="flat" cmpd="sng" algn="ctr">
+                      <a:noFill/>
+                      <a:prstDash val="solid"/>
+                      <a:round/>
+                      <a:headEnd type="none" w="med" len="med"/>
+                      <a:tailEnd type="none" w="med" len="med"/>
+                    </a:lnL>
+                    <a:lnR w="12700" cap="flat" cmpd="sng" algn="ctr">
+                      <a:noFill/>
+                      <a:prstDash val="solid"/>
+                      <a:round/>
+                      <a:headEnd type="none" w="med" len="med"/>
+                      <a:tailEnd type="none" w="med" len="med"/>
+                    </a:lnR>
+                    <a:lnT w="12700" cap="flat" cmpd="sng" algn="ctr">
+                      <a:solidFill>
+                        <a:schemeClr val="tx1"/>
+                      </a:solidFill>
+                      <a:prstDash val="solid"/>
+                      <a:round/>
+                      <a:headEnd type="none" w="med" len="med"/>
+                      <a:tailEnd type="none" w="med" len="med"/>
+                    </a:lnT>
+                    <a:lnB w="12700" cap="flat" cmpd="sng" algn="ctr">
+                      <a:solidFill>
+                        <a:schemeClr val="tx1"/>
+                      </a:solidFill>
+                      <a:prstDash val="solid"/>
+                      <a:round/>
+                      <a:headEnd type="none" w="med" len="med"/>
+                      <a:tailEnd type="none" w="med" len="med"/>
+                    </a:lnB>
+                    <a:lnTlToBr w="12700" cmpd="sng">
+                      <a:noFill/>
+                      <a:prstDash val="solid"/>
+                    </a:lnTlToBr>
+                    <a:lnBlToTr w="12700" cmpd="sng">
+                      <a:noFill/>
+                      <a:prstDash val="solid"/>
+                    </a:lnBlToTr>
+                    <a:solidFill>
+                      <a:schemeClr val="bg1"/>
+                    </a:solidFill>
+                  </a:tcPr>
+                </a:tc>
+                <a:extLst>
+                  <a:ext uri="{0D108BD9-81ED-4DB2-BD59-A6C34878D82A}">
+                    <a16:rowId xmlns:a16="http://schemas.microsoft.com/office/drawing/2014/main" val="1999859578"/>
+                  </a:ext>
+                </a:extLst>
+              </a:tr>
+              <a:tr h="176445">
+                <a:tc>
+                  <a:txBody>
+                    <a:bodyPr/>
+                    <a:lstStyle/>
+                    <a:p>
+                      <a:endParaRPr lang="zh-TW" altLang="en-US" sz="300" dirty="0"/>
+                    </a:p>
+                  </a:txBody>
+                  <a:tcPr>
+                    <a:lnL w="12700" cap="flat" cmpd="sng" algn="ctr">
+                      <a:noFill/>
+                      <a:prstDash val="solid"/>
+                      <a:round/>
+                      <a:headEnd type="none" w="med" len="med"/>
+                      <a:tailEnd type="none" w="med" len="med"/>
+                    </a:lnL>
+                    <a:lnR w="12700" cap="flat" cmpd="sng" algn="ctr">
+                      <a:noFill/>
+                      <a:prstDash val="solid"/>
+                      <a:round/>
+                      <a:headEnd type="none" w="med" len="med"/>
+                      <a:tailEnd type="none" w="med" len="med"/>
+                    </a:lnR>
+                    <a:lnT w="12700" cap="flat" cmpd="sng" algn="ctr">
+                      <a:solidFill>
+                        <a:schemeClr val="tx1"/>
+                      </a:solidFill>
+                      <a:prstDash val="solid"/>
+                      <a:round/>
+                      <a:headEnd type="none" w="med" len="med"/>
+                      <a:tailEnd type="none" w="med" len="med"/>
+                    </a:lnT>
+                    <a:lnB w="12700" cap="flat" cmpd="sng" algn="ctr">
+                      <a:solidFill>
+                        <a:schemeClr val="tx1"/>
+                      </a:solidFill>
+                      <a:prstDash val="solid"/>
+                      <a:round/>
+                      <a:headEnd type="none" w="med" len="med"/>
+                      <a:tailEnd type="none" w="med" len="med"/>
+                    </a:lnB>
+                    <a:lnTlToBr w="12700" cmpd="sng">
+                      <a:noFill/>
+                      <a:prstDash val="solid"/>
+                    </a:lnTlToBr>
+                    <a:lnBlToTr w="12700" cmpd="sng">
+                      <a:noFill/>
+                      <a:prstDash val="solid"/>
+                    </a:lnBlToTr>
+                    <a:solidFill>
+                      <a:schemeClr val="bg1"/>
+                    </a:solidFill>
+                  </a:tcPr>
+                </a:tc>
+                <a:extLst>
+                  <a:ext uri="{0D108BD9-81ED-4DB2-BD59-A6C34878D82A}">
+                    <a16:rowId xmlns:a16="http://schemas.microsoft.com/office/drawing/2014/main" val="3004317643"/>
+                  </a:ext>
+                </a:extLst>
+              </a:tr>
+              <a:tr h="176445">
+                <a:tc>
+                  <a:txBody>
+                    <a:bodyPr/>
+                    <a:lstStyle/>
+                    <a:p>
+                      <a:endParaRPr lang="zh-TW" altLang="en-US" sz="300" dirty="0"/>
+                    </a:p>
+                  </a:txBody>
+                  <a:tcPr>
+                    <a:lnL w="12700" cap="flat" cmpd="sng" algn="ctr">
+                      <a:noFill/>
+                      <a:prstDash val="solid"/>
+                      <a:round/>
+                      <a:headEnd type="none" w="med" len="med"/>
+                      <a:tailEnd type="none" w="med" len="med"/>
+                    </a:lnL>
+                    <a:lnR w="12700" cap="flat" cmpd="sng" algn="ctr">
+                      <a:noFill/>
+                      <a:prstDash val="solid"/>
+                      <a:round/>
+                      <a:headEnd type="none" w="med" len="med"/>
+                      <a:tailEnd type="none" w="med" len="med"/>
+                    </a:lnR>
+                    <a:lnT w="12700" cap="flat" cmpd="sng" algn="ctr">
+                      <a:solidFill>
+                        <a:schemeClr val="tx1"/>
+                      </a:solidFill>
+                      <a:prstDash val="solid"/>
+                      <a:round/>
+                      <a:headEnd type="none" w="med" len="med"/>
+                      <a:tailEnd type="none" w="med" len="med"/>
+                    </a:lnT>
+                    <a:lnB w="12700" cap="flat" cmpd="sng" algn="ctr">
+                      <a:solidFill>
+                        <a:schemeClr val="tx1"/>
+                      </a:solidFill>
+                      <a:prstDash val="solid"/>
+                      <a:round/>
+                      <a:headEnd type="none" w="med" len="med"/>
+                      <a:tailEnd type="none" w="med" len="med"/>
+                    </a:lnB>
+                    <a:lnTlToBr w="12700" cmpd="sng">
+                      <a:noFill/>
+                      <a:prstDash val="solid"/>
+                    </a:lnTlToBr>
+                    <a:lnBlToTr w="12700" cmpd="sng">
+                      <a:noFill/>
+                      <a:prstDash val="solid"/>
+                    </a:lnBlToTr>
+                    <a:solidFill>
+                      <a:schemeClr val="bg1"/>
+                    </a:solidFill>
+                  </a:tcPr>
+                </a:tc>
+                <a:extLst>
+                  <a:ext uri="{0D108BD9-81ED-4DB2-BD59-A6C34878D82A}">
+                    <a16:rowId xmlns:a16="http://schemas.microsoft.com/office/drawing/2014/main" val="921155682"/>
+                  </a:ext>
+                </a:extLst>
+              </a:tr>
+              <a:tr h="176445">
+                <a:tc>
+                  <a:txBody>
+                    <a:bodyPr/>
+                    <a:lstStyle/>
+                    <a:p>
+                      <a:endParaRPr lang="zh-TW" altLang="en-US" sz="300" dirty="0"/>
+                    </a:p>
+                  </a:txBody>
+                  <a:tcPr>
+                    <a:lnL w="12700" cap="flat" cmpd="sng" algn="ctr">
+                      <a:noFill/>
+                      <a:prstDash val="solid"/>
+                      <a:round/>
+                      <a:headEnd type="none" w="med" len="med"/>
+                      <a:tailEnd type="none" w="med" len="med"/>
+                    </a:lnL>
+                    <a:lnR w="12700" cap="flat" cmpd="sng" algn="ctr">
+                      <a:noFill/>
+                      <a:prstDash val="solid"/>
+                      <a:round/>
+                      <a:headEnd type="none" w="med" len="med"/>
+                      <a:tailEnd type="none" w="med" len="med"/>
+                    </a:lnR>
+                    <a:lnT w="12700" cap="flat" cmpd="sng" algn="ctr">
+                      <a:solidFill>
+                        <a:schemeClr val="tx1"/>
+                      </a:solidFill>
+                      <a:prstDash val="solid"/>
+                      <a:round/>
+                      <a:headEnd type="none" w="med" len="med"/>
+                      <a:tailEnd type="none" w="med" len="med"/>
+                    </a:lnT>
+                    <a:lnB w="12700" cap="flat" cmpd="sng" algn="ctr">
+                      <a:solidFill>
+                        <a:schemeClr val="tx1"/>
+                      </a:solidFill>
+                      <a:prstDash val="solid"/>
+                      <a:round/>
+                      <a:headEnd type="none" w="med" len="med"/>
+                      <a:tailEnd type="none" w="med" len="med"/>
+                    </a:lnB>
+                    <a:lnTlToBr w="12700" cmpd="sng">
+                      <a:noFill/>
+                      <a:prstDash val="solid"/>
+                    </a:lnTlToBr>
+                    <a:lnBlToTr w="12700" cmpd="sng">
+                      <a:noFill/>
+                      <a:prstDash val="solid"/>
+                    </a:lnBlToTr>
+                    <a:solidFill>
+                      <a:schemeClr val="bg1"/>
+                    </a:solidFill>
+                  </a:tcPr>
+                </a:tc>
+                <a:extLst>
+                  <a:ext uri="{0D108BD9-81ED-4DB2-BD59-A6C34878D82A}">
+                    <a16:rowId xmlns:a16="http://schemas.microsoft.com/office/drawing/2014/main" val="1400972698"/>
+                  </a:ext>
+                </a:extLst>
+              </a:tr>
+            </a:tbl>
+          </a:graphicData>
+        </a:graphic>
+      </p:graphicFrame>
+      <p:sp>
+        <p:nvSpPr>
+          <p:cNvPr id="2" name="標題 1"/>
+          <p:cNvSpPr>
+            <a:spLocks noGrp="1"/>
+          </p:cNvSpPr>
+          <p:nvPr>
+            <p:ph type="title"/>
+          </p:nvPr>
+        </p:nvSpPr>
+        <p:spPr/>
+        <p:txBody>
+          <a:bodyPr/>
+          <a:lstStyle/>
+          <a:p>
+            <a:r>
+              <a:rPr lang="zh-TW" altLang="en-US" dirty="0" smtClean="0"/>
+              <a:t>華氏溫度與攝氏溫度轉換</a:t>
+            </a:r>
+            <a:endParaRPr lang="zh-TW" altLang="en-US" dirty="0"/>
+          </a:p>
+        </p:txBody>
+      </p:sp>
+      <p:graphicFrame>
+        <p:nvGraphicFramePr>
+          <p:cNvPr id="6" name="表格 5"/>
+          <p:cNvGraphicFramePr>
+            <a:graphicFrameLocks noGrp="1"/>
+          </p:cNvGraphicFramePr>
+          <p:nvPr>
+            <p:extLst/>
+          </p:nvPr>
+        </p:nvGraphicFramePr>
+        <p:xfrm>
+          <a:off x="988476" y="2301240"/>
+          <a:ext cx="2961732" cy="3169920"/>
+        </p:xfrm>
+        <a:graphic>
+          <a:graphicData uri="http://schemas.openxmlformats.org/drawingml/2006/table">
+            <a:tbl>
+              <a:tblPr firstRow="1" bandRow="1">
+                <a:tableStyleId>{5C22544A-7EE6-4342-B048-85BDC9FD1C3A}</a:tableStyleId>
+              </a:tblPr>
+              <a:tblGrid>
+                <a:gridCol w="987244">
+                  <a:extLst>
+                    <a:ext uri="{9D8B030D-6E8A-4147-A177-3AD203B41FA5}">
+                      <a16:colId xmlns:a16="http://schemas.microsoft.com/office/drawing/2014/main" val="3795699087"/>
+                    </a:ext>
+                  </a:extLst>
+                </a:gridCol>
+                <a:gridCol w="987244">
+                  <a:extLst>
+                    <a:ext uri="{9D8B030D-6E8A-4147-A177-3AD203B41FA5}">
+                      <a16:colId xmlns:a16="http://schemas.microsoft.com/office/drawing/2014/main" val="387578872"/>
+                    </a:ext>
+                  </a:extLst>
+                </a:gridCol>
+                <a:gridCol w="987244">
+                  <a:extLst>
+                    <a:ext uri="{9D8B030D-6E8A-4147-A177-3AD203B41FA5}">
+                      <a16:colId xmlns:a16="http://schemas.microsoft.com/office/drawing/2014/main" val="415674302"/>
+                    </a:ext>
+                  </a:extLst>
+                </a:gridCol>
+              </a:tblGrid>
+              <a:tr h="792480">
+                <a:tc>
+                  <a:txBody>
+                    <a:bodyPr/>
+                    <a:lstStyle/>
+                    <a:p>
+                      <a:pPr marL="0" marR="0" lvl="0" indent="0" algn="ctr" defTabSz="457200" rtl="0" eaLnBrk="1" fontAlgn="auto" latinLnBrk="0" hangingPunct="1">
+                        <a:lnSpc>
+                          <a:spcPct val="100000"/>
+                        </a:lnSpc>
+                        <a:spcBef>
+                          <a:spcPts val="0"/>
+                        </a:spcBef>
+                        <a:spcAft>
+                          <a:spcPts val="0"/>
+                        </a:spcAft>
+                        <a:buClrTx/>
+                        <a:buSzTx/>
+                        <a:buFontTx/>
+                        <a:buNone/>
+                        <a:tabLst/>
+                        <a:defRPr/>
+                      </a:pPr>
+                      <a:endParaRPr lang="zh-TW" altLang="en-US" b="0" dirty="0" smtClean="0">
+                        <a:solidFill>
+                          <a:schemeClr val="tx1"/>
+                        </a:solidFill>
+                      </a:endParaRPr>
+                    </a:p>
+                  </a:txBody>
+                  <a:tcPr anchor="ctr">
+                    <a:lnL w="12700" cap="flat" cmpd="sng" algn="ctr">
+                      <a:solidFill>
+                        <a:schemeClr val="tx1"/>
+                      </a:solidFill>
+                      <a:prstDash val="solid"/>
+                      <a:round/>
+                      <a:headEnd type="none" w="med" len="med"/>
+                      <a:tailEnd type="none" w="med" len="med"/>
+                    </a:lnL>
+                    <a:lnR w="12700" cap="flat" cmpd="sng" algn="ctr">
+                      <a:solidFill>
+                        <a:schemeClr val="tx1"/>
+                      </a:solidFill>
+                      <a:prstDash val="solid"/>
+                      <a:round/>
+                      <a:headEnd type="none" w="med" len="med"/>
+                      <a:tailEnd type="none" w="med" len="med"/>
+                    </a:lnR>
+                    <a:lnT w="12700" cap="flat" cmpd="sng" algn="ctr">
+                      <a:solidFill>
+                        <a:schemeClr val="tx1"/>
+                      </a:solidFill>
+                      <a:prstDash val="solid"/>
+                      <a:round/>
+                      <a:headEnd type="none" w="med" len="med"/>
+                      <a:tailEnd type="none" w="med" len="med"/>
+                    </a:lnT>
+                    <a:lnB w="12700" cap="flat" cmpd="sng" algn="ctr">
+                      <a:solidFill>
+                        <a:schemeClr val="tx1"/>
+                      </a:solidFill>
+                      <a:prstDash val="solid"/>
+                      <a:round/>
+                      <a:headEnd type="none" w="med" len="med"/>
+                      <a:tailEnd type="none" w="med" len="med"/>
+                    </a:lnB>
+                    <a:solidFill>
+                      <a:schemeClr val="bg1"/>
+                    </a:solidFill>
+                  </a:tcPr>
+                </a:tc>
+                <a:tc>
+                  <a:txBody>
+                    <a:bodyPr/>
+                    <a:lstStyle/>
+                    <a:p>
+                      <a:pPr algn="ctr"/>
+                      <a:r>
+                        <a:rPr lang="zh-TW" altLang="en-US" b="0" dirty="0" smtClean="0">
+                          <a:solidFill>
+                            <a:schemeClr val="tx1"/>
+                          </a:solidFill>
+                        </a:rPr>
+                        <a:t>華氏</a:t>
+                      </a:r>
+                      <a:endParaRPr lang="zh-TW" altLang="en-US" b="0" dirty="0">
+                        <a:solidFill>
+                          <a:schemeClr val="tx1"/>
+                        </a:solidFill>
+                      </a:endParaRPr>
+                    </a:p>
+                  </a:txBody>
+                  <a:tcPr anchor="ctr">
+                    <a:lnL w="12700" cap="flat" cmpd="sng" algn="ctr">
+                      <a:solidFill>
+                        <a:schemeClr val="tx1"/>
+                      </a:solidFill>
+                      <a:prstDash val="solid"/>
+                      <a:round/>
+                      <a:headEnd type="none" w="med" len="med"/>
+                      <a:tailEnd type="none" w="med" len="med"/>
+                    </a:lnL>
+                    <a:lnR w="12700" cap="flat" cmpd="sng" algn="ctr">
+                      <a:solidFill>
+                        <a:schemeClr val="tx1"/>
+                      </a:solidFill>
+                      <a:prstDash val="solid"/>
+                      <a:round/>
+                      <a:headEnd type="none" w="med" len="med"/>
+                      <a:tailEnd type="none" w="med" len="med"/>
+                    </a:lnR>
+                    <a:lnT w="12700" cap="flat" cmpd="sng" algn="ctr">
+                      <a:solidFill>
+                        <a:schemeClr val="tx1"/>
+                      </a:solidFill>
+                      <a:prstDash val="solid"/>
+                      <a:round/>
+                      <a:headEnd type="none" w="med" len="med"/>
+                      <a:tailEnd type="none" w="med" len="med"/>
+                    </a:lnT>
+                    <a:lnB w="12700" cap="flat" cmpd="sng" algn="ctr">
+                      <a:solidFill>
+                        <a:schemeClr val="tx1"/>
+                      </a:solidFill>
+                      <a:prstDash val="solid"/>
+                      <a:round/>
+                      <a:headEnd type="none" w="med" len="med"/>
+                      <a:tailEnd type="none" w="med" len="med"/>
+                    </a:lnB>
+                    <a:solidFill>
+                      <a:schemeClr val="bg1"/>
+                    </a:solidFill>
+                  </a:tcPr>
+                </a:tc>
+                <a:tc>
+                  <a:txBody>
+                    <a:bodyPr/>
+                    <a:lstStyle/>
+                    <a:p>
+                      <a:pPr algn="ctr"/>
+                      <a:r>
+                        <a:rPr lang="zh-TW" altLang="en-US" b="0" dirty="0" smtClean="0">
+                          <a:solidFill>
+                            <a:schemeClr val="tx1"/>
+                          </a:solidFill>
+                        </a:rPr>
+                        <a:t>攝氏</a:t>
+                      </a:r>
+                      <a:endParaRPr lang="zh-TW" altLang="en-US" b="0" dirty="0">
+                        <a:solidFill>
+                          <a:schemeClr val="tx1"/>
+                        </a:solidFill>
+                      </a:endParaRPr>
+                    </a:p>
+                  </a:txBody>
+                  <a:tcPr anchor="ctr">
+                    <a:lnL w="12700" cap="flat" cmpd="sng" algn="ctr">
+                      <a:solidFill>
+                        <a:schemeClr val="tx1"/>
+                      </a:solidFill>
+                      <a:prstDash val="solid"/>
+                      <a:round/>
+                      <a:headEnd type="none" w="med" len="med"/>
+                      <a:tailEnd type="none" w="med" len="med"/>
+                    </a:lnL>
+                    <a:lnR w="12700" cap="flat" cmpd="sng" algn="ctr">
+                      <a:solidFill>
+                        <a:schemeClr val="tx1"/>
+                      </a:solidFill>
+                      <a:prstDash val="solid"/>
+                      <a:round/>
+                      <a:headEnd type="none" w="med" len="med"/>
+                      <a:tailEnd type="none" w="med" len="med"/>
+                    </a:lnR>
+                    <a:lnT w="12700" cap="flat" cmpd="sng" algn="ctr">
+                      <a:solidFill>
+                        <a:schemeClr val="tx1"/>
+                      </a:solidFill>
+                      <a:prstDash val="solid"/>
+                      <a:round/>
+                      <a:headEnd type="none" w="med" len="med"/>
+                      <a:tailEnd type="none" w="med" len="med"/>
+                    </a:lnT>
+                    <a:lnB w="12700" cap="flat" cmpd="sng" algn="ctr">
+                      <a:solidFill>
+                        <a:schemeClr val="tx1"/>
+                      </a:solidFill>
+                      <a:prstDash val="solid"/>
+                      <a:round/>
+                      <a:headEnd type="none" w="med" len="med"/>
+                      <a:tailEnd type="none" w="med" len="med"/>
+                    </a:lnB>
+                    <a:solidFill>
+                      <a:schemeClr val="bg1"/>
+                    </a:solidFill>
+                  </a:tcPr>
+                </a:tc>
+                <a:extLst>
+                  <a:ext uri="{0D108BD9-81ED-4DB2-BD59-A6C34878D82A}">
+                    <a16:rowId xmlns:a16="http://schemas.microsoft.com/office/drawing/2014/main" val="2088526087"/>
+                  </a:ext>
+                </a:extLst>
+              </a:tr>
+              <a:tr h="792480">
+                <a:tc>
+                  <a:txBody>
+                    <a:bodyPr/>
+                    <a:lstStyle/>
+                    <a:p>
+                      <a:pPr marL="0" marR="0" lvl="0" indent="0" algn="ctr" defTabSz="457200" rtl="0" eaLnBrk="1" fontAlgn="auto" latinLnBrk="0" hangingPunct="1">
+                        <a:lnSpc>
+                          <a:spcPct val="100000"/>
+                        </a:lnSpc>
+                        <a:spcBef>
+                          <a:spcPts val="0"/>
+                        </a:spcBef>
+                        <a:spcAft>
+                          <a:spcPts val="0"/>
+                        </a:spcAft>
+                        <a:buClrTx/>
+                        <a:buSzTx/>
+                        <a:buFontTx/>
+                        <a:buNone/>
+                        <a:tabLst/>
+                        <a:defRPr/>
+                      </a:pPr>
+                      <a:r>
+                        <a:rPr lang="zh-TW" altLang="en-US" b="0" dirty="0" smtClean="0">
+                          <a:solidFill>
+                            <a:schemeClr val="tx1"/>
+                          </a:solidFill>
+                        </a:rPr>
+                        <a:t>沸點</a:t>
+                      </a:r>
+                    </a:p>
+                  </a:txBody>
+                  <a:tcPr anchor="ctr">
+                    <a:lnL w="12700" cap="flat" cmpd="sng" algn="ctr">
+                      <a:solidFill>
+                        <a:schemeClr val="tx1"/>
+                      </a:solidFill>
+                      <a:prstDash val="solid"/>
+                      <a:round/>
+                      <a:headEnd type="none" w="med" len="med"/>
+                      <a:tailEnd type="none" w="med" len="med"/>
+                    </a:lnL>
+                    <a:lnR w="12700" cap="flat" cmpd="sng" algn="ctr">
+                      <a:solidFill>
+                        <a:schemeClr val="tx1"/>
+                      </a:solidFill>
+                      <a:prstDash val="solid"/>
+                      <a:round/>
+                      <a:headEnd type="none" w="med" len="med"/>
+                      <a:tailEnd type="none" w="med" len="med"/>
+                    </a:lnR>
+                    <a:lnT w="12700" cap="flat" cmpd="sng" algn="ctr">
+                      <a:solidFill>
+                        <a:schemeClr val="tx1"/>
+                      </a:solidFill>
+                      <a:prstDash val="solid"/>
+                      <a:round/>
+                      <a:headEnd type="none" w="med" len="med"/>
+                      <a:tailEnd type="none" w="med" len="med"/>
+                    </a:lnT>
+                    <a:lnB w="12700" cap="flat" cmpd="sng" algn="ctr">
+                      <a:solidFill>
+                        <a:schemeClr val="tx1"/>
+                      </a:solidFill>
+                      <a:prstDash val="solid"/>
+                      <a:round/>
+                      <a:headEnd type="none" w="med" len="med"/>
+                      <a:tailEnd type="none" w="med" len="med"/>
+                    </a:lnB>
+                    <a:solidFill>
+                      <a:schemeClr val="bg1"/>
+                    </a:solidFill>
+                  </a:tcPr>
+                </a:tc>
+                <a:tc>
+                  <a:txBody>
+                    <a:bodyPr/>
+                    <a:lstStyle/>
+                    <a:p>
+                      <a:pPr algn="ctr"/>
+                      <a:r>
+                        <a:rPr lang="en-US" altLang="zh-TW" b="0" dirty="0" smtClean="0">
+                          <a:solidFill>
+                            <a:schemeClr val="tx1"/>
+                          </a:solidFill>
+                        </a:rPr>
+                        <a:t>212</a:t>
+                      </a:r>
+                      <a:endParaRPr lang="zh-TW" altLang="en-US" b="0" dirty="0">
+                        <a:solidFill>
+                          <a:schemeClr val="tx1"/>
+                        </a:solidFill>
+                      </a:endParaRPr>
+                    </a:p>
+                  </a:txBody>
+                  <a:tcPr anchor="ctr">
+                    <a:lnL w="12700" cap="flat" cmpd="sng" algn="ctr">
+                      <a:solidFill>
+                        <a:schemeClr val="tx1"/>
+                      </a:solidFill>
+                      <a:prstDash val="solid"/>
+                      <a:round/>
+                      <a:headEnd type="none" w="med" len="med"/>
+                      <a:tailEnd type="none" w="med" len="med"/>
+                    </a:lnL>
+                    <a:lnR w="12700" cap="flat" cmpd="sng" algn="ctr">
+                      <a:solidFill>
+                        <a:schemeClr val="tx1"/>
+                      </a:solidFill>
+                      <a:prstDash val="solid"/>
+                      <a:round/>
+                      <a:headEnd type="none" w="med" len="med"/>
+                      <a:tailEnd type="none" w="med" len="med"/>
+                    </a:lnR>
+                    <a:lnT w="12700" cap="flat" cmpd="sng" algn="ctr">
+                      <a:solidFill>
+                        <a:schemeClr val="tx1"/>
+                      </a:solidFill>
+                      <a:prstDash val="solid"/>
+                      <a:round/>
+                      <a:headEnd type="none" w="med" len="med"/>
+                      <a:tailEnd type="none" w="med" len="med"/>
+                    </a:lnT>
+                    <a:lnB w="12700" cap="flat" cmpd="sng" algn="ctr">
+                      <a:solidFill>
+                        <a:schemeClr val="tx1"/>
+                      </a:solidFill>
+                      <a:prstDash val="solid"/>
+                      <a:round/>
+                      <a:headEnd type="none" w="med" len="med"/>
+                      <a:tailEnd type="none" w="med" len="med"/>
+                    </a:lnB>
+                    <a:solidFill>
+                      <a:schemeClr val="bg1"/>
+                    </a:solidFill>
+                  </a:tcPr>
+                </a:tc>
+                <a:tc>
+                  <a:txBody>
+                    <a:bodyPr/>
+                    <a:lstStyle/>
+                    <a:p>
+                      <a:pPr algn="ctr"/>
+                      <a:r>
+                        <a:rPr lang="en-US" altLang="zh-TW" b="0" dirty="0" smtClean="0">
+                          <a:solidFill>
+                            <a:schemeClr val="tx1"/>
+                          </a:solidFill>
+                        </a:rPr>
+                        <a:t>100</a:t>
+                      </a:r>
+                      <a:endParaRPr lang="zh-TW" altLang="en-US" b="0" dirty="0">
+                        <a:solidFill>
+                          <a:schemeClr val="tx1"/>
+                        </a:solidFill>
+                      </a:endParaRPr>
+                    </a:p>
+                  </a:txBody>
+                  <a:tcPr anchor="ctr">
+                    <a:lnL w="12700" cap="flat" cmpd="sng" algn="ctr">
+                      <a:solidFill>
+                        <a:schemeClr val="tx1"/>
+                      </a:solidFill>
+                      <a:prstDash val="solid"/>
+                      <a:round/>
+                      <a:headEnd type="none" w="med" len="med"/>
+                      <a:tailEnd type="none" w="med" len="med"/>
+                    </a:lnL>
+                    <a:lnR w="12700" cap="flat" cmpd="sng" algn="ctr">
+                      <a:solidFill>
+                        <a:schemeClr val="tx1"/>
+                      </a:solidFill>
+                      <a:prstDash val="solid"/>
+                      <a:round/>
+                      <a:headEnd type="none" w="med" len="med"/>
+                      <a:tailEnd type="none" w="med" len="med"/>
+                    </a:lnR>
+                    <a:lnT w="12700" cap="flat" cmpd="sng" algn="ctr">
+                      <a:solidFill>
+                        <a:schemeClr val="tx1"/>
+                      </a:solidFill>
+                      <a:prstDash val="solid"/>
+                      <a:round/>
+                      <a:headEnd type="none" w="med" len="med"/>
+                      <a:tailEnd type="none" w="med" len="med"/>
+                    </a:lnT>
+                    <a:lnB w="12700" cap="flat" cmpd="sng" algn="ctr">
+                      <a:solidFill>
+                        <a:schemeClr val="tx1"/>
+                      </a:solidFill>
+                      <a:prstDash val="solid"/>
+                      <a:round/>
+                      <a:headEnd type="none" w="med" len="med"/>
+                      <a:tailEnd type="none" w="med" len="med"/>
+                    </a:lnB>
+                    <a:solidFill>
+                      <a:schemeClr val="bg1"/>
+                    </a:solidFill>
+                  </a:tcPr>
+                </a:tc>
+                <a:extLst>
+                  <a:ext uri="{0D108BD9-81ED-4DB2-BD59-A6C34878D82A}">
+                    <a16:rowId xmlns:a16="http://schemas.microsoft.com/office/drawing/2014/main" val="975821096"/>
+                  </a:ext>
+                </a:extLst>
+              </a:tr>
+              <a:tr h="792480">
+                <a:tc>
+                  <a:txBody>
+                    <a:bodyPr/>
+                    <a:lstStyle/>
+                    <a:p>
+                      <a:pPr marL="0" marR="0" lvl="0" indent="0" algn="ctr" defTabSz="457200" rtl="0" eaLnBrk="1" fontAlgn="auto" latinLnBrk="0" hangingPunct="1">
+                        <a:lnSpc>
+                          <a:spcPct val="100000"/>
+                        </a:lnSpc>
+                        <a:spcBef>
+                          <a:spcPts val="0"/>
+                        </a:spcBef>
+                        <a:spcAft>
+                          <a:spcPts val="0"/>
+                        </a:spcAft>
+                        <a:buClrTx/>
+                        <a:buSzTx/>
+                        <a:buFontTx/>
+                        <a:buNone/>
+                        <a:tabLst/>
+                        <a:defRPr/>
+                      </a:pPr>
+                      <a:r>
+                        <a:rPr lang="zh-TW" altLang="en-US" b="0" dirty="0" smtClean="0"/>
+                        <a:t>冰點</a:t>
+                      </a:r>
+                    </a:p>
+                  </a:txBody>
+                  <a:tcPr anchor="ctr">
+                    <a:lnL w="12700" cap="flat" cmpd="sng" algn="ctr">
+                      <a:solidFill>
+                        <a:schemeClr val="tx1"/>
+                      </a:solidFill>
+                      <a:prstDash val="solid"/>
+                      <a:round/>
+                      <a:headEnd type="none" w="med" len="med"/>
+                      <a:tailEnd type="none" w="med" len="med"/>
+                    </a:lnL>
+                    <a:lnR w="12700" cap="flat" cmpd="sng" algn="ctr">
+                      <a:solidFill>
+                        <a:schemeClr val="tx1"/>
+                      </a:solidFill>
+                      <a:prstDash val="solid"/>
+                      <a:round/>
+                      <a:headEnd type="none" w="med" len="med"/>
+                      <a:tailEnd type="none" w="med" len="med"/>
+                    </a:lnR>
+                    <a:lnT w="12700" cap="flat" cmpd="sng" algn="ctr">
+                      <a:solidFill>
+                        <a:schemeClr val="tx1"/>
+                      </a:solidFill>
+                      <a:prstDash val="solid"/>
+                      <a:round/>
+                      <a:headEnd type="none" w="med" len="med"/>
+                      <a:tailEnd type="none" w="med" len="med"/>
+                    </a:lnT>
+                    <a:lnB w="12700" cap="flat" cmpd="sng" algn="ctr">
+                      <a:solidFill>
+                        <a:schemeClr val="tx1"/>
+                      </a:solidFill>
+                      <a:prstDash val="solid"/>
+                      <a:round/>
+                      <a:headEnd type="none" w="med" len="med"/>
+                      <a:tailEnd type="none" w="med" len="med"/>
+                    </a:lnB>
+                    <a:solidFill>
+                      <a:schemeClr val="bg1"/>
+                    </a:solidFill>
+                  </a:tcPr>
+                </a:tc>
+                <a:tc>
+                  <a:txBody>
+                    <a:bodyPr/>
+                    <a:lstStyle/>
+                    <a:p>
+                      <a:pPr algn="ctr"/>
+                      <a:r>
+                        <a:rPr lang="en-US" altLang="zh-TW" b="0" dirty="0" smtClean="0">
+                          <a:solidFill>
+                            <a:schemeClr val="tx1"/>
+                          </a:solidFill>
+                        </a:rPr>
+                        <a:t>32</a:t>
+                      </a:r>
+                      <a:endParaRPr lang="zh-TW" altLang="en-US" b="0" dirty="0">
+                        <a:solidFill>
+                          <a:schemeClr val="tx1"/>
+                        </a:solidFill>
+                      </a:endParaRPr>
+                    </a:p>
+                  </a:txBody>
+                  <a:tcPr anchor="ctr">
+                    <a:lnL w="12700" cap="flat" cmpd="sng" algn="ctr">
+                      <a:solidFill>
+                        <a:schemeClr val="tx1"/>
+                      </a:solidFill>
+                      <a:prstDash val="solid"/>
+                      <a:round/>
+                      <a:headEnd type="none" w="med" len="med"/>
+                      <a:tailEnd type="none" w="med" len="med"/>
+                    </a:lnL>
+                    <a:lnR w="12700" cap="flat" cmpd="sng" algn="ctr">
+                      <a:solidFill>
+                        <a:schemeClr val="tx1"/>
+                      </a:solidFill>
+                      <a:prstDash val="solid"/>
+                      <a:round/>
+                      <a:headEnd type="none" w="med" len="med"/>
+                      <a:tailEnd type="none" w="med" len="med"/>
+                    </a:lnR>
+                    <a:lnT w="12700" cap="flat" cmpd="sng" algn="ctr">
+                      <a:solidFill>
+                        <a:schemeClr val="tx1"/>
+                      </a:solidFill>
+                      <a:prstDash val="solid"/>
+                      <a:round/>
+                      <a:headEnd type="none" w="med" len="med"/>
+                      <a:tailEnd type="none" w="med" len="med"/>
+                    </a:lnT>
+                    <a:lnB w="12700" cap="flat" cmpd="sng" algn="ctr">
+                      <a:solidFill>
+                        <a:schemeClr val="tx1"/>
+                      </a:solidFill>
+                      <a:prstDash val="solid"/>
+                      <a:round/>
+                      <a:headEnd type="none" w="med" len="med"/>
+                      <a:tailEnd type="none" w="med" len="med"/>
+                    </a:lnB>
+                    <a:solidFill>
+                      <a:schemeClr val="bg1"/>
+                    </a:solidFill>
+                  </a:tcPr>
+                </a:tc>
+                <a:tc>
+                  <a:txBody>
+                    <a:bodyPr/>
+                    <a:lstStyle/>
+                    <a:p>
+                      <a:pPr algn="ctr"/>
+                      <a:r>
+                        <a:rPr lang="en-US" altLang="zh-TW" b="0" dirty="0" smtClean="0">
+                          <a:solidFill>
+                            <a:schemeClr val="tx1"/>
+                          </a:solidFill>
+                        </a:rPr>
+                        <a:t>0</a:t>
+                      </a:r>
+                      <a:endParaRPr lang="zh-TW" altLang="en-US" b="0" dirty="0">
+                        <a:solidFill>
+                          <a:schemeClr val="tx1"/>
+                        </a:solidFill>
+                      </a:endParaRPr>
+                    </a:p>
+                  </a:txBody>
+                  <a:tcPr anchor="ctr">
+                    <a:lnL w="12700" cap="flat" cmpd="sng" algn="ctr">
+                      <a:solidFill>
+                        <a:schemeClr val="tx1"/>
+                      </a:solidFill>
+                      <a:prstDash val="solid"/>
+                      <a:round/>
+                      <a:headEnd type="none" w="med" len="med"/>
+                      <a:tailEnd type="none" w="med" len="med"/>
+                    </a:lnL>
+                    <a:lnR w="12700" cap="flat" cmpd="sng" algn="ctr">
+                      <a:solidFill>
+                        <a:schemeClr val="tx1"/>
+                      </a:solidFill>
+                      <a:prstDash val="solid"/>
+                      <a:round/>
+                      <a:headEnd type="none" w="med" len="med"/>
+                      <a:tailEnd type="none" w="med" len="med"/>
+                    </a:lnR>
+                    <a:lnT w="12700" cap="flat" cmpd="sng" algn="ctr">
+                      <a:solidFill>
+                        <a:schemeClr val="tx1"/>
+                      </a:solidFill>
+                      <a:prstDash val="solid"/>
+                      <a:round/>
+                      <a:headEnd type="none" w="med" len="med"/>
+                      <a:tailEnd type="none" w="med" len="med"/>
+                    </a:lnT>
+                    <a:lnB w="12700" cap="flat" cmpd="sng" algn="ctr">
+                      <a:solidFill>
+                        <a:schemeClr val="tx1"/>
+                      </a:solidFill>
+                      <a:prstDash val="solid"/>
+                      <a:round/>
+                      <a:headEnd type="none" w="med" len="med"/>
+                      <a:tailEnd type="none" w="med" len="med"/>
+                    </a:lnB>
+                    <a:solidFill>
+                      <a:schemeClr val="bg1"/>
+                    </a:solidFill>
+                  </a:tcPr>
+                </a:tc>
+                <a:extLst>
+                  <a:ext uri="{0D108BD9-81ED-4DB2-BD59-A6C34878D82A}">
+                    <a16:rowId xmlns:a16="http://schemas.microsoft.com/office/drawing/2014/main" val="2861996350"/>
+                  </a:ext>
+                </a:extLst>
+              </a:tr>
+              <a:tr h="792480">
+                <a:tc>
+                  <a:txBody>
+                    <a:bodyPr/>
+                    <a:lstStyle/>
+                    <a:p>
+                      <a:pPr algn="ctr"/>
+                      <a:r>
+                        <a:rPr lang="zh-TW" altLang="en-US" b="0" dirty="0" smtClean="0">
+                          <a:solidFill>
+                            <a:schemeClr val="tx1"/>
+                          </a:solidFill>
+                        </a:rPr>
+                        <a:t>差距</a:t>
+                      </a:r>
+                      <a:endParaRPr lang="zh-TW" altLang="en-US" b="0" dirty="0">
+                        <a:solidFill>
+                          <a:schemeClr val="tx1"/>
+                        </a:solidFill>
+                      </a:endParaRPr>
+                    </a:p>
+                  </a:txBody>
+                  <a:tcPr anchor="ctr">
+                    <a:lnL w="12700" cap="flat" cmpd="sng" algn="ctr">
+                      <a:solidFill>
+                        <a:schemeClr val="tx1"/>
+                      </a:solidFill>
+                      <a:prstDash val="solid"/>
+                      <a:round/>
+                      <a:headEnd type="none" w="med" len="med"/>
+                      <a:tailEnd type="none" w="med" len="med"/>
+                    </a:lnL>
+                    <a:lnR w="12700" cap="flat" cmpd="sng" algn="ctr">
+                      <a:solidFill>
+                        <a:schemeClr val="tx1"/>
+                      </a:solidFill>
+                      <a:prstDash val="solid"/>
+                      <a:round/>
+                      <a:headEnd type="none" w="med" len="med"/>
+                      <a:tailEnd type="none" w="med" len="med"/>
+                    </a:lnR>
+                    <a:lnT w="12700" cap="flat" cmpd="sng" algn="ctr">
+                      <a:solidFill>
+                        <a:schemeClr val="tx1"/>
+                      </a:solidFill>
+                      <a:prstDash val="solid"/>
+                      <a:round/>
+                      <a:headEnd type="none" w="med" len="med"/>
+                      <a:tailEnd type="none" w="med" len="med"/>
+                    </a:lnT>
+                    <a:lnB w="12700" cap="flat" cmpd="sng" algn="ctr">
+                      <a:solidFill>
+                        <a:schemeClr val="tx1"/>
+                      </a:solidFill>
+                      <a:prstDash val="solid"/>
+                      <a:round/>
+                      <a:headEnd type="none" w="med" len="med"/>
+                      <a:tailEnd type="none" w="med" len="med"/>
+                    </a:lnB>
+                    <a:solidFill>
+                      <a:schemeClr val="bg1"/>
+                    </a:solidFill>
+                  </a:tcPr>
+                </a:tc>
+                <a:tc>
+                  <a:txBody>
+                    <a:bodyPr/>
+                    <a:lstStyle/>
+                    <a:p>
+                      <a:pPr algn="ctr"/>
+                      <a:r>
+                        <a:rPr lang="en-US" altLang="zh-TW" b="0" dirty="0" smtClean="0">
+                          <a:solidFill>
+                            <a:schemeClr val="tx1"/>
+                          </a:solidFill>
+                        </a:rPr>
+                        <a:t>180</a:t>
+                      </a:r>
+                      <a:endParaRPr lang="zh-TW" altLang="en-US" b="0" dirty="0">
+                        <a:solidFill>
+                          <a:schemeClr val="tx1"/>
+                        </a:solidFill>
+                      </a:endParaRPr>
+                    </a:p>
+                  </a:txBody>
+                  <a:tcPr anchor="ctr">
+                    <a:lnL w="12700" cap="flat" cmpd="sng" algn="ctr">
+                      <a:solidFill>
+                        <a:schemeClr val="tx1"/>
+                      </a:solidFill>
+                      <a:prstDash val="solid"/>
+                      <a:round/>
+                      <a:headEnd type="none" w="med" len="med"/>
+                      <a:tailEnd type="none" w="med" len="med"/>
+                    </a:lnL>
+                    <a:lnR w="12700" cap="flat" cmpd="sng" algn="ctr">
+                      <a:solidFill>
+                        <a:schemeClr val="tx1"/>
+                      </a:solidFill>
+                      <a:prstDash val="solid"/>
+                      <a:round/>
+                      <a:headEnd type="none" w="med" len="med"/>
+                      <a:tailEnd type="none" w="med" len="med"/>
+                    </a:lnR>
+                    <a:lnT w="12700" cap="flat" cmpd="sng" algn="ctr">
+                      <a:solidFill>
+                        <a:schemeClr val="tx1"/>
+                      </a:solidFill>
+                      <a:prstDash val="solid"/>
+                      <a:round/>
+                      <a:headEnd type="none" w="med" len="med"/>
+                      <a:tailEnd type="none" w="med" len="med"/>
+                    </a:lnT>
+                    <a:lnB w="12700" cap="flat" cmpd="sng" algn="ctr">
+                      <a:solidFill>
+                        <a:schemeClr val="tx1"/>
+                      </a:solidFill>
+                      <a:prstDash val="solid"/>
+                      <a:round/>
+                      <a:headEnd type="none" w="med" len="med"/>
+                      <a:tailEnd type="none" w="med" len="med"/>
+                    </a:lnB>
+                    <a:solidFill>
+                      <a:schemeClr val="bg1"/>
+                    </a:solidFill>
+                  </a:tcPr>
+                </a:tc>
+                <a:tc>
+                  <a:txBody>
+                    <a:bodyPr/>
+                    <a:lstStyle/>
+                    <a:p>
+                      <a:pPr algn="ctr"/>
+                      <a:r>
+                        <a:rPr lang="en-US" altLang="zh-TW" b="0" dirty="0" smtClean="0">
+                          <a:solidFill>
+                            <a:schemeClr val="tx1"/>
+                          </a:solidFill>
+                        </a:rPr>
+                        <a:t>100</a:t>
+                      </a:r>
+                      <a:endParaRPr lang="zh-TW" altLang="en-US" b="0" dirty="0">
+                        <a:solidFill>
+                          <a:schemeClr val="tx1"/>
+                        </a:solidFill>
+                      </a:endParaRPr>
+                    </a:p>
+                  </a:txBody>
+                  <a:tcPr anchor="ctr">
+                    <a:lnL w="12700" cap="flat" cmpd="sng" algn="ctr">
+                      <a:solidFill>
+                        <a:schemeClr val="tx1"/>
+                      </a:solidFill>
+                      <a:prstDash val="solid"/>
+                      <a:round/>
+                      <a:headEnd type="none" w="med" len="med"/>
+                      <a:tailEnd type="none" w="med" len="med"/>
+                    </a:lnL>
+                    <a:lnR w="12700" cap="flat" cmpd="sng" algn="ctr">
+                      <a:solidFill>
+                        <a:schemeClr val="tx1"/>
+                      </a:solidFill>
+                      <a:prstDash val="solid"/>
+                      <a:round/>
+                      <a:headEnd type="none" w="med" len="med"/>
+                      <a:tailEnd type="none" w="med" len="med"/>
+                    </a:lnR>
+                    <a:lnT w="12700" cap="flat" cmpd="sng" algn="ctr">
+                      <a:solidFill>
+                        <a:schemeClr val="tx1"/>
+                      </a:solidFill>
+                      <a:prstDash val="solid"/>
+                      <a:round/>
+                      <a:headEnd type="none" w="med" len="med"/>
+                      <a:tailEnd type="none" w="med" len="med"/>
+                    </a:lnT>
+                    <a:lnB w="12700" cap="flat" cmpd="sng" algn="ctr">
+                      <a:solidFill>
+                        <a:schemeClr val="tx1"/>
+                      </a:solidFill>
+                      <a:prstDash val="solid"/>
+                      <a:round/>
+                      <a:headEnd type="none" w="med" len="med"/>
+                      <a:tailEnd type="none" w="med" len="med"/>
+                    </a:lnB>
+                    <a:solidFill>
+                      <a:schemeClr val="bg1"/>
+                    </a:solidFill>
+                  </a:tcPr>
+                </a:tc>
+                <a:extLst>
+                  <a:ext uri="{0D108BD9-81ED-4DB2-BD59-A6C34878D82A}">
+                    <a16:rowId xmlns:a16="http://schemas.microsoft.com/office/drawing/2014/main" val="3762425908"/>
+                  </a:ext>
+                </a:extLst>
+              </a:tr>
+            </a:tbl>
+          </a:graphicData>
+        </a:graphic>
+      </p:graphicFrame>
+      <p:sp>
+        <p:nvSpPr>
+          <p:cNvPr id="7" name="向右箭號 6"/>
+          <p:cNvSpPr/>
+          <p:nvPr/>
+        </p:nvSpPr>
+        <p:spPr>
+          <a:xfrm>
+            <a:off x="6579108" y="3456432"/>
+            <a:ext cx="594360" cy="859536"/>
+          </a:xfrm>
+          <a:prstGeom prst="rightArrow">
+            <a:avLst/>
+          </a:prstGeom>
+        </p:spPr>
+        <p:style>
+          <a:lnRef idx="2">
+            <a:schemeClr val="accent1">
+              <a:shade val="50000"/>
+            </a:schemeClr>
+          </a:lnRef>
+          <a:fillRef idx="1">
+            <a:schemeClr val="accent1"/>
+          </a:fillRef>
+          <a:effectRef idx="0">
+            <a:schemeClr val="accent1"/>
+          </a:effectRef>
+          <a:fontRef idx="minor">
+            <a:schemeClr val="lt1"/>
+          </a:fontRef>
+        </p:style>
+        <p:txBody>
+          <a:bodyPr rtlCol="0" anchor="ctr"/>
+          <a:lstStyle/>
+          <a:p>
+            <a:pPr algn="ctr"/>
+            <a:endParaRPr lang="zh-TW" altLang="en-US"/>
+          </a:p>
+        </p:txBody>
+      </p:sp>
+      <mc:AlternateContent xmlns:mc="http://schemas.openxmlformats.org/markup-compatibility/2006" xmlns:a14="http://schemas.microsoft.com/office/drawing/2010/main">
+        <mc:Choice Requires="a14">
+          <p:sp>
+            <p:nvSpPr>
+              <p:cNvPr id="8" name="文字方塊 7"/>
+              <p:cNvSpPr txBox="1"/>
+              <p:nvPr/>
+            </p:nvSpPr>
+            <p:spPr>
+              <a:xfrm>
+                <a:off x="7223760" y="3400426"/>
+                <a:ext cx="3153427" cy="485774"/>
+              </a:xfrm>
+              <a:prstGeom prst="rect">
+                <a:avLst/>
+              </a:prstGeom>
+              <a:noFill/>
+            </p:spPr>
+            <p:txBody>
+              <a:bodyPr wrap="none" rtlCol="0">
+                <a:spAutoFit/>
+              </a:bodyPr>
+              <a:lstStyle/>
+              <a:p>
+                <a:r>
+                  <a:rPr lang="en-US" altLang="zh-TW" dirty="0" smtClean="0"/>
+                  <a:t>1</a:t>
+                </a:r>
+                <a:r>
+                  <a:rPr lang="zh-TW" altLang="en-US" dirty="0" smtClean="0"/>
+                  <a:t>攝氏度</a:t>
+                </a:r>
+                <a:r>
+                  <a:rPr lang="en-US" altLang="zh-TW" dirty="0" smtClean="0"/>
+                  <a:t>=</a:t>
+                </a:r>
+                <a14:m>
+                  <m:oMath xmlns:m="http://schemas.openxmlformats.org/officeDocument/2006/math">
+                    <m:f>
+                      <m:fPr>
+                        <m:ctrlPr>
+                          <a:rPr lang="en-US" altLang="zh-TW" i="1" smtClean="0">
+                            <a:latin typeface="Cambria Math" panose="02040503050406030204" pitchFamily="18" charset="0"/>
+                          </a:rPr>
+                        </m:ctrlPr>
+                      </m:fPr>
+                      <m:num>
+                        <m:r>
+                          <a:rPr lang="en-US" altLang="zh-TW" b="0" i="1" smtClean="0">
+                            <a:latin typeface="Cambria Math" panose="02040503050406030204" pitchFamily="18" charset="0"/>
+                          </a:rPr>
+                          <m:t>180</m:t>
+                        </m:r>
+                      </m:num>
+                      <m:den>
+                        <m:r>
+                          <a:rPr lang="en-US" altLang="zh-TW" b="0" i="1" smtClean="0">
+                            <a:latin typeface="Cambria Math" panose="02040503050406030204" pitchFamily="18" charset="0"/>
+                          </a:rPr>
+                          <m:t>100</m:t>
+                        </m:r>
+                      </m:den>
+                    </m:f>
+                    <m:r>
+                      <m:rPr>
+                        <m:nor/>
+                      </m:rPr>
+                      <a:rPr lang="zh-TW" altLang="en-US" dirty="0"/>
+                      <m:t>華氏</m:t>
+                    </m:r>
+                  </m:oMath>
+                </a14:m>
+                <a:r>
+                  <a:rPr lang="zh-TW" altLang="en-US" dirty="0" smtClean="0"/>
+                  <a:t>度</a:t>
+                </a:r>
+                <a:r>
+                  <a:rPr lang="en-US" altLang="zh-TW" dirty="0" smtClean="0"/>
+                  <a:t>=</a:t>
+                </a:r>
+                <a14:m>
+                  <m:oMath xmlns:m="http://schemas.openxmlformats.org/officeDocument/2006/math">
+                    <m:f>
+                      <m:fPr>
+                        <m:ctrlPr>
+                          <a:rPr lang="en-US" altLang="zh-TW" i="1" dirty="0" smtClean="0">
+                            <a:latin typeface="Cambria Math" panose="02040503050406030204" pitchFamily="18" charset="0"/>
+                          </a:rPr>
+                        </m:ctrlPr>
+                      </m:fPr>
+                      <m:num>
+                        <m:r>
+                          <a:rPr lang="en-US" altLang="zh-TW" b="0" i="1" dirty="0" smtClean="0">
+                            <a:latin typeface="Cambria Math" panose="02040503050406030204" pitchFamily="18" charset="0"/>
+                          </a:rPr>
+                          <m:t>9</m:t>
+                        </m:r>
+                      </m:num>
+                      <m:den>
+                        <m:r>
+                          <a:rPr lang="en-US" altLang="zh-TW" b="0" i="1" dirty="0" smtClean="0">
+                            <a:latin typeface="Cambria Math" panose="02040503050406030204" pitchFamily="18" charset="0"/>
+                          </a:rPr>
+                          <m:t>5</m:t>
+                        </m:r>
+                      </m:den>
+                    </m:f>
+                    <m:r>
+                      <m:rPr>
+                        <m:nor/>
+                      </m:rPr>
+                      <a:rPr lang="zh-TW" altLang="en-US" dirty="0"/>
+                      <m:t>華氏</m:t>
+                    </m:r>
+                  </m:oMath>
+                </a14:m>
+                <a:r>
+                  <a:rPr lang="zh-TW" altLang="en-US" dirty="0"/>
+                  <a:t>度</a:t>
+                </a:r>
+              </a:p>
+            </p:txBody>
+          </p:sp>
+        </mc:Choice>
+        <mc:Fallback xmlns="">
+          <p:sp>
+            <p:nvSpPr>
+              <p:cNvPr id="8" name="文字方塊 7"/>
+              <p:cNvSpPr txBox="1">
+                <a:spLocks noRot="1" noChangeAspect="1" noMove="1" noResize="1" noEditPoints="1" noAdjustHandles="1" noChangeArrowheads="1" noChangeShapeType="1" noTextEdit="1"/>
+              </p:cNvSpPr>
+              <p:nvPr/>
+            </p:nvSpPr>
+            <p:spPr>
+              <a:xfrm>
+                <a:off x="7223760" y="3400426"/>
+                <a:ext cx="3153427" cy="485774"/>
+              </a:xfrm>
+              <a:prstGeom prst="rect">
+                <a:avLst/>
+              </a:prstGeom>
+              <a:blipFill>
+                <a:blip r:embed="rId2"/>
+                <a:stretch>
+                  <a:fillRect l="-1547" b="-6250"/>
+                </a:stretch>
+              </a:blipFill>
+            </p:spPr>
+            <p:txBody>
+              <a:bodyPr/>
+              <a:lstStyle/>
+              <a:p>
+                <a:r>
+                  <a:rPr lang="zh-TW" altLang="en-US">
+                    <a:noFill/>
+                  </a:rPr>
+                  <a:t> </a:t>
+                </a:r>
+              </a:p>
+            </p:txBody>
+          </p:sp>
+        </mc:Fallback>
+      </mc:AlternateContent>
+      <mc:AlternateContent xmlns:mc="http://schemas.openxmlformats.org/markup-compatibility/2006" xmlns:a14="http://schemas.microsoft.com/office/drawing/2010/main">
+        <mc:Choice Requires="a14">
+          <p:sp>
+            <p:nvSpPr>
+              <p:cNvPr id="9" name="文字方塊 8"/>
+              <p:cNvSpPr txBox="1"/>
+              <p:nvPr/>
+            </p:nvSpPr>
+            <p:spPr>
+              <a:xfrm>
+                <a:off x="7223760" y="4073081"/>
+                <a:ext cx="3153427" cy="487954"/>
+              </a:xfrm>
+              <a:prstGeom prst="rect">
+                <a:avLst/>
+              </a:prstGeom>
+              <a:noFill/>
+            </p:spPr>
+            <p:txBody>
+              <a:bodyPr wrap="none" rtlCol="0">
+                <a:spAutoFit/>
+              </a:bodyPr>
+              <a:lstStyle/>
+              <a:p>
+                <a:r>
+                  <a:rPr lang="en-US" altLang="zh-TW" dirty="0" smtClean="0"/>
+                  <a:t>1</a:t>
+                </a:r>
+                <a14:m>
+                  <m:oMath xmlns:m="http://schemas.openxmlformats.org/officeDocument/2006/math">
+                    <m:r>
+                      <m:rPr>
+                        <m:nor/>
+                      </m:rPr>
+                      <a:rPr lang="zh-TW" altLang="en-US" dirty="0"/>
+                      <m:t>華</m:t>
+                    </m:r>
+                  </m:oMath>
+                </a14:m>
+                <a:r>
+                  <a:rPr lang="zh-TW" altLang="en-US" dirty="0" smtClean="0"/>
+                  <a:t>氏度</a:t>
+                </a:r>
+                <a:r>
+                  <a:rPr lang="en-US" altLang="zh-TW" dirty="0" smtClean="0"/>
+                  <a:t>=</a:t>
+                </a:r>
+                <a14:m>
+                  <m:oMath xmlns:m="http://schemas.openxmlformats.org/officeDocument/2006/math">
+                    <m:f>
+                      <m:fPr>
+                        <m:ctrlPr>
+                          <a:rPr lang="en-US" altLang="zh-TW" i="1" smtClean="0">
+                            <a:latin typeface="Cambria Math" panose="02040503050406030204" pitchFamily="18" charset="0"/>
+                          </a:rPr>
+                        </m:ctrlPr>
+                      </m:fPr>
+                      <m:num>
+                        <m:r>
+                          <a:rPr lang="en-US" altLang="zh-TW" b="0" i="1" smtClean="0">
+                            <a:latin typeface="Cambria Math" panose="02040503050406030204" pitchFamily="18" charset="0"/>
+                          </a:rPr>
+                          <m:t>100</m:t>
+                        </m:r>
+                      </m:num>
+                      <m:den>
+                        <m:r>
+                          <a:rPr lang="en-US" altLang="zh-TW" b="0" i="1" smtClean="0">
+                            <a:latin typeface="Cambria Math" panose="02040503050406030204" pitchFamily="18" charset="0"/>
+                          </a:rPr>
+                          <m:t>180</m:t>
+                        </m:r>
+                      </m:den>
+                    </m:f>
+                    <m:r>
+                      <m:rPr>
+                        <m:nor/>
+                      </m:rPr>
+                      <a:rPr lang="zh-TW" altLang="en-US" dirty="0"/>
+                      <m:t>攝氏</m:t>
+                    </m:r>
+                  </m:oMath>
+                </a14:m>
+                <a:r>
+                  <a:rPr lang="zh-TW" altLang="en-US" dirty="0" smtClean="0"/>
+                  <a:t>度</a:t>
+                </a:r>
+                <a:r>
+                  <a:rPr lang="en-US" altLang="zh-TW" dirty="0" smtClean="0"/>
+                  <a:t>=</a:t>
+                </a:r>
+                <a14:m>
+                  <m:oMath xmlns:m="http://schemas.openxmlformats.org/officeDocument/2006/math">
+                    <m:f>
+                      <m:fPr>
+                        <m:ctrlPr>
+                          <a:rPr lang="en-US" altLang="zh-TW" i="1" dirty="0" smtClean="0">
+                            <a:latin typeface="Cambria Math" panose="02040503050406030204" pitchFamily="18" charset="0"/>
+                          </a:rPr>
+                        </m:ctrlPr>
+                      </m:fPr>
+                      <m:num>
+                        <m:r>
+                          <a:rPr lang="en-US" altLang="zh-TW" b="0" i="1" dirty="0" smtClean="0">
+                            <a:latin typeface="Cambria Math" panose="02040503050406030204" pitchFamily="18" charset="0"/>
+                          </a:rPr>
+                          <m:t>5</m:t>
+                        </m:r>
+                      </m:num>
+                      <m:den>
+                        <m:r>
+                          <a:rPr lang="en-US" altLang="zh-TW" b="0" i="1" dirty="0" smtClean="0">
+                            <a:latin typeface="Cambria Math" panose="02040503050406030204" pitchFamily="18" charset="0"/>
+                          </a:rPr>
+                          <m:t>9</m:t>
+                        </m:r>
+                      </m:den>
+                    </m:f>
+                    <m:r>
+                      <m:rPr>
+                        <m:nor/>
+                      </m:rPr>
+                      <a:rPr lang="zh-TW" altLang="en-US" dirty="0"/>
+                      <m:t>攝氏</m:t>
+                    </m:r>
+                  </m:oMath>
+                </a14:m>
+                <a:r>
+                  <a:rPr lang="zh-TW" altLang="en-US" dirty="0"/>
+                  <a:t>度</a:t>
+                </a:r>
+              </a:p>
+            </p:txBody>
+          </p:sp>
+        </mc:Choice>
+        <mc:Fallback xmlns="">
+          <p:sp>
+            <p:nvSpPr>
+              <p:cNvPr id="9" name="文字方塊 8"/>
+              <p:cNvSpPr txBox="1">
+                <a:spLocks noRot="1" noChangeAspect="1" noMove="1" noResize="1" noEditPoints="1" noAdjustHandles="1" noChangeArrowheads="1" noChangeShapeType="1" noTextEdit="1"/>
+              </p:cNvSpPr>
+              <p:nvPr/>
+            </p:nvSpPr>
+            <p:spPr>
+              <a:xfrm>
+                <a:off x="7223760" y="4073081"/>
+                <a:ext cx="3153427" cy="487954"/>
+              </a:xfrm>
+              <a:prstGeom prst="rect">
+                <a:avLst/>
+              </a:prstGeom>
+              <a:blipFill>
+                <a:blip r:embed="rId3"/>
+                <a:stretch>
+                  <a:fillRect l="-1547" b="-6250"/>
+                </a:stretch>
+              </a:blipFill>
+            </p:spPr>
+            <p:txBody>
+              <a:bodyPr/>
+              <a:lstStyle/>
+              <a:p>
+                <a:r>
+                  <a:rPr lang="zh-TW" altLang="en-US">
+                    <a:noFill/>
+                  </a:rPr>
+                  <a:t> </a:t>
+                </a:r>
+              </a:p>
+            </p:txBody>
+          </p:sp>
+        </mc:Fallback>
+      </mc:AlternateContent>
+      <p:cxnSp>
+        <p:nvCxnSpPr>
+          <p:cNvPr id="11" name="直線接點 10"/>
+          <p:cNvCxnSpPr/>
+          <p:nvPr/>
+        </p:nvCxnSpPr>
+        <p:spPr>
+          <a:xfrm>
+            <a:off x="5298950" y="2304291"/>
+            <a:ext cx="0" cy="3163824"/>
+          </a:xfrm>
+          <a:prstGeom prst="line">
+            <a:avLst/>
+          </a:prstGeom>
+          <a:ln w="76200">
+            <a:solidFill>
+              <a:schemeClr val="tx1"/>
+            </a:solidFill>
+          </a:ln>
+        </p:spPr>
+        <p:style>
+          <a:lnRef idx="1">
+            <a:schemeClr val="accent1"/>
+          </a:lnRef>
+          <a:fillRef idx="0">
+            <a:schemeClr val="accent1"/>
+          </a:fillRef>
+          <a:effectRef idx="0">
+            <a:schemeClr val="accent1"/>
+          </a:effectRef>
+          <a:fontRef idx="minor">
+            <a:schemeClr val="tx1"/>
+          </a:fontRef>
+        </p:style>
+      </p:cxnSp>
+      <p:sp>
+        <p:nvSpPr>
+          <p:cNvPr id="32" name="文字方塊 31"/>
+          <p:cNvSpPr txBox="1"/>
+          <p:nvPr/>
+        </p:nvSpPr>
+        <p:spPr>
+          <a:xfrm>
+            <a:off x="5712210" y="2139418"/>
+            <a:ext cx="550151" cy="369332"/>
+          </a:xfrm>
+          <a:prstGeom prst="rect">
+            <a:avLst/>
+          </a:prstGeom>
+          <a:noFill/>
+        </p:spPr>
+        <p:txBody>
+          <a:bodyPr wrap="none" rtlCol="0">
+            <a:spAutoFit/>
+          </a:bodyPr>
+          <a:lstStyle/>
+          <a:p>
+            <a:r>
+              <a:rPr lang="en-US" altLang="zh-TW" dirty="0" smtClean="0"/>
+              <a:t>100</a:t>
+            </a:r>
+            <a:endParaRPr lang="zh-TW" altLang="en-US" dirty="0"/>
+          </a:p>
+        </p:txBody>
+      </p:sp>
+      <p:sp>
+        <p:nvSpPr>
+          <p:cNvPr id="33" name="文字方塊 32"/>
+          <p:cNvSpPr txBox="1"/>
+          <p:nvPr/>
+        </p:nvSpPr>
+        <p:spPr>
+          <a:xfrm>
+            <a:off x="5712210" y="5283449"/>
+            <a:ext cx="306494" cy="369332"/>
+          </a:xfrm>
+          <a:prstGeom prst="rect">
+            <a:avLst/>
+          </a:prstGeom>
+          <a:noFill/>
+        </p:spPr>
+        <p:txBody>
+          <a:bodyPr wrap="none" rtlCol="0">
+            <a:spAutoFit/>
+          </a:bodyPr>
+          <a:lstStyle/>
+          <a:p>
+            <a:r>
+              <a:rPr lang="en-US" altLang="zh-TW" dirty="0" smtClean="0"/>
+              <a:t>0</a:t>
+            </a:r>
+            <a:endParaRPr lang="zh-TW" altLang="en-US" dirty="0"/>
+          </a:p>
+        </p:txBody>
+      </p:sp>
+      <p:sp>
+        <p:nvSpPr>
+          <p:cNvPr id="34" name="文字方塊 33"/>
+          <p:cNvSpPr txBox="1"/>
+          <p:nvPr/>
+        </p:nvSpPr>
+        <p:spPr>
+          <a:xfrm>
+            <a:off x="4320886" y="2111415"/>
+            <a:ext cx="550151" cy="369332"/>
+          </a:xfrm>
+          <a:prstGeom prst="rect">
+            <a:avLst/>
+          </a:prstGeom>
+          <a:noFill/>
+        </p:spPr>
+        <p:txBody>
+          <a:bodyPr wrap="none" rtlCol="0">
+            <a:spAutoFit/>
+          </a:bodyPr>
+          <a:lstStyle/>
+          <a:p>
+            <a:r>
+              <a:rPr lang="en-US" altLang="zh-TW" dirty="0" smtClean="0"/>
+              <a:t>212</a:t>
+            </a:r>
+            <a:endParaRPr lang="zh-TW" altLang="en-US" dirty="0"/>
+          </a:p>
+        </p:txBody>
+      </p:sp>
+      <p:sp>
+        <p:nvSpPr>
+          <p:cNvPr id="35" name="文字方塊 34"/>
+          <p:cNvSpPr txBox="1"/>
+          <p:nvPr/>
+        </p:nvSpPr>
+        <p:spPr>
+          <a:xfrm>
+            <a:off x="4346977" y="5295642"/>
+            <a:ext cx="428322" cy="369332"/>
+          </a:xfrm>
+          <a:prstGeom prst="rect">
+            <a:avLst/>
+          </a:prstGeom>
+          <a:noFill/>
+        </p:spPr>
+        <p:txBody>
+          <a:bodyPr wrap="none" rtlCol="0">
+            <a:spAutoFit/>
+          </a:bodyPr>
+          <a:lstStyle/>
+          <a:p>
+            <a:r>
+              <a:rPr lang="en-US" altLang="zh-TW" dirty="0" smtClean="0"/>
+              <a:t>32</a:t>
+            </a:r>
+            <a:endParaRPr lang="zh-TW" altLang="en-US" dirty="0"/>
+          </a:p>
+        </p:txBody>
+      </p:sp>
+      <p:sp>
+        <p:nvSpPr>
+          <p:cNvPr id="36" name="文字方塊 35"/>
+          <p:cNvSpPr txBox="1"/>
+          <p:nvPr/>
+        </p:nvSpPr>
+        <p:spPr>
+          <a:xfrm>
+            <a:off x="4346971" y="3703528"/>
+            <a:ext cx="550151" cy="369332"/>
+          </a:xfrm>
+          <a:prstGeom prst="rect">
+            <a:avLst/>
+          </a:prstGeom>
+          <a:noFill/>
+        </p:spPr>
+        <p:txBody>
+          <a:bodyPr wrap="none" rtlCol="0">
+            <a:spAutoFit/>
+          </a:bodyPr>
+          <a:lstStyle/>
+          <a:p>
+            <a:r>
+              <a:rPr lang="en-US" altLang="zh-TW" dirty="0" smtClean="0"/>
+              <a:t>122</a:t>
+            </a:r>
+            <a:endParaRPr lang="zh-TW" altLang="en-US" dirty="0"/>
+          </a:p>
+        </p:txBody>
+      </p:sp>
+      <p:sp>
+        <p:nvSpPr>
+          <p:cNvPr id="37" name="文字方塊 36"/>
+          <p:cNvSpPr txBox="1"/>
+          <p:nvPr/>
+        </p:nvSpPr>
+        <p:spPr>
+          <a:xfrm>
+            <a:off x="5697485" y="3701534"/>
+            <a:ext cx="428322" cy="369332"/>
+          </a:xfrm>
+          <a:prstGeom prst="rect">
+            <a:avLst/>
+          </a:prstGeom>
+          <a:noFill/>
+        </p:spPr>
+        <p:txBody>
+          <a:bodyPr wrap="none" rtlCol="0">
+            <a:spAutoFit/>
+          </a:bodyPr>
+          <a:lstStyle/>
+          <a:p>
+            <a:r>
+              <a:rPr lang="en-US" altLang="zh-TW" dirty="0" smtClean="0"/>
+              <a:t>50</a:t>
+            </a:r>
+            <a:endParaRPr lang="zh-TW" altLang="en-US" dirty="0"/>
+          </a:p>
+        </p:txBody>
+      </p:sp>
+      <mc:AlternateContent xmlns:mc="http://schemas.openxmlformats.org/markup-compatibility/2006" xmlns:a14="http://schemas.microsoft.com/office/drawing/2010/main">
+        <mc:Choice Requires="a14">
+          <p:sp>
+            <p:nvSpPr>
+              <p:cNvPr id="3" name="矩形 2"/>
+              <p:cNvSpPr/>
+              <p:nvPr/>
+            </p:nvSpPr>
+            <p:spPr>
+              <a:xfrm>
+                <a:off x="7878845" y="2384934"/>
+                <a:ext cx="2383986" cy="616964"/>
+              </a:xfrm>
+              <a:prstGeom prst="rect">
+                <a:avLst/>
+              </a:prstGeom>
+            </p:spPr>
+            <p:txBody>
+              <a:bodyPr wrap="none">
+                <a:spAutoFit/>
+              </a:bodyPr>
+              <a:lstStyle/>
+              <a:p>
+                <a:r>
+                  <a:rPr lang="zh-TW" altLang="en-US" dirty="0" smtClean="0">
+                    <a:solidFill>
+                      <a:srgbClr val="C00000"/>
+                    </a:solidFill>
+                  </a:rPr>
+                  <a:t>攝氏度</a:t>
+                </a:r>
+                <a:r>
+                  <a:rPr lang="en-US" altLang="zh-TW" dirty="0" smtClean="0">
+                    <a:solidFill>
+                      <a:srgbClr val="C00000"/>
+                    </a:solidFill>
+                  </a:rPr>
+                  <a:t>X</a:t>
+                </a:r>
+                <a14:m>
+                  <m:oMath xmlns:m="http://schemas.openxmlformats.org/officeDocument/2006/math">
+                    <m:f>
+                      <m:fPr>
+                        <m:ctrlPr>
+                          <a:rPr lang="en-US" altLang="zh-TW" sz="2400" i="1" dirty="0">
+                            <a:solidFill>
+                              <a:srgbClr val="C00000"/>
+                            </a:solidFill>
+                            <a:latin typeface="Cambria Math" panose="02040503050406030204" pitchFamily="18" charset="0"/>
+                          </a:rPr>
+                        </m:ctrlPr>
+                      </m:fPr>
+                      <m:num>
+                        <m:r>
+                          <a:rPr lang="en-US" altLang="zh-TW" sz="2400" i="1" dirty="0">
+                            <a:solidFill>
+                              <a:srgbClr val="C00000"/>
+                            </a:solidFill>
+                            <a:latin typeface="Cambria Math" panose="02040503050406030204" pitchFamily="18" charset="0"/>
+                          </a:rPr>
+                          <m:t>9</m:t>
+                        </m:r>
+                      </m:num>
+                      <m:den>
+                        <m:r>
+                          <a:rPr lang="en-US" altLang="zh-TW" sz="2400" i="1" dirty="0">
+                            <a:solidFill>
+                              <a:srgbClr val="C00000"/>
+                            </a:solidFill>
+                            <a:latin typeface="Cambria Math" panose="02040503050406030204" pitchFamily="18" charset="0"/>
+                          </a:rPr>
+                          <m:t>5</m:t>
+                        </m:r>
+                      </m:den>
+                    </m:f>
+                  </m:oMath>
+                </a14:m>
+                <a:r>
+                  <a:rPr lang="en-US" altLang="zh-TW" dirty="0" smtClean="0">
+                    <a:solidFill>
+                      <a:srgbClr val="C00000"/>
+                    </a:solidFill>
+                  </a:rPr>
+                  <a:t> +32=</a:t>
+                </a:r>
+                <a14:m>
+                  <m:oMath xmlns:m="http://schemas.openxmlformats.org/officeDocument/2006/math">
+                    <m:r>
+                      <m:rPr>
+                        <m:nor/>
+                      </m:rPr>
+                      <a:rPr lang="zh-TW" altLang="en-US" dirty="0">
+                        <a:solidFill>
+                          <a:srgbClr val="C00000"/>
+                        </a:solidFill>
+                      </a:rPr>
+                      <m:t>華氏</m:t>
+                    </m:r>
+                  </m:oMath>
+                </a14:m>
+                <a:r>
+                  <a:rPr lang="zh-TW" altLang="en-US" dirty="0">
+                    <a:solidFill>
+                      <a:srgbClr val="C00000"/>
+                    </a:solidFill>
+                  </a:rPr>
+                  <a:t>度</a:t>
+                </a:r>
+              </a:p>
+            </p:txBody>
+          </p:sp>
+        </mc:Choice>
+        <mc:Fallback xmlns="">
+          <p:sp>
+            <p:nvSpPr>
+              <p:cNvPr id="3" name="矩形 2"/>
+              <p:cNvSpPr>
+                <a:spLocks noRot="1" noChangeAspect="1" noMove="1" noResize="1" noEditPoints="1" noAdjustHandles="1" noChangeArrowheads="1" noChangeShapeType="1" noTextEdit="1"/>
+              </p:cNvSpPr>
+              <p:nvPr/>
+            </p:nvSpPr>
+            <p:spPr>
+              <a:xfrm>
+                <a:off x="7878845" y="2384934"/>
+                <a:ext cx="2383986" cy="616964"/>
+              </a:xfrm>
+              <a:prstGeom prst="rect">
+                <a:avLst/>
+              </a:prstGeom>
+              <a:blipFill>
+                <a:blip r:embed="rId4"/>
+                <a:stretch>
+                  <a:fillRect l="-2041" r="-1531"/>
+                </a:stretch>
+              </a:blipFill>
+            </p:spPr>
+            <p:txBody>
+              <a:bodyPr/>
+              <a:lstStyle/>
+              <a:p>
+                <a:r>
+                  <a:rPr lang="zh-TW" altLang="en-US">
+                    <a:noFill/>
+                  </a:rPr>
+                  <a:t> </a:t>
+                </a:r>
+              </a:p>
+            </p:txBody>
+          </p:sp>
+        </mc:Fallback>
+      </mc:AlternateContent>
+      <p:sp>
+        <p:nvSpPr>
+          <p:cNvPr id="4" name="向上箭號 3"/>
+          <p:cNvSpPr/>
+          <p:nvPr/>
+        </p:nvSpPr>
+        <p:spPr>
+          <a:xfrm>
+            <a:off x="8800473" y="2998756"/>
+            <a:ext cx="494522" cy="308229"/>
+          </a:xfrm>
+          <a:prstGeom prst="upArrow">
+            <a:avLst/>
+          </a:prstGeom>
+        </p:spPr>
+        <p:style>
+          <a:lnRef idx="2">
+            <a:schemeClr val="accent1">
+              <a:shade val="50000"/>
+            </a:schemeClr>
+          </a:lnRef>
+          <a:fillRef idx="1">
+            <a:schemeClr val="accent1"/>
+          </a:fillRef>
+          <a:effectRef idx="0">
+            <a:schemeClr val="accent1"/>
+          </a:effectRef>
+          <a:fontRef idx="minor">
+            <a:schemeClr val="lt1"/>
+          </a:fontRef>
+        </p:style>
+        <p:txBody>
+          <a:bodyPr rtlCol="0" anchor="ctr"/>
+          <a:lstStyle/>
+          <a:p>
+            <a:pPr algn="ctr"/>
+            <a:endParaRPr lang="zh-TW" altLang="en-US"/>
+          </a:p>
+        </p:txBody>
+      </p:sp>
+      <mc:AlternateContent xmlns:mc="http://schemas.openxmlformats.org/markup-compatibility/2006" xmlns:a14="http://schemas.microsoft.com/office/drawing/2010/main">
+        <mc:Choice Requires="a14">
+          <p:sp>
+            <p:nvSpPr>
+              <p:cNvPr id="19" name="矩形 18"/>
+              <p:cNvSpPr/>
+              <p:nvPr/>
+            </p:nvSpPr>
+            <p:spPr>
+              <a:xfrm>
+                <a:off x="7868773" y="4934299"/>
+                <a:ext cx="2723823" cy="621837"/>
+              </a:xfrm>
+              <a:prstGeom prst="rect">
+                <a:avLst/>
+              </a:prstGeom>
+            </p:spPr>
+            <p:txBody>
+              <a:bodyPr wrap="none">
+                <a:spAutoFit/>
+              </a:bodyPr>
+              <a:lstStyle/>
+              <a:p>
+                <a:r>
+                  <a:rPr lang="en-US" altLang="zh-TW" dirty="0" smtClean="0">
+                    <a:solidFill>
+                      <a:srgbClr val="C00000"/>
+                    </a:solidFill>
+                  </a:rPr>
+                  <a:t> (</a:t>
+                </a:r>
+                <a14:m>
+                  <m:oMath xmlns:m="http://schemas.openxmlformats.org/officeDocument/2006/math">
+                    <m:r>
+                      <m:rPr>
+                        <m:nor/>
+                      </m:rPr>
+                      <a:rPr lang="zh-TW" altLang="en-US" dirty="0">
+                        <a:solidFill>
+                          <a:srgbClr val="C00000"/>
+                        </a:solidFill>
+                      </a:rPr>
+                      <m:t>華氏</m:t>
+                    </m:r>
+                  </m:oMath>
+                </a14:m>
+                <a:r>
+                  <a:rPr lang="zh-TW" altLang="en-US" dirty="0">
+                    <a:solidFill>
+                      <a:srgbClr val="C00000"/>
+                    </a:solidFill>
+                  </a:rPr>
+                  <a:t>度 </a:t>
+                </a:r>
+                <a:r>
+                  <a:rPr lang="en-US" altLang="zh-TW" dirty="0">
+                    <a:solidFill>
+                      <a:srgbClr val="C00000"/>
+                    </a:solidFill>
+                  </a:rPr>
+                  <a:t>– 32)</a:t>
+                </a:r>
+                <a:r>
+                  <a:rPr lang="en-US" altLang="zh-TW" dirty="0" smtClean="0">
+                    <a:solidFill>
+                      <a:srgbClr val="C00000"/>
+                    </a:solidFill>
+                  </a:rPr>
+                  <a:t>X</a:t>
+                </a:r>
+                <a14:m>
+                  <m:oMath xmlns:m="http://schemas.openxmlformats.org/officeDocument/2006/math">
+                    <m:f>
+                      <m:fPr>
+                        <m:ctrlPr>
+                          <a:rPr lang="en-US" altLang="zh-TW" sz="2400" i="1" dirty="0">
+                            <a:solidFill>
+                              <a:srgbClr val="C00000"/>
+                            </a:solidFill>
+                            <a:latin typeface="Cambria Math" panose="02040503050406030204" pitchFamily="18" charset="0"/>
+                          </a:rPr>
+                        </m:ctrlPr>
+                      </m:fPr>
+                      <m:num>
+                        <m:r>
+                          <a:rPr lang="en-US" altLang="zh-TW" sz="2400" b="0" i="1" dirty="0" smtClean="0">
+                            <a:solidFill>
+                              <a:srgbClr val="C00000"/>
+                            </a:solidFill>
+                            <a:latin typeface="Cambria Math" panose="02040503050406030204" pitchFamily="18" charset="0"/>
+                          </a:rPr>
+                          <m:t>5</m:t>
+                        </m:r>
+                      </m:num>
+                      <m:den>
+                        <m:r>
+                          <a:rPr lang="en-US" altLang="zh-TW" sz="2400" b="0" i="1" dirty="0" smtClean="0">
+                            <a:solidFill>
+                              <a:srgbClr val="C00000"/>
+                            </a:solidFill>
+                            <a:latin typeface="Cambria Math" panose="02040503050406030204" pitchFamily="18" charset="0"/>
+                          </a:rPr>
+                          <m:t>9</m:t>
+                        </m:r>
+                      </m:den>
+                    </m:f>
+                  </m:oMath>
+                </a14:m>
+                <a:r>
+                  <a:rPr lang="en-US" altLang="zh-TW" dirty="0" smtClean="0">
+                    <a:solidFill>
+                      <a:srgbClr val="C00000"/>
+                    </a:solidFill>
+                  </a:rPr>
+                  <a:t> =</a:t>
+                </a:r>
+                <a:r>
+                  <a:rPr lang="zh-TW" altLang="en-US" dirty="0">
+                    <a:solidFill>
+                      <a:srgbClr val="C00000"/>
+                    </a:solidFill>
+                  </a:rPr>
+                  <a:t>攝氏度</a:t>
+                </a:r>
+              </a:p>
+            </p:txBody>
+          </p:sp>
+        </mc:Choice>
+        <mc:Fallback xmlns="">
+          <p:sp>
+            <p:nvSpPr>
+              <p:cNvPr id="19" name="矩形 18"/>
+              <p:cNvSpPr>
+                <a:spLocks noRot="1" noChangeAspect="1" noMove="1" noResize="1" noEditPoints="1" noAdjustHandles="1" noChangeArrowheads="1" noChangeShapeType="1" noTextEdit="1"/>
+              </p:cNvSpPr>
+              <p:nvPr/>
+            </p:nvSpPr>
+            <p:spPr>
+              <a:xfrm>
+                <a:off x="7868773" y="4934299"/>
+                <a:ext cx="2723823" cy="621837"/>
+              </a:xfrm>
+              <a:prstGeom prst="rect">
+                <a:avLst/>
+              </a:prstGeom>
+              <a:blipFill>
+                <a:blip r:embed="rId5"/>
+                <a:stretch>
+                  <a:fillRect r="-1119"/>
+                </a:stretch>
+              </a:blipFill>
+            </p:spPr>
+            <p:txBody>
+              <a:bodyPr/>
+              <a:lstStyle/>
+              <a:p>
+                <a:r>
+                  <a:rPr lang="zh-TW" altLang="en-US">
+                    <a:noFill/>
+                  </a:rPr>
+                  <a:t> </a:t>
+                </a:r>
+              </a:p>
+            </p:txBody>
+          </p:sp>
+        </mc:Fallback>
+      </mc:AlternateContent>
+      <p:sp>
+        <p:nvSpPr>
+          <p:cNvPr id="20" name="向上箭號 19"/>
+          <p:cNvSpPr/>
+          <p:nvPr/>
+        </p:nvSpPr>
+        <p:spPr>
+          <a:xfrm rot="10800000">
+            <a:off x="8823577" y="4626070"/>
+            <a:ext cx="494522" cy="308229"/>
+          </a:xfrm>
+          <a:prstGeom prst="upArrow">
+            <a:avLst/>
+          </a:prstGeom>
+        </p:spPr>
+        <p:style>
+          <a:lnRef idx="2">
+            <a:schemeClr val="accent1">
+              <a:shade val="50000"/>
+            </a:schemeClr>
+          </a:lnRef>
+          <a:fillRef idx="1">
+            <a:schemeClr val="accent1"/>
+          </a:fillRef>
+          <a:effectRef idx="0">
+            <a:schemeClr val="accent1"/>
+          </a:effectRef>
+          <a:fontRef idx="minor">
+            <a:schemeClr val="lt1"/>
+          </a:fontRef>
+        </p:style>
+        <p:txBody>
+          <a:bodyPr rtlCol="0" anchor="ctr"/>
+          <a:lstStyle/>
+          <a:p>
+            <a:pPr algn="ctr"/>
+            <a:endParaRPr lang="zh-TW" altLang="en-US"/>
+          </a:p>
+        </p:txBody>
+      </p:sp>
+    </p:spTree>
+    <p:extLst>
+      <p:ext uri="{BB962C8B-B14F-4D97-AF65-F5344CB8AC3E}">
+        <p14:creationId xmlns:p14="http://schemas.microsoft.com/office/powerpoint/2010/main" val="319139598"/>
+      </p:ext>
+    </p:extLst>
+  </p:cSld>
+  <p:clrMapOvr>
+    <a:masterClrMapping/>
+  </p:clrMapOvr>
+  <p:timing>
+    <p:tnLst>
+      <p:par>
+        <p:cTn id="1" dur="indefinite" restart="never" nodeType="tmRoot">
+          <p:childTnLst>
+            <p:seq concurrent="1" nextAc="seek">
+              <p:cTn id="2" dur="indefinite" nodeType="mainSeq">
+                <p:childTnLst>
+                  <p:par>
+                    <p:cTn id="3" fill="hold">
+                      <p:stCondLst>
+                        <p:cond delay="indefinite"/>
+                      </p:stCondLst>
+                      <p:childTnLst>
+                        <p:par>
+                          <p:cTn id="4" fill="hold">
+                            <p:stCondLst>
+                              <p:cond delay="0"/>
+                            </p:stCondLst>
+                            <p:childTnLst>
+                              <p:par>
+                                <p:cTn id="5" presetID="1" presetClass="entr" presetSubtype="0" fill="hold" grpId="0" nodeType="clickEffect">
+                                  <p:stCondLst>
+                                    <p:cond delay="0"/>
+                                  </p:stCondLst>
+                                  <p:childTnLst>
+                                    <p:set>
+                                      <p:cBhvr>
+                                        <p:cTn id="6" dur="1" fill="hold">
+                                          <p:stCondLst>
+                                            <p:cond delay="0"/>
+                                          </p:stCondLst>
+                                        </p:cTn>
+                                        <p:tgtEl>
+                                          <p:spTgt spid="4"/>
+                                        </p:tgtEl>
+                                        <p:attrNameLst>
+                                          <p:attrName>style.visibility</p:attrName>
+                                        </p:attrNameLst>
+                                      </p:cBhvr>
+                                      <p:to>
+                                        <p:strVal val="visible"/>
+                                      </p:to>
+                                    </p:set>
+                                  </p:childTnLst>
+                                </p:cTn>
+                              </p:par>
+                              <p:par>
+                                <p:cTn id="7" presetID="1" presetClass="entr" presetSubtype="0" fill="hold" grpId="0" nodeType="withEffect">
+                                  <p:stCondLst>
+                                    <p:cond delay="0"/>
+                                  </p:stCondLst>
+                                  <p:childTnLst>
+                                    <p:set>
+                                      <p:cBhvr>
+                                        <p:cTn id="8" dur="1" fill="hold">
+                                          <p:stCondLst>
+                                            <p:cond delay="0"/>
+                                          </p:stCondLst>
+                                        </p:cTn>
+                                        <p:tgtEl>
+                                          <p:spTgt spid="3"/>
+                                        </p:tgtEl>
+                                        <p:attrNameLst>
+                                          <p:attrName>style.visibility</p:attrName>
+                                        </p:attrNameLst>
+                                      </p:cBhvr>
+                                      <p:to>
+                                        <p:strVal val="visible"/>
+                                      </p:to>
+                                    </p:set>
+                                  </p:childTnLst>
+                                </p:cTn>
+                              </p:par>
+                            </p:childTnLst>
+                          </p:cTn>
+                        </p:par>
+                      </p:childTnLst>
+                    </p:cTn>
+                  </p:par>
+                  <p:par>
+                    <p:cTn id="9" fill="hold">
+                      <p:stCondLst>
+                        <p:cond delay="indefinite"/>
+                      </p:stCondLst>
+                      <p:childTnLst>
+                        <p:par>
+                          <p:cTn id="10" fill="hold">
+                            <p:stCondLst>
+                              <p:cond delay="0"/>
+                            </p:stCondLst>
+                            <p:childTnLst>
+                              <p:par>
+                                <p:cTn id="11" presetID="1" presetClass="entr" presetSubtype="0" fill="hold" grpId="0" nodeType="clickEffect">
+                                  <p:stCondLst>
+                                    <p:cond delay="0"/>
+                                  </p:stCondLst>
+                                  <p:childTnLst>
+                                    <p:set>
+                                      <p:cBhvr>
+                                        <p:cTn id="12" dur="1" fill="hold">
+                                          <p:stCondLst>
+                                            <p:cond delay="0"/>
+                                          </p:stCondLst>
+                                        </p:cTn>
+                                        <p:tgtEl>
+                                          <p:spTgt spid="20"/>
+                                        </p:tgtEl>
+                                        <p:attrNameLst>
+                                          <p:attrName>style.visibility</p:attrName>
+                                        </p:attrNameLst>
+                                      </p:cBhvr>
+                                      <p:to>
+                                        <p:strVal val="visible"/>
+                                      </p:to>
+                                    </p:set>
+                                  </p:childTnLst>
+                                </p:cTn>
+                              </p:par>
+                              <p:par>
+                                <p:cTn id="13" presetID="1" presetClass="entr" presetSubtype="0" fill="hold" grpId="0" nodeType="withEffect">
+                                  <p:stCondLst>
+                                    <p:cond delay="0"/>
+                                  </p:stCondLst>
+                                  <p:childTnLst>
+                                    <p:set>
+                                      <p:cBhvr>
+                                        <p:cTn id="14" dur="1" fill="hold">
+                                          <p:stCondLst>
+                                            <p:cond delay="0"/>
+                                          </p:stCondLst>
+                                        </p:cTn>
+                                        <p:tgtEl>
+                                          <p:spTgt spid="19"/>
+                                        </p:tgtEl>
+                                        <p:attrNameLst>
+                                          <p:attrName>style.visibility</p:attrName>
+                                        </p:attrNameLst>
+                                      </p:cBhvr>
+                                      <p:to>
+                                        <p:strVal val="visible"/>
+                                      </p:to>
+                                    </p:set>
+                                  </p:childTnLst>
+                                </p:cTn>
+                              </p:par>
+                            </p:childTnLst>
+                          </p:cTn>
+                        </p:par>
+                      </p:childTnLst>
+                    </p:cTn>
+                  </p:par>
+                </p:childTnLst>
+              </p:cTn>
+              <p:prevCondLst>
+                <p:cond evt="onPrev" delay="0">
+                  <p:tgtEl>
+                    <p:sldTgt/>
+                  </p:tgtEl>
+                </p:cond>
+              </p:prevCondLst>
+              <p:nextCondLst>
+                <p:cond evt="onNext" delay="0">
+                  <p:tgtEl>
+                    <p:sldTgt/>
+                  </p:tgtEl>
+                </p:cond>
+              </p:nextCondLst>
+            </p:seq>
+          </p:childTnLst>
+        </p:cTn>
+      </p:par>
+    </p:tnLst>
+    <p:bldLst>
+      <p:bldP spid="3" grpId="0"/>
+      <p:bldP spid="4" grpId="0" animBg="1"/>
+      <p:bldP spid="19" grpId="0"/>
+      <p:bldP spid="20" grpId="0" animBg="1"/>
+    </p:bldLst>
   </p:timing>
 </p:sld>
 </file>
@@ -7951,22 +12149,321 @@
           <a:p>
             <a:r>
               <a:rPr lang="zh-TW" altLang="en-US" dirty="0"/>
-              <a:t>物件導向初</a:t>
+              <a:t>課後小</a:t>
             </a:r>
             <a:r>
               <a:rPr lang="zh-TW" altLang="en-US" dirty="0" smtClean="0"/>
-              <a:t>探</a:t>
-            </a:r>
-            <a:r>
-              <a:rPr lang="en-US" altLang="zh-TW" dirty="0" smtClean="0"/>
-              <a:t/>
-            </a:r>
-            <a:br>
-              <a:rPr lang="en-US" altLang="zh-TW" dirty="0" smtClean="0"/>
-            </a:br>
+              <a:t>練習自己</a:t>
+            </a:r>
+            <a:r>
+              <a:rPr lang="zh-TW" altLang="en-US" dirty="0"/>
+              <a:t>來</a:t>
+            </a:r>
             <a:r>
               <a:rPr lang="zh-TW" altLang="en-US" dirty="0" smtClean="0"/>
-              <a:t>使用物件的三大重點</a:t>
+              <a:t>喔</a:t>
+            </a:r>
+            <a:endParaRPr lang="zh-TW" altLang="en-US" dirty="0"/>
+          </a:p>
+        </p:txBody>
+      </p:sp>
+      <mc:AlternateContent xmlns:mc="http://schemas.openxmlformats.org/markup-compatibility/2006" xmlns:a14="http://schemas.microsoft.com/office/drawing/2010/main">
+        <mc:Choice Requires="a14">
+          <p:sp>
+            <p:nvSpPr>
+              <p:cNvPr id="3" name="內容版面配置區 2"/>
+              <p:cNvSpPr>
+                <a:spLocks noGrp="1"/>
+              </p:cNvSpPr>
+              <p:nvPr>
+                <p:ph idx="1"/>
+              </p:nvPr>
+            </p:nvSpPr>
+            <p:spPr/>
+            <p:txBody>
+              <a:bodyPr/>
+              <a:lstStyle/>
+              <a:p>
+                <a:r>
+                  <a:rPr lang="zh-TW" altLang="en-US" dirty="0" smtClean="0"/>
+                  <a:t>輸入身高體重，計算出</a:t>
+                </a:r>
+                <a:r>
+                  <a:rPr lang="en-US" altLang="zh-TW" dirty="0" smtClean="0"/>
+                  <a:t>BMI=?</a:t>
+                </a:r>
+              </a:p>
+              <a:p>
+                <a:pPr lvl="1"/>
+                <a14:m>
+                  <m:oMath xmlns:m="http://schemas.openxmlformats.org/officeDocument/2006/math">
+                    <m:r>
+                      <a:rPr lang="en-US" altLang="zh-TW" b="0" i="1" smtClean="0">
+                        <a:latin typeface="Cambria Math" panose="02040503050406030204" pitchFamily="18" charset="0"/>
+                      </a:rPr>
+                      <m:t>𝐵𝑀𝐼</m:t>
+                    </m:r>
+                    <m:r>
+                      <a:rPr lang="en-US" altLang="zh-TW" b="0" i="1" smtClean="0">
+                        <a:latin typeface="Cambria Math" panose="02040503050406030204" pitchFamily="18" charset="0"/>
+                        <a:ea typeface="Cambria Math" panose="02040503050406030204" pitchFamily="18" charset="0"/>
+                      </a:rPr>
+                      <m:t>=</m:t>
+                    </m:r>
+                    <m:box>
+                      <m:boxPr>
+                        <m:ctrlPr>
+                          <a:rPr lang="en-US" altLang="zh-TW" b="0" i="1" smtClean="0">
+                            <a:latin typeface="Cambria Math" panose="02040503050406030204" pitchFamily="18" charset="0"/>
+                            <a:ea typeface="Cambria Math" panose="02040503050406030204" pitchFamily="18" charset="0"/>
+                          </a:rPr>
+                        </m:ctrlPr>
+                      </m:boxPr>
+                      <m:e>
+                        <m:argPr>
+                          <m:argSz m:val="-1"/>
+                        </m:argPr>
+                        <m:f>
+                          <m:fPr>
+                            <m:ctrlPr>
+                              <a:rPr lang="en-US" altLang="zh-TW" b="0" i="1" smtClean="0">
+                                <a:latin typeface="Cambria Math" panose="02040503050406030204" pitchFamily="18" charset="0"/>
+                                <a:ea typeface="Cambria Math" panose="02040503050406030204" pitchFamily="18" charset="0"/>
+                              </a:rPr>
+                            </m:ctrlPr>
+                          </m:fPr>
+                          <m:num>
+                            <m:r>
+                              <a:rPr lang="zh-TW" altLang="en-US" i="1">
+                                <a:latin typeface="Cambria Math" panose="02040503050406030204" pitchFamily="18" charset="0"/>
+                                <a:ea typeface="Cambria Math" panose="02040503050406030204" pitchFamily="18" charset="0"/>
+                              </a:rPr>
+                              <m:t>體重</m:t>
+                            </m:r>
+                            <m:r>
+                              <a:rPr lang="en-US" altLang="zh-TW" i="1">
+                                <a:latin typeface="Cambria Math" panose="02040503050406030204" pitchFamily="18" charset="0"/>
+                                <a:ea typeface="Cambria Math" panose="02040503050406030204" pitchFamily="18" charset="0"/>
+                              </a:rPr>
+                              <m:t>(</m:t>
+                            </m:r>
+                            <m:r>
+                              <m:rPr>
+                                <m:sty m:val="p"/>
+                              </m:rPr>
+                              <a:rPr lang="en-US" altLang="zh-TW" i="1">
+                                <a:latin typeface="Cambria Math" panose="02040503050406030204" pitchFamily="18" charset="0"/>
+                                <a:ea typeface="Cambria Math" panose="02040503050406030204" pitchFamily="18" charset="0"/>
+                              </a:rPr>
+                              <m:t>kg</m:t>
+                            </m:r>
+                            <m:r>
+                              <a:rPr lang="en-US" altLang="zh-TW" i="1">
+                                <a:latin typeface="Cambria Math" panose="02040503050406030204" pitchFamily="18" charset="0"/>
+                                <a:ea typeface="Cambria Math" panose="02040503050406030204" pitchFamily="18" charset="0"/>
+                              </a:rPr>
+                              <m:t>)</m:t>
+                            </m:r>
+                          </m:num>
+                          <m:den>
+                            <m:sSup>
+                              <m:sSupPr>
+                                <m:ctrlPr>
+                                  <a:rPr lang="en-US" altLang="zh-TW" b="0" i="1" smtClean="0">
+                                    <a:latin typeface="Cambria Math" panose="02040503050406030204" pitchFamily="18" charset="0"/>
+                                    <a:ea typeface="Cambria Math" panose="02040503050406030204" pitchFamily="18" charset="0"/>
+                                  </a:rPr>
+                                </m:ctrlPr>
+                              </m:sSupPr>
+                              <m:e>
+                                <m:r>
+                                  <a:rPr lang="zh-TW" altLang="en-US" i="1">
+                                    <a:latin typeface="Cambria Math" panose="02040503050406030204" pitchFamily="18" charset="0"/>
+                                    <a:ea typeface="Cambria Math" panose="02040503050406030204" pitchFamily="18" charset="0"/>
+                                  </a:rPr>
+                                  <m:t>身高</m:t>
+                                </m:r>
+                              </m:e>
+                              <m:sup>
+                                <m:r>
+                                  <a:rPr lang="en-US" altLang="zh-TW" b="0" i="1" smtClean="0">
+                                    <a:latin typeface="Cambria Math" panose="02040503050406030204" pitchFamily="18" charset="0"/>
+                                    <a:ea typeface="Cambria Math" panose="02040503050406030204" pitchFamily="18" charset="0"/>
+                                  </a:rPr>
+                                  <m:t>2</m:t>
+                                </m:r>
+                              </m:sup>
+                            </m:sSup>
+                            <m:r>
+                              <a:rPr lang="en-US" altLang="zh-TW" i="1">
+                                <a:latin typeface="Cambria Math" panose="02040503050406030204" pitchFamily="18" charset="0"/>
+                                <a:ea typeface="Cambria Math" panose="02040503050406030204" pitchFamily="18" charset="0"/>
+                              </a:rPr>
+                              <m:t>(</m:t>
+                            </m:r>
+                            <m:r>
+                              <m:rPr>
+                                <m:sty m:val="p"/>
+                              </m:rPr>
+                              <a:rPr lang="en-US" altLang="zh-TW" i="1">
+                                <a:latin typeface="Cambria Math" panose="02040503050406030204" pitchFamily="18" charset="0"/>
+                                <a:ea typeface="Cambria Math" panose="02040503050406030204" pitchFamily="18" charset="0"/>
+                              </a:rPr>
+                              <m:t>m</m:t>
+                            </m:r>
+                            <m:r>
+                              <a:rPr lang="en-US" altLang="zh-TW" i="1">
+                                <a:latin typeface="Cambria Math" panose="02040503050406030204" pitchFamily="18" charset="0"/>
+                                <a:ea typeface="Cambria Math" panose="02040503050406030204" pitchFamily="18" charset="0"/>
+                              </a:rPr>
+                              <m:t>)</m:t>
+                            </m:r>
+                          </m:den>
+                        </m:f>
+                      </m:e>
+                    </m:box>
+                  </m:oMath>
+                </a14:m>
+                <a:endParaRPr lang="en-US" altLang="zh-TW" dirty="0" smtClean="0"/>
+              </a:p>
+              <a:p>
+                <a:r>
+                  <a:rPr lang="zh-TW" altLang="en-US" dirty="0" smtClean="0"/>
+                  <a:t>試看看，自己規劃看看！</a:t>
+                </a:r>
+                <a:endParaRPr lang="en-US" altLang="zh-TW" dirty="0" smtClean="0"/>
+              </a:p>
+              <a:p>
+                <a:pPr lvl="1"/>
+                <a:r>
+                  <a:rPr lang="zh-TW" altLang="en-US" dirty="0"/>
+                  <a:t>輸入輸出畫面是甚麼</a:t>
+                </a:r>
+                <a:r>
+                  <a:rPr lang="zh-TW" altLang="en-US" dirty="0" smtClean="0"/>
+                  <a:t>？</a:t>
+                </a:r>
+                <a:endParaRPr lang="en-US" altLang="zh-TW" dirty="0" smtClean="0"/>
+              </a:p>
+              <a:p>
+                <a:pPr lvl="1"/>
+                <a:r>
+                  <a:rPr lang="zh-TW" altLang="en-US" dirty="0" smtClean="0"/>
+                  <a:t>運算的公式怎麼實現？</a:t>
+                </a:r>
+                <a:endParaRPr lang="en-US" altLang="zh-TW" dirty="0" smtClean="0"/>
+              </a:p>
+              <a:p>
+                <a:pPr lvl="1"/>
+                <a:r>
+                  <a:rPr lang="zh-TW" altLang="en-US" dirty="0"/>
+                  <a:t>最後記得輸入的單位要是公斤跟</a:t>
+                </a:r>
+                <a:r>
+                  <a:rPr lang="zh-TW" altLang="en-US" b="1" dirty="0">
+                    <a:solidFill>
+                      <a:srgbClr val="FF0000"/>
+                    </a:solidFill>
+                  </a:rPr>
+                  <a:t>公尺</a:t>
+                </a:r>
+                <a:r>
+                  <a:rPr lang="zh-TW" altLang="en-US" dirty="0"/>
+                  <a:t>喔！</a:t>
+                </a:r>
+              </a:p>
+            </p:txBody>
+          </p:sp>
+        </mc:Choice>
+        <mc:Fallback xmlns="">
+          <p:sp>
+            <p:nvSpPr>
+              <p:cNvPr id="3" name="內容版面配置區 2"/>
+              <p:cNvSpPr>
+                <a:spLocks noGrp="1" noRot="1" noChangeAspect="1" noMove="1" noResize="1" noEditPoints="1" noAdjustHandles="1" noChangeArrowheads="1" noChangeShapeType="1" noTextEdit="1"/>
+              </p:cNvSpPr>
+              <p:nvPr>
+                <p:ph idx="1"/>
+              </p:nvPr>
+            </p:nvSpPr>
+            <p:spPr>
+              <a:blipFill>
+                <a:blip r:embed="rId2"/>
+                <a:stretch>
+                  <a:fillRect l="-142" t="-942"/>
+                </a:stretch>
+              </a:blipFill>
+            </p:spPr>
+            <p:txBody>
+              <a:bodyPr/>
+              <a:lstStyle/>
+              <a:p>
+                <a:r>
+                  <a:rPr lang="zh-TW" altLang="en-US">
+                    <a:noFill/>
+                  </a:rPr>
+                  <a:t> </a:t>
+                </a:r>
+              </a:p>
+            </p:txBody>
+          </p:sp>
+        </mc:Fallback>
+      </mc:AlternateContent>
+    </p:spTree>
+    <p:extLst>
+      <p:ext uri="{BB962C8B-B14F-4D97-AF65-F5344CB8AC3E}">
+        <p14:creationId xmlns:p14="http://schemas.microsoft.com/office/powerpoint/2010/main" val="2806643183"/>
+      </p:ext>
+    </p:extLst>
+  </p:cSld>
+  <p:clrMapOvr>
+    <a:masterClrMapping/>
+  </p:clrMapOvr>
+  <p:timing>
+    <p:tnLst>
+      <p:par>
+        <p:cTn id="1" dur="indefinite" restart="never" nodeType="tmRoot"/>
+      </p:par>
+    </p:tnLst>
+  </p:timing>
+</p:sld>
+</file>
+
+<file path=ppt/slides/slide18.xml><?xml version="1.0" encoding="utf-8"?>
+<p:sld xmlns:a="http://schemas.openxmlformats.org/drawingml/2006/main" xmlns:r="http://schemas.openxmlformats.org/officeDocument/2006/relationships" xmlns:p="http://schemas.openxmlformats.org/presentationml/2006/main">
+  <p:cSld>
+    <p:spTree>
+      <p:nvGrpSpPr>
+        <p:cNvPr id="1" name=""/>
+        <p:cNvGrpSpPr/>
+        <p:nvPr/>
+      </p:nvGrpSpPr>
+      <p:grpSpPr>
+        <a:xfrm>
+          <a:off x="0" y="0"/>
+          <a:ext cx="0" cy="0"/>
+          <a:chOff x="0" y="0"/>
+          <a:chExt cx="0" cy="0"/>
+        </a:xfrm>
+      </p:grpSpPr>
+      <p:sp>
+        <p:nvSpPr>
+          <p:cNvPr id="4" name="標題 3"/>
+          <p:cNvSpPr>
+            <a:spLocks noGrp="1"/>
+          </p:cNvSpPr>
+          <p:nvPr>
+            <p:ph type="title"/>
+          </p:nvPr>
+        </p:nvSpPr>
+        <p:spPr/>
+        <p:txBody>
+          <a:bodyPr/>
+          <a:lstStyle/>
+          <a:p>
+            <a:r>
+              <a:rPr lang="zh-TW" altLang="en-US" dirty="0" smtClean="0"/>
+              <a:t>物件導向初探</a:t>
             </a:r>
             <a:endParaRPr lang="zh-TW" altLang="en-US" dirty="0"/>
           </a:p>
@@ -7974,7 +12471,110 @@
       </p:sp>
       <p:sp>
         <p:nvSpPr>
-          <p:cNvPr id="3" name="內容版面配置區 2"/>
+          <p:cNvPr id="5" name="文字版面配置區 4"/>
+          <p:cNvSpPr>
+            <a:spLocks noGrp="1"/>
+          </p:cNvSpPr>
+          <p:nvPr>
+            <p:ph type="body" idx="1"/>
+          </p:nvPr>
+        </p:nvSpPr>
+        <p:spPr/>
+        <p:txBody>
+          <a:bodyPr/>
+          <a:lstStyle/>
+          <a:p>
+            <a:r>
+              <a:rPr lang="zh-TW" altLang="en-US" dirty="0" smtClean="0"/>
+              <a:t>很粗淺的物件導向概念解說</a:t>
+            </a:r>
+            <a:endParaRPr lang="zh-TW" altLang="en-US" dirty="0"/>
+          </a:p>
+        </p:txBody>
+      </p:sp>
+    </p:spTree>
+    <p:extLst>
+      <p:ext uri="{BB962C8B-B14F-4D97-AF65-F5344CB8AC3E}">
+        <p14:creationId xmlns:p14="http://schemas.microsoft.com/office/powerpoint/2010/main" val="1545178772"/>
+      </p:ext>
+    </p:extLst>
+  </p:cSld>
+  <p:clrMapOvr>
+    <a:masterClrMapping/>
+  </p:clrMapOvr>
+  <p:timing>
+    <p:tnLst>
+      <p:par>
+        <p:cTn id="1" dur="indefinite" restart="never" nodeType="tmRoot"/>
+      </p:par>
+    </p:tnLst>
+  </p:timing>
+</p:sld>
+</file>
+
+<file path=ppt/slides/slide19.xml><?xml version="1.0" encoding="utf-8"?>
+<p:sld xmlns:a="http://schemas.openxmlformats.org/drawingml/2006/main" xmlns:r="http://schemas.openxmlformats.org/officeDocument/2006/relationships" xmlns:p="http://schemas.openxmlformats.org/presentationml/2006/main">
+  <p:cSld>
+    <p:spTree>
+      <p:nvGrpSpPr>
+        <p:cNvPr id="1" name=""/>
+        <p:cNvGrpSpPr/>
+        <p:nvPr/>
+      </p:nvGrpSpPr>
+      <p:grpSpPr>
+        <a:xfrm>
+          <a:off x="0" y="0"/>
+          <a:ext cx="0" cy="0"/>
+          <a:chOff x="0" y="0"/>
+          <a:chExt cx="0" cy="0"/>
+        </a:xfrm>
+      </p:grpSpPr>
+      <p:sp>
+        <p:nvSpPr>
+          <p:cNvPr id="4" name="標題 3"/>
+          <p:cNvSpPr>
+            <a:spLocks noGrp="1"/>
+          </p:cNvSpPr>
+          <p:nvPr>
+            <p:ph type="title"/>
+          </p:nvPr>
+        </p:nvSpPr>
+        <p:spPr/>
+        <p:txBody>
+          <a:bodyPr/>
+          <a:lstStyle/>
+          <a:p>
+            <a:r>
+              <a:rPr lang="zh-TW" altLang="en-US" dirty="0"/>
+              <a:t>物件導向初</a:t>
+            </a:r>
+            <a:r>
+              <a:rPr lang="zh-TW" altLang="en-US" dirty="0" smtClean="0"/>
+              <a:t>探 </a:t>
+            </a:r>
+            <a:r>
+              <a:rPr lang="en-US" altLang="zh-TW" dirty="0" smtClean="0"/>
+              <a:t>-- </a:t>
+            </a:r>
+            <a:r>
+              <a:rPr lang="zh-TW" altLang="en-US" dirty="0" smtClean="0">
+                <a:solidFill>
+                  <a:srgbClr val="C00000"/>
+                </a:solidFill>
+              </a:rPr>
+              <a:t>類別</a:t>
+            </a:r>
+            <a:endParaRPr lang="zh-TW" altLang="en-US" dirty="0">
+              <a:solidFill>
+                <a:srgbClr val="C00000"/>
+              </a:solidFill>
+            </a:endParaRPr>
+          </a:p>
+        </p:txBody>
+      </p:sp>
+      <p:sp>
+        <p:nvSpPr>
+          <p:cNvPr id="5" name="內容版面配置區 4"/>
           <p:cNvSpPr>
             <a:spLocks noGrp="1"/>
           </p:cNvSpPr>
@@ -7984,288 +12584,182 @@
         </p:nvSpPr>
         <p:spPr/>
         <p:txBody>
-          <a:bodyPr>
-            <a:normAutofit lnSpcReduction="10000"/>
-          </a:bodyPr>
+          <a:bodyPr/>
           <a:lstStyle/>
           <a:p>
             <a:r>
-              <a:rPr lang="zh-TW" altLang="en-US" b="1" dirty="0" smtClean="0"/>
-              <a:t>有甚麼屬性？</a:t>
-            </a:r>
-            <a:endParaRPr lang="en-US" altLang="zh-TW" b="1" dirty="0" smtClean="0"/>
-          </a:p>
-          <a:p>
-            <a:pPr lvl="1"/>
+              <a:rPr lang="zh-TW" altLang="en-US" dirty="0" smtClean="0"/>
+              <a:t>類別就像是規格書</a:t>
+            </a:r>
+            <a:endParaRPr lang="en-US" altLang="zh-TW" dirty="0" smtClean="0"/>
+          </a:p>
+          <a:p>
+            <a:r>
+              <a:rPr lang="zh-TW" altLang="en-US" dirty="0" smtClean="0"/>
+              <a:t>描述一個產品的各種特性</a:t>
+            </a:r>
+            <a:r>
+              <a:rPr lang="en-US" altLang="zh-TW" dirty="0" smtClean="0"/>
+              <a:t>(</a:t>
+            </a:r>
+            <a:r>
+              <a:rPr lang="zh-TW" altLang="en-US" b="1" dirty="0" smtClean="0">
+                <a:solidFill>
+                  <a:srgbClr val="C00000"/>
+                </a:solidFill>
+              </a:rPr>
+              <a:t>屬性</a:t>
+            </a:r>
+            <a:r>
+              <a:rPr lang="en-US" altLang="zh-TW" dirty="0" smtClean="0"/>
+              <a:t>)</a:t>
+            </a:r>
+            <a:r>
+              <a:rPr lang="zh-TW" altLang="en-US" dirty="0" smtClean="0"/>
+              <a:t>，例如外觀、重量、尺寸、價格</a:t>
+            </a:r>
+            <a:r>
+              <a:rPr lang="en-US" altLang="zh-TW" dirty="0" smtClean="0"/>
+              <a:t>…..</a:t>
+            </a:r>
+          </a:p>
+          <a:p>
             <a:r>
               <a:rPr lang="zh-TW" altLang="en-US" dirty="0"/>
-              <a:t>類似於變數，</a:t>
+              <a:t>描述一個產品的</a:t>
             </a:r>
             <a:r>
               <a:rPr lang="zh-TW" altLang="en-US" dirty="0" smtClean="0"/>
-              <a:t>存放該物件</a:t>
+              <a:t>操作方法</a:t>
+            </a:r>
+            <a:r>
+              <a:rPr lang="en-US" altLang="zh-TW" dirty="0" smtClean="0"/>
+              <a:t>(</a:t>
+            </a:r>
+            <a:r>
+              <a:rPr lang="zh-TW" altLang="en-US" b="1" dirty="0" smtClean="0">
+                <a:solidFill>
+                  <a:srgbClr val="C00000"/>
+                </a:solidFill>
+              </a:rPr>
+              <a:t>方法</a:t>
+            </a:r>
+            <a:r>
+              <a:rPr lang="en-US" altLang="zh-TW" dirty="0" smtClean="0"/>
+              <a:t>)</a:t>
+            </a:r>
+            <a:r>
+              <a:rPr lang="zh-TW" altLang="en-US" dirty="0" smtClean="0"/>
+              <a:t>，例如汽車的發動、關閉、前進、後退、轉彎</a:t>
+            </a:r>
+            <a:r>
+              <a:rPr lang="en-US" altLang="zh-TW" dirty="0" smtClean="0"/>
+              <a:t>….</a:t>
+            </a:r>
+          </a:p>
+          <a:p>
+            <a:r>
+              <a:rPr lang="zh-TW" altLang="en-US" dirty="0" smtClean="0"/>
+              <a:t>透過規格書，我們知道某類東西的各種特性與操作方法，但是</a:t>
             </a:r>
             <a:r>
               <a:rPr lang="zh-TW" altLang="en-US" dirty="0"/>
-              <a:t>特有的資訊</a:t>
+              <a:t>汽車</a:t>
+            </a:r>
+            <a:r>
+              <a:rPr lang="zh-TW" altLang="en-US" dirty="0" smtClean="0"/>
+              <a:t>規格書不是真的汽車，我們</a:t>
+            </a:r>
+            <a:r>
+              <a:rPr lang="zh-TW" altLang="en-US" dirty="0" smtClean="0">
+                <a:solidFill>
+                  <a:srgbClr val="C00000"/>
+                </a:solidFill>
+              </a:rPr>
+              <a:t>沒辦法</a:t>
+            </a:r>
+            <a:r>
+              <a:rPr lang="en-US" altLang="zh-TW" dirty="0" smtClean="0">
+                <a:solidFill>
+                  <a:srgbClr val="C00000"/>
+                </a:solidFill>
+              </a:rPr>
+              <a:t>”</a:t>
+            </a:r>
+            <a:r>
+              <a:rPr lang="zh-TW" altLang="en-US" dirty="0" smtClean="0">
+                <a:solidFill>
+                  <a:srgbClr val="C00000"/>
+                </a:solidFill>
+              </a:rPr>
+              <a:t>駕駛汽車規格書</a:t>
+            </a:r>
+            <a:r>
+              <a:rPr lang="en-US" altLang="zh-TW" dirty="0" smtClean="0">
+                <a:solidFill>
+                  <a:srgbClr val="C00000"/>
+                </a:solidFill>
+              </a:rPr>
+              <a:t>”</a:t>
+            </a:r>
+            <a:r>
+              <a:rPr lang="zh-TW" altLang="en-US" dirty="0" smtClean="0"/>
+              <a:t>！</a:t>
+            </a:r>
+            <a:endParaRPr lang="en-US" altLang="zh-TW" dirty="0" smtClean="0"/>
+          </a:p>
+          <a:p>
+            <a:r>
+              <a:rPr lang="zh-TW" altLang="en-US" dirty="0"/>
+              <a:t>有了規格書，必須要依照規格書去生產</a:t>
+            </a:r>
+            <a:r>
+              <a:rPr lang="zh-TW" altLang="en-US" dirty="0" smtClean="0"/>
+              <a:t>製造出真的產品，例如生產出一台汽車。</a:t>
+            </a:r>
+            <a:endParaRPr lang="en-US" altLang="zh-TW" dirty="0" smtClean="0"/>
+          </a:p>
+          <a:p>
+            <a:r>
+              <a:rPr lang="zh-TW" altLang="en-US" dirty="0"/>
+              <a:t>我們才可以開真的汽車，而</a:t>
+            </a:r>
+            <a:r>
+              <a:rPr lang="zh-TW" altLang="en-US" dirty="0" smtClean="0"/>
+              <a:t>不是</a:t>
+            </a:r>
+            <a:r>
+              <a:rPr lang="en-US" altLang="zh-TW" dirty="0" smtClean="0"/>
+              <a:t>”</a:t>
+            </a:r>
+            <a:r>
+              <a:rPr lang="zh-TW" altLang="en-US" dirty="0" smtClean="0"/>
+              <a:t>駕駛</a:t>
+            </a:r>
+            <a:r>
+              <a:rPr lang="zh-TW" altLang="en-US" dirty="0"/>
+              <a:t>規格</a:t>
+            </a:r>
+            <a:r>
+              <a:rPr lang="zh-TW" altLang="en-US" dirty="0" smtClean="0"/>
+              <a:t>書</a:t>
+            </a:r>
+            <a:r>
+              <a:rPr lang="en-US" altLang="zh-TW" dirty="0" smtClean="0"/>
+              <a:t>”</a:t>
             </a:r>
             <a:r>
               <a:rPr lang="zh-TW" altLang="en-US" dirty="0" smtClean="0"/>
               <a:t>。</a:t>
             </a:r>
-            <a:endParaRPr lang="en-US" altLang="zh-TW" dirty="0" smtClean="0"/>
-          </a:p>
-          <a:p>
-            <a:pPr lvl="1"/>
-            <a:r>
-              <a:rPr lang="zh-TW" altLang="en-US" dirty="0"/>
-              <a:t>每一物件皆有獨立的屬性，存放在獨立的記憶體中，不重複。</a:t>
-            </a:r>
-            <a:endParaRPr lang="en-US" altLang="zh-TW" dirty="0" smtClean="0"/>
-          </a:p>
-          <a:p>
-            <a:r>
-              <a:rPr lang="zh-TW" altLang="en-US" b="1" dirty="0"/>
-              <a:t>有甚麼方法</a:t>
-            </a:r>
-            <a:r>
-              <a:rPr lang="zh-TW" altLang="en-US" b="1" dirty="0" smtClean="0"/>
-              <a:t>？</a:t>
-            </a:r>
-            <a:endParaRPr lang="en-US" altLang="zh-TW" b="1" dirty="0" smtClean="0"/>
-          </a:p>
-          <a:p>
-            <a:pPr lvl="1"/>
-            <a:r>
-              <a:rPr lang="zh-TW" altLang="en-US" dirty="0" smtClean="0"/>
-              <a:t>就是可以對物件下的指令</a:t>
-            </a:r>
-            <a:endParaRPr lang="en-US" altLang="zh-TW" dirty="0" smtClean="0"/>
-          </a:p>
-          <a:p>
-            <a:pPr lvl="1"/>
-            <a:r>
-              <a:rPr lang="zh-TW" altLang="en-US" dirty="0" smtClean="0"/>
-              <a:t>方法的名稱、參數、傳回值</a:t>
-            </a:r>
-            <a:r>
-              <a:rPr lang="en-US" altLang="zh-TW" dirty="0" smtClean="0"/>
-              <a:t>(</a:t>
-            </a:r>
-            <a:r>
-              <a:rPr lang="zh-TW" altLang="en-US" dirty="0" smtClean="0"/>
-              <a:t>結果</a:t>
-            </a:r>
-            <a:r>
-              <a:rPr lang="en-US" altLang="zh-TW" dirty="0" smtClean="0"/>
-              <a:t>)</a:t>
-            </a:r>
-          </a:p>
-          <a:p>
-            <a:r>
-              <a:rPr lang="zh-TW" altLang="en-US" b="1" dirty="0"/>
-              <a:t>會產生甚麼事件</a:t>
-            </a:r>
-            <a:r>
-              <a:rPr lang="zh-TW" altLang="en-US" b="1" dirty="0" smtClean="0"/>
-              <a:t>？</a:t>
-            </a:r>
-            <a:endParaRPr lang="en-US" altLang="zh-TW" b="1" dirty="0" smtClean="0"/>
-          </a:p>
-          <a:p>
-            <a:pPr lvl="1"/>
-            <a:r>
-              <a:rPr lang="zh-TW" altLang="en-US" dirty="0"/>
-              <a:t>執行過程物件會主動發布甚麼</a:t>
-            </a:r>
-            <a:r>
-              <a:rPr lang="zh-TW" altLang="en-US" dirty="0" smtClean="0"/>
-              <a:t>事件</a:t>
-            </a:r>
-            <a:endParaRPr lang="en-US" altLang="zh-TW" dirty="0" smtClean="0"/>
-          </a:p>
-          <a:p>
-            <a:pPr lvl="1"/>
-            <a:r>
-              <a:rPr lang="zh-TW" altLang="en-US" dirty="0"/>
-              <a:t>這些事件誰要</a:t>
-            </a:r>
-            <a:r>
-              <a:rPr lang="zh-TW" altLang="en-US" dirty="0" smtClean="0"/>
-              <a:t>聽，就是</a:t>
-            </a:r>
-            <a:r>
-              <a:rPr lang="zh-TW" altLang="en-US" dirty="0"/>
-              <a:t>在物件發出後要處理他</a:t>
-            </a:r>
-            <a:r>
-              <a:rPr lang="zh-TW" altLang="en-US" dirty="0" smtClean="0"/>
-              <a:t>。</a:t>
-            </a:r>
-            <a:endParaRPr lang="en-US" altLang="zh-TW" dirty="0" smtClean="0"/>
-          </a:p>
-          <a:p>
-            <a:pPr lvl="1"/>
-            <a:r>
-              <a:rPr lang="zh-TW" altLang="en-US" dirty="0"/>
-              <a:t>仿真實</a:t>
-            </a:r>
-            <a:r>
-              <a:rPr lang="zh-TW" altLang="en-US" dirty="0" smtClean="0"/>
-              <a:t>世界，是一連串的事件影響彼此，同步運行。也像舞台劇或電視劇，一個事件導致另一個事件。</a:t>
-            </a:r>
             <a:endParaRPr lang="zh-TW" altLang="en-US" dirty="0"/>
           </a:p>
         </p:txBody>
       </p:sp>
-      <p:grpSp>
-        <p:nvGrpSpPr>
-          <p:cNvPr id="4" name="群組 3"/>
-          <p:cNvGrpSpPr/>
-          <p:nvPr/>
-        </p:nvGrpSpPr>
-        <p:grpSpPr>
-          <a:xfrm>
-            <a:off x="7346251" y="1763458"/>
-            <a:ext cx="4439031" cy="3038475"/>
-            <a:chOff x="2408491" y="1214818"/>
-            <a:chExt cx="4439031" cy="3038475"/>
-          </a:xfrm>
-        </p:grpSpPr>
-        <p:pic>
-          <p:nvPicPr>
-            <p:cNvPr id="5" name="圖片 4"/>
-            <p:cNvPicPr>
-              <a:picLocks noChangeAspect="1"/>
-            </p:cNvPicPr>
-            <p:nvPr/>
-          </p:nvPicPr>
-          <p:blipFill>
-            <a:blip r:embed="rId2"/>
-            <a:stretch>
-              <a:fillRect/>
-            </a:stretch>
-          </p:blipFill>
-          <p:spPr>
-            <a:xfrm>
-              <a:off x="2408491" y="1214818"/>
-              <a:ext cx="2181225" cy="3038475"/>
-            </a:xfrm>
-            <a:prstGeom prst="rect">
-              <a:avLst/>
-            </a:prstGeom>
-          </p:spPr>
-        </p:pic>
-        <p:pic>
-          <p:nvPicPr>
-            <p:cNvPr id="6" name="圖片 5"/>
-            <p:cNvPicPr>
-              <a:picLocks noChangeAspect="1"/>
-            </p:cNvPicPr>
-            <p:nvPr/>
-          </p:nvPicPr>
-          <p:blipFill>
-            <a:blip r:embed="rId3"/>
-            <a:stretch>
-              <a:fillRect/>
-            </a:stretch>
-          </p:blipFill>
-          <p:spPr>
-            <a:xfrm>
-              <a:off x="4704397" y="1219580"/>
-              <a:ext cx="2143125" cy="3028950"/>
-            </a:xfrm>
-            <a:prstGeom prst="rect">
-              <a:avLst/>
-            </a:prstGeom>
-          </p:spPr>
-        </p:pic>
-        <p:pic>
-          <p:nvPicPr>
-            <p:cNvPr id="7" name="圖片 6"/>
-            <p:cNvPicPr>
-              <a:picLocks noChangeAspect="1"/>
-            </p:cNvPicPr>
-            <p:nvPr/>
-          </p:nvPicPr>
-          <p:blipFill>
-            <a:blip r:embed="rId4">
-              <a:extLst>
-                <a:ext uri="{BEBA8EAE-BF5A-486C-A8C5-ECC9F3942E4B}">
-                  <a14:imgProps xmlns:a14="http://schemas.microsoft.com/office/drawing/2010/main">
-                    <a14:imgLayer r:embed="rId5">
-                      <a14:imgEffect>
-                        <a14:backgroundRemoval t="0" b="100000" l="0" r="100000">
-                          <a14:foregroundMark x1="45789" y1="97186" x2="45789" y2="97186"/>
-                          <a14:foregroundMark x1="70000" y1="94747" x2="70000" y2="94747"/>
-                          <a14:foregroundMark x1="37895" y1="94559" x2="37895" y2="94559"/>
-                          <a14:foregroundMark x1="49474" y1="5629" x2="49474" y2="5629"/>
-                          <a14:foregroundMark x1="60000" y1="20075" x2="60000" y2="20075"/>
-                          <a14:foregroundMark x1="35789" y1="20075" x2="35789" y2="20075"/>
-                          <a14:foregroundMark x1="36842" y1="18199" x2="36842" y2="18199"/>
-                          <a14:foregroundMark x1="59474" y1="18574" x2="59474" y2="18574"/>
-                        </a14:backgroundRemoval>
-                      </a14:imgEffect>
-                    </a14:imgLayer>
-                  </a14:imgProps>
-                </a:ext>
-              </a:extLst>
-            </a:blip>
-            <a:stretch>
-              <a:fillRect/>
-            </a:stretch>
-          </p:blipFill>
-          <p:spPr>
-            <a:xfrm>
-              <a:off x="3712464" y="2630615"/>
-              <a:ext cx="569205" cy="1596770"/>
-            </a:xfrm>
-            <a:prstGeom prst="rect">
-              <a:avLst/>
-            </a:prstGeom>
-          </p:spPr>
-        </p:pic>
-        <p:pic>
-          <p:nvPicPr>
-            <p:cNvPr id="8" name="圖片 7"/>
-            <p:cNvPicPr>
-              <a:picLocks noChangeAspect="1"/>
-            </p:cNvPicPr>
-            <p:nvPr/>
-          </p:nvPicPr>
-          <p:blipFill>
-            <a:blip r:embed="rId6">
-              <a:extLst>
-                <a:ext uri="{BEBA8EAE-BF5A-486C-A8C5-ECC9F3942E4B}">
-                  <a14:imgProps xmlns:a14="http://schemas.microsoft.com/office/drawing/2010/main">
-                    <a14:imgLayer r:embed="rId7">
-                      <a14:imgEffect>
-                        <a14:backgroundRemoval t="0" b="100000" l="0" r="100000"/>
-                      </a14:imgEffect>
-                    </a14:imgLayer>
-                  </a14:imgProps>
-                </a:ext>
-              </a:extLst>
-            </a:blip>
-            <a:stretch>
-              <a:fillRect/>
-            </a:stretch>
-          </p:blipFill>
-          <p:spPr>
-            <a:xfrm>
-              <a:off x="4589716" y="2683859"/>
-              <a:ext cx="745352" cy="1564671"/>
-            </a:xfrm>
-            <a:prstGeom prst="rect">
-              <a:avLst/>
-            </a:prstGeom>
-          </p:spPr>
-        </p:pic>
-      </p:grpSp>
     </p:spTree>
     <p:extLst>
       <p:ext uri="{BB962C8B-B14F-4D97-AF65-F5344CB8AC3E}">
-        <p14:creationId xmlns:p14="http://schemas.microsoft.com/office/powerpoint/2010/main" val="3021224299"/>
+        <p14:creationId xmlns:p14="http://schemas.microsoft.com/office/powerpoint/2010/main" val="4016429832"/>
       </p:ext>
     </p:extLst>
   </p:cSld>
@@ -8343,7 +12837,23 @@
                   <a:srgbClr val="C00000"/>
                 </a:solidFill>
               </a:rPr>
-              <a:t>程式一堆是依特定順序執行的指令</a:t>
+              <a:t>程式一堆是依</a:t>
+            </a:r>
+            <a:r>
+              <a:rPr lang="zh-TW" altLang="en-US" sz="2800" b="1" u="sng" dirty="0" smtClean="0">
+                <a:solidFill>
+                  <a:srgbClr val="C00000"/>
+                </a:solidFill>
+              </a:rPr>
+              <a:t>特定順序</a:t>
+            </a:r>
+            <a:r>
+              <a:rPr lang="zh-TW" altLang="en-US" sz="2800" b="1" dirty="0" smtClean="0">
+                <a:solidFill>
+                  <a:srgbClr val="C00000"/>
+                </a:solidFill>
+              </a:rPr>
+              <a:t>執行的指令</a:t>
             </a:r>
             <a:endParaRPr lang="en-US" altLang="zh-TW" sz="2800" b="1" dirty="0" smtClean="0">
               <a:solidFill>
@@ -8354,7 +12864,7 @@
           <a:p>
             <a:r>
               <a:rPr lang="zh-TW" altLang="en-US" dirty="0" smtClean="0"/>
-              <a:t>程式是一行接著一行依序執行的。</a:t>
+              <a:t>程式是遵守某種順序一行接著一行依序執行的。</a:t>
             </a:r>
             <a:endParaRPr lang="en-US" altLang="zh-TW" dirty="0" smtClean="0"/>
           </a:p>
@@ -8383,7 +12893,15 @@
             </a:r>
             <a:r>
               <a:rPr lang="zh-TW" altLang="en-US" dirty="0" smtClean="0"/>
-              <a:t>錯誤，他就是執行錯誤！</a:t>
+              <a:t>錯誤，他就是</a:t>
+            </a:r>
+            <a:r>
+              <a:rPr lang="zh-TW" altLang="en-US" b="1" dirty="0" smtClean="0"/>
+              <a:t>執行錯誤</a:t>
+            </a:r>
+            <a:r>
+              <a:rPr lang="zh-TW" altLang="en-US" dirty="0" smtClean="0"/>
+              <a:t>！</a:t>
             </a:r>
             <a:endParaRPr lang="en-US" altLang="zh-TW" dirty="0" smtClean="0"/>
           </a:p>
@@ -8970,7 +13488,1479 @@
 </p:sld>
 </file>
 
+<file path=ppt/slides/slide20.xml><?xml version="1.0" encoding="utf-8"?>
+<p:sld xmlns:a="http://schemas.openxmlformats.org/drawingml/2006/main" xmlns:r="http://schemas.openxmlformats.org/officeDocument/2006/relationships" xmlns:p="http://schemas.openxmlformats.org/presentationml/2006/main">
+  <p:cSld>
+    <p:spTree>
+      <p:nvGrpSpPr>
+        <p:cNvPr id="1" name=""/>
+        <p:cNvGrpSpPr/>
+        <p:nvPr/>
+      </p:nvGrpSpPr>
+      <p:grpSpPr>
+        <a:xfrm>
+          <a:off x="0" y="0"/>
+          <a:ext cx="0" cy="0"/>
+          <a:chOff x="0" y="0"/>
+          <a:chExt cx="0" cy="0"/>
+        </a:xfrm>
+      </p:grpSpPr>
+      <p:sp>
+        <p:nvSpPr>
+          <p:cNvPr id="2" name="標題 1"/>
+          <p:cNvSpPr>
+            <a:spLocks noGrp="1"/>
+          </p:cNvSpPr>
+          <p:nvPr>
+            <p:ph type="title"/>
+          </p:nvPr>
+        </p:nvSpPr>
+        <p:spPr/>
+        <p:txBody>
+          <a:bodyPr/>
+          <a:lstStyle/>
+          <a:p>
+            <a:r>
+              <a:rPr lang="zh-TW" altLang="en-US" dirty="0"/>
+              <a:t>物件導向初探 </a:t>
+            </a:r>
+            <a:r>
+              <a:rPr lang="en-US" altLang="zh-TW" dirty="0"/>
+              <a:t>--</a:t>
+            </a:r>
+            <a:r>
+              <a:rPr lang="zh-TW" altLang="en-US" dirty="0" smtClean="0">
+                <a:solidFill>
+                  <a:srgbClr val="C00000"/>
+                </a:solidFill>
+              </a:rPr>
+              <a:t>物件</a:t>
+            </a:r>
+            <a:endParaRPr lang="zh-TW" altLang="en-US" dirty="0">
+              <a:solidFill>
+                <a:srgbClr val="C00000"/>
+              </a:solidFill>
+            </a:endParaRPr>
+          </a:p>
+        </p:txBody>
+      </p:sp>
+      <p:sp>
+        <p:nvSpPr>
+          <p:cNvPr id="3" name="內容版面配置區 2"/>
+          <p:cNvSpPr>
+            <a:spLocks noGrp="1"/>
+          </p:cNvSpPr>
+          <p:nvPr>
+            <p:ph idx="1"/>
+          </p:nvPr>
+        </p:nvSpPr>
+        <p:spPr/>
+        <p:txBody>
+          <a:bodyPr/>
+          <a:lstStyle/>
+          <a:p>
+            <a:r>
+              <a:rPr lang="zh-TW" altLang="en-US" dirty="0" smtClean="0"/>
+              <a:t>依照規格書去生產出產品，這個產品就是</a:t>
+            </a:r>
+            <a:r>
+              <a:rPr lang="zh-TW" altLang="en-US" sz="2800" b="1" dirty="0" smtClean="0">
+                <a:solidFill>
+                  <a:srgbClr val="C00000"/>
+                </a:solidFill>
+              </a:rPr>
+              <a:t>物件</a:t>
+            </a:r>
+            <a:r>
+              <a:rPr lang="zh-TW" altLang="en-US" dirty="0" smtClean="0"/>
+              <a:t>！</a:t>
+            </a:r>
+            <a:endParaRPr lang="en-US" altLang="zh-TW" dirty="0" smtClean="0"/>
+          </a:p>
+          <a:p>
+            <a:r>
+              <a:rPr lang="zh-TW" altLang="en-US" dirty="0" smtClean="0"/>
+              <a:t>例如依照汽車規格</a:t>
+            </a:r>
+            <a:r>
+              <a:rPr lang="zh-TW" altLang="en-US" dirty="0"/>
+              <a:t>書去生產製造出</a:t>
+            </a:r>
+            <a:r>
+              <a:rPr lang="zh-TW" altLang="en-US" dirty="0" smtClean="0"/>
+              <a:t>真的一台汽車，這台車才是我們可以真的操作的物件</a:t>
+            </a:r>
+            <a:endParaRPr lang="en-US" altLang="zh-TW" dirty="0" smtClean="0"/>
+          </a:p>
+          <a:p>
+            <a:r>
+              <a:rPr lang="zh-TW" altLang="en-US" dirty="0"/>
+              <a:t>前面練習中的程式碼</a:t>
+            </a:r>
+            <a:r>
+              <a:rPr lang="zh-TW" altLang="en-US" dirty="0" smtClean="0"/>
+              <a:t>：</a:t>
+            </a:r>
+            <a:endParaRPr lang="en-US" altLang="zh-TW" dirty="0" smtClean="0"/>
+          </a:p>
+          <a:p>
+            <a:r>
+              <a:rPr lang="zh-TW" altLang="en-US" dirty="0"/>
+              <a:t>這行程式就是告訴</a:t>
+            </a:r>
+            <a:r>
+              <a:rPr lang="zh-TW" altLang="en-US" dirty="0" smtClean="0"/>
+              <a:t>電腦，我要依照</a:t>
+            </a:r>
+            <a:r>
+              <a:rPr lang="en-US" altLang="zh-TW" dirty="0" smtClean="0"/>
+              <a:t>Scanner</a:t>
+            </a:r>
+            <a:r>
+              <a:rPr lang="zh-TW" altLang="en-US" dirty="0" smtClean="0"/>
+              <a:t>這個類別</a:t>
+            </a:r>
+            <a:r>
+              <a:rPr lang="en-US" altLang="zh-TW" dirty="0" smtClean="0"/>
+              <a:t>(</a:t>
+            </a:r>
+            <a:r>
+              <a:rPr lang="zh-TW" altLang="en-US" dirty="0" smtClean="0"/>
+              <a:t>規格書</a:t>
+            </a:r>
+            <a:r>
+              <a:rPr lang="en-US" altLang="zh-TW" dirty="0" smtClean="0"/>
+              <a:t>)</a:t>
+            </a:r>
+            <a:r>
+              <a:rPr lang="zh-TW" altLang="en-US" dirty="0" smtClean="0"/>
+              <a:t>去製造一個物件，這個物件叫做</a:t>
+            </a:r>
+            <a:r>
+              <a:rPr lang="en-US" altLang="zh-TW" dirty="0" err="1" smtClean="0">
+                <a:solidFill>
+                  <a:srgbClr val="C00000"/>
+                </a:solidFill>
+              </a:rPr>
+              <a:t>sc</a:t>
+            </a:r>
+            <a:r>
+              <a:rPr lang="zh-TW" altLang="en-US" dirty="0" smtClean="0"/>
+              <a:t>。</a:t>
+            </a:r>
+            <a:endParaRPr lang="en-US" altLang="zh-TW" dirty="0" smtClean="0"/>
+          </a:p>
+          <a:p>
+            <a:r>
+              <a:rPr lang="en-US" altLang="zh-TW" dirty="0" err="1" smtClean="0">
+                <a:solidFill>
+                  <a:srgbClr val="C00000"/>
+                </a:solidFill>
+              </a:rPr>
+              <a:t>sc</a:t>
+            </a:r>
+            <a:r>
+              <a:rPr lang="zh-TW" altLang="en-US" dirty="0" smtClean="0"/>
+              <a:t>就是我們可以操作的</a:t>
+            </a:r>
+            <a:r>
+              <a:rPr lang="en-US" altLang="zh-TW" dirty="0" smtClean="0"/>
+              <a:t>Scanner</a:t>
+            </a:r>
+            <a:r>
+              <a:rPr lang="zh-TW" altLang="en-US" dirty="0" smtClean="0"/>
+              <a:t>物件了！</a:t>
+            </a:r>
+            <a:endParaRPr lang="en-US" altLang="zh-TW" dirty="0" smtClean="0"/>
+          </a:p>
+          <a:p>
+            <a:r>
+              <a:rPr lang="zh-TW" altLang="en-US" dirty="0" smtClean="0"/>
+              <a:t>所以後面的程式碼才能使用</a:t>
+            </a:r>
+            <a:r>
+              <a:rPr lang="en-US" altLang="zh-TW" dirty="0" err="1" smtClean="0"/>
+              <a:t>sc</a:t>
+            </a:r>
+            <a:r>
+              <a:rPr lang="zh-TW" altLang="en-US" dirty="0" smtClean="0"/>
+              <a:t>去做輸入。</a:t>
+            </a:r>
+            <a:endParaRPr lang="en-US" altLang="zh-TW" dirty="0"/>
+          </a:p>
+          <a:p>
+            <a:pPr marL="0" indent="0">
+              <a:buNone/>
+            </a:pPr>
+            <a:r>
+              <a:rPr lang="en-US" altLang="zh-TW" dirty="0" smtClean="0"/>
+              <a:t>										</a:t>
+            </a:r>
+            <a:r>
+              <a:rPr lang="zh-TW" altLang="en-US" i="1" dirty="0" smtClean="0"/>
+              <a:t>叫</a:t>
+            </a:r>
+            <a:r>
+              <a:rPr lang="en-US" altLang="zh-TW" i="1" dirty="0" err="1" smtClean="0"/>
+              <a:t>sc</a:t>
+            </a:r>
+            <a:r>
+              <a:rPr lang="zh-TW" altLang="en-US" i="1" dirty="0" smtClean="0"/>
+              <a:t>這個物件去做</a:t>
+            </a:r>
+            <a:r>
+              <a:rPr lang="en-US" altLang="zh-TW" i="1" dirty="0" err="1" smtClean="0"/>
+              <a:t>nextInt</a:t>
+            </a:r>
+            <a:r>
+              <a:rPr lang="en-US" altLang="zh-TW" i="1" dirty="0" smtClean="0"/>
+              <a:t>()</a:t>
+            </a:r>
+            <a:r>
+              <a:rPr lang="zh-TW" altLang="en-US" i="1" dirty="0" smtClean="0"/>
+              <a:t>的方法。</a:t>
+            </a:r>
+            <a:endParaRPr lang="zh-TW" altLang="en-US" i="1" dirty="0"/>
+          </a:p>
+        </p:txBody>
+      </p:sp>
+      <p:pic>
+        <p:nvPicPr>
+          <p:cNvPr id="5" name="圖片 4"/>
+          <p:cNvPicPr>
+            <a:picLocks noChangeAspect="1"/>
+          </p:cNvPicPr>
+          <p:nvPr/>
+        </p:nvPicPr>
+        <p:blipFill>
+          <a:blip r:embed="rId2"/>
+          <a:stretch>
+            <a:fillRect/>
+          </a:stretch>
+        </p:blipFill>
+        <p:spPr>
+          <a:xfrm>
+            <a:off x="3409950" y="3346793"/>
+            <a:ext cx="5372100" cy="409575"/>
+          </a:xfrm>
+          <a:prstGeom prst="rect">
+            <a:avLst/>
+          </a:prstGeom>
+        </p:spPr>
+      </p:pic>
+      <p:pic>
+        <p:nvPicPr>
+          <p:cNvPr id="6" name="圖片 5"/>
+          <p:cNvPicPr>
+            <a:picLocks noChangeAspect="1"/>
+          </p:cNvPicPr>
+          <p:nvPr/>
+        </p:nvPicPr>
+        <p:blipFill>
+          <a:blip r:embed="rId3"/>
+          <a:stretch>
+            <a:fillRect/>
+          </a:stretch>
+        </p:blipFill>
+        <p:spPr>
+          <a:xfrm>
+            <a:off x="5293233" y="4830732"/>
+            <a:ext cx="2876550" cy="361950"/>
+          </a:xfrm>
+          <a:prstGeom prst="rect">
+            <a:avLst/>
+          </a:prstGeom>
+        </p:spPr>
+      </p:pic>
+    </p:spTree>
+    <p:extLst>
+      <p:ext uri="{BB962C8B-B14F-4D97-AF65-F5344CB8AC3E}">
+        <p14:creationId xmlns:p14="http://schemas.microsoft.com/office/powerpoint/2010/main" val="1814296937"/>
+      </p:ext>
+    </p:extLst>
+  </p:cSld>
+  <p:clrMapOvr>
+    <a:masterClrMapping/>
+  </p:clrMapOvr>
+  <p:timing>
+    <p:tnLst>
+      <p:par>
+        <p:cTn id="1" dur="indefinite" restart="never" nodeType="tmRoot"/>
+      </p:par>
+    </p:tnLst>
+  </p:timing>
+</p:sld>
+</file>
+
+<file path=ppt/slides/slide21.xml><?xml version="1.0" encoding="utf-8"?>
+<p:sld xmlns:a="http://schemas.openxmlformats.org/drawingml/2006/main" xmlns:r="http://schemas.openxmlformats.org/officeDocument/2006/relationships" xmlns:p="http://schemas.openxmlformats.org/presentationml/2006/main">
+  <p:cSld>
+    <p:spTree>
+      <p:nvGrpSpPr>
+        <p:cNvPr id="1" name=""/>
+        <p:cNvGrpSpPr/>
+        <p:nvPr/>
+      </p:nvGrpSpPr>
+      <p:grpSpPr>
+        <a:xfrm>
+          <a:off x="0" y="0"/>
+          <a:ext cx="0" cy="0"/>
+          <a:chOff x="0" y="0"/>
+          <a:chExt cx="0" cy="0"/>
+        </a:xfrm>
+      </p:grpSpPr>
+      <p:sp>
+        <p:nvSpPr>
+          <p:cNvPr id="2" name="標題 1"/>
+          <p:cNvSpPr>
+            <a:spLocks noGrp="1"/>
+          </p:cNvSpPr>
+          <p:nvPr>
+            <p:ph type="title"/>
+          </p:nvPr>
+        </p:nvSpPr>
+        <p:spPr/>
+        <p:txBody>
+          <a:bodyPr/>
+          <a:lstStyle/>
+          <a:p>
+            <a:r>
+              <a:rPr lang="zh-TW" altLang="en-US" dirty="0"/>
+              <a:t>物件導向初</a:t>
+            </a:r>
+            <a:r>
+              <a:rPr lang="zh-TW" altLang="en-US" dirty="0" smtClean="0"/>
+              <a:t>探</a:t>
+            </a:r>
+            <a:r>
+              <a:rPr lang="en-US" altLang="zh-TW" dirty="0" smtClean="0"/>
+              <a:t/>
+            </a:r>
+            <a:br>
+              <a:rPr lang="en-US" altLang="zh-TW" dirty="0" smtClean="0"/>
+            </a:br>
+            <a:r>
+              <a:rPr lang="zh-TW" altLang="en-US" dirty="0" smtClean="0"/>
+              <a:t>使用物件的三大重點</a:t>
+            </a:r>
+            <a:endParaRPr lang="zh-TW" altLang="en-US" dirty="0"/>
+          </a:p>
+        </p:txBody>
+      </p:sp>
+      <p:sp>
+        <p:nvSpPr>
+          <p:cNvPr id="3" name="內容版面配置區 2"/>
+          <p:cNvSpPr>
+            <a:spLocks noGrp="1"/>
+          </p:cNvSpPr>
+          <p:nvPr>
+            <p:ph idx="1"/>
+          </p:nvPr>
+        </p:nvSpPr>
+        <p:spPr/>
+        <p:txBody>
+          <a:bodyPr>
+            <a:normAutofit lnSpcReduction="10000"/>
+          </a:bodyPr>
+          <a:lstStyle/>
+          <a:p>
+            <a:r>
+              <a:rPr lang="zh-TW" altLang="en-US" b="1" dirty="0" smtClean="0"/>
+              <a:t>有甚麼屬性？</a:t>
+            </a:r>
+            <a:endParaRPr lang="en-US" altLang="zh-TW" b="1" dirty="0" smtClean="0"/>
+          </a:p>
+          <a:p>
+            <a:pPr lvl="1"/>
+            <a:r>
+              <a:rPr lang="zh-TW" altLang="en-US" dirty="0"/>
+              <a:t>類似於變數，</a:t>
+            </a:r>
+            <a:r>
+              <a:rPr lang="zh-TW" altLang="en-US" dirty="0" smtClean="0"/>
+              <a:t>存放該物件</a:t>
+            </a:r>
+            <a:r>
+              <a:rPr lang="zh-TW" altLang="en-US" dirty="0"/>
+              <a:t>特有的資訊</a:t>
+            </a:r>
+            <a:r>
+              <a:rPr lang="zh-TW" altLang="en-US" dirty="0" smtClean="0"/>
+              <a:t>。</a:t>
+            </a:r>
+            <a:endParaRPr lang="en-US" altLang="zh-TW" dirty="0" smtClean="0"/>
+          </a:p>
+          <a:p>
+            <a:pPr lvl="1"/>
+            <a:r>
+              <a:rPr lang="zh-TW" altLang="en-US" dirty="0"/>
+              <a:t>每一物件皆有獨立的屬性，存放在獨立的記憶體中，不重複。</a:t>
+            </a:r>
+            <a:endParaRPr lang="en-US" altLang="zh-TW" dirty="0" smtClean="0"/>
+          </a:p>
+          <a:p>
+            <a:r>
+              <a:rPr lang="zh-TW" altLang="en-US" b="1" dirty="0"/>
+              <a:t>有甚麼方法</a:t>
+            </a:r>
+            <a:r>
+              <a:rPr lang="zh-TW" altLang="en-US" b="1" dirty="0" smtClean="0"/>
+              <a:t>？</a:t>
+            </a:r>
+            <a:endParaRPr lang="en-US" altLang="zh-TW" b="1" dirty="0" smtClean="0"/>
+          </a:p>
+          <a:p>
+            <a:pPr lvl="1"/>
+            <a:r>
+              <a:rPr lang="zh-TW" altLang="en-US" dirty="0" smtClean="0"/>
+              <a:t>就是可以對物件下的指令</a:t>
+            </a:r>
+            <a:endParaRPr lang="en-US" altLang="zh-TW" dirty="0" smtClean="0"/>
+          </a:p>
+          <a:p>
+            <a:pPr lvl="1"/>
+            <a:r>
+              <a:rPr lang="zh-TW" altLang="en-US" dirty="0" smtClean="0"/>
+              <a:t>方法的名稱、參數、傳回值</a:t>
+            </a:r>
+            <a:r>
+              <a:rPr lang="en-US" altLang="zh-TW" dirty="0" smtClean="0"/>
+              <a:t>(</a:t>
+            </a:r>
+            <a:r>
+              <a:rPr lang="zh-TW" altLang="en-US" dirty="0" smtClean="0"/>
+              <a:t>結果</a:t>
+            </a:r>
+            <a:r>
+              <a:rPr lang="en-US" altLang="zh-TW" dirty="0" smtClean="0"/>
+              <a:t>)</a:t>
+            </a:r>
+          </a:p>
+          <a:p>
+            <a:r>
+              <a:rPr lang="zh-TW" altLang="en-US" b="1" dirty="0"/>
+              <a:t>會產生甚麼事件</a:t>
+            </a:r>
+            <a:r>
+              <a:rPr lang="zh-TW" altLang="en-US" b="1" dirty="0" smtClean="0"/>
+              <a:t>？</a:t>
+            </a:r>
+            <a:endParaRPr lang="en-US" altLang="zh-TW" b="1" dirty="0" smtClean="0"/>
+          </a:p>
+          <a:p>
+            <a:pPr lvl="1"/>
+            <a:r>
+              <a:rPr lang="zh-TW" altLang="en-US" dirty="0"/>
+              <a:t>執行過程物件會主動發布甚麼</a:t>
+            </a:r>
+            <a:r>
+              <a:rPr lang="zh-TW" altLang="en-US" dirty="0" smtClean="0"/>
+              <a:t>事件</a:t>
+            </a:r>
+            <a:endParaRPr lang="en-US" altLang="zh-TW" dirty="0" smtClean="0"/>
+          </a:p>
+          <a:p>
+            <a:pPr lvl="1"/>
+            <a:r>
+              <a:rPr lang="zh-TW" altLang="en-US" dirty="0"/>
+              <a:t>這些事件誰要</a:t>
+            </a:r>
+            <a:r>
+              <a:rPr lang="zh-TW" altLang="en-US" dirty="0" smtClean="0"/>
+              <a:t>聽，就是</a:t>
+            </a:r>
+            <a:r>
+              <a:rPr lang="zh-TW" altLang="en-US" dirty="0"/>
+              <a:t>在物件發出後要處理他</a:t>
+            </a:r>
+            <a:r>
+              <a:rPr lang="zh-TW" altLang="en-US" dirty="0" smtClean="0"/>
+              <a:t>。</a:t>
+            </a:r>
+            <a:endParaRPr lang="en-US" altLang="zh-TW" dirty="0" smtClean="0"/>
+          </a:p>
+          <a:p>
+            <a:pPr lvl="1"/>
+            <a:r>
+              <a:rPr lang="zh-TW" altLang="en-US" dirty="0"/>
+              <a:t>仿真實</a:t>
+            </a:r>
+            <a:r>
+              <a:rPr lang="zh-TW" altLang="en-US" dirty="0" smtClean="0"/>
+              <a:t>世界，是一連串的事件影響彼此，同步運行。也像舞台劇或電視劇，一個事件導致另一個事件。</a:t>
+            </a:r>
+            <a:endParaRPr lang="zh-TW" altLang="en-US" dirty="0"/>
+          </a:p>
+        </p:txBody>
+      </p:sp>
+      <p:grpSp>
+        <p:nvGrpSpPr>
+          <p:cNvPr id="4" name="群組 3"/>
+          <p:cNvGrpSpPr/>
+          <p:nvPr/>
+        </p:nvGrpSpPr>
+        <p:grpSpPr>
+          <a:xfrm>
+            <a:off x="7346251" y="1763458"/>
+            <a:ext cx="4439031" cy="3038475"/>
+            <a:chOff x="2408491" y="1214818"/>
+            <a:chExt cx="4439031" cy="3038475"/>
+          </a:xfrm>
+        </p:grpSpPr>
+        <p:pic>
+          <p:nvPicPr>
+            <p:cNvPr id="5" name="圖片 4"/>
+            <p:cNvPicPr>
+              <a:picLocks noChangeAspect="1"/>
+            </p:cNvPicPr>
+            <p:nvPr/>
+          </p:nvPicPr>
+          <p:blipFill>
+            <a:blip r:embed="rId2"/>
+            <a:stretch>
+              <a:fillRect/>
+            </a:stretch>
+          </p:blipFill>
+          <p:spPr>
+            <a:xfrm>
+              <a:off x="2408491" y="1214818"/>
+              <a:ext cx="2181225" cy="3038475"/>
+            </a:xfrm>
+            <a:prstGeom prst="rect">
+              <a:avLst/>
+            </a:prstGeom>
+          </p:spPr>
+        </p:pic>
+        <p:pic>
+          <p:nvPicPr>
+            <p:cNvPr id="6" name="圖片 5"/>
+            <p:cNvPicPr>
+              <a:picLocks noChangeAspect="1"/>
+            </p:cNvPicPr>
+            <p:nvPr/>
+          </p:nvPicPr>
+          <p:blipFill>
+            <a:blip r:embed="rId3"/>
+            <a:stretch>
+              <a:fillRect/>
+            </a:stretch>
+          </p:blipFill>
+          <p:spPr>
+            <a:xfrm>
+              <a:off x="4704397" y="1219580"/>
+              <a:ext cx="2143125" cy="3028950"/>
+            </a:xfrm>
+            <a:prstGeom prst="rect">
+              <a:avLst/>
+            </a:prstGeom>
+          </p:spPr>
+        </p:pic>
+        <p:pic>
+          <p:nvPicPr>
+            <p:cNvPr id="7" name="圖片 6"/>
+            <p:cNvPicPr>
+              <a:picLocks noChangeAspect="1"/>
+            </p:cNvPicPr>
+            <p:nvPr/>
+          </p:nvPicPr>
+          <p:blipFill>
+            <a:blip r:embed="rId4">
+              <a:extLst>
+                <a:ext uri="{BEBA8EAE-BF5A-486C-A8C5-ECC9F3942E4B}">
+                  <a14:imgProps xmlns:a14="http://schemas.microsoft.com/office/drawing/2010/main">
+                    <a14:imgLayer r:embed="rId5">
+                      <a14:imgEffect>
+                        <a14:backgroundRemoval t="0" b="100000" l="0" r="100000">
+                          <a14:foregroundMark x1="45789" y1="97186" x2="45789" y2="97186"/>
+                          <a14:foregroundMark x1="70000" y1="94747" x2="70000" y2="94747"/>
+                          <a14:foregroundMark x1="37895" y1="94559" x2="37895" y2="94559"/>
+                          <a14:foregroundMark x1="49474" y1="5629" x2="49474" y2="5629"/>
+                          <a14:foregroundMark x1="60000" y1="20075" x2="60000" y2="20075"/>
+                          <a14:foregroundMark x1="35789" y1="20075" x2="35789" y2="20075"/>
+                          <a14:foregroundMark x1="36842" y1="18199" x2="36842" y2="18199"/>
+                          <a14:foregroundMark x1="59474" y1="18574" x2="59474" y2="18574"/>
+                        </a14:backgroundRemoval>
+                      </a14:imgEffect>
+                    </a14:imgLayer>
+                  </a14:imgProps>
+                </a:ext>
+              </a:extLst>
+            </a:blip>
+            <a:stretch>
+              <a:fillRect/>
+            </a:stretch>
+          </p:blipFill>
+          <p:spPr>
+            <a:xfrm>
+              <a:off x="3712464" y="2630615"/>
+              <a:ext cx="569205" cy="1596770"/>
+            </a:xfrm>
+            <a:prstGeom prst="rect">
+              <a:avLst/>
+            </a:prstGeom>
+          </p:spPr>
+        </p:pic>
+        <p:pic>
+          <p:nvPicPr>
+            <p:cNvPr id="8" name="圖片 7"/>
+            <p:cNvPicPr>
+              <a:picLocks noChangeAspect="1"/>
+            </p:cNvPicPr>
+            <p:nvPr/>
+          </p:nvPicPr>
+          <p:blipFill>
+            <a:blip r:embed="rId6">
+              <a:extLst>
+                <a:ext uri="{BEBA8EAE-BF5A-486C-A8C5-ECC9F3942E4B}">
+                  <a14:imgProps xmlns:a14="http://schemas.microsoft.com/office/drawing/2010/main">
+                    <a14:imgLayer r:embed="rId7">
+                      <a14:imgEffect>
+                        <a14:backgroundRemoval t="0" b="100000" l="0" r="100000"/>
+                      </a14:imgEffect>
+                    </a14:imgLayer>
+                  </a14:imgProps>
+                </a:ext>
+              </a:extLst>
+            </a:blip>
+            <a:stretch>
+              <a:fillRect/>
+            </a:stretch>
+          </p:blipFill>
+          <p:spPr>
+            <a:xfrm>
+              <a:off x="4589716" y="2683859"/>
+              <a:ext cx="745352" cy="1564671"/>
+            </a:xfrm>
+            <a:prstGeom prst="rect">
+              <a:avLst/>
+            </a:prstGeom>
+          </p:spPr>
+        </p:pic>
+      </p:grpSp>
+    </p:spTree>
+    <p:extLst>
+      <p:ext uri="{BB962C8B-B14F-4D97-AF65-F5344CB8AC3E}">
+        <p14:creationId xmlns:p14="http://schemas.microsoft.com/office/powerpoint/2010/main" val="3021224299"/>
+      </p:ext>
+    </p:extLst>
+  </p:cSld>
+  <p:clrMapOvr>
+    <a:masterClrMapping/>
+  </p:clrMapOvr>
+  <p:timing>
+    <p:tnLst>
+      <p:par>
+        <p:cTn id="1" dur="indefinite" restart="never" nodeType="tmRoot"/>
+      </p:par>
+    </p:tnLst>
+  </p:timing>
+</p:sld>
+</file>
+
 <file path=ppt/slides/slide3.xml><?xml version="1.0" encoding="utf-8"?>
+<p:sld xmlns:a="http://schemas.openxmlformats.org/drawingml/2006/main" xmlns:r="http://schemas.openxmlformats.org/officeDocument/2006/relationships" xmlns:p="http://schemas.openxmlformats.org/presentationml/2006/main">
+  <p:cSld>
+    <p:spTree>
+      <p:nvGrpSpPr>
+        <p:cNvPr id="1" name=""/>
+        <p:cNvGrpSpPr/>
+        <p:nvPr/>
+      </p:nvGrpSpPr>
+      <p:grpSpPr>
+        <a:xfrm>
+          <a:off x="0" y="0"/>
+          <a:ext cx="0" cy="0"/>
+          <a:chOff x="0" y="0"/>
+          <a:chExt cx="0" cy="0"/>
+        </a:xfrm>
+      </p:grpSpPr>
+      <p:sp>
+        <p:nvSpPr>
+          <p:cNvPr id="2" name="標題 1"/>
+          <p:cNvSpPr>
+            <a:spLocks noGrp="1"/>
+          </p:cNvSpPr>
+          <p:nvPr>
+            <p:ph type="title"/>
+          </p:nvPr>
+        </p:nvSpPr>
+        <p:spPr/>
+        <p:txBody>
+          <a:bodyPr/>
+          <a:lstStyle/>
+          <a:p>
+            <a:r>
+              <a:rPr lang="en-US" altLang="zh-TW" dirty="0" smtClean="0"/>
+              <a:t>Java</a:t>
+            </a:r>
+            <a:r>
+              <a:rPr lang="zh-TW" altLang="en-US" dirty="0" smtClean="0"/>
+              <a:t>程式基本</a:t>
+            </a:r>
+            <a:r>
+              <a:rPr lang="zh-TW" altLang="en-US" dirty="0" smtClean="0"/>
+              <a:t>結構</a:t>
+            </a:r>
+            <a:r>
+              <a:rPr lang="en-US" altLang="zh-TW" dirty="0" smtClean="0"/>
+              <a:t>(</a:t>
+            </a:r>
+            <a:r>
+              <a:rPr lang="zh-TW" altLang="en-US" dirty="0" smtClean="0"/>
+              <a:t>精簡版</a:t>
+            </a:r>
+            <a:r>
+              <a:rPr lang="en-US" altLang="zh-TW" dirty="0" smtClean="0"/>
+              <a:t>)</a:t>
+            </a:r>
+            <a:endParaRPr lang="zh-TW" altLang="en-US" dirty="0"/>
+          </a:p>
+        </p:txBody>
+      </p:sp>
+      <p:sp>
+        <p:nvSpPr>
+          <p:cNvPr id="6" name="文字方塊 5"/>
+          <p:cNvSpPr txBox="1"/>
+          <p:nvPr/>
+        </p:nvSpPr>
+        <p:spPr>
+          <a:xfrm>
+            <a:off x="1703092" y="2637477"/>
+            <a:ext cx="1700784" cy="307777"/>
+          </a:xfrm>
+          <a:prstGeom prst="rect">
+            <a:avLst/>
+          </a:prstGeom>
+          <a:solidFill>
+            <a:schemeClr val="accent3">
+              <a:lumMod val="20000"/>
+              <a:lumOff val="80000"/>
+            </a:schemeClr>
+          </a:solidFill>
+          <a:ln>
+            <a:solidFill>
+              <a:schemeClr val="tx1"/>
+            </a:solidFill>
+          </a:ln>
+        </p:spPr>
+        <p:txBody>
+          <a:bodyPr wrap="square" rtlCol="0">
+            <a:spAutoFit/>
+          </a:bodyPr>
+          <a:lstStyle/>
+          <a:p>
+            <a:r>
+              <a:rPr lang="en-US" altLang="zh-TW" sz="1400" dirty="0" smtClean="0"/>
+              <a:t>Package </a:t>
+            </a:r>
+            <a:r>
+              <a:rPr lang="zh-TW" altLang="en-US" sz="1400" dirty="0" smtClean="0"/>
+              <a:t>名稱</a:t>
+            </a:r>
+            <a:endParaRPr lang="zh-TW" altLang="en-US" sz="1400" dirty="0"/>
+          </a:p>
+        </p:txBody>
+      </p:sp>
+      <p:sp>
+        <p:nvSpPr>
+          <p:cNvPr id="7" name="文字方塊 6"/>
+          <p:cNvSpPr txBox="1"/>
+          <p:nvPr/>
+        </p:nvSpPr>
+        <p:spPr>
+          <a:xfrm>
+            <a:off x="1703092" y="3017390"/>
+            <a:ext cx="1700784" cy="307777"/>
+          </a:xfrm>
+          <a:prstGeom prst="rect">
+            <a:avLst/>
+          </a:prstGeom>
+          <a:solidFill>
+            <a:schemeClr val="accent2">
+              <a:lumMod val="20000"/>
+              <a:lumOff val="80000"/>
+            </a:schemeClr>
+          </a:solidFill>
+          <a:ln>
+            <a:solidFill>
+              <a:schemeClr val="tx1"/>
+            </a:solidFill>
+          </a:ln>
+        </p:spPr>
+        <p:txBody>
+          <a:bodyPr wrap="square" rtlCol="0">
+            <a:spAutoFit/>
+          </a:bodyPr>
+          <a:lstStyle/>
+          <a:p>
+            <a:r>
+              <a:rPr lang="en-US" altLang="zh-TW" sz="1400" dirty="0" smtClean="0"/>
+              <a:t>Import</a:t>
+            </a:r>
+            <a:r>
+              <a:rPr lang="zh-TW" altLang="en-US" sz="1400" dirty="0" smtClean="0"/>
+              <a:t>區</a:t>
+            </a:r>
+            <a:endParaRPr lang="zh-TW" altLang="en-US" sz="1400" dirty="0"/>
+          </a:p>
+        </p:txBody>
+      </p:sp>
+      <p:sp>
+        <p:nvSpPr>
+          <p:cNvPr id="8" name="文字方塊 7"/>
+          <p:cNvSpPr txBox="1"/>
+          <p:nvPr/>
+        </p:nvSpPr>
+        <p:spPr>
+          <a:xfrm>
+            <a:off x="1703092" y="3397303"/>
+            <a:ext cx="1700784" cy="2246769"/>
+          </a:xfrm>
+          <a:prstGeom prst="rect">
+            <a:avLst/>
+          </a:prstGeom>
+          <a:solidFill>
+            <a:schemeClr val="accent4">
+              <a:lumMod val="20000"/>
+              <a:lumOff val="80000"/>
+            </a:schemeClr>
+          </a:solidFill>
+          <a:ln>
+            <a:solidFill>
+              <a:schemeClr val="tx1"/>
+            </a:solidFill>
+          </a:ln>
+        </p:spPr>
+        <p:txBody>
+          <a:bodyPr wrap="square" rtlCol="0">
+            <a:spAutoFit/>
+          </a:bodyPr>
+          <a:lstStyle/>
+          <a:p>
+            <a:r>
+              <a:rPr lang="zh-TW" altLang="en-US" sz="1400" dirty="0" smtClean="0"/>
+              <a:t>主類別區</a:t>
+            </a:r>
+            <a:endParaRPr lang="en-US" altLang="zh-TW" sz="1400" dirty="0" smtClean="0"/>
+          </a:p>
+          <a:p>
+            <a:r>
+              <a:rPr lang="zh-TW" altLang="en-US" sz="1400" dirty="0" smtClean="0"/>
+              <a:t>就是</a:t>
+            </a:r>
+            <a:r>
+              <a:rPr lang="zh-TW" altLang="en-US" sz="1400" dirty="0" smtClean="0"/>
+              <a:t>有</a:t>
+            </a:r>
+            <a:r>
+              <a:rPr lang="en-US" altLang="zh-TW" sz="1400" dirty="0" smtClean="0"/>
+              <a:t>main()</a:t>
+            </a:r>
+            <a:r>
+              <a:rPr lang="zh-TW" altLang="en-US" sz="1400" dirty="0" smtClean="0"/>
+              <a:t>這個函式的類別</a:t>
+            </a:r>
+            <a:r>
+              <a:rPr lang="zh-TW" altLang="en-US" sz="1400" dirty="0" smtClean="0"/>
+              <a:t>。</a:t>
+            </a:r>
+            <a:endParaRPr lang="en-US" altLang="zh-TW" sz="1400" dirty="0" smtClean="0"/>
+          </a:p>
+          <a:p>
+            <a:endParaRPr lang="en-US" altLang="zh-TW" sz="1400" dirty="0" smtClean="0"/>
+          </a:p>
+          <a:p>
+            <a:endParaRPr lang="en-US" altLang="zh-TW" sz="1400" dirty="0"/>
+          </a:p>
+          <a:p>
+            <a:endParaRPr lang="en-US" altLang="zh-TW" sz="1400" dirty="0"/>
+          </a:p>
+          <a:p>
+            <a:endParaRPr lang="en-US" altLang="zh-TW" sz="1400" dirty="0" smtClean="0"/>
+          </a:p>
+          <a:p>
+            <a:endParaRPr lang="en-US" altLang="zh-TW" sz="1400" dirty="0"/>
+          </a:p>
+          <a:p>
+            <a:endParaRPr lang="en-US" altLang="zh-TW" sz="1400" dirty="0" smtClean="0"/>
+          </a:p>
+          <a:p>
+            <a:endParaRPr lang="zh-TW" altLang="en-US" sz="1400" dirty="0"/>
+          </a:p>
+        </p:txBody>
+      </p:sp>
+      <p:sp>
+        <p:nvSpPr>
+          <p:cNvPr id="11" name="文字方塊 10"/>
+          <p:cNvSpPr txBox="1"/>
+          <p:nvPr/>
+        </p:nvSpPr>
+        <p:spPr>
+          <a:xfrm>
+            <a:off x="4607836" y="2637477"/>
+            <a:ext cx="4541330" cy="307777"/>
+          </a:xfrm>
+          <a:prstGeom prst="rect">
+            <a:avLst/>
+          </a:prstGeom>
+          <a:solidFill>
+            <a:schemeClr val="accent3">
+              <a:lumMod val="20000"/>
+              <a:lumOff val="80000"/>
+            </a:schemeClr>
+          </a:solidFill>
+          <a:ln>
+            <a:solidFill>
+              <a:schemeClr val="tx1"/>
+            </a:solidFill>
+          </a:ln>
+        </p:spPr>
+        <p:txBody>
+          <a:bodyPr wrap="square" rtlCol="0">
+            <a:spAutoFit/>
+          </a:bodyPr>
+          <a:lstStyle/>
+          <a:p>
+            <a:r>
+              <a:rPr lang="en-US" altLang="zh-TW" sz="1400" dirty="0" smtClean="0"/>
+              <a:t>Package </a:t>
+            </a:r>
+            <a:r>
+              <a:rPr lang="en-US" altLang="zh-TW" sz="1400" dirty="0" smtClean="0"/>
+              <a:t>Section01</a:t>
+            </a:r>
+            <a:endParaRPr lang="zh-TW" altLang="en-US" sz="1400" dirty="0"/>
+          </a:p>
+        </p:txBody>
+      </p:sp>
+      <p:sp>
+        <p:nvSpPr>
+          <p:cNvPr id="12" name="文字方塊 11"/>
+          <p:cNvSpPr txBox="1"/>
+          <p:nvPr/>
+        </p:nvSpPr>
+        <p:spPr>
+          <a:xfrm>
+            <a:off x="4607836" y="3017390"/>
+            <a:ext cx="4541330" cy="307777"/>
+          </a:xfrm>
+          <a:prstGeom prst="rect">
+            <a:avLst/>
+          </a:prstGeom>
+          <a:solidFill>
+            <a:schemeClr val="accent2">
+              <a:lumMod val="20000"/>
+              <a:lumOff val="80000"/>
+            </a:schemeClr>
+          </a:solidFill>
+          <a:ln>
+            <a:solidFill>
+              <a:schemeClr val="tx1"/>
+            </a:solidFill>
+          </a:ln>
+        </p:spPr>
+        <p:txBody>
+          <a:bodyPr wrap="square" rtlCol="0">
+            <a:spAutoFit/>
+          </a:bodyPr>
+          <a:lstStyle/>
+          <a:p>
+            <a:r>
+              <a:rPr lang="en-US" altLang="zh-TW" sz="1400" dirty="0" smtClean="0"/>
+              <a:t>Import</a:t>
+            </a:r>
+            <a:r>
+              <a:rPr lang="zh-TW" altLang="en-US" sz="1400" dirty="0" smtClean="0"/>
+              <a:t> </a:t>
+            </a:r>
+            <a:r>
+              <a:rPr lang="en-US" altLang="zh-TW" sz="1400" dirty="0" err="1" smtClean="0"/>
+              <a:t>java.lang</a:t>
+            </a:r>
+            <a:r>
+              <a:rPr lang="en-US" altLang="zh-TW" sz="1400" dirty="0" smtClean="0"/>
+              <a:t>.*;</a:t>
+            </a:r>
+            <a:endParaRPr lang="zh-TW" altLang="en-US" sz="1400" dirty="0"/>
+          </a:p>
+        </p:txBody>
+      </p:sp>
+      <p:sp>
+        <p:nvSpPr>
+          <p:cNvPr id="13" name="文字方塊 12"/>
+          <p:cNvSpPr txBox="1"/>
+          <p:nvPr/>
+        </p:nvSpPr>
+        <p:spPr>
+          <a:xfrm>
+            <a:off x="4607836" y="3397303"/>
+            <a:ext cx="4541330" cy="2246769"/>
+          </a:xfrm>
+          <a:prstGeom prst="rect">
+            <a:avLst/>
+          </a:prstGeom>
+          <a:solidFill>
+            <a:schemeClr val="accent4">
+              <a:lumMod val="20000"/>
+              <a:lumOff val="80000"/>
+            </a:schemeClr>
+          </a:solidFill>
+          <a:ln>
+            <a:solidFill>
+              <a:schemeClr val="tx1"/>
+            </a:solidFill>
+          </a:ln>
+        </p:spPr>
+        <p:txBody>
+          <a:bodyPr wrap="square" rtlCol="0">
+            <a:spAutoFit/>
+          </a:bodyPr>
+          <a:lstStyle/>
+          <a:p>
+            <a:r>
+              <a:rPr lang="en-US" altLang="zh-TW" sz="1400" dirty="0" smtClean="0"/>
+              <a:t>Public class </a:t>
+            </a:r>
+            <a:r>
+              <a:rPr lang="en-US" altLang="zh-TW" sz="1400" dirty="0" smtClean="0"/>
+              <a:t>Example01_01</a:t>
+            </a:r>
+            <a:endParaRPr lang="en-US" altLang="zh-TW" sz="1400" dirty="0" smtClean="0"/>
+          </a:p>
+          <a:p>
+            <a:r>
+              <a:rPr lang="en-US" altLang="zh-TW" sz="1400" dirty="0"/>
+              <a:t>{</a:t>
+            </a:r>
+            <a:endParaRPr lang="en-US" altLang="zh-TW" sz="1400" dirty="0" smtClean="0"/>
+          </a:p>
+          <a:p>
+            <a:r>
+              <a:rPr lang="en-US" altLang="zh-TW" sz="1400" dirty="0" smtClean="0"/>
+              <a:t>	public static void main(String </a:t>
+            </a:r>
+            <a:r>
+              <a:rPr lang="en-US" altLang="zh-TW" sz="1400" dirty="0" err="1" smtClean="0"/>
+              <a:t>args</a:t>
+            </a:r>
+            <a:r>
+              <a:rPr lang="en-US" altLang="zh-TW" sz="1400" dirty="0" smtClean="0"/>
+              <a:t>[]){</a:t>
+            </a:r>
+          </a:p>
+          <a:p>
+            <a:r>
+              <a:rPr lang="en-US" altLang="zh-TW" sz="1400" dirty="0"/>
+              <a:t>	</a:t>
+            </a:r>
+            <a:r>
+              <a:rPr lang="en-US" altLang="zh-TW" sz="1400" dirty="0" smtClean="0"/>
+              <a:t>	//do something here</a:t>
+            </a:r>
+          </a:p>
+          <a:p>
+            <a:r>
+              <a:rPr lang="en-US" altLang="zh-TW" sz="1400" dirty="0"/>
+              <a:t>	</a:t>
+            </a:r>
+            <a:r>
+              <a:rPr lang="en-US" altLang="zh-TW" sz="1400" dirty="0" smtClean="0"/>
+              <a:t>}</a:t>
+            </a:r>
+          </a:p>
+          <a:p>
+            <a:r>
+              <a:rPr lang="en-US" altLang="zh-TW" sz="1400" dirty="0" smtClean="0"/>
+              <a:t>}</a:t>
+            </a:r>
+          </a:p>
+          <a:p>
+            <a:endParaRPr lang="en-US" altLang="zh-TW" sz="1400" dirty="0"/>
+          </a:p>
+          <a:p>
+            <a:endParaRPr lang="en-US" altLang="zh-TW" sz="1400" dirty="0" smtClean="0"/>
+          </a:p>
+          <a:p>
+            <a:endParaRPr lang="en-US" altLang="zh-TW" sz="1400" dirty="0"/>
+          </a:p>
+          <a:p>
+            <a:endParaRPr lang="zh-TW" altLang="en-US" sz="1400" dirty="0"/>
+          </a:p>
+        </p:txBody>
+      </p:sp>
+      <p:sp>
+        <p:nvSpPr>
+          <p:cNvPr id="16" name="文字方塊 15"/>
+          <p:cNvSpPr txBox="1"/>
+          <p:nvPr/>
+        </p:nvSpPr>
+        <p:spPr>
+          <a:xfrm>
+            <a:off x="1502113" y="2040533"/>
+            <a:ext cx="2292615" cy="369332"/>
+          </a:xfrm>
+          <a:prstGeom prst="rect">
+            <a:avLst/>
+          </a:prstGeom>
+          <a:noFill/>
+        </p:spPr>
+        <p:txBody>
+          <a:bodyPr wrap="none" rtlCol="0">
+            <a:spAutoFit/>
+          </a:bodyPr>
+          <a:lstStyle/>
+          <a:p>
+            <a:r>
+              <a:rPr lang="en-US" altLang="zh-TW" b="1" dirty="0" smtClean="0"/>
+              <a:t>Java</a:t>
+            </a:r>
+            <a:r>
+              <a:rPr lang="zh-TW" altLang="en-US" b="1" dirty="0" smtClean="0"/>
+              <a:t>程式最基本</a:t>
+            </a:r>
+            <a:r>
+              <a:rPr lang="zh-TW" altLang="en-US" b="1" dirty="0" smtClean="0"/>
+              <a:t>結構</a:t>
+            </a:r>
+            <a:endParaRPr lang="zh-TW" altLang="en-US" b="1" dirty="0"/>
+          </a:p>
+        </p:txBody>
+      </p:sp>
+      <p:sp>
+        <p:nvSpPr>
+          <p:cNvPr id="17" name="文字方塊 16"/>
+          <p:cNvSpPr txBox="1"/>
+          <p:nvPr/>
+        </p:nvSpPr>
+        <p:spPr>
+          <a:xfrm>
+            <a:off x="6555335" y="2040533"/>
+            <a:ext cx="646331" cy="369332"/>
+          </a:xfrm>
+          <a:prstGeom prst="rect">
+            <a:avLst/>
+          </a:prstGeom>
+          <a:noFill/>
+        </p:spPr>
+        <p:txBody>
+          <a:bodyPr wrap="none" rtlCol="0">
+            <a:spAutoFit/>
+          </a:bodyPr>
+          <a:lstStyle/>
+          <a:p>
+            <a:r>
+              <a:rPr lang="zh-TW" altLang="en-US" b="1" dirty="0"/>
+              <a:t>範例</a:t>
+            </a:r>
+          </a:p>
+        </p:txBody>
+      </p:sp>
+      <p:sp>
+        <p:nvSpPr>
+          <p:cNvPr id="18" name="左-右雙向箭號 17"/>
+          <p:cNvSpPr/>
+          <p:nvPr/>
+        </p:nvSpPr>
+        <p:spPr>
+          <a:xfrm>
+            <a:off x="3563896" y="3325167"/>
+            <a:ext cx="883920" cy="588243"/>
+          </a:xfrm>
+          <a:prstGeom prst="leftRightArrow">
+            <a:avLst/>
+          </a:prstGeom>
+          <a:solidFill>
+            <a:schemeClr val="accent6">
+              <a:lumMod val="40000"/>
+              <a:lumOff val="60000"/>
+            </a:schemeClr>
+          </a:solidFill>
+          <a:ln>
+            <a:solidFill>
+              <a:schemeClr val="tx1"/>
+            </a:solidFill>
+          </a:ln>
+        </p:spPr>
+        <p:style>
+          <a:lnRef idx="2">
+            <a:schemeClr val="accent1">
+              <a:shade val="50000"/>
+            </a:schemeClr>
+          </a:lnRef>
+          <a:fillRef idx="1">
+            <a:schemeClr val="accent1"/>
+          </a:fillRef>
+          <a:effectRef idx="0">
+            <a:schemeClr val="accent1"/>
+          </a:effectRef>
+          <a:fontRef idx="minor">
+            <a:schemeClr val="lt1"/>
+          </a:fontRef>
+        </p:style>
+        <p:txBody>
+          <a:bodyPr rtlCol="0" anchor="ctr"/>
+          <a:lstStyle/>
+          <a:p>
+            <a:pPr algn="ctr"/>
+            <a:endParaRPr lang="zh-TW" altLang="en-US"/>
+          </a:p>
+        </p:txBody>
+      </p:sp>
+      <p:sp>
+        <p:nvSpPr>
+          <p:cNvPr id="3" name="矩形 2"/>
+          <p:cNvSpPr/>
+          <p:nvPr/>
+        </p:nvSpPr>
+        <p:spPr>
+          <a:xfrm>
+            <a:off x="2040736" y="4520687"/>
+            <a:ext cx="1025495" cy="309635"/>
+          </a:xfrm>
+          <a:prstGeom prst="rect">
+            <a:avLst/>
+          </a:prstGeom>
+          <a:solidFill>
+            <a:schemeClr val="accent5">
+              <a:lumMod val="20000"/>
+              <a:lumOff val="80000"/>
+            </a:schemeClr>
+          </a:solidFill>
+          <a:ln>
+            <a:solidFill>
+              <a:schemeClr val="tx1"/>
+            </a:solidFill>
+          </a:ln>
+        </p:spPr>
+        <p:style>
+          <a:lnRef idx="2">
+            <a:schemeClr val="accent1">
+              <a:shade val="50000"/>
+            </a:schemeClr>
+          </a:lnRef>
+          <a:fillRef idx="1">
+            <a:schemeClr val="accent1"/>
+          </a:fillRef>
+          <a:effectRef idx="0">
+            <a:schemeClr val="accent1"/>
+          </a:effectRef>
+          <a:fontRef idx="minor">
+            <a:schemeClr val="lt1"/>
+          </a:fontRef>
+        </p:style>
+        <p:txBody>
+          <a:bodyPr rtlCol="0" anchor="ctr"/>
+          <a:lstStyle/>
+          <a:p>
+            <a:pPr algn="ctr"/>
+            <a:r>
+              <a:rPr lang="zh-TW" altLang="en-US" sz="1600" b="1" dirty="0" smtClean="0">
+                <a:solidFill>
+                  <a:schemeClr val="tx1"/>
+                </a:solidFill>
+              </a:rPr>
+              <a:t>輸入</a:t>
+            </a:r>
+            <a:endParaRPr lang="zh-TW" altLang="en-US" sz="1600" b="1" dirty="0">
+              <a:solidFill>
+                <a:schemeClr val="tx1"/>
+              </a:solidFill>
+            </a:endParaRPr>
+          </a:p>
+        </p:txBody>
+      </p:sp>
+      <p:sp>
+        <p:nvSpPr>
+          <p:cNvPr id="19" name="矩形 18"/>
+          <p:cNvSpPr/>
+          <p:nvPr/>
+        </p:nvSpPr>
+        <p:spPr>
+          <a:xfrm>
+            <a:off x="2040736" y="4878694"/>
+            <a:ext cx="1025495" cy="309635"/>
+          </a:xfrm>
+          <a:prstGeom prst="rect">
+            <a:avLst/>
+          </a:prstGeom>
+          <a:solidFill>
+            <a:srgbClr val="7030A0"/>
+          </a:solidFill>
+          <a:ln>
+            <a:solidFill>
+              <a:schemeClr val="tx1"/>
+            </a:solidFill>
+          </a:ln>
+        </p:spPr>
+        <p:style>
+          <a:lnRef idx="2">
+            <a:schemeClr val="accent1">
+              <a:shade val="50000"/>
+            </a:schemeClr>
+          </a:lnRef>
+          <a:fillRef idx="1">
+            <a:schemeClr val="accent1"/>
+          </a:fillRef>
+          <a:effectRef idx="0">
+            <a:schemeClr val="accent1"/>
+          </a:effectRef>
+          <a:fontRef idx="minor">
+            <a:schemeClr val="lt1"/>
+          </a:fontRef>
+        </p:style>
+        <p:txBody>
+          <a:bodyPr rtlCol="0" anchor="ctr"/>
+          <a:lstStyle/>
+          <a:p>
+            <a:pPr algn="ctr"/>
+            <a:r>
+              <a:rPr lang="zh-TW" altLang="en-US" sz="1600" b="1" dirty="0">
+                <a:solidFill>
+                  <a:schemeClr val="bg1"/>
+                </a:solidFill>
+              </a:rPr>
+              <a:t>運算</a:t>
+            </a:r>
+          </a:p>
+        </p:txBody>
+      </p:sp>
+      <p:sp>
+        <p:nvSpPr>
+          <p:cNvPr id="20" name="矩形 19"/>
+          <p:cNvSpPr/>
+          <p:nvPr/>
+        </p:nvSpPr>
+        <p:spPr>
+          <a:xfrm>
+            <a:off x="2040736" y="5236701"/>
+            <a:ext cx="1025495" cy="309635"/>
+          </a:xfrm>
+          <a:prstGeom prst="rect">
+            <a:avLst/>
+          </a:prstGeom>
+          <a:solidFill>
+            <a:srgbClr val="0070C0"/>
+          </a:solidFill>
+          <a:ln>
+            <a:solidFill>
+              <a:schemeClr val="tx1"/>
+            </a:solidFill>
+          </a:ln>
+        </p:spPr>
+        <p:style>
+          <a:lnRef idx="2">
+            <a:schemeClr val="accent1">
+              <a:shade val="50000"/>
+            </a:schemeClr>
+          </a:lnRef>
+          <a:fillRef idx="1">
+            <a:schemeClr val="accent1"/>
+          </a:fillRef>
+          <a:effectRef idx="0">
+            <a:schemeClr val="accent1"/>
+          </a:effectRef>
+          <a:fontRef idx="minor">
+            <a:schemeClr val="lt1"/>
+          </a:fontRef>
+        </p:style>
+        <p:txBody>
+          <a:bodyPr rtlCol="0" anchor="ctr"/>
+          <a:lstStyle/>
+          <a:p>
+            <a:pPr algn="ctr"/>
+            <a:r>
+              <a:rPr lang="zh-TW" altLang="en-US" sz="1600" b="1" dirty="0" smtClean="0">
+                <a:solidFill>
+                  <a:schemeClr val="bg1"/>
+                </a:solidFill>
+              </a:rPr>
+              <a:t>輸出</a:t>
+            </a:r>
+            <a:endParaRPr lang="zh-TW" altLang="en-US" sz="1600" b="1" dirty="0">
+              <a:solidFill>
+                <a:schemeClr val="bg1"/>
+              </a:solidFill>
+            </a:endParaRPr>
+          </a:p>
+        </p:txBody>
+      </p:sp>
+      <p:sp>
+        <p:nvSpPr>
+          <p:cNvPr id="21" name="矩形 20"/>
+          <p:cNvSpPr/>
+          <p:nvPr/>
+        </p:nvSpPr>
+        <p:spPr>
+          <a:xfrm>
+            <a:off x="2040736" y="4093360"/>
+            <a:ext cx="1025495" cy="309635"/>
+          </a:xfrm>
+          <a:prstGeom prst="rect">
+            <a:avLst/>
+          </a:prstGeom>
+          <a:solidFill>
+            <a:schemeClr val="accent1">
+              <a:lumMod val="20000"/>
+              <a:lumOff val="80000"/>
+            </a:schemeClr>
+          </a:solidFill>
+          <a:ln>
+            <a:solidFill>
+              <a:schemeClr val="tx1"/>
+            </a:solidFill>
+          </a:ln>
+        </p:spPr>
+        <p:style>
+          <a:lnRef idx="2">
+            <a:schemeClr val="accent1">
+              <a:shade val="50000"/>
+            </a:schemeClr>
+          </a:lnRef>
+          <a:fillRef idx="1">
+            <a:schemeClr val="accent1"/>
+          </a:fillRef>
+          <a:effectRef idx="0">
+            <a:schemeClr val="accent1"/>
+          </a:effectRef>
+          <a:fontRef idx="minor">
+            <a:schemeClr val="lt1"/>
+          </a:fontRef>
+        </p:style>
+        <p:txBody>
+          <a:bodyPr rtlCol="0" anchor="ctr"/>
+          <a:lstStyle/>
+          <a:p>
+            <a:pPr algn="ctr"/>
+            <a:r>
+              <a:rPr lang="zh-TW" altLang="en-US" sz="1600" b="1" dirty="0" smtClean="0">
+                <a:solidFill>
+                  <a:schemeClr val="tx1"/>
+                </a:solidFill>
+              </a:rPr>
+              <a:t>變數宣告</a:t>
+            </a:r>
+            <a:endParaRPr lang="zh-TW" altLang="en-US" sz="1600" b="1" dirty="0">
+              <a:solidFill>
+                <a:schemeClr val="tx1"/>
+              </a:solidFill>
+            </a:endParaRPr>
+          </a:p>
+        </p:txBody>
+      </p:sp>
+    </p:spTree>
+    <p:extLst>
+      <p:ext uri="{BB962C8B-B14F-4D97-AF65-F5344CB8AC3E}">
+        <p14:creationId xmlns:p14="http://schemas.microsoft.com/office/powerpoint/2010/main" val="3287490915"/>
+      </p:ext>
+    </p:extLst>
+  </p:cSld>
+  <p:clrMapOvr>
+    <a:masterClrMapping/>
+  </p:clrMapOvr>
+</p:sld>
+</file>
+
+<file path=ppt/slides/slide4.xml><?xml version="1.0" encoding="utf-8"?>
 <p:sld xmlns:a="http://schemas.openxmlformats.org/drawingml/2006/main" xmlns:r="http://schemas.openxmlformats.org/officeDocument/2006/relationships" xmlns:p="http://schemas.openxmlformats.org/presentationml/2006/main">
   <p:cSld>
     <p:spTree>
@@ -10152,7 +16142,7 @@
 </p:sld>
 </file>
 
-<file path=ppt/slides/slide4.xml><?xml version="1.0" encoding="utf-8"?>
+<file path=ppt/slides/slide5.xml><?xml version="1.0" encoding="utf-8"?>
 <p:sld xmlns:a="http://schemas.openxmlformats.org/drawingml/2006/main" xmlns:r="http://schemas.openxmlformats.org/officeDocument/2006/relationships" xmlns:p="http://schemas.openxmlformats.org/presentationml/2006/main">
   <p:cSld>
     <p:spTree>
@@ -11306,7 +17296,7 @@
 </p:sld>
 </file>
 
-<file path=ppt/slides/slide5.xml><?xml version="1.0" encoding="utf-8"?>
+<file path=ppt/slides/slide6.xml><?xml version="1.0" encoding="utf-8"?>
 <p:sld xmlns:a="http://schemas.openxmlformats.org/drawingml/2006/main" xmlns:r="http://schemas.openxmlformats.org/officeDocument/2006/relationships" xmlns:p="http://schemas.openxmlformats.org/presentationml/2006/main">
   <p:cSld>
     <p:spTree>
@@ -12395,7 +18385,7 @@
 </p:sld>
 </file>
 
-<file path=ppt/slides/slide6.xml><?xml version="1.0" encoding="utf-8"?>
+<file path=ppt/slides/slide7.xml><?xml version="1.0" encoding="utf-8"?>
 <p:sld xmlns:a="http://schemas.openxmlformats.org/drawingml/2006/main" xmlns:r="http://schemas.openxmlformats.org/officeDocument/2006/relationships" xmlns:p="http://schemas.openxmlformats.org/presentationml/2006/main">
   <p:cSld>
     <p:spTree>
@@ -13687,7 +19677,7 @@
 </p:sld>
 </file>
 
-<file path=ppt/slides/slide7.xml><?xml version="1.0" encoding="utf-8"?>
+<file path=ppt/slides/slide8.xml><?xml version="1.0" encoding="utf-8"?>
 <p:sld xmlns:a="http://schemas.openxmlformats.org/drawingml/2006/main" xmlns:r="http://schemas.openxmlformats.org/officeDocument/2006/relationships" xmlns:p="http://schemas.openxmlformats.org/presentationml/2006/main">
   <p:cSld>
     <p:spTree>
@@ -13749,7 +19739,12 @@
             <p:ph idx="1"/>
           </p:nvPr>
         </p:nvSpPr>
-        <p:spPr/>
+        <p:spPr>
+          <a:xfrm>
+            <a:off x="677334" y="1930401"/>
+            <a:ext cx="8596668" cy="4110962"/>
+          </a:xfrm>
+        </p:spPr>
         <p:txBody>
           <a:bodyPr/>
           <a:lstStyle/>
@@ -13812,12 +19807,23 @@
           </a:p>
           <a:p>
             <a:r>
+              <a:rPr lang="zh-TW" altLang="en-US" dirty="0" smtClean="0"/>
+              <a:t>加號對於文字來說是</a:t>
+            </a:r>
+            <a:r>
               <a:rPr lang="zh-TW" altLang="en-US" dirty="0"/>
-              <a:t>加號是串</a:t>
+              <a:t>串</a:t>
             </a:r>
             <a:r>
               <a:rPr lang="zh-TW" altLang="en-US" dirty="0" smtClean="0"/>
-              <a:t>接的意思，串接後面的</a:t>
+              <a:t>接的意思，不是數學的加法。</a:t>
+            </a:r>
+            <a:endParaRPr lang="en-US" altLang="zh-TW" dirty="0" smtClean="0"/>
+          </a:p>
+          <a:p>
+            <a:r>
+              <a:rPr lang="zh-TW" altLang="en-US" dirty="0" smtClean="0"/>
+              <a:t>串接後面的</a:t>
             </a:r>
             <a:r>
               <a:rPr lang="en-US" altLang="zh-TW" dirty="0" smtClean="0"/>
@@ -13887,7 +19893,7 @@
         </p:blipFill>
         <p:spPr>
           <a:xfrm>
-            <a:off x="1120711" y="2160589"/>
+            <a:off x="975432" y="1906328"/>
             <a:ext cx="8963025" cy="361950"/>
           </a:xfrm>
           <a:prstGeom prst="rect">
@@ -14181,187 +20187,6 @@
 </p:sld>
 </file>
 
-<file path=ppt/slides/slide8.xml><?xml version="1.0" encoding="utf-8"?>
-<p:sld xmlns:a="http://schemas.openxmlformats.org/drawingml/2006/main" xmlns:r="http://schemas.openxmlformats.org/officeDocument/2006/relationships" xmlns:p="http://schemas.openxmlformats.org/presentationml/2006/main">
-  <p:cSld>
-    <p:spTree>
-      <p:nvGrpSpPr>
-        <p:cNvPr id="1" name=""/>
-        <p:cNvGrpSpPr/>
-        <p:nvPr/>
-      </p:nvGrpSpPr>
-      <p:grpSpPr>
-        <a:xfrm>
-          <a:off x="0" y="0"/>
-          <a:ext cx="0" cy="0"/>
-          <a:chOff x="0" y="0"/>
-          <a:chExt cx="0" cy="0"/>
-        </a:xfrm>
-      </p:grpSpPr>
-      <p:sp>
-        <p:nvSpPr>
-          <p:cNvPr id="2" name="標題 1"/>
-          <p:cNvSpPr>
-            <a:spLocks noGrp="1"/>
-          </p:cNvSpPr>
-          <p:nvPr>
-            <p:ph type="title"/>
-          </p:nvPr>
-        </p:nvSpPr>
-        <p:spPr/>
-        <p:txBody>
-          <a:bodyPr/>
-          <a:lstStyle/>
-          <a:p>
-            <a:r>
-              <a:rPr lang="zh-TW" altLang="en-US" dirty="0"/>
-              <a:t>練習一</a:t>
-            </a:r>
-            <a:r>
-              <a:rPr lang="en-US" altLang="zh-TW" dirty="0"/>
-              <a:t/>
-            </a:r>
-            <a:br>
-              <a:rPr lang="en-US" altLang="zh-TW" dirty="0"/>
-            </a:br>
-            <a:r>
-              <a:rPr lang="zh-TW" altLang="en-US" dirty="0" smtClean="0"/>
-              <a:t>輸入矩形長與寬，算面積</a:t>
-            </a:r>
-            <a:endParaRPr lang="zh-TW" altLang="en-US" dirty="0"/>
-          </a:p>
-        </p:txBody>
-      </p:sp>
-      <p:sp>
-        <p:nvSpPr>
-          <p:cNvPr id="3" name="內容版面配置區 2"/>
-          <p:cNvSpPr>
-            <a:spLocks noGrp="1"/>
-          </p:cNvSpPr>
-          <p:nvPr>
-            <p:ph idx="1"/>
-          </p:nvPr>
-        </p:nvSpPr>
-        <p:spPr/>
-        <p:txBody>
-          <a:bodyPr/>
-          <a:lstStyle/>
-          <a:p>
-            <a:r>
-              <a:rPr lang="zh-TW" altLang="en-US" dirty="0"/>
-              <a:t>請設計一個程式，讓我可以</a:t>
-            </a:r>
-            <a:r>
-              <a:rPr lang="zh-TW" altLang="en-US" dirty="0" smtClean="0"/>
-              <a:t>輸入矩形的長與寬，然後幫我算出面積。</a:t>
-            </a:r>
-            <a:endParaRPr lang="en-US" altLang="zh-TW" dirty="0" smtClean="0"/>
-          </a:p>
-          <a:p>
-            <a:r>
-              <a:rPr lang="zh-TW" altLang="en-US" dirty="0"/>
-              <a:t>考慮重點：</a:t>
-            </a:r>
-            <a:endParaRPr lang="en-US" altLang="zh-TW" dirty="0"/>
-          </a:p>
-          <a:p>
-            <a:pPr lvl="1"/>
-            <a:r>
-              <a:rPr lang="zh-TW" altLang="en-US" dirty="0"/>
-              <a:t>輸入</a:t>
-            </a:r>
-            <a:r>
-              <a:rPr lang="zh-TW" altLang="en-US" dirty="0" smtClean="0"/>
-              <a:t>：長與寬</a:t>
-            </a:r>
-            <a:endParaRPr lang="en-US" altLang="zh-TW" dirty="0"/>
-          </a:p>
-          <a:p>
-            <a:pPr lvl="1"/>
-            <a:r>
-              <a:rPr lang="zh-TW" altLang="en-US" dirty="0"/>
-              <a:t>輸出</a:t>
-            </a:r>
-            <a:r>
-              <a:rPr lang="zh-TW" altLang="en-US" dirty="0" smtClean="0"/>
-              <a:t>：</a:t>
-            </a:r>
-            <a:r>
-              <a:rPr lang="zh-TW" altLang="en-US" dirty="0"/>
-              <a:t>矩形面積</a:t>
-            </a:r>
-            <a:endParaRPr lang="en-US" altLang="zh-TW" dirty="0"/>
-          </a:p>
-          <a:p>
-            <a:pPr lvl="1"/>
-            <a:r>
-              <a:rPr lang="zh-TW" altLang="en-US" dirty="0"/>
-              <a:t>變數宣告：需要幾個？叫甚麼名字？</a:t>
-            </a:r>
-          </a:p>
-          <a:p>
-            <a:endParaRPr lang="en-US" altLang="zh-TW" dirty="0"/>
-          </a:p>
-        </p:txBody>
-      </p:sp>
-      <p:sp>
-        <p:nvSpPr>
-          <p:cNvPr id="4" name="文字方塊 3"/>
-          <p:cNvSpPr txBox="1"/>
-          <p:nvPr/>
-        </p:nvSpPr>
-        <p:spPr>
-          <a:xfrm>
-            <a:off x="677334" y="5322319"/>
-            <a:ext cx="1669047" cy="369332"/>
-          </a:xfrm>
-          <a:prstGeom prst="rect">
-            <a:avLst/>
-          </a:prstGeom>
-          <a:noFill/>
-        </p:spPr>
-        <p:txBody>
-          <a:bodyPr wrap="none" rtlCol="0">
-            <a:spAutoFit/>
-          </a:bodyPr>
-          <a:lstStyle/>
-          <a:p>
-            <a:r>
-              <a:rPr lang="en-US" altLang="zh-TW" dirty="0" smtClean="0">
-                <a:solidFill>
-                  <a:srgbClr val="C00000"/>
-                </a:solidFill>
-              </a:rPr>
-              <a:t>Example03_01</a:t>
-            </a:r>
-            <a:endParaRPr lang="zh-TW" altLang="en-US" dirty="0">
-              <a:solidFill>
-                <a:srgbClr val="C00000"/>
-              </a:solidFill>
-            </a:endParaRPr>
-          </a:p>
-        </p:txBody>
-      </p:sp>
-    </p:spTree>
-    <p:extLst>
-      <p:ext uri="{BB962C8B-B14F-4D97-AF65-F5344CB8AC3E}">
-        <p14:creationId xmlns:p14="http://schemas.microsoft.com/office/powerpoint/2010/main" val="2732749823"/>
-      </p:ext>
-    </p:extLst>
-  </p:cSld>
-  <p:clrMapOvr>
-    <a:masterClrMapping/>
-  </p:clrMapOvr>
-  <p:timing>
-    <p:tnLst>
-      <p:par>
-        <p:cTn id="1" dur="indefinite" restart="never" nodeType="tmRoot"/>
-      </p:par>
-    </p:tnLst>
-  </p:timing>
-</p:sld>
-</file>
-
 <file path=ppt/slides/slide9.xml><?xml version="1.0" encoding="utf-8"?>
 <p:sld xmlns:a="http://schemas.openxmlformats.org/drawingml/2006/main" xmlns:r="http://schemas.openxmlformats.org/officeDocument/2006/relationships" xmlns:p="http://schemas.openxmlformats.org/presentationml/2006/main">
   <p:cSld>
@@ -14395,13 +20220,21 @@
           <a:lstStyle/>
           <a:p>
             <a:r>
+              <a:rPr lang="zh-TW" altLang="en-US" dirty="0"/>
+              <a:t>練習一</a:t>
+            </a:r>
+            <a:r>
+              <a:rPr lang="en-US" altLang="zh-TW" dirty="0"/>
+              <a:t/>
+            </a:r>
+            <a:br>
+              <a:rPr lang="en-US" altLang="zh-TW" dirty="0"/>
+            </a:br>
+            <a:r>
               <a:rPr lang="zh-TW" altLang="en-US" dirty="0" smtClean="0"/>
-              <a:t>練習一參考</a:t>
-            </a:r>
-            <a:r>
-              <a:rPr lang="zh-TW" altLang="en-US" dirty="0"/>
-              <a:t>解答</a:t>
-            </a:r>
+              <a:t>輸入矩形長與寬，算面積</a:t>
+            </a:r>
+            <a:endParaRPr lang="zh-TW" altLang="en-US" dirty="0"/>
           </a:p>
         </p:txBody>
       </p:sp>
@@ -14420,62 +20253,355 @@
           <a:bodyPr/>
           <a:lstStyle/>
           <a:p>
-            <a:endParaRPr lang="zh-TW" altLang="en-US"/>
+            <a:r>
+              <a:rPr lang="zh-TW" altLang="en-US" dirty="0"/>
+              <a:t>請設計一個程式，讓我可以</a:t>
+            </a:r>
+            <a:r>
+              <a:rPr lang="zh-TW" altLang="en-US" dirty="0" smtClean="0"/>
+              <a:t>輸入矩形的長與寬，然後幫我算出面積。</a:t>
+            </a:r>
+            <a:endParaRPr lang="en-US" altLang="zh-TW" dirty="0" smtClean="0"/>
+          </a:p>
+          <a:p>
+            <a:r>
+              <a:rPr lang="zh-TW" altLang="en-US" dirty="0"/>
+              <a:t>考慮重點：</a:t>
+            </a:r>
+            <a:endParaRPr lang="en-US" altLang="zh-TW" dirty="0"/>
+          </a:p>
+          <a:p>
+            <a:pPr lvl="1"/>
+            <a:r>
+              <a:rPr lang="zh-TW" altLang="en-US" dirty="0"/>
+              <a:t>輸入</a:t>
+            </a:r>
+            <a:r>
+              <a:rPr lang="zh-TW" altLang="en-US" dirty="0" smtClean="0"/>
+              <a:t>：長與寬</a:t>
+            </a:r>
+            <a:endParaRPr lang="en-US" altLang="zh-TW" dirty="0"/>
+          </a:p>
+          <a:p>
+            <a:pPr lvl="1"/>
+            <a:r>
+              <a:rPr lang="zh-TW" altLang="en-US" dirty="0"/>
+              <a:t>輸出</a:t>
+            </a:r>
+            <a:r>
+              <a:rPr lang="zh-TW" altLang="en-US" dirty="0" smtClean="0"/>
+              <a:t>：</a:t>
+            </a:r>
+            <a:r>
+              <a:rPr lang="zh-TW" altLang="en-US" dirty="0"/>
+              <a:t>矩形面積</a:t>
+            </a:r>
+            <a:endParaRPr lang="en-US" altLang="zh-TW" dirty="0"/>
+          </a:p>
+          <a:p>
+            <a:pPr lvl="1"/>
+            <a:r>
+              <a:rPr lang="zh-TW" altLang="en-US" dirty="0"/>
+              <a:t>變數宣告：需要幾個？叫甚麼名字？</a:t>
+            </a:r>
+          </a:p>
+          <a:p>
+            <a:endParaRPr lang="en-US" altLang="zh-TW" dirty="0"/>
           </a:p>
         </p:txBody>
       </p:sp>
-      <p:pic>
-        <p:nvPicPr>
-          <p:cNvPr id="4" name="圖片 3"/>
-          <p:cNvPicPr>
-            <a:picLocks noChangeAspect="1"/>
-          </p:cNvPicPr>
+      <p:sp>
+        <p:nvSpPr>
+          <p:cNvPr id="4" name="文字方塊 3"/>
+          <p:cNvSpPr txBox="1"/>
           <p:nvPr/>
-        </p:nvPicPr>
-        <p:blipFill>
-          <a:blip r:embed="rId2"/>
-          <a:stretch>
-            <a:fillRect/>
-          </a:stretch>
-        </p:blipFill>
+        </p:nvSpPr>
         <p:spPr>
           <a:xfrm>
-            <a:off x="555689" y="1509563"/>
-            <a:ext cx="5790248" cy="4898748"/>
+            <a:off x="677334" y="5322319"/>
+            <a:ext cx="1669047" cy="369332"/>
           </a:xfrm>
           <a:prstGeom prst="rect">
             <a:avLst/>
           </a:prstGeom>
+          <a:noFill/>
         </p:spPr>
-      </p:pic>
-      <p:pic>
-        <p:nvPicPr>
-          <p:cNvPr id="5" name="圖片 4"/>
-          <p:cNvPicPr>
-            <a:picLocks noChangeAspect="1"/>
-          </p:cNvPicPr>
+        <p:txBody>
+          <a:bodyPr wrap="none" rtlCol="0">
+            <a:spAutoFit/>
+          </a:bodyPr>
+          <a:lstStyle/>
+          <a:p>
+            <a:r>
+              <a:rPr lang="en-US" altLang="zh-TW" dirty="0" smtClean="0">
+                <a:solidFill>
+                  <a:srgbClr val="C00000"/>
+                </a:solidFill>
+              </a:rPr>
+              <a:t>Example03_01</a:t>
+            </a:r>
+            <a:endParaRPr lang="zh-TW" altLang="en-US" dirty="0">
+              <a:solidFill>
+                <a:srgbClr val="C00000"/>
+              </a:solidFill>
+            </a:endParaRPr>
+          </a:p>
+        </p:txBody>
+      </p:sp>
+      <p:grpSp>
+        <p:nvGrpSpPr>
+          <p:cNvPr id="5" name="群組 4"/>
+          <p:cNvGrpSpPr/>
           <p:nvPr/>
-        </p:nvPicPr>
-        <p:blipFill>
-          <a:blip r:embed="rId3"/>
-          <a:stretch>
-            <a:fillRect/>
-          </a:stretch>
-        </p:blipFill>
-        <p:spPr>
+        </p:nvGrpSpPr>
+        <p:grpSpPr>
           <a:xfrm>
-            <a:off x="6749877" y="2666809"/>
-            <a:ext cx="5048250" cy="1762125"/>
+            <a:off x="6510146" y="3811424"/>
+            <a:ext cx="4908613" cy="2863696"/>
+            <a:chOff x="8833104" y="502920"/>
+            <a:chExt cx="2587752" cy="1427480"/>
           </a:xfrm>
-          <a:prstGeom prst="rect">
-            <a:avLst/>
-          </a:prstGeom>
-        </p:spPr>
-      </p:pic>
+        </p:grpSpPr>
+        <p:sp>
+          <p:nvSpPr>
+            <p:cNvPr id="6" name="圓角矩形 5"/>
+            <p:cNvSpPr/>
+            <p:nvPr/>
+          </p:nvSpPr>
+          <p:spPr>
+            <a:xfrm>
+              <a:off x="8833104" y="502920"/>
+              <a:ext cx="2587752" cy="1197864"/>
+            </a:xfrm>
+            <a:prstGeom prst="roundRect">
+              <a:avLst/>
+            </a:prstGeom>
+            <a:solidFill>
+              <a:schemeClr val="tx1"/>
+            </a:solidFill>
+            <a:ln>
+              <a:solidFill>
+                <a:schemeClr val="tx1"/>
+              </a:solidFill>
+            </a:ln>
+          </p:spPr>
+          <p:style>
+            <a:lnRef idx="2">
+              <a:schemeClr val="accent1">
+                <a:shade val="50000"/>
+              </a:schemeClr>
+            </a:lnRef>
+            <a:fillRef idx="1">
+              <a:schemeClr val="accent1"/>
+            </a:fillRef>
+            <a:effectRef idx="0">
+              <a:schemeClr val="accent1"/>
+            </a:effectRef>
+            <a:fontRef idx="minor">
+              <a:schemeClr val="lt1"/>
+            </a:fontRef>
+          </p:style>
+          <p:txBody>
+            <a:bodyPr rtlCol="0" anchor="ctr"/>
+            <a:lstStyle/>
+            <a:p>
+              <a:pPr algn="ctr"/>
+              <a:endParaRPr lang="zh-TW" altLang="en-US"/>
+            </a:p>
+          </p:txBody>
+        </p:sp>
+        <p:sp>
+          <p:nvSpPr>
+            <p:cNvPr id="7" name="矩形 6"/>
+            <p:cNvSpPr/>
+            <p:nvPr/>
+          </p:nvSpPr>
+          <p:spPr>
+            <a:xfrm>
+              <a:off x="8942832" y="609600"/>
+              <a:ext cx="2386584" cy="999744"/>
+            </a:xfrm>
+            <a:prstGeom prst="rect">
+              <a:avLst/>
+            </a:prstGeom>
+            <a:solidFill>
+              <a:schemeClr val="bg2">
+                <a:lumMod val="90000"/>
+              </a:schemeClr>
+            </a:solidFill>
+            <a:ln>
+              <a:solidFill>
+                <a:schemeClr val="tx1"/>
+              </a:solidFill>
+            </a:ln>
+          </p:spPr>
+          <p:style>
+            <a:lnRef idx="2">
+              <a:schemeClr val="accent1">
+                <a:shade val="50000"/>
+              </a:schemeClr>
+            </a:lnRef>
+            <a:fillRef idx="1">
+              <a:schemeClr val="accent1"/>
+            </a:fillRef>
+            <a:effectRef idx="0">
+              <a:schemeClr val="accent1"/>
+            </a:effectRef>
+            <a:fontRef idx="minor">
+              <a:schemeClr val="lt1"/>
+            </a:fontRef>
+          </p:style>
+          <p:txBody>
+            <a:bodyPr rtlCol="0" anchor="t"/>
+            <a:lstStyle/>
+            <a:p>
+              <a:r>
+                <a:rPr lang="zh-TW" altLang="en-US" dirty="0" smtClean="0">
+                  <a:solidFill>
+                    <a:schemeClr val="tx1"/>
+                  </a:solidFill>
+                </a:rPr>
+                <a:t>請輸入長</a:t>
+              </a:r>
+              <a:r>
+                <a:rPr lang="en-US" altLang="zh-TW" dirty="0" smtClean="0">
+                  <a:solidFill>
+                    <a:schemeClr val="tx1"/>
+                  </a:solidFill>
+                </a:rPr>
+                <a:t>=</a:t>
+              </a:r>
+              <a:r>
+                <a:rPr lang="en-US" altLang="zh-TW" dirty="0" smtClean="0">
+                  <a:solidFill>
+                    <a:srgbClr val="0070C0"/>
+                  </a:solidFill>
+                </a:rPr>
+                <a:t> </a:t>
+              </a:r>
+              <a:r>
+                <a:rPr lang="en-US" altLang="zh-TW" dirty="0">
+                  <a:solidFill>
+                    <a:srgbClr val="0070C0"/>
+                  </a:solidFill>
+                </a:rPr>
+                <a:t>10</a:t>
+              </a:r>
+              <a:endParaRPr lang="en-US" altLang="zh-TW" dirty="0" smtClean="0">
+                <a:solidFill>
+                  <a:schemeClr val="tx1"/>
+                </a:solidFill>
+              </a:endParaRPr>
+            </a:p>
+            <a:p>
+              <a:r>
+                <a:rPr lang="zh-TW" altLang="en-US" dirty="0" smtClean="0">
+                  <a:solidFill>
+                    <a:schemeClr val="tx1"/>
+                  </a:solidFill>
+                </a:rPr>
+                <a:t>請輸入寬</a:t>
+              </a:r>
+              <a:r>
+                <a:rPr lang="en-US" altLang="zh-TW" dirty="0" smtClean="0">
+                  <a:solidFill>
+                    <a:schemeClr val="tx1"/>
+                  </a:solidFill>
+                </a:rPr>
+                <a:t>=</a:t>
+              </a:r>
+              <a:r>
+                <a:rPr lang="en-US" altLang="zh-TW" dirty="0" smtClean="0">
+                  <a:solidFill>
+                    <a:srgbClr val="0070C0"/>
+                  </a:solidFill>
+                </a:rPr>
+                <a:t>30</a:t>
+              </a:r>
+              <a:endParaRPr lang="zh-TW" altLang="en-US" dirty="0">
+                <a:solidFill>
+                  <a:srgbClr val="0070C0"/>
+                </a:solidFill>
+              </a:endParaRPr>
+            </a:p>
+            <a:p>
+              <a:r>
+                <a:rPr lang="zh-TW" altLang="en-US" dirty="0" smtClean="0">
+                  <a:solidFill>
+                    <a:schemeClr val="tx1"/>
+                  </a:solidFill>
+                </a:rPr>
+                <a:t>矩形面積</a:t>
+              </a:r>
+              <a:r>
+                <a:rPr lang="en-US" altLang="zh-TW" dirty="0" smtClean="0">
+                  <a:solidFill>
+                    <a:schemeClr val="tx1"/>
+                  </a:solidFill>
+                </a:rPr>
+                <a:t>=300</a:t>
+              </a:r>
+              <a:endParaRPr lang="zh-TW" altLang="en-US" dirty="0">
+                <a:solidFill>
+                  <a:schemeClr val="tx1"/>
+                </a:solidFill>
+              </a:endParaRPr>
+            </a:p>
+          </p:txBody>
+        </p:sp>
+        <p:sp>
+          <p:nvSpPr>
+            <p:cNvPr id="8" name="梯形 7"/>
+            <p:cNvSpPr/>
+            <p:nvPr/>
+          </p:nvSpPr>
+          <p:spPr>
+            <a:xfrm>
+              <a:off x="9811512" y="1700784"/>
+              <a:ext cx="713232" cy="229616"/>
+            </a:xfrm>
+            <a:prstGeom prst="trapezoid">
+              <a:avLst/>
+            </a:prstGeom>
+            <a:solidFill>
+              <a:schemeClr val="tx1"/>
+            </a:solidFill>
+            <a:ln>
+              <a:solidFill>
+                <a:schemeClr val="tx1"/>
+              </a:solidFill>
+            </a:ln>
+          </p:spPr>
+          <p:style>
+            <a:lnRef idx="2">
+              <a:schemeClr val="accent1">
+                <a:shade val="50000"/>
+              </a:schemeClr>
+            </a:lnRef>
+            <a:fillRef idx="1">
+              <a:schemeClr val="accent1"/>
+            </a:fillRef>
+            <a:effectRef idx="0">
+              <a:schemeClr val="accent1"/>
+            </a:effectRef>
+            <a:fontRef idx="minor">
+              <a:schemeClr val="lt1"/>
+            </a:fontRef>
+          </p:style>
+          <p:txBody>
+            <a:bodyPr rtlCol="0" anchor="ctr"/>
+            <a:lstStyle/>
+            <a:p>
+              <a:pPr algn="ctr"/>
+              <a:endParaRPr lang="zh-TW" altLang="en-US"/>
+            </a:p>
+          </p:txBody>
+        </p:sp>
+      </p:grpSp>
     </p:spTree>
     <p:extLst>
       <p:ext uri="{BB962C8B-B14F-4D97-AF65-F5344CB8AC3E}">
-        <p14:creationId xmlns:p14="http://schemas.microsoft.com/office/powerpoint/2010/main" val="3946003581"/>
+        <p14:creationId xmlns:p14="http://schemas.microsoft.com/office/powerpoint/2010/main" val="2732749823"/>
       </p:ext>
     </p:extLst>
   </p:cSld>
@@ -14485,7 +20611,75 @@
   <p:timing>
     <p:tnLst>
       <p:par>
-        <p:cTn id="1" dur="indefinite" restart="never" nodeType="tmRoot"/>
+        <p:cTn id="1" dur="indefinite" restart="never" nodeType="tmRoot">
+          <p:childTnLst>
+            <p:seq concurrent="1" nextAc="seek">
+              <p:cTn id="2" dur="indefinite" nodeType="mainSeq">
+                <p:childTnLst>
+                  <p:par>
+                    <p:cTn id="3" fill="hold">
+                      <p:stCondLst>
+                        <p:cond delay="indefinite"/>
+                      </p:stCondLst>
+                      <p:childTnLst>
+                        <p:par>
+                          <p:cTn id="4" fill="hold">
+                            <p:stCondLst>
+                              <p:cond delay="0"/>
+                            </p:stCondLst>
+                            <p:childTnLst>
+                              <p:par>
+                                <p:cTn id="5" presetID="1" presetClass="entr" presetSubtype="0" fill="hold" nodeType="clickEffect">
+                                  <p:stCondLst>
+                                    <p:cond delay="0"/>
+                                  </p:stCondLst>
+                                  <p:childTnLst>
+                                    <p:set>
+                                      <p:cBhvr>
+                                        <p:cTn id="6" dur="1" fill="hold">
+                                          <p:stCondLst>
+                                            <p:cond delay="0"/>
+                                          </p:stCondLst>
+                                        </p:cTn>
+                                        <p:tgtEl>
+                                          <p:spTgt spid="5"/>
+                                        </p:tgtEl>
+                                        <p:attrNameLst>
+                                          <p:attrName>style.visibility</p:attrName>
+                                        </p:attrNameLst>
+                                      </p:cBhvr>
+                                      <p:to>
+                                        <p:strVal val="visible"/>
+                                      </p:to>
+                                    </p:set>
+                                  </p:childTnLst>
+                                </p:cTn>
+                              </p:par>
+                            </p:childTnLst>
+                          </p:cTn>
+                        </p:par>
+                      </p:childTnLst>
+                    </p:cTn>
+                  </p:par>
+                </p:childTnLst>
+              </p:cTn>
+              <p:prevCondLst>
+                <p:cond evt="onPrev" delay="0">
+                  <p:tgtEl>
+                    <p:sldTgt/>
+                  </p:tgtEl>
+                </p:cond>
+              </p:prevCondLst>
+              <p:nextCondLst>
+                <p:cond evt="onNext" delay="0">
+                  <p:tgtEl>
+                    <p:sldTgt/>
+                  </p:tgtEl>
+                </p:cond>
+              </p:nextCondLst>
+            </p:seq>
+          </p:childTnLst>
+        </p:cTn>
       </p:par>
     </p:tnLst>
   </p:timing>

--- a/LCC/Java/03_程式語言基本法.pptx
+++ b/LCC/Java/03_程式語言基本法.pptx
@@ -866,7 +866,7 @@
             <a:fld id="{B61BEF0D-F0BB-DE4B-95CE-6DB70DBA9567}" type="datetimeFigureOut">
               <a:rPr lang="en-US" dirty="0"/>
               <a:pPr/>
-              <a:t>9/15/2021</a:t>
+              <a:t>9/24/2021</a:t>
             </a:fld>
             <a:endParaRPr lang="en-US" dirty="0"/>
           </a:p>
@@ -1114,7 +1114,7 @@
             <a:fld id="{B61BEF0D-F0BB-DE4B-95CE-6DB70DBA9567}" type="datetimeFigureOut">
               <a:rPr lang="en-US" dirty="0"/>
               <a:pPr/>
-              <a:t>9/15/2021</a:t>
+              <a:t>9/24/2021</a:t>
             </a:fld>
             <a:endParaRPr lang="en-US" dirty="0"/>
           </a:p>
@@ -1425,7 +1425,7 @@
             <a:fld id="{B61BEF0D-F0BB-DE4B-95CE-6DB70DBA9567}" type="datetimeFigureOut">
               <a:rPr lang="en-US" dirty="0"/>
               <a:pPr/>
-              <a:t>9/15/2021</a:t>
+              <a:t>9/24/2021</a:t>
             </a:fld>
             <a:endParaRPr lang="en-US" dirty="0"/>
           </a:p>
@@ -1763,7 +1763,7 @@
             <a:fld id="{B61BEF0D-F0BB-DE4B-95CE-6DB70DBA9567}" type="datetimeFigureOut">
               <a:rPr lang="en-US" dirty="0"/>
               <a:pPr/>
-              <a:t>9/15/2021</a:t>
+              <a:t>9/24/2021</a:t>
             </a:fld>
             <a:endParaRPr lang="en-US" dirty="0"/>
           </a:p>
@@ -2074,7 +2074,7 @@
             <a:fld id="{B61BEF0D-F0BB-DE4B-95CE-6DB70DBA9567}" type="datetimeFigureOut">
               <a:rPr lang="en-US" dirty="0"/>
               <a:pPr/>
-              <a:t>9/15/2021</a:t>
+              <a:t>9/24/2021</a:t>
             </a:fld>
             <a:endParaRPr lang="en-US" dirty="0"/>
           </a:p>
@@ -2464,7 +2464,7 @@
             <a:fld id="{B61BEF0D-F0BB-DE4B-95CE-6DB70DBA9567}" type="datetimeFigureOut">
               <a:rPr lang="en-US" dirty="0"/>
               <a:pPr/>
-              <a:t>9/15/2021</a:t>
+              <a:t>9/24/2021</a:t>
             </a:fld>
             <a:endParaRPr lang="en-US" dirty="0"/>
           </a:p>
@@ -2630,7 +2630,7 @@
           <a:p>
             <a:fld id="{55C6B4A9-1611-4792-9094-5F34BCA07E0B}" type="datetimeFigureOut">
               <a:rPr lang="en-US" dirty="0"/>
-              <a:t>9/15/2021</a:t>
+              <a:t>9/24/2021</a:t>
             </a:fld>
             <a:endParaRPr lang="en-US" dirty="0"/>
           </a:p>
@@ -2806,7 +2806,7 @@
             <a:fld id="{B61BEF0D-F0BB-DE4B-95CE-6DB70DBA9567}" type="datetimeFigureOut">
               <a:rPr lang="en-US" dirty="0"/>
               <a:pPr/>
-              <a:t>9/15/2021</a:t>
+              <a:t>9/24/2021</a:t>
             </a:fld>
             <a:endParaRPr lang="en-US" dirty="0"/>
           </a:p>
@@ -2987,7 +2987,7 @@
             <a:fld id="{B61BEF0D-F0BB-DE4B-95CE-6DB70DBA9567}" type="datetimeFigureOut">
               <a:rPr lang="en-US" dirty="0"/>
               <a:pPr/>
-              <a:t>9/15/2021</a:t>
+              <a:t>9/24/2021</a:t>
             </a:fld>
             <a:endParaRPr lang="en-US" dirty="0"/>
           </a:p>
@@ -3033,35 +3033,6 @@
               <a:t>‹#›</a:t>
             </a:fld>
             <a:endParaRPr lang="en-US" dirty="0"/>
-          </a:p>
-        </p:txBody>
-      </p:sp>
-      <p:sp>
-        <p:nvSpPr>
-          <p:cNvPr id="7" name="矩形 6"/>
-          <p:cNvSpPr/>
-          <p:nvPr userDrawn="1"/>
-        </p:nvSpPr>
-        <p:spPr>
-          <a:xfrm>
-            <a:off x="604287" y="6406487"/>
-            <a:ext cx="6127255" cy="369332"/>
-          </a:xfrm>
-          <a:prstGeom prst="rect">
-            <a:avLst/>
-          </a:prstGeom>
-        </p:spPr>
-        <p:txBody>
-          <a:bodyPr wrap="none">
-            <a:spAutoFit/>
-          </a:bodyPr>
-          <a:lstStyle/>
-          <a:p>
-            <a:r>
-              <a:rPr lang="zh-TW" altLang="en-US" dirty="0" smtClean="0"/>
-              <a:t>https://github.com/liulawsi/Java-Class-Reference-Codes</a:t>
-            </a:r>
-            <a:endParaRPr lang="zh-TW" altLang="en-US" dirty="0"/>
           </a:p>
         </p:txBody>
       </p:sp>
@@ -3260,7 +3231,7 @@
             <a:fld id="{B61BEF0D-F0BB-DE4B-95CE-6DB70DBA9567}" type="datetimeFigureOut">
               <a:rPr lang="en-US" dirty="0"/>
               <a:pPr/>
-              <a:t>9/15/2021</a:t>
+              <a:t>9/24/2021</a:t>
             </a:fld>
             <a:endParaRPr lang="en-US" dirty="0"/>
           </a:p>
@@ -3488,7 +3459,7 @@
           <a:p>
             <a:fld id="{EB712588-04B1-427B-82EE-E8DB90309F08}" type="datetimeFigureOut">
               <a:rPr lang="en-US" dirty="0"/>
-              <a:t>9/15/2021</a:t>
+              <a:t>9/24/2021</a:t>
             </a:fld>
             <a:endParaRPr lang="en-US" dirty="0"/>
           </a:p>
@@ -3858,7 +3829,7 @@
             <a:fld id="{B61BEF0D-F0BB-DE4B-95CE-6DB70DBA9567}" type="datetimeFigureOut">
               <a:rPr lang="en-US" dirty="0"/>
               <a:pPr/>
-              <a:t>9/15/2021</a:t>
+              <a:t>9/24/2021</a:t>
             </a:fld>
             <a:endParaRPr lang="en-US" dirty="0"/>
           </a:p>
@@ -3978,7 +3949,7 @@
             <a:fld id="{B61BEF0D-F0BB-DE4B-95CE-6DB70DBA9567}" type="datetimeFigureOut">
               <a:rPr lang="en-US" dirty="0"/>
               <a:pPr/>
-              <a:t>9/15/2021</a:t>
+              <a:t>9/24/2021</a:t>
             </a:fld>
             <a:endParaRPr lang="en-US" dirty="0"/>
           </a:p>
@@ -4070,7 +4041,7 @@
             <a:fld id="{B61BEF0D-F0BB-DE4B-95CE-6DB70DBA9567}" type="datetimeFigureOut">
               <a:rPr lang="en-US" dirty="0"/>
               <a:pPr/>
-              <a:t>9/15/2021</a:t>
+              <a:t>9/24/2021</a:t>
             </a:fld>
             <a:endParaRPr lang="en-US" dirty="0"/>
           </a:p>
@@ -4321,7 +4292,7 @@
           <a:p>
             <a:fld id="{42A54C80-263E-416B-A8E0-580EDEADCBDC}" type="datetimeFigureOut">
               <a:rPr lang="en-US" dirty="0"/>
-              <a:t>9/15/2021</a:t>
+              <a:t>9/24/2021</a:t>
             </a:fld>
             <a:endParaRPr lang="en-US" dirty="0"/>
           </a:p>
@@ -4580,7 +4551,7 @@
             <a:fld id="{B61BEF0D-F0BB-DE4B-95CE-6DB70DBA9567}" type="datetimeFigureOut">
               <a:rPr lang="en-US" dirty="0"/>
               <a:pPr/>
-              <a:t>9/15/2021</a:t>
+              <a:t>9/24/2021</a:t>
             </a:fld>
             <a:endParaRPr lang="en-US" dirty="0"/>
           </a:p>
@@ -5320,7 +5291,7 @@
             <a:fld id="{B61BEF0D-F0BB-DE4B-95CE-6DB70DBA9567}" type="datetimeFigureOut">
               <a:rPr lang="en-US" dirty="0"/>
               <a:pPr/>
-              <a:t>9/15/2021</a:t>
+              <a:t>9/24/2021</a:t>
             </a:fld>
             <a:endParaRPr lang="en-US" dirty="0"/>
           </a:p>
@@ -5444,6 +5415,129 @@
           </a:extLst>
         </p:spPr>
       </p:pic>
+      <p:sp>
+        <p:nvSpPr>
+          <p:cNvPr id="19" name="矩形 18"/>
+          <p:cNvSpPr/>
+          <p:nvPr userDrawn="1"/>
+        </p:nvSpPr>
+        <p:spPr>
+          <a:xfrm>
+            <a:off x="444564" y="6509203"/>
+            <a:ext cx="2728632" cy="369332"/>
+          </a:xfrm>
+          <a:prstGeom prst="rect">
+            <a:avLst/>
+          </a:prstGeom>
+        </p:spPr>
+        <p:txBody>
+          <a:bodyPr wrap="none">
+            <a:spAutoFit/>
+          </a:bodyPr>
+          <a:lstStyle>
+            <a:defPPr>
+              <a:defRPr lang="en-US"/>
+            </a:defPPr>
+            <a:lvl1pPr marL="0" algn="l" defTabSz="457200" rtl="0" eaLnBrk="1" latinLnBrk="0" hangingPunct="1">
+              <a:defRPr sz="1800" kern="1200">
+                <a:solidFill>
+                  <a:schemeClr val="tx1"/>
+                </a:solidFill>
+                <a:latin typeface="+mn-lt"/>
+                <a:ea typeface="+mn-ea"/>
+                <a:cs typeface="+mn-cs"/>
+              </a:defRPr>
+            </a:lvl1pPr>
+            <a:lvl2pPr marL="457200" algn="l" defTabSz="457200" rtl="0" eaLnBrk="1" latinLnBrk="0" hangingPunct="1">
+              <a:defRPr sz="1800" kern="1200">
+                <a:solidFill>
+                  <a:schemeClr val="tx1"/>
+                </a:solidFill>
+                <a:latin typeface="+mn-lt"/>
+                <a:ea typeface="+mn-ea"/>
+                <a:cs typeface="+mn-cs"/>
+              </a:defRPr>
+            </a:lvl2pPr>
+            <a:lvl3pPr marL="914400" algn="l" defTabSz="457200" rtl="0" eaLnBrk="1" latinLnBrk="0" hangingPunct="1">
+              <a:defRPr sz="1800" kern="1200">
+                <a:solidFill>
+                  <a:schemeClr val="tx1"/>
+                </a:solidFill>
+                <a:latin typeface="+mn-lt"/>
+                <a:ea typeface="+mn-ea"/>
+                <a:cs typeface="+mn-cs"/>
+              </a:defRPr>
+            </a:lvl3pPr>
+            <a:lvl4pPr marL="1371600" algn="l" defTabSz="457200" rtl="0" eaLnBrk="1" latinLnBrk="0" hangingPunct="1">
+              <a:defRPr sz="1800" kern="1200">
+                <a:solidFill>
+                  <a:schemeClr val="tx1"/>
+                </a:solidFill>
+                <a:latin typeface="+mn-lt"/>
+                <a:ea typeface="+mn-ea"/>
+                <a:cs typeface="+mn-cs"/>
+              </a:defRPr>
+            </a:lvl4pPr>
+            <a:lvl5pPr marL="1828800" algn="l" defTabSz="457200" rtl="0" eaLnBrk="1" latinLnBrk="0" hangingPunct="1">
+              <a:defRPr sz="1800" kern="1200">
+                <a:solidFill>
+                  <a:schemeClr val="tx1"/>
+                </a:solidFill>
+                <a:latin typeface="+mn-lt"/>
+                <a:ea typeface="+mn-ea"/>
+                <a:cs typeface="+mn-cs"/>
+              </a:defRPr>
+            </a:lvl5pPr>
+            <a:lvl6pPr marL="2286000" algn="l" defTabSz="457200" rtl="0" eaLnBrk="1" latinLnBrk="0" hangingPunct="1">
+              <a:defRPr sz="1800" kern="1200">
+                <a:solidFill>
+                  <a:schemeClr val="tx1"/>
+                </a:solidFill>
+                <a:latin typeface="+mn-lt"/>
+                <a:ea typeface="+mn-ea"/>
+                <a:cs typeface="+mn-cs"/>
+              </a:defRPr>
+            </a:lvl6pPr>
+            <a:lvl7pPr marL="2743200" algn="l" defTabSz="457200" rtl="0" eaLnBrk="1" latinLnBrk="0" hangingPunct="1">
+              <a:defRPr sz="1800" kern="1200">
+                <a:solidFill>
+                  <a:schemeClr val="tx1"/>
+                </a:solidFill>
+                <a:latin typeface="+mn-lt"/>
+                <a:ea typeface="+mn-ea"/>
+                <a:cs typeface="+mn-cs"/>
+              </a:defRPr>
+            </a:lvl7pPr>
+            <a:lvl8pPr marL="3200400" algn="l" defTabSz="457200" rtl="0" eaLnBrk="1" latinLnBrk="0" hangingPunct="1">
+              <a:defRPr sz="1800" kern="1200">
+                <a:solidFill>
+                  <a:schemeClr val="tx1"/>
+                </a:solidFill>
+                <a:latin typeface="+mn-lt"/>
+                <a:ea typeface="+mn-ea"/>
+                <a:cs typeface="+mn-cs"/>
+              </a:defRPr>
+            </a:lvl8pPr>
+            <a:lvl9pPr marL="3657600" algn="l" defTabSz="457200" rtl="0" eaLnBrk="1" latinLnBrk="0" hangingPunct="1">
+              <a:defRPr sz="1800" kern="1200">
+                <a:solidFill>
+                  <a:schemeClr val="tx1"/>
+                </a:solidFill>
+                <a:latin typeface="+mn-lt"/>
+                <a:ea typeface="+mn-ea"/>
+                <a:cs typeface="+mn-cs"/>
+              </a:defRPr>
+            </a:lvl9pPr>
+          </a:lstStyle>
+          <a:p>
+            <a:r>
+              <a:rPr lang="zh-TW" altLang="en-US" dirty="0" smtClean="0"/>
+              <a:t>https://reurl.cc/522ARv</a:t>
+            </a:r>
+            <a:endParaRPr lang="zh-TW" altLang="en-US" dirty="0"/>
+          </a:p>
+        </p:txBody>
+      </p:sp>
     </p:spTree>
   </p:cSld>
   <p:clrMap bg1="lt1" tx1="dk1" bg2="lt2" tx2="dk2" accent1="accent1" accent2="accent2" accent3="accent3" accent4="accent4" accent5="accent5" accent6="accent6" hlink="hlink" folHlink="folHlink"/>
@@ -14195,11 +14289,7 @@
             </a:r>
             <a:r>
               <a:rPr lang="zh-TW" altLang="en-US" dirty="0" smtClean="0"/>
-              <a:t>程式基本</a:t>
-            </a:r>
-            <a:r>
-              <a:rPr lang="zh-TW" altLang="en-US" dirty="0" smtClean="0"/>
-              <a:t>結構</a:t>
+              <a:t>程式基本結構</a:t>
             </a:r>
             <a:r>
               <a:rPr lang="en-US" altLang="zh-TW" dirty="0" smtClean="0"/>
@@ -14346,11 +14436,7 @@
           <a:p>
             <a:r>
               <a:rPr lang="zh-TW" altLang="en-US" sz="1400" dirty="0" smtClean="0"/>
-              <a:t>就是</a:t>
-            </a:r>
-            <a:r>
-              <a:rPr lang="zh-TW" altLang="en-US" sz="1400" dirty="0" smtClean="0"/>
-              <a:t>有</a:t>
+              <a:t>就是有</a:t>
             </a:r>
             <a:r>
               <a:rPr lang="en-US" altLang="zh-TW" sz="1400" dirty="0" smtClean="0"/>
@@ -14358,11 +14444,7 @@
             </a:r>
             <a:r>
               <a:rPr lang="zh-TW" altLang="en-US" sz="1400" dirty="0" smtClean="0"/>
-              <a:t>這個函式的類別</a:t>
-            </a:r>
-            <a:r>
-              <a:rPr lang="zh-TW" altLang="en-US" sz="1400" dirty="0" smtClean="0"/>
-              <a:t>。</a:t>
+              <a:t>這個函式的類別。</a:t>
             </a:r>
             <a:endParaRPr lang="en-US" altLang="zh-TW" sz="1400" dirty="0" smtClean="0"/>
           </a:p>
@@ -14423,11 +14505,7 @@
           <a:p>
             <a:r>
               <a:rPr lang="en-US" altLang="zh-TW" sz="1400" dirty="0" smtClean="0"/>
-              <a:t>Package </a:t>
-            </a:r>
-            <a:r>
-              <a:rPr lang="en-US" altLang="zh-TW" sz="1400" dirty="0" smtClean="0"/>
-              <a:t>Section01</a:t>
+              <a:t>Package Section01</a:t>
             </a:r>
             <a:endParaRPr lang="zh-TW" altLang="en-US" sz="1400" dirty="0"/>
           </a:p>
@@ -14519,13 +14597,8 @@
           <a:p>
             <a:r>
               <a:rPr lang="en-US" altLang="zh-TW" sz="1400" dirty="0" smtClean="0"/>
-              <a:t>Public class </a:t>
-            </a:r>
-            <a:r>
-              <a:rPr lang="en-US" altLang="zh-TW" sz="1400" dirty="0" smtClean="0"/>
-              <a:t>Example01_01</a:t>
-            </a:r>
-            <a:endParaRPr lang="en-US" altLang="zh-TW" sz="1400" dirty="0" smtClean="0"/>
+              <a:t>Public class Example01_01</a:t>
+            </a:r>
           </a:p>
           <a:p>
             <a:r>
@@ -14616,11 +14689,7 @@
             </a:r>
             <a:r>
               <a:rPr lang="zh-TW" altLang="en-US" b="1" dirty="0" smtClean="0"/>
-              <a:t>程式最基本</a:t>
-            </a:r>
-            <a:r>
-              <a:rPr lang="zh-TW" altLang="en-US" b="1" dirty="0" smtClean="0"/>
-              <a:t>結構</a:t>
+              <a:t>程式最基本結構</a:t>
             </a:r>
             <a:endParaRPr lang="zh-TW" altLang="en-US" b="1" dirty="0"/>
           </a:p>

--- a/LCC/Java/03_程式語言基本法.pptx
+++ b/LCC/Java/03_程式語言基本法.pptx
@@ -866,7 +866,7 @@
             <a:fld id="{B61BEF0D-F0BB-DE4B-95CE-6DB70DBA9567}" type="datetimeFigureOut">
               <a:rPr lang="en-US" dirty="0"/>
               <a:pPr/>
-              <a:t>9/24/2021</a:t>
+              <a:t>9/25/2021</a:t>
             </a:fld>
             <a:endParaRPr lang="en-US" dirty="0"/>
           </a:p>
@@ -1114,7 +1114,7 @@
             <a:fld id="{B61BEF0D-F0BB-DE4B-95CE-6DB70DBA9567}" type="datetimeFigureOut">
               <a:rPr lang="en-US" dirty="0"/>
               <a:pPr/>
-              <a:t>9/24/2021</a:t>
+              <a:t>9/25/2021</a:t>
             </a:fld>
             <a:endParaRPr lang="en-US" dirty="0"/>
           </a:p>
@@ -1425,7 +1425,7 @@
             <a:fld id="{B61BEF0D-F0BB-DE4B-95CE-6DB70DBA9567}" type="datetimeFigureOut">
               <a:rPr lang="en-US" dirty="0"/>
               <a:pPr/>
-              <a:t>9/24/2021</a:t>
+              <a:t>9/25/2021</a:t>
             </a:fld>
             <a:endParaRPr lang="en-US" dirty="0"/>
           </a:p>
@@ -1763,7 +1763,7 @@
             <a:fld id="{B61BEF0D-F0BB-DE4B-95CE-6DB70DBA9567}" type="datetimeFigureOut">
               <a:rPr lang="en-US" dirty="0"/>
               <a:pPr/>
-              <a:t>9/24/2021</a:t>
+              <a:t>9/25/2021</a:t>
             </a:fld>
             <a:endParaRPr lang="en-US" dirty="0"/>
           </a:p>
@@ -2074,7 +2074,7 @@
             <a:fld id="{B61BEF0D-F0BB-DE4B-95CE-6DB70DBA9567}" type="datetimeFigureOut">
               <a:rPr lang="en-US" dirty="0"/>
               <a:pPr/>
-              <a:t>9/24/2021</a:t>
+              <a:t>9/25/2021</a:t>
             </a:fld>
             <a:endParaRPr lang="en-US" dirty="0"/>
           </a:p>
@@ -2464,7 +2464,7 @@
             <a:fld id="{B61BEF0D-F0BB-DE4B-95CE-6DB70DBA9567}" type="datetimeFigureOut">
               <a:rPr lang="en-US" dirty="0"/>
               <a:pPr/>
-              <a:t>9/24/2021</a:t>
+              <a:t>9/25/2021</a:t>
             </a:fld>
             <a:endParaRPr lang="en-US" dirty="0"/>
           </a:p>
@@ -2630,7 +2630,7 @@
           <a:p>
             <a:fld id="{55C6B4A9-1611-4792-9094-5F34BCA07E0B}" type="datetimeFigureOut">
               <a:rPr lang="en-US" dirty="0"/>
-              <a:t>9/24/2021</a:t>
+              <a:t>9/25/2021</a:t>
             </a:fld>
             <a:endParaRPr lang="en-US" dirty="0"/>
           </a:p>
@@ -2806,7 +2806,7 @@
             <a:fld id="{B61BEF0D-F0BB-DE4B-95CE-6DB70DBA9567}" type="datetimeFigureOut">
               <a:rPr lang="en-US" dirty="0"/>
               <a:pPr/>
-              <a:t>9/24/2021</a:t>
+              <a:t>9/25/2021</a:t>
             </a:fld>
             <a:endParaRPr lang="en-US" dirty="0"/>
           </a:p>
@@ -2987,7 +2987,7 @@
             <a:fld id="{B61BEF0D-F0BB-DE4B-95CE-6DB70DBA9567}" type="datetimeFigureOut">
               <a:rPr lang="en-US" dirty="0"/>
               <a:pPr/>
-              <a:t>9/24/2021</a:t>
+              <a:t>9/25/2021</a:t>
             </a:fld>
             <a:endParaRPr lang="en-US" dirty="0"/>
           </a:p>
@@ -3231,7 +3231,7 @@
             <a:fld id="{B61BEF0D-F0BB-DE4B-95CE-6DB70DBA9567}" type="datetimeFigureOut">
               <a:rPr lang="en-US" dirty="0"/>
               <a:pPr/>
-              <a:t>9/24/2021</a:t>
+              <a:t>9/25/2021</a:t>
             </a:fld>
             <a:endParaRPr lang="en-US" dirty="0"/>
           </a:p>
@@ -3459,7 +3459,7 @@
           <a:p>
             <a:fld id="{EB712588-04B1-427B-82EE-E8DB90309F08}" type="datetimeFigureOut">
               <a:rPr lang="en-US" dirty="0"/>
-              <a:t>9/24/2021</a:t>
+              <a:t>9/25/2021</a:t>
             </a:fld>
             <a:endParaRPr lang="en-US" dirty="0"/>
           </a:p>
@@ -3829,7 +3829,7 @@
             <a:fld id="{B61BEF0D-F0BB-DE4B-95CE-6DB70DBA9567}" type="datetimeFigureOut">
               <a:rPr lang="en-US" dirty="0"/>
               <a:pPr/>
-              <a:t>9/24/2021</a:t>
+              <a:t>9/25/2021</a:t>
             </a:fld>
             <a:endParaRPr lang="en-US" dirty="0"/>
           </a:p>
@@ -3949,7 +3949,7 @@
             <a:fld id="{B61BEF0D-F0BB-DE4B-95CE-6DB70DBA9567}" type="datetimeFigureOut">
               <a:rPr lang="en-US" dirty="0"/>
               <a:pPr/>
-              <a:t>9/24/2021</a:t>
+              <a:t>9/25/2021</a:t>
             </a:fld>
             <a:endParaRPr lang="en-US" dirty="0"/>
           </a:p>
@@ -4041,7 +4041,7 @@
             <a:fld id="{B61BEF0D-F0BB-DE4B-95CE-6DB70DBA9567}" type="datetimeFigureOut">
               <a:rPr lang="en-US" dirty="0"/>
               <a:pPr/>
-              <a:t>9/24/2021</a:t>
+              <a:t>9/25/2021</a:t>
             </a:fld>
             <a:endParaRPr lang="en-US" dirty="0"/>
           </a:p>
@@ -4292,7 +4292,7 @@
           <a:p>
             <a:fld id="{42A54C80-263E-416B-A8E0-580EDEADCBDC}" type="datetimeFigureOut">
               <a:rPr lang="en-US" dirty="0"/>
-              <a:t>9/24/2021</a:t>
+              <a:t>9/25/2021</a:t>
             </a:fld>
             <a:endParaRPr lang="en-US" dirty="0"/>
           </a:p>
@@ -4551,7 +4551,7 @@
             <a:fld id="{B61BEF0D-F0BB-DE4B-95CE-6DB70DBA9567}" type="datetimeFigureOut">
               <a:rPr lang="en-US" dirty="0"/>
               <a:pPr/>
-              <a:t>9/24/2021</a:t>
+              <a:t>9/25/2021</a:t>
             </a:fld>
             <a:endParaRPr lang="en-US" dirty="0"/>
           </a:p>
@@ -5291,7 +5291,7 @@
             <a:fld id="{B61BEF0D-F0BB-DE4B-95CE-6DB70DBA9567}" type="datetimeFigureOut">
               <a:rPr lang="en-US" dirty="0"/>
               <a:pPr/>
-              <a:t>9/24/2021</a:t>
+              <a:t>9/25/2021</a:t>
             </a:fld>
             <a:endParaRPr lang="en-US" dirty="0"/>
           </a:p>
@@ -5424,7 +5424,7 @@
         <p:spPr>
           <a:xfrm>
             <a:off x="444564" y="6509203"/>
-            <a:ext cx="2728632" cy="369332"/>
+            <a:ext cx="2496196" cy="369332"/>
           </a:xfrm>
           <a:prstGeom prst="rect">
             <a:avLst/>
@@ -5531,8 +5531,8 @@
           </a:lstStyle>
           <a:p>
             <a:r>
-              <a:rPr lang="zh-TW" altLang="en-US" dirty="0" smtClean="0"/>
-              <a:t>https://reurl.cc/522ARv</a:t>
+              <a:rPr lang="en-US" altLang="zh-TW" dirty="0" smtClean="0"/>
+              <a:t>http://lccn.io/vgENMI</a:t>
             </a:r>
             <a:endParaRPr lang="zh-TW" altLang="en-US" dirty="0"/>
           </a:p>

--- a/LCC/Java/03_程式語言基本法.pptx
+++ b/LCC/Java/03_程式語言基本法.pptx
@@ -866,7 +866,7 @@
             <a:fld id="{B61BEF0D-F0BB-DE4B-95CE-6DB70DBA9567}" type="datetimeFigureOut">
               <a:rPr lang="en-US" dirty="0"/>
               <a:pPr/>
-              <a:t>9/25/2021</a:t>
+              <a:t>9/30/2021</a:t>
             </a:fld>
             <a:endParaRPr lang="en-US" dirty="0"/>
           </a:p>
@@ -1114,7 +1114,7 @@
             <a:fld id="{B61BEF0D-F0BB-DE4B-95CE-6DB70DBA9567}" type="datetimeFigureOut">
               <a:rPr lang="en-US" dirty="0"/>
               <a:pPr/>
-              <a:t>9/25/2021</a:t>
+              <a:t>9/30/2021</a:t>
             </a:fld>
             <a:endParaRPr lang="en-US" dirty="0"/>
           </a:p>
@@ -1425,7 +1425,7 @@
             <a:fld id="{B61BEF0D-F0BB-DE4B-95CE-6DB70DBA9567}" type="datetimeFigureOut">
               <a:rPr lang="en-US" dirty="0"/>
               <a:pPr/>
-              <a:t>9/25/2021</a:t>
+              <a:t>9/30/2021</a:t>
             </a:fld>
             <a:endParaRPr lang="en-US" dirty="0"/>
           </a:p>
@@ -1763,7 +1763,7 @@
             <a:fld id="{B61BEF0D-F0BB-DE4B-95CE-6DB70DBA9567}" type="datetimeFigureOut">
               <a:rPr lang="en-US" dirty="0"/>
               <a:pPr/>
-              <a:t>9/25/2021</a:t>
+              <a:t>9/30/2021</a:t>
             </a:fld>
             <a:endParaRPr lang="en-US" dirty="0"/>
           </a:p>
@@ -2074,7 +2074,7 @@
             <a:fld id="{B61BEF0D-F0BB-DE4B-95CE-6DB70DBA9567}" type="datetimeFigureOut">
               <a:rPr lang="en-US" dirty="0"/>
               <a:pPr/>
-              <a:t>9/25/2021</a:t>
+              <a:t>9/30/2021</a:t>
             </a:fld>
             <a:endParaRPr lang="en-US" dirty="0"/>
           </a:p>
@@ -2464,7 +2464,7 @@
             <a:fld id="{B61BEF0D-F0BB-DE4B-95CE-6DB70DBA9567}" type="datetimeFigureOut">
               <a:rPr lang="en-US" dirty="0"/>
               <a:pPr/>
-              <a:t>9/25/2021</a:t>
+              <a:t>9/30/2021</a:t>
             </a:fld>
             <a:endParaRPr lang="en-US" dirty="0"/>
           </a:p>
@@ -2630,7 +2630,7 @@
           <a:p>
             <a:fld id="{55C6B4A9-1611-4792-9094-5F34BCA07E0B}" type="datetimeFigureOut">
               <a:rPr lang="en-US" dirty="0"/>
-              <a:t>9/25/2021</a:t>
+              <a:t>9/30/2021</a:t>
             </a:fld>
             <a:endParaRPr lang="en-US" dirty="0"/>
           </a:p>
@@ -2806,7 +2806,7 @@
             <a:fld id="{B61BEF0D-F0BB-DE4B-95CE-6DB70DBA9567}" type="datetimeFigureOut">
               <a:rPr lang="en-US" dirty="0"/>
               <a:pPr/>
-              <a:t>9/25/2021</a:t>
+              <a:t>9/30/2021</a:t>
             </a:fld>
             <a:endParaRPr lang="en-US" dirty="0"/>
           </a:p>
@@ -2987,7 +2987,7 @@
             <a:fld id="{B61BEF0D-F0BB-DE4B-95CE-6DB70DBA9567}" type="datetimeFigureOut">
               <a:rPr lang="en-US" dirty="0"/>
               <a:pPr/>
-              <a:t>9/25/2021</a:t>
+              <a:t>9/30/2021</a:t>
             </a:fld>
             <a:endParaRPr lang="en-US" dirty="0"/>
           </a:p>
@@ -3231,7 +3231,7 @@
             <a:fld id="{B61BEF0D-F0BB-DE4B-95CE-6DB70DBA9567}" type="datetimeFigureOut">
               <a:rPr lang="en-US" dirty="0"/>
               <a:pPr/>
-              <a:t>9/25/2021</a:t>
+              <a:t>9/30/2021</a:t>
             </a:fld>
             <a:endParaRPr lang="en-US" dirty="0"/>
           </a:p>
@@ -3459,7 +3459,7 @@
           <a:p>
             <a:fld id="{EB712588-04B1-427B-82EE-E8DB90309F08}" type="datetimeFigureOut">
               <a:rPr lang="en-US" dirty="0"/>
-              <a:t>9/25/2021</a:t>
+              <a:t>9/30/2021</a:t>
             </a:fld>
             <a:endParaRPr lang="en-US" dirty="0"/>
           </a:p>
@@ -3829,7 +3829,7 @@
             <a:fld id="{B61BEF0D-F0BB-DE4B-95CE-6DB70DBA9567}" type="datetimeFigureOut">
               <a:rPr lang="en-US" dirty="0"/>
               <a:pPr/>
-              <a:t>9/25/2021</a:t>
+              <a:t>9/30/2021</a:t>
             </a:fld>
             <a:endParaRPr lang="en-US" dirty="0"/>
           </a:p>
@@ -3949,7 +3949,7 @@
             <a:fld id="{B61BEF0D-F0BB-DE4B-95CE-6DB70DBA9567}" type="datetimeFigureOut">
               <a:rPr lang="en-US" dirty="0"/>
               <a:pPr/>
-              <a:t>9/25/2021</a:t>
+              <a:t>9/30/2021</a:t>
             </a:fld>
             <a:endParaRPr lang="en-US" dirty="0"/>
           </a:p>
@@ -4041,7 +4041,7 @@
             <a:fld id="{B61BEF0D-F0BB-DE4B-95CE-6DB70DBA9567}" type="datetimeFigureOut">
               <a:rPr lang="en-US" dirty="0"/>
               <a:pPr/>
-              <a:t>9/25/2021</a:t>
+              <a:t>9/30/2021</a:t>
             </a:fld>
             <a:endParaRPr lang="en-US" dirty="0"/>
           </a:p>
@@ -4292,7 +4292,7 @@
           <a:p>
             <a:fld id="{42A54C80-263E-416B-A8E0-580EDEADCBDC}" type="datetimeFigureOut">
               <a:rPr lang="en-US" dirty="0"/>
-              <a:t>9/25/2021</a:t>
+              <a:t>9/30/2021</a:t>
             </a:fld>
             <a:endParaRPr lang="en-US" dirty="0"/>
           </a:p>
@@ -4551,7 +4551,7 @@
             <a:fld id="{B61BEF0D-F0BB-DE4B-95CE-6DB70DBA9567}" type="datetimeFigureOut">
               <a:rPr lang="en-US" dirty="0"/>
               <a:pPr/>
-              <a:t>9/25/2021</a:t>
+              <a:t>9/30/2021</a:t>
             </a:fld>
             <a:endParaRPr lang="en-US" dirty="0"/>
           </a:p>
@@ -5291,7 +5291,7 @@
             <a:fld id="{B61BEF0D-F0BB-DE4B-95CE-6DB70DBA9567}" type="datetimeFigureOut">
               <a:rPr lang="en-US" dirty="0"/>
               <a:pPr/>
-              <a:t>9/25/2021</a:t>
+              <a:t>9/30/2021</a:t>
             </a:fld>
             <a:endParaRPr lang="en-US" dirty="0"/>
           </a:p>
@@ -8369,7 +8369,7 @@
                   <a:srgbClr val="C00000"/>
                 </a:solidFill>
               </a:rPr>
-              <a:t>Example02_03</a:t>
+              <a:t>Example03_04</a:t>
             </a:r>
             <a:endParaRPr lang="zh-TW" altLang="en-US" dirty="0">
               <a:solidFill>

--- a/LCC/Java/03_程式語言基本法.pptx
+++ b/LCC/Java/03_程式語言基本法.pptx
@@ -866,7 +866,7 @@
             <a:fld id="{B61BEF0D-F0BB-DE4B-95CE-6DB70DBA9567}" type="datetimeFigureOut">
               <a:rPr lang="en-US" dirty="0"/>
               <a:pPr/>
-              <a:t>9/30/2021</a:t>
+              <a:t>10/2/2021</a:t>
             </a:fld>
             <a:endParaRPr lang="en-US" dirty="0"/>
           </a:p>
@@ -1114,7 +1114,7 @@
             <a:fld id="{B61BEF0D-F0BB-DE4B-95CE-6DB70DBA9567}" type="datetimeFigureOut">
               <a:rPr lang="en-US" dirty="0"/>
               <a:pPr/>
-              <a:t>9/30/2021</a:t>
+              <a:t>10/2/2021</a:t>
             </a:fld>
             <a:endParaRPr lang="en-US" dirty="0"/>
           </a:p>
@@ -1425,7 +1425,7 @@
             <a:fld id="{B61BEF0D-F0BB-DE4B-95CE-6DB70DBA9567}" type="datetimeFigureOut">
               <a:rPr lang="en-US" dirty="0"/>
               <a:pPr/>
-              <a:t>9/30/2021</a:t>
+              <a:t>10/2/2021</a:t>
             </a:fld>
             <a:endParaRPr lang="en-US" dirty="0"/>
           </a:p>
@@ -1763,7 +1763,7 @@
             <a:fld id="{B61BEF0D-F0BB-DE4B-95CE-6DB70DBA9567}" type="datetimeFigureOut">
               <a:rPr lang="en-US" dirty="0"/>
               <a:pPr/>
-              <a:t>9/30/2021</a:t>
+              <a:t>10/2/2021</a:t>
             </a:fld>
             <a:endParaRPr lang="en-US" dirty="0"/>
           </a:p>
@@ -2074,7 +2074,7 @@
             <a:fld id="{B61BEF0D-F0BB-DE4B-95CE-6DB70DBA9567}" type="datetimeFigureOut">
               <a:rPr lang="en-US" dirty="0"/>
               <a:pPr/>
-              <a:t>9/30/2021</a:t>
+              <a:t>10/2/2021</a:t>
             </a:fld>
             <a:endParaRPr lang="en-US" dirty="0"/>
           </a:p>
@@ -2464,7 +2464,7 @@
             <a:fld id="{B61BEF0D-F0BB-DE4B-95CE-6DB70DBA9567}" type="datetimeFigureOut">
               <a:rPr lang="en-US" dirty="0"/>
               <a:pPr/>
-              <a:t>9/30/2021</a:t>
+              <a:t>10/2/2021</a:t>
             </a:fld>
             <a:endParaRPr lang="en-US" dirty="0"/>
           </a:p>
@@ -2630,7 +2630,7 @@
           <a:p>
             <a:fld id="{55C6B4A9-1611-4792-9094-5F34BCA07E0B}" type="datetimeFigureOut">
               <a:rPr lang="en-US" dirty="0"/>
-              <a:t>9/30/2021</a:t>
+              <a:t>10/2/2021</a:t>
             </a:fld>
             <a:endParaRPr lang="en-US" dirty="0"/>
           </a:p>
@@ -2806,7 +2806,7 @@
             <a:fld id="{B61BEF0D-F0BB-DE4B-95CE-6DB70DBA9567}" type="datetimeFigureOut">
               <a:rPr lang="en-US" dirty="0"/>
               <a:pPr/>
-              <a:t>9/30/2021</a:t>
+              <a:t>10/2/2021</a:t>
             </a:fld>
             <a:endParaRPr lang="en-US" dirty="0"/>
           </a:p>
@@ -2987,7 +2987,7 @@
             <a:fld id="{B61BEF0D-F0BB-DE4B-95CE-6DB70DBA9567}" type="datetimeFigureOut">
               <a:rPr lang="en-US" dirty="0"/>
               <a:pPr/>
-              <a:t>9/30/2021</a:t>
+              <a:t>10/2/2021</a:t>
             </a:fld>
             <a:endParaRPr lang="en-US" dirty="0"/>
           </a:p>
@@ -3231,7 +3231,7 @@
             <a:fld id="{B61BEF0D-F0BB-DE4B-95CE-6DB70DBA9567}" type="datetimeFigureOut">
               <a:rPr lang="en-US" dirty="0"/>
               <a:pPr/>
-              <a:t>9/30/2021</a:t>
+              <a:t>10/2/2021</a:t>
             </a:fld>
             <a:endParaRPr lang="en-US" dirty="0"/>
           </a:p>
@@ -3459,7 +3459,7 @@
           <a:p>
             <a:fld id="{EB712588-04B1-427B-82EE-E8DB90309F08}" type="datetimeFigureOut">
               <a:rPr lang="en-US" dirty="0"/>
-              <a:t>9/30/2021</a:t>
+              <a:t>10/2/2021</a:t>
             </a:fld>
             <a:endParaRPr lang="en-US" dirty="0"/>
           </a:p>
@@ -3829,7 +3829,7 @@
             <a:fld id="{B61BEF0D-F0BB-DE4B-95CE-6DB70DBA9567}" type="datetimeFigureOut">
               <a:rPr lang="en-US" dirty="0"/>
               <a:pPr/>
-              <a:t>9/30/2021</a:t>
+              <a:t>10/2/2021</a:t>
             </a:fld>
             <a:endParaRPr lang="en-US" dirty="0"/>
           </a:p>
@@ -3949,7 +3949,7 @@
             <a:fld id="{B61BEF0D-F0BB-DE4B-95CE-6DB70DBA9567}" type="datetimeFigureOut">
               <a:rPr lang="en-US" dirty="0"/>
               <a:pPr/>
-              <a:t>9/30/2021</a:t>
+              <a:t>10/2/2021</a:t>
             </a:fld>
             <a:endParaRPr lang="en-US" dirty="0"/>
           </a:p>
@@ -4041,7 +4041,7 @@
             <a:fld id="{B61BEF0D-F0BB-DE4B-95CE-6DB70DBA9567}" type="datetimeFigureOut">
               <a:rPr lang="en-US" dirty="0"/>
               <a:pPr/>
-              <a:t>9/30/2021</a:t>
+              <a:t>10/2/2021</a:t>
             </a:fld>
             <a:endParaRPr lang="en-US" dirty="0"/>
           </a:p>
@@ -4292,7 +4292,7 @@
           <a:p>
             <a:fld id="{42A54C80-263E-416B-A8E0-580EDEADCBDC}" type="datetimeFigureOut">
               <a:rPr lang="en-US" dirty="0"/>
-              <a:t>9/30/2021</a:t>
+              <a:t>10/2/2021</a:t>
             </a:fld>
             <a:endParaRPr lang="en-US" dirty="0"/>
           </a:p>
@@ -4551,7 +4551,7 @@
             <a:fld id="{B61BEF0D-F0BB-DE4B-95CE-6DB70DBA9567}" type="datetimeFigureOut">
               <a:rPr lang="en-US" dirty="0"/>
               <a:pPr/>
-              <a:t>9/30/2021</a:t>
+              <a:t>10/2/2021</a:t>
             </a:fld>
             <a:endParaRPr lang="en-US" dirty="0"/>
           </a:p>
@@ -5291,7 +5291,7 @@
             <a:fld id="{B61BEF0D-F0BB-DE4B-95CE-6DB70DBA9567}" type="datetimeFigureOut">
               <a:rPr lang="en-US" dirty="0"/>
               <a:pPr/>
-              <a:t>9/30/2021</a:t>
+              <a:t>10/2/2021</a:t>
             </a:fld>
             <a:endParaRPr lang="en-US" dirty="0"/>
           </a:p>
@@ -6962,8 +6962,8 @@
           </a:p>
         </p:txBody>
       </p:sp>
-      <mc:AlternateContent xmlns:mc="http://schemas.openxmlformats.org/markup-compatibility/2006" xmlns:a14="http://schemas.microsoft.com/office/drawing/2010/main">
-        <mc:Choice Requires="a14">
+      <mc:AlternateContent xmlns:mc="http://schemas.openxmlformats.org/markup-compatibility/2006">
+        <mc:Choice xmlns:a14="http://schemas.microsoft.com/office/drawing/2010/main" Requires="a14">
           <p:sp>
             <p:nvSpPr>
               <p:cNvPr id="3" name="內容版面配置區 2"/>
@@ -7016,12 +7016,17 @@
                 </a:r>
                 <a:r>
                   <a:rPr lang="zh-TW" altLang="en-US" dirty="0" smtClean="0"/>
-                  <a:t>浮點數</a:t>
+                  <a:t>浮點</a:t>
                 </a:r>
                 <a:r>
-                  <a:rPr lang="en-US" altLang="zh-TW" dirty="0" smtClean="0"/>
-                  <a:t>)</a:t>
+                  <a:rPr lang="zh-TW" altLang="en-US" dirty="0" smtClean="0"/>
+                  <a:t>數 </a:t>
                 </a:r>
+                <a:r>
+                  <a:rPr lang="en-US" altLang="zh-TW" smtClean="0"/>
+                  <a:t>float)</a:t>
+                </a:r>
+                <a:endParaRPr lang="en-US" altLang="zh-TW" dirty="0" smtClean="0"/>
               </a:p>
               <a:p>
                 <a:pPr lvl="1"/>
@@ -7258,7 +7263,7 @@
             </p:txBody>
           </p:sp>
         </mc:Choice>
-        <mc:Fallback xmlns="">
+        <mc:Fallback>
           <p:sp>
             <p:nvSpPr>
               <p:cNvPr id="3" name="內容版面配置區 2"/>

--- a/LCC/Java/03_程式語言基本法.pptx
+++ b/LCC/Java/03_程式語言基本法.pptx
@@ -866,7 +866,7 @@
             <a:fld id="{B61BEF0D-F0BB-DE4B-95CE-6DB70DBA9567}" type="datetimeFigureOut">
               <a:rPr lang="en-US" dirty="0"/>
               <a:pPr/>
-              <a:t>10/2/2021</a:t>
+              <a:t>1/12/2022</a:t>
             </a:fld>
             <a:endParaRPr lang="en-US" dirty="0"/>
           </a:p>
@@ -1114,7 +1114,7 @@
             <a:fld id="{B61BEF0D-F0BB-DE4B-95CE-6DB70DBA9567}" type="datetimeFigureOut">
               <a:rPr lang="en-US" dirty="0"/>
               <a:pPr/>
-              <a:t>10/2/2021</a:t>
+              <a:t>1/12/2022</a:t>
             </a:fld>
             <a:endParaRPr lang="en-US" dirty="0"/>
           </a:p>
@@ -1425,7 +1425,7 @@
             <a:fld id="{B61BEF0D-F0BB-DE4B-95CE-6DB70DBA9567}" type="datetimeFigureOut">
               <a:rPr lang="en-US" dirty="0"/>
               <a:pPr/>
-              <a:t>10/2/2021</a:t>
+              <a:t>1/12/2022</a:t>
             </a:fld>
             <a:endParaRPr lang="en-US" dirty="0"/>
           </a:p>
@@ -1763,7 +1763,7 @@
             <a:fld id="{B61BEF0D-F0BB-DE4B-95CE-6DB70DBA9567}" type="datetimeFigureOut">
               <a:rPr lang="en-US" dirty="0"/>
               <a:pPr/>
-              <a:t>10/2/2021</a:t>
+              <a:t>1/12/2022</a:t>
             </a:fld>
             <a:endParaRPr lang="en-US" dirty="0"/>
           </a:p>
@@ -2074,7 +2074,7 @@
             <a:fld id="{B61BEF0D-F0BB-DE4B-95CE-6DB70DBA9567}" type="datetimeFigureOut">
               <a:rPr lang="en-US" dirty="0"/>
               <a:pPr/>
-              <a:t>10/2/2021</a:t>
+              <a:t>1/12/2022</a:t>
             </a:fld>
             <a:endParaRPr lang="en-US" dirty="0"/>
           </a:p>
@@ -2464,7 +2464,7 @@
             <a:fld id="{B61BEF0D-F0BB-DE4B-95CE-6DB70DBA9567}" type="datetimeFigureOut">
               <a:rPr lang="en-US" dirty="0"/>
               <a:pPr/>
-              <a:t>10/2/2021</a:t>
+              <a:t>1/12/2022</a:t>
             </a:fld>
             <a:endParaRPr lang="en-US" dirty="0"/>
           </a:p>
@@ -2630,7 +2630,7 @@
           <a:p>
             <a:fld id="{55C6B4A9-1611-4792-9094-5F34BCA07E0B}" type="datetimeFigureOut">
               <a:rPr lang="en-US" dirty="0"/>
-              <a:t>10/2/2021</a:t>
+              <a:t>1/12/2022</a:t>
             </a:fld>
             <a:endParaRPr lang="en-US" dirty="0"/>
           </a:p>
@@ -2806,7 +2806,7 @@
             <a:fld id="{B61BEF0D-F0BB-DE4B-95CE-6DB70DBA9567}" type="datetimeFigureOut">
               <a:rPr lang="en-US" dirty="0"/>
               <a:pPr/>
-              <a:t>10/2/2021</a:t>
+              <a:t>1/12/2022</a:t>
             </a:fld>
             <a:endParaRPr lang="en-US" dirty="0"/>
           </a:p>
@@ -2987,7 +2987,7 @@
             <a:fld id="{B61BEF0D-F0BB-DE4B-95CE-6DB70DBA9567}" type="datetimeFigureOut">
               <a:rPr lang="en-US" dirty="0"/>
               <a:pPr/>
-              <a:t>10/2/2021</a:t>
+              <a:t>1/12/2022</a:t>
             </a:fld>
             <a:endParaRPr lang="en-US" dirty="0"/>
           </a:p>
@@ -3231,7 +3231,7 @@
             <a:fld id="{B61BEF0D-F0BB-DE4B-95CE-6DB70DBA9567}" type="datetimeFigureOut">
               <a:rPr lang="en-US" dirty="0"/>
               <a:pPr/>
-              <a:t>10/2/2021</a:t>
+              <a:t>1/12/2022</a:t>
             </a:fld>
             <a:endParaRPr lang="en-US" dirty="0"/>
           </a:p>
@@ -3459,7 +3459,7 @@
           <a:p>
             <a:fld id="{EB712588-04B1-427B-82EE-E8DB90309F08}" type="datetimeFigureOut">
               <a:rPr lang="en-US" dirty="0"/>
-              <a:t>10/2/2021</a:t>
+              <a:t>1/12/2022</a:t>
             </a:fld>
             <a:endParaRPr lang="en-US" dirty="0"/>
           </a:p>
@@ -3829,7 +3829,7 @@
             <a:fld id="{B61BEF0D-F0BB-DE4B-95CE-6DB70DBA9567}" type="datetimeFigureOut">
               <a:rPr lang="en-US" dirty="0"/>
               <a:pPr/>
-              <a:t>10/2/2021</a:t>
+              <a:t>1/12/2022</a:t>
             </a:fld>
             <a:endParaRPr lang="en-US" dirty="0"/>
           </a:p>
@@ -3949,7 +3949,7 @@
             <a:fld id="{B61BEF0D-F0BB-DE4B-95CE-6DB70DBA9567}" type="datetimeFigureOut">
               <a:rPr lang="en-US" dirty="0"/>
               <a:pPr/>
-              <a:t>10/2/2021</a:t>
+              <a:t>1/12/2022</a:t>
             </a:fld>
             <a:endParaRPr lang="en-US" dirty="0"/>
           </a:p>
@@ -4041,7 +4041,7 @@
             <a:fld id="{B61BEF0D-F0BB-DE4B-95CE-6DB70DBA9567}" type="datetimeFigureOut">
               <a:rPr lang="en-US" dirty="0"/>
               <a:pPr/>
-              <a:t>10/2/2021</a:t>
+              <a:t>1/12/2022</a:t>
             </a:fld>
             <a:endParaRPr lang="en-US" dirty="0"/>
           </a:p>
@@ -4292,7 +4292,7 @@
           <a:p>
             <a:fld id="{42A54C80-263E-416B-A8E0-580EDEADCBDC}" type="datetimeFigureOut">
               <a:rPr lang="en-US" dirty="0"/>
-              <a:t>10/2/2021</a:t>
+              <a:t>1/12/2022</a:t>
             </a:fld>
             <a:endParaRPr lang="en-US" dirty="0"/>
           </a:p>
@@ -4551,7 +4551,7 @@
             <a:fld id="{B61BEF0D-F0BB-DE4B-95CE-6DB70DBA9567}" type="datetimeFigureOut">
               <a:rPr lang="en-US" dirty="0"/>
               <a:pPr/>
-              <a:t>10/2/2021</a:t>
+              <a:t>1/12/2022</a:t>
             </a:fld>
             <a:endParaRPr lang="en-US" dirty="0"/>
           </a:p>
@@ -5291,7 +5291,7 @@
             <a:fld id="{B61BEF0D-F0BB-DE4B-95CE-6DB70DBA9567}" type="datetimeFigureOut">
               <a:rPr lang="en-US" dirty="0"/>
               <a:pPr/>
-              <a:t>10/2/2021</a:t>
+              <a:t>1/12/2022</a:t>
             </a:fld>
             <a:endParaRPr lang="en-US" dirty="0"/>
           </a:p>
@@ -5424,7 +5424,7 @@
         <p:spPr>
           <a:xfrm>
             <a:off x="444564" y="6509203"/>
-            <a:ext cx="2496196" cy="369332"/>
+            <a:ext cx="2800767" cy="369332"/>
           </a:xfrm>
           <a:prstGeom prst="rect">
             <a:avLst/>
@@ -5531,8 +5531,8 @@
           </a:lstStyle>
           <a:p>
             <a:r>
-              <a:rPr lang="en-US" altLang="zh-TW" dirty="0" smtClean="0"/>
-              <a:t>http://lccn.io/vgENMI</a:t>
+              <a:rPr lang="fr-FR" altLang="zh-TW" dirty="0" smtClean="0"/>
+              <a:t>https://reurl.cc/2Dom14</a:t>
             </a:r>
             <a:endParaRPr lang="zh-TW" altLang="en-US" dirty="0"/>
           </a:p>
@@ -6093,6 +6093,159 @@
           </a:extLst>
         </p:spPr>
       </p:pic>
+      <p:pic>
+        <p:nvPicPr>
+          <p:cNvPr id="5" name="圖片 4"/>
+          <p:cNvPicPr>
+            <a:picLocks noChangeAspect="1"/>
+          </p:cNvPicPr>
+          <p:nvPr/>
+        </p:nvPicPr>
+        <p:blipFill>
+          <a:blip r:embed="rId3">
+            <a:extLst>
+              <a:ext uri="{28A0092B-C50C-407E-A947-70E740481C1C}">
+                <a14:useLocalDpi xmlns:a14="http://schemas.microsoft.com/office/drawing/2010/main" val="0"/>
+              </a:ext>
+            </a:extLst>
+          </a:blip>
+          <a:stretch>
+            <a:fillRect/>
+          </a:stretch>
+        </p:blipFill>
+        <p:spPr>
+          <a:xfrm>
+            <a:off x="927354" y="457267"/>
+            <a:ext cx="1428750" cy="1428750"/>
+          </a:xfrm>
+          <a:prstGeom prst="rect">
+            <a:avLst/>
+          </a:prstGeom>
+        </p:spPr>
+      </p:pic>
+      <p:sp>
+        <p:nvSpPr>
+          <p:cNvPr id="6" name="矩形 5"/>
+          <p:cNvSpPr/>
+          <p:nvPr/>
+        </p:nvSpPr>
+        <p:spPr>
+          <a:xfrm>
+            <a:off x="827704" y="87935"/>
+            <a:ext cx="2800767" cy="369332"/>
+          </a:xfrm>
+          <a:prstGeom prst="rect">
+            <a:avLst/>
+          </a:prstGeom>
+        </p:spPr>
+        <p:txBody>
+          <a:bodyPr wrap="none">
+            <a:spAutoFit/>
+          </a:bodyPr>
+          <a:lstStyle>
+            <a:defPPr>
+              <a:defRPr lang="en-US"/>
+            </a:defPPr>
+            <a:lvl1pPr marL="0" algn="l" defTabSz="457200" rtl="0" eaLnBrk="1" latinLnBrk="0" hangingPunct="1">
+              <a:defRPr sz="1800" kern="1200">
+                <a:solidFill>
+                  <a:schemeClr val="tx1"/>
+                </a:solidFill>
+                <a:latin typeface="+mn-lt"/>
+                <a:ea typeface="+mn-ea"/>
+                <a:cs typeface="+mn-cs"/>
+              </a:defRPr>
+            </a:lvl1pPr>
+            <a:lvl2pPr marL="457200" algn="l" defTabSz="457200" rtl="0" eaLnBrk="1" latinLnBrk="0" hangingPunct="1">
+              <a:defRPr sz="1800" kern="1200">
+                <a:solidFill>
+                  <a:schemeClr val="tx1"/>
+                </a:solidFill>
+                <a:latin typeface="+mn-lt"/>
+                <a:ea typeface="+mn-ea"/>
+                <a:cs typeface="+mn-cs"/>
+              </a:defRPr>
+            </a:lvl2pPr>
+            <a:lvl3pPr marL="914400" algn="l" defTabSz="457200" rtl="0" eaLnBrk="1" latinLnBrk="0" hangingPunct="1">
+              <a:defRPr sz="1800" kern="1200">
+                <a:solidFill>
+                  <a:schemeClr val="tx1"/>
+                </a:solidFill>
+                <a:latin typeface="+mn-lt"/>
+                <a:ea typeface="+mn-ea"/>
+                <a:cs typeface="+mn-cs"/>
+              </a:defRPr>
+            </a:lvl3pPr>
+            <a:lvl4pPr marL="1371600" algn="l" defTabSz="457200" rtl="0" eaLnBrk="1" latinLnBrk="0" hangingPunct="1">
+              <a:defRPr sz="1800" kern="1200">
+                <a:solidFill>
+                  <a:schemeClr val="tx1"/>
+                </a:solidFill>
+                <a:latin typeface="+mn-lt"/>
+                <a:ea typeface="+mn-ea"/>
+                <a:cs typeface="+mn-cs"/>
+              </a:defRPr>
+            </a:lvl4pPr>
+            <a:lvl5pPr marL="1828800" algn="l" defTabSz="457200" rtl="0" eaLnBrk="1" latinLnBrk="0" hangingPunct="1">
+              <a:defRPr sz="1800" kern="1200">
+                <a:solidFill>
+                  <a:schemeClr val="tx1"/>
+                </a:solidFill>
+                <a:latin typeface="+mn-lt"/>
+                <a:ea typeface="+mn-ea"/>
+                <a:cs typeface="+mn-cs"/>
+              </a:defRPr>
+            </a:lvl5pPr>
+            <a:lvl6pPr marL="2286000" algn="l" defTabSz="457200" rtl="0" eaLnBrk="1" latinLnBrk="0" hangingPunct="1">
+              <a:defRPr sz="1800" kern="1200">
+                <a:solidFill>
+                  <a:schemeClr val="tx1"/>
+                </a:solidFill>
+                <a:latin typeface="+mn-lt"/>
+                <a:ea typeface="+mn-ea"/>
+                <a:cs typeface="+mn-cs"/>
+              </a:defRPr>
+            </a:lvl6pPr>
+            <a:lvl7pPr marL="2743200" algn="l" defTabSz="457200" rtl="0" eaLnBrk="1" latinLnBrk="0" hangingPunct="1">
+              <a:defRPr sz="1800" kern="1200">
+                <a:solidFill>
+                  <a:schemeClr val="tx1"/>
+                </a:solidFill>
+                <a:latin typeface="+mn-lt"/>
+                <a:ea typeface="+mn-ea"/>
+                <a:cs typeface="+mn-cs"/>
+              </a:defRPr>
+            </a:lvl7pPr>
+            <a:lvl8pPr marL="3200400" algn="l" defTabSz="457200" rtl="0" eaLnBrk="1" latinLnBrk="0" hangingPunct="1">
+              <a:defRPr sz="1800" kern="1200">
+                <a:solidFill>
+                  <a:schemeClr val="tx1"/>
+                </a:solidFill>
+                <a:latin typeface="+mn-lt"/>
+                <a:ea typeface="+mn-ea"/>
+                <a:cs typeface="+mn-cs"/>
+              </a:defRPr>
+            </a:lvl8pPr>
+            <a:lvl9pPr marL="3657600" algn="l" defTabSz="457200" rtl="0" eaLnBrk="1" latinLnBrk="0" hangingPunct="1">
+              <a:defRPr sz="1800" kern="1200">
+                <a:solidFill>
+                  <a:schemeClr val="tx1"/>
+                </a:solidFill>
+                <a:latin typeface="+mn-lt"/>
+                <a:ea typeface="+mn-ea"/>
+                <a:cs typeface="+mn-cs"/>
+              </a:defRPr>
+            </a:lvl9pPr>
+          </a:lstStyle>
+          <a:p>
+            <a:r>
+              <a:rPr lang="fr-FR" altLang="zh-TW" dirty="0" smtClean="0"/>
+              <a:t>https://reurl.cc/2Dom14</a:t>
+            </a:r>
+            <a:endParaRPr lang="zh-TW" altLang="en-US" dirty="0"/>
+          </a:p>
+        </p:txBody>
+      </p:sp>
     </p:spTree>
     <p:extLst>
       <p:ext uri="{BB962C8B-B14F-4D97-AF65-F5344CB8AC3E}">
@@ -6962,8 +7115,8 @@
           </a:p>
         </p:txBody>
       </p:sp>
-      <mc:AlternateContent xmlns:mc="http://schemas.openxmlformats.org/markup-compatibility/2006">
-        <mc:Choice xmlns:a14="http://schemas.microsoft.com/office/drawing/2010/main" Requires="a14">
+      <mc:AlternateContent xmlns:mc="http://schemas.openxmlformats.org/markup-compatibility/2006" xmlns:a14="http://schemas.microsoft.com/office/drawing/2010/main">
+        <mc:Choice Requires="a14">
           <p:sp>
             <p:nvSpPr>
               <p:cNvPr id="3" name="內容版面配置區 2"/>
@@ -7016,11 +7169,7 @@
                 </a:r>
                 <a:r>
                   <a:rPr lang="zh-TW" altLang="en-US" dirty="0" smtClean="0"/>
-                  <a:t>浮點</a:t>
-                </a:r>
-                <a:r>
-                  <a:rPr lang="zh-TW" altLang="en-US" dirty="0" smtClean="0"/>
-                  <a:t>數 </a:t>
+                  <a:t>浮點數 </a:t>
                 </a:r>
                 <a:r>
                   <a:rPr lang="en-US" altLang="zh-TW" smtClean="0"/>
@@ -7263,7 +7412,7 @@
             </p:txBody>
           </p:sp>
         </mc:Choice>
-        <mc:Fallback>
+        <mc:Fallback xmlns="">
           <p:sp>
             <p:nvSpPr>
               <p:cNvPr id="3" name="內容版面配置區 2"/>

--- a/LCC/Java/03_程式語言基本法.pptx
+++ b/LCC/Java/03_程式語言基本法.pptx
@@ -866,7 +866,7 @@
             <a:fld id="{B61BEF0D-F0BB-DE4B-95CE-6DB70DBA9567}" type="datetimeFigureOut">
               <a:rPr lang="en-US" dirty="0"/>
               <a:pPr/>
-              <a:t>1/12/2022</a:t>
+              <a:t>7/6/2022</a:t>
             </a:fld>
             <a:endParaRPr lang="en-US" dirty="0"/>
           </a:p>
@@ -1114,7 +1114,7 @@
             <a:fld id="{B61BEF0D-F0BB-DE4B-95CE-6DB70DBA9567}" type="datetimeFigureOut">
               <a:rPr lang="en-US" dirty="0"/>
               <a:pPr/>
-              <a:t>1/12/2022</a:t>
+              <a:t>7/6/2022</a:t>
             </a:fld>
             <a:endParaRPr lang="en-US" dirty="0"/>
           </a:p>
@@ -1425,7 +1425,7 @@
             <a:fld id="{B61BEF0D-F0BB-DE4B-95CE-6DB70DBA9567}" type="datetimeFigureOut">
               <a:rPr lang="en-US" dirty="0"/>
               <a:pPr/>
-              <a:t>1/12/2022</a:t>
+              <a:t>7/6/2022</a:t>
             </a:fld>
             <a:endParaRPr lang="en-US" dirty="0"/>
           </a:p>
@@ -1763,7 +1763,7 @@
             <a:fld id="{B61BEF0D-F0BB-DE4B-95CE-6DB70DBA9567}" type="datetimeFigureOut">
               <a:rPr lang="en-US" dirty="0"/>
               <a:pPr/>
-              <a:t>1/12/2022</a:t>
+              <a:t>7/6/2022</a:t>
             </a:fld>
             <a:endParaRPr lang="en-US" dirty="0"/>
           </a:p>
@@ -2074,7 +2074,7 @@
             <a:fld id="{B61BEF0D-F0BB-DE4B-95CE-6DB70DBA9567}" type="datetimeFigureOut">
               <a:rPr lang="en-US" dirty="0"/>
               <a:pPr/>
-              <a:t>1/12/2022</a:t>
+              <a:t>7/6/2022</a:t>
             </a:fld>
             <a:endParaRPr lang="en-US" dirty="0"/>
           </a:p>
@@ -2464,7 +2464,7 @@
             <a:fld id="{B61BEF0D-F0BB-DE4B-95CE-6DB70DBA9567}" type="datetimeFigureOut">
               <a:rPr lang="en-US" dirty="0"/>
               <a:pPr/>
-              <a:t>1/12/2022</a:t>
+              <a:t>7/6/2022</a:t>
             </a:fld>
             <a:endParaRPr lang="en-US" dirty="0"/>
           </a:p>
@@ -2630,7 +2630,7 @@
           <a:p>
             <a:fld id="{55C6B4A9-1611-4792-9094-5F34BCA07E0B}" type="datetimeFigureOut">
               <a:rPr lang="en-US" dirty="0"/>
-              <a:t>1/12/2022</a:t>
+              <a:t>7/6/2022</a:t>
             </a:fld>
             <a:endParaRPr lang="en-US" dirty="0"/>
           </a:p>
@@ -2806,7 +2806,7 @@
             <a:fld id="{B61BEF0D-F0BB-DE4B-95CE-6DB70DBA9567}" type="datetimeFigureOut">
               <a:rPr lang="en-US" dirty="0"/>
               <a:pPr/>
-              <a:t>1/12/2022</a:t>
+              <a:t>7/6/2022</a:t>
             </a:fld>
             <a:endParaRPr lang="en-US" dirty="0"/>
           </a:p>
@@ -2987,7 +2987,7 @@
             <a:fld id="{B61BEF0D-F0BB-DE4B-95CE-6DB70DBA9567}" type="datetimeFigureOut">
               <a:rPr lang="en-US" dirty="0"/>
               <a:pPr/>
-              <a:t>1/12/2022</a:t>
+              <a:t>7/6/2022</a:t>
             </a:fld>
             <a:endParaRPr lang="en-US" dirty="0"/>
           </a:p>
@@ -3231,7 +3231,7 @@
             <a:fld id="{B61BEF0D-F0BB-DE4B-95CE-6DB70DBA9567}" type="datetimeFigureOut">
               <a:rPr lang="en-US" dirty="0"/>
               <a:pPr/>
-              <a:t>1/12/2022</a:t>
+              <a:t>7/6/2022</a:t>
             </a:fld>
             <a:endParaRPr lang="en-US" dirty="0"/>
           </a:p>
@@ -3459,7 +3459,7 @@
           <a:p>
             <a:fld id="{EB712588-04B1-427B-82EE-E8DB90309F08}" type="datetimeFigureOut">
               <a:rPr lang="en-US" dirty="0"/>
-              <a:t>1/12/2022</a:t>
+              <a:t>7/6/2022</a:t>
             </a:fld>
             <a:endParaRPr lang="en-US" dirty="0"/>
           </a:p>
@@ -3829,7 +3829,7 @@
             <a:fld id="{B61BEF0D-F0BB-DE4B-95CE-6DB70DBA9567}" type="datetimeFigureOut">
               <a:rPr lang="en-US" dirty="0"/>
               <a:pPr/>
-              <a:t>1/12/2022</a:t>
+              <a:t>7/6/2022</a:t>
             </a:fld>
             <a:endParaRPr lang="en-US" dirty="0"/>
           </a:p>
@@ -3949,7 +3949,7 @@
             <a:fld id="{B61BEF0D-F0BB-DE4B-95CE-6DB70DBA9567}" type="datetimeFigureOut">
               <a:rPr lang="en-US" dirty="0"/>
               <a:pPr/>
-              <a:t>1/12/2022</a:t>
+              <a:t>7/6/2022</a:t>
             </a:fld>
             <a:endParaRPr lang="en-US" dirty="0"/>
           </a:p>
@@ -4041,7 +4041,7 @@
             <a:fld id="{B61BEF0D-F0BB-DE4B-95CE-6DB70DBA9567}" type="datetimeFigureOut">
               <a:rPr lang="en-US" dirty="0"/>
               <a:pPr/>
-              <a:t>1/12/2022</a:t>
+              <a:t>7/6/2022</a:t>
             </a:fld>
             <a:endParaRPr lang="en-US" dirty="0"/>
           </a:p>
@@ -4292,7 +4292,7 @@
           <a:p>
             <a:fld id="{42A54C80-263E-416B-A8E0-580EDEADCBDC}" type="datetimeFigureOut">
               <a:rPr lang="en-US" dirty="0"/>
-              <a:t>1/12/2022</a:t>
+              <a:t>7/6/2022</a:t>
             </a:fld>
             <a:endParaRPr lang="en-US" dirty="0"/>
           </a:p>
@@ -4551,7 +4551,7 @@
             <a:fld id="{B61BEF0D-F0BB-DE4B-95CE-6DB70DBA9567}" type="datetimeFigureOut">
               <a:rPr lang="en-US" dirty="0"/>
               <a:pPr/>
-              <a:t>1/12/2022</a:t>
+              <a:t>7/6/2022</a:t>
             </a:fld>
             <a:endParaRPr lang="en-US" dirty="0"/>
           </a:p>
@@ -5291,7 +5291,7 @@
             <a:fld id="{B61BEF0D-F0BB-DE4B-95CE-6DB70DBA9567}" type="datetimeFigureOut">
               <a:rPr lang="en-US" dirty="0"/>
               <a:pPr/>
-              <a:t>1/12/2022</a:t>
+              <a:t>7/6/2022</a:t>
             </a:fld>
             <a:endParaRPr lang="en-US" dirty="0"/>
           </a:p>
@@ -5532,7 +5532,7 @@
           <a:p>
             <a:r>
               <a:rPr lang="fr-FR" altLang="zh-TW" dirty="0" smtClean="0"/>
-              <a:t>https://reurl.cc/2Dom14</a:t>
+              <a:t>https://reurl.cc/Kb1Xmg</a:t>
             </a:r>
             <a:endParaRPr lang="zh-TW" altLang="en-US" dirty="0"/>
           </a:p>
@@ -6093,39 +6093,9 @@
           </a:extLst>
         </p:spPr>
       </p:pic>
-      <p:pic>
-        <p:nvPicPr>
-          <p:cNvPr id="5" name="圖片 4"/>
-          <p:cNvPicPr>
-            <a:picLocks noChangeAspect="1"/>
-          </p:cNvPicPr>
-          <p:nvPr/>
-        </p:nvPicPr>
-        <p:blipFill>
-          <a:blip r:embed="rId3">
-            <a:extLst>
-              <a:ext uri="{28A0092B-C50C-407E-A947-70E740481C1C}">
-                <a14:useLocalDpi xmlns:a14="http://schemas.microsoft.com/office/drawing/2010/main" val="0"/>
-              </a:ext>
-            </a:extLst>
-          </a:blip>
-          <a:stretch>
-            <a:fillRect/>
-          </a:stretch>
-        </p:blipFill>
-        <p:spPr>
-          <a:xfrm>
-            <a:off x="927354" y="457267"/>
-            <a:ext cx="1428750" cy="1428750"/>
-          </a:xfrm>
-          <a:prstGeom prst="rect">
-            <a:avLst/>
-          </a:prstGeom>
-        </p:spPr>
-      </p:pic>
       <p:sp>
         <p:nvSpPr>
-          <p:cNvPr id="6" name="矩形 5"/>
+          <p:cNvPr id="7" name="矩形 6"/>
           <p:cNvSpPr/>
           <p:nvPr/>
         </p:nvSpPr>
@@ -6239,13 +6209,37 @@
           </a:lstStyle>
           <a:p>
             <a:r>
-              <a:rPr lang="fr-FR" altLang="zh-TW" dirty="0" smtClean="0"/>
-              <a:t>https://reurl.cc/2Dom14</a:t>
+              <a:rPr lang="fr-FR" altLang="zh-TW" dirty="0"/>
+              <a:t>https://reurl.cc/Kb1Xmg</a:t>
             </a:r>
             <a:endParaRPr lang="zh-TW" altLang="en-US" dirty="0"/>
           </a:p>
         </p:txBody>
       </p:sp>
+      <p:pic>
+        <p:nvPicPr>
+          <p:cNvPr id="8" name="圖片 7"/>
+          <p:cNvPicPr>
+            <a:picLocks noChangeAspect="1"/>
+          </p:cNvPicPr>
+          <p:nvPr/>
+        </p:nvPicPr>
+        <p:blipFill>
+          <a:blip r:embed="rId3"/>
+          <a:stretch>
+            <a:fillRect/>
+          </a:stretch>
+        </p:blipFill>
+        <p:spPr>
+          <a:xfrm>
+            <a:off x="929852" y="503981"/>
+            <a:ext cx="1428750" cy="1428750"/>
+          </a:xfrm>
+          <a:prstGeom prst="rect">
+            <a:avLst/>
+          </a:prstGeom>
+        </p:spPr>
+      </p:pic>
     </p:spTree>
     <p:extLst>
       <p:ext uri="{BB962C8B-B14F-4D97-AF65-F5344CB8AC3E}">
@@ -8055,8 +8049,8 @@
           </a:p>
         </p:txBody>
       </p:sp>
-      <mc:AlternateContent xmlns:mc="http://schemas.openxmlformats.org/markup-compatibility/2006" xmlns:a14="http://schemas.microsoft.com/office/drawing/2010/main">
-        <mc:Choice Requires="a14">
+      <mc:AlternateContent xmlns:mc="http://schemas.openxmlformats.org/markup-compatibility/2006">
+        <mc:Choice xmlns:a14="http://schemas.microsoft.com/office/drawing/2010/main" Requires="a14">
           <p:sp>
             <p:nvSpPr>
               <p:cNvPr id="3" name="內容版面配置區 2"/>
@@ -8192,15 +8186,27 @@
                   <a:t> </a:t>
                 </a:r>
                 <a:r>
-                  <a:rPr lang="en-US" altLang="zh-TW" dirty="0" smtClean="0"/>
+                  <a:rPr lang="en-US" altLang="zh-TW" b="1" dirty="0" smtClean="0">
+                    <a:solidFill>
+                      <a:srgbClr val="FF0000"/>
+                    </a:solidFill>
+                  </a:rPr>
                   <a:t>(</a:t>
                 </a:r>
                 <a:r>
-                  <a:rPr lang="zh-TW" altLang="en-US" dirty="0" smtClean="0"/>
+                  <a:rPr lang="zh-TW" altLang="en-US" b="1" dirty="0" smtClean="0">
+                    <a:solidFill>
+                      <a:srgbClr val="FF0000"/>
+                    </a:solidFill>
+                  </a:rPr>
                   <a:t>想想怎麼來的</a:t>
                 </a:r>
                 <a:r>
-                  <a:rPr lang="en-US" altLang="zh-TW" dirty="0" smtClean="0"/>
+                  <a:rPr lang="en-US" altLang="zh-TW" b="1" dirty="0" smtClean="0">
+                    <a:solidFill>
+                      <a:srgbClr val="FF0000"/>
+                    </a:solidFill>
+                  </a:rPr>
                   <a:t>?)</a:t>
                 </a:r>
               </a:p>
@@ -8232,7 +8238,7 @@
             </p:txBody>
           </p:sp>
         </mc:Choice>
-        <mc:Fallback xmlns="">
+        <mc:Fallback>
           <p:sp>
             <p:nvSpPr>
               <p:cNvPr id="3" name="內容版面配置區 2"/>
@@ -10330,7 +10336,11 @@
             <a:graphicFrameLocks noGrp="1"/>
           </p:cNvGraphicFramePr>
           <p:nvPr>
-            <p:extLst/>
+            <p:extLst>
+              <p:ext uri="{D42A27DB-BD31-4B8C-83A1-F6EECF244321}">
+                <p14:modId xmlns:p14="http://schemas.microsoft.com/office/powerpoint/2010/main" val="3045574165"/>
+              </p:ext>
+            </p:extLst>
           </p:nvPr>
         </p:nvGraphicFramePr>
         <p:xfrm>
@@ -11053,14 +11063,14 @@
                       <a:r>
                         <a:rPr lang="en-US" altLang="zh-TW" b="0" dirty="0" smtClean="0">
                           <a:solidFill>
-                            <a:schemeClr val="tx1"/>
+                            <a:srgbClr val="FF0000"/>
                           </a:solidFill>
                         </a:rPr>
                         <a:t>180</a:t>
                       </a:r>
                       <a:endParaRPr lang="zh-TW" altLang="en-US" b="0" dirty="0">
                         <a:solidFill>
-                          <a:schemeClr val="tx1"/>
+                          <a:srgbClr val="FF0000"/>
                         </a:solidFill>
                       </a:endParaRPr>
                     </a:p>
@@ -11116,14 +11126,14 @@
                       <a:r>
                         <a:rPr lang="en-US" altLang="zh-TW" b="0" dirty="0" smtClean="0">
                           <a:solidFill>
-                            <a:schemeClr val="tx1"/>
+                            <a:srgbClr val="FF0000"/>
                           </a:solidFill>
                         </a:rPr>
                         <a:t>100</a:t>
                       </a:r>
                       <a:endParaRPr lang="zh-TW" altLang="en-US" b="0" dirty="0">
                         <a:solidFill>
-                          <a:schemeClr val="tx1"/>
+                          <a:srgbClr val="FF0000"/>
                         </a:solidFill>
                       </a:endParaRPr>
                     </a:p>
@@ -15180,6 +15190,13 @@
   <p:clrMapOvr>
     <a:masterClrMapping/>
   </p:clrMapOvr>
+  <p:timing>
+    <p:tnLst>
+      <p:par>
+        <p:cTn id="1" dur="indefinite" restart="never" nodeType="tmRoot"/>
+      </p:par>
+    </p:tnLst>
+  </p:timing>
 </p:sld>
 </file>
 

--- a/LCC/Java/03_程式語言基本法.pptx
+++ b/LCC/Java/03_程式語言基本法.pptx
@@ -866,7 +866,7 @@
             <a:fld id="{B61BEF0D-F0BB-DE4B-95CE-6DB70DBA9567}" type="datetimeFigureOut">
               <a:rPr lang="en-US" dirty="0"/>
               <a:pPr/>
-              <a:t>7/6/2022</a:t>
+              <a:t>4/24/2024</a:t>
             </a:fld>
             <a:endParaRPr lang="en-US" dirty="0"/>
           </a:p>
@@ -1114,7 +1114,7 @@
             <a:fld id="{B61BEF0D-F0BB-DE4B-95CE-6DB70DBA9567}" type="datetimeFigureOut">
               <a:rPr lang="en-US" dirty="0"/>
               <a:pPr/>
-              <a:t>7/6/2022</a:t>
+              <a:t>4/24/2024</a:t>
             </a:fld>
             <a:endParaRPr lang="en-US" dirty="0"/>
           </a:p>
@@ -1425,7 +1425,7 @@
             <a:fld id="{B61BEF0D-F0BB-DE4B-95CE-6DB70DBA9567}" type="datetimeFigureOut">
               <a:rPr lang="en-US" dirty="0"/>
               <a:pPr/>
-              <a:t>7/6/2022</a:t>
+              <a:t>4/24/2024</a:t>
             </a:fld>
             <a:endParaRPr lang="en-US" dirty="0"/>
           </a:p>
@@ -1763,7 +1763,7 @@
             <a:fld id="{B61BEF0D-F0BB-DE4B-95CE-6DB70DBA9567}" type="datetimeFigureOut">
               <a:rPr lang="en-US" dirty="0"/>
               <a:pPr/>
-              <a:t>7/6/2022</a:t>
+              <a:t>4/24/2024</a:t>
             </a:fld>
             <a:endParaRPr lang="en-US" dirty="0"/>
           </a:p>
@@ -2074,7 +2074,7 @@
             <a:fld id="{B61BEF0D-F0BB-DE4B-95CE-6DB70DBA9567}" type="datetimeFigureOut">
               <a:rPr lang="en-US" dirty="0"/>
               <a:pPr/>
-              <a:t>7/6/2022</a:t>
+              <a:t>4/24/2024</a:t>
             </a:fld>
             <a:endParaRPr lang="en-US" dirty="0"/>
           </a:p>
@@ -2464,7 +2464,7 @@
             <a:fld id="{B61BEF0D-F0BB-DE4B-95CE-6DB70DBA9567}" type="datetimeFigureOut">
               <a:rPr lang="en-US" dirty="0"/>
               <a:pPr/>
-              <a:t>7/6/2022</a:t>
+              <a:t>4/24/2024</a:t>
             </a:fld>
             <a:endParaRPr lang="en-US" dirty="0"/>
           </a:p>
@@ -2630,7 +2630,7 @@
           <a:p>
             <a:fld id="{55C6B4A9-1611-4792-9094-5F34BCA07E0B}" type="datetimeFigureOut">
               <a:rPr lang="en-US" dirty="0"/>
-              <a:t>7/6/2022</a:t>
+              <a:t>4/24/2024</a:t>
             </a:fld>
             <a:endParaRPr lang="en-US" dirty="0"/>
           </a:p>
@@ -2806,7 +2806,7 @@
             <a:fld id="{B61BEF0D-F0BB-DE4B-95CE-6DB70DBA9567}" type="datetimeFigureOut">
               <a:rPr lang="en-US" dirty="0"/>
               <a:pPr/>
-              <a:t>7/6/2022</a:t>
+              <a:t>4/24/2024</a:t>
             </a:fld>
             <a:endParaRPr lang="en-US" dirty="0"/>
           </a:p>
@@ -2987,7 +2987,7 @@
             <a:fld id="{B61BEF0D-F0BB-DE4B-95CE-6DB70DBA9567}" type="datetimeFigureOut">
               <a:rPr lang="en-US" dirty="0"/>
               <a:pPr/>
-              <a:t>7/6/2022</a:t>
+              <a:t>4/24/2024</a:t>
             </a:fld>
             <a:endParaRPr lang="en-US" dirty="0"/>
           </a:p>
@@ -3231,7 +3231,7 @@
             <a:fld id="{B61BEF0D-F0BB-DE4B-95CE-6DB70DBA9567}" type="datetimeFigureOut">
               <a:rPr lang="en-US" dirty="0"/>
               <a:pPr/>
-              <a:t>7/6/2022</a:t>
+              <a:t>4/24/2024</a:t>
             </a:fld>
             <a:endParaRPr lang="en-US" dirty="0"/>
           </a:p>
@@ -3459,7 +3459,7 @@
           <a:p>
             <a:fld id="{EB712588-04B1-427B-82EE-E8DB90309F08}" type="datetimeFigureOut">
               <a:rPr lang="en-US" dirty="0"/>
-              <a:t>7/6/2022</a:t>
+              <a:t>4/24/2024</a:t>
             </a:fld>
             <a:endParaRPr lang="en-US" dirty="0"/>
           </a:p>
@@ -3829,7 +3829,7 @@
             <a:fld id="{B61BEF0D-F0BB-DE4B-95CE-6DB70DBA9567}" type="datetimeFigureOut">
               <a:rPr lang="en-US" dirty="0"/>
               <a:pPr/>
-              <a:t>7/6/2022</a:t>
+              <a:t>4/24/2024</a:t>
             </a:fld>
             <a:endParaRPr lang="en-US" dirty="0"/>
           </a:p>
@@ -3949,7 +3949,7 @@
             <a:fld id="{B61BEF0D-F0BB-DE4B-95CE-6DB70DBA9567}" type="datetimeFigureOut">
               <a:rPr lang="en-US" dirty="0"/>
               <a:pPr/>
-              <a:t>7/6/2022</a:t>
+              <a:t>4/24/2024</a:t>
             </a:fld>
             <a:endParaRPr lang="en-US" dirty="0"/>
           </a:p>
@@ -4041,7 +4041,7 @@
             <a:fld id="{B61BEF0D-F0BB-DE4B-95CE-6DB70DBA9567}" type="datetimeFigureOut">
               <a:rPr lang="en-US" dirty="0"/>
               <a:pPr/>
-              <a:t>7/6/2022</a:t>
+              <a:t>4/24/2024</a:t>
             </a:fld>
             <a:endParaRPr lang="en-US" dirty="0"/>
           </a:p>
@@ -4292,7 +4292,7 @@
           <a:p>
             <a:fld id="{42A54C80-263E-416B-A8E0-580EDEADCBDC}" type="datetimeFigureOut">
               <a:rPr lang="en-US" dirty="0"/>
-              <a:t>7/6/2022</a:t>
+              <a:t>4/24/2024</a:t>
             </a:fld>
             <a:endParaRPr lang="en-US" dirty="0"/>
           </a:p>
@@ -4551,7 +4551,7 @@
             <a:fld id="{B61BEF0D-F0BB-DE4B-95CE-6DB70DBA9567}" type="datetimeFigureOut">
               <a:rPr lang="en-US" dirty="0"/>
               <a:pPr/>
-              <a:t>7/6/2022</a:t>
+              <a:t>4/24/2024</a:t>
             </a:fld>
             <a:endParaRPr lang="en-US" dirty="0"/>
           </a:p>
@@ -5291,7 +5291,7 @@
             <a:fld id="{B61BEF0D-F0BB-DE4B-95CE-6DB70DBA9567}" type="datetimeFigureOut">
               <a:rPr lang="en-US" dirty="0"/>
               <a:pPr/>
-              <a:t>7/6/2022</a:t>
+              <a:t>4/24/2024</a:t>
             </a:fld>
             <a:endParaRPr lang="en-US" dirty="0"/>
           </a:p>
@@ -5424,7 +5424,7 @@
         <p:spPr>
           <a:xfrm>
             <a:off x="444564" y="6509203"/>
-            <a:ext cx="2800767" cy="369332"/>
+            <a:ext cx="2850460" cy="369332"/>
           </a:xfrm>
           <a:prstGeom prst="rect">
             <a:avLst/>
@@ -5532,7 +5532,7 @@
           <a:p>
             <a:r>
               <a:rPr lang="fr-FR" altLang="zh-TW" dirty="0" smtClean="0"/>
-              <a:t>https://reurl.cc/Kb1Xmg</a:t>
+              <a:t>https://reurl.cc/WxELMO</a:t>
             </a:r>
             <a:endParaRPr lang="zh-TW" altLang="en-US" dirty="0"/>
           </a:p>
@@ -6095,14 +6095,14 @@
       </p:pic>
       <p:sp>
         <p:nvSpPr>
-          <p:cNvPr id="7" name="矩形 6"/>
+          <p:cNvPr id="9" name="矩形 8"/>
           <p:cNvSpPr/>
           <p:nvPr/>
         </p:nvSpPr>
         <p:spPr>
           <a:xfrm>
             <a:off x="827704" y="87935"/>
-            <a:ext cx="2800767" cy="369332"/>
+            <a:ext cx="2850460" cy="369332"/>
           </a:xfrm>
           <a:prstGeom prst="rect">
             <a:avLst/>
@@ -6210,7 +6210,7 @@
           <a:p>
             <a:r>
               <a:rPr lang="fr-FR" altLang="zh-TW" dirty="0"/>
-              <a:t>https://reurl.cc/Kb1Xmg</a:t>
+              <a:t>https://reurl.cc/WxELMO</a:t>
             </a:r>
             <a:endParaRPr lang="zh-TW" altLang="en-US" dirty="0"/>
           </a:p>
@@ -6218,7 +6218,7 @@
       </p:sp>
       <p:pic>
         <p:nvPicPr>
-          <p:cNvPr id="8" name="圖片 7"/>
+          <p:cNvPr id="10" name="圖片 9"/>
           <p:cNvPicPr>
             <a:picLocks noChangeAspect="1"/>
           </p:cNvPicPr>
@@ -6232,8 +6232,8 @@
         </p:blipFill>
         <p:spPr>
           <a:xfrm>
-            <a:off x="929852" y="503981"/>
-            <a:ext cx="1428750" cy="1428750"/>
+            <a:off x="915266" y="457267"/>
+            <a:ext cx="1818698" cy="1818698"/>
           </a:xfrm>
           <a:prstGeom prst="rect">
             <a:avLst/>
@@ -8049,8 +8049,8 @@
           </a:p>
         </p:txBody>
       </p:sp>
-      <mc:AlternateContent xmlns:mc="http://schemas.openxmlformats.org/markup-compatibility/2006">
-        <mc:Choice xmlns:a14="http://schemas.microsoft.com/office/drawing/2010/main" Requires="a14">
+      <mc:AlternateContent xmlns:mc="http://schemas.openxmlformats.org/markup-compatibility/2006" xmlns:a14="http://schemas.microsoft.com/office/drawing/2010/main">
+        <mc:Choice Requires="a14">
           <p:sp>
             <p:nvSpPr>
               <p:cNvPr id="3" name="內容版面配置區 2"/>
@@ -8238,7 +8238,7 @@
             </p:txBody>
           </p:sp>
         </mc:Choice>
-        <mc:Fallback>
+        <mc:Fallback xmlns="">
           <p:sp>
             <p:nvSpPr>
               <p:cNvPr id="3" name="內容版面配置區 2"/>

--- a/LCC/Java/03_程式語言基本法.pptx
+++ b/LCC/Java/03_程式語言基本法.pptx
@@ -866,7 +866,7 @@
             <a:fld id="{B61BEF0D-F0BB-DE4B-95CE-6DB70DBA9567}" type="datetimeFigureOut">
               <a:rPr lang="en-US" dirty="0"/>
               <a:pPr/>
-              <a:t>4/24/2024</a:t>
+              <a:t>4/26/2024</a:t>
             </a:fld>
             <a:endParaRPr lang="en-US" dirty="0"/>
           </a:p>
@@ -1114,7 +1114,7 @@
             <a:fld id="{B61BEF0D-F0BB-DE4B-95CE-6DB70DBA9567}" type="datetimeFigureOut">
               <a:rPr lang="en-US" dirty="0"/>
               <a:pPr/>
-              <a:t>4/24/2024</a:t>
+              <a:t>4/26/2024</a:t>
             </a:fld>
             <a:endParaRPr lang="en-US" dirty="0"/>
           </a:p>
@@ -1425,7 +1425,7 @@
             <a:fld id="{B61BEF0D-F0BB-DE4B-95CE-6DB70DBA9567}" type="datetimeFigureOut">
               <a:rPr lang="en-US" dirty="0"/>
               <a:pPr/>
-              <a:t>4/24/2024</a:t>
+              <a:t>4/26/2024</a:t>
             </a:fld>
             <a:endParaRPr lang="en-US" dirty="0"/>
           </a:p>
@@ -1763,7 +1763,7 @@
             <a:fld id="{B61BEF0D-F0BB-DE4B-95CE-6DB70DBA9567}" type="datetimeFigureOut">
               <a:rPr lang="en-US" dirty="0"/>
               <a:pPr/>
-              <a:t>4/24/2024</a:t>
+              <a:t>4/26/2024</a:t>
             </a:fld>
             <a:endParaRPr lang="en-US" dirty="0"/>
           </a:p>
@@ -2074,7 +2074,7 @@
             <a:fld id="{B61BEF0D-F0BB-DE4B-95CE-6DB70DBA9567}" type="datetimeFigureOut">
               <a:rPr lang="en-US" dirty="0"/>
               <a:pPr/>
-              <a:t>4/24/2024</a:t>
+              <a:t>4/26/2024</a:t>
             </a:fld>
             <a:endParaRPr lang="en-US" dirty="0"/>
           </a:p>
@@ -2464,7 +2464,7 @@
             <a:fld id="{B61BEF0D-F0BB-DE4B-95CE-6DB70DBA9567}" type="datetimeFigureOut">
               <a:rPr lang="en-US" dirty="0"/>
               <a:pPr/>
-              <a:t>4/24/2024</a:t>
+              <a:t>4/26/2024</a:t>
             </a:fld>
             <a:endParaRPr lang="en-US" dirty="0"/>
           </a:p>
@@ -2630,7 +2630,7 @@
           <a:p>
             <a:fld id="{55C6B4A9-1611-4792-9094-5F34BCA07E0B}" type="datetimeFigureOut">
               <a:rPr lang="en-US" dirty="0"/>
-              <a:t>4/24/2024</a:t>
+              <a:t>4/26/2024</a:t>
             </a:fld>
             <a:endParaRPr lang="en-US" dirty="0"/>
           </a:p>
@@ -2806,7 +2806,7 @@
             <a:fld id="{B61BEF0D-F0BB-DE4B-95CE-6DB70DBA9567}" type="datetimeFigureOut">
               <a:rPr lang="en-US" dirty="0"/>
               <a:pPr/>
-              <a:t>4/24/2024</a:t>
+              <a:t>4/26/2024</a:t>
             </a:fld>
             <a:endParaRPr lang="en-US" dirty="0"/>
           </a:p>
@@ -2987,7 +2987,7 @@
             <a:fld id="{B61BEF0D-F0BB-DE4B-95CE-6DB70DBA9567}" type="datetimeFigureOut">
               <a:rPr lang="en-US" dirty="0"/>
               <a:pPr/>
-              <a:t>4/24/2024</a:t>
+              <a:t>4/26/2024</a:t>
             </a:fld>
             <a:endParaRPr lang="en-US" dirty="0"/>
           </a:p>
@@ -3231,7 +3231,7 @@
             <a:fld id="{B61BEF0D-F0BB-DE4B-95CE-6DB70DBA9567}" type="datetimeFigureOut">
               <a:rPr lang="en-US" dirty="0"/>
               <a:pPr/>
-              <a:t>4/24/2024</a:t>
+              <a:t>4/26/2024</a:t>
             </a:fld>
             <a:endParaRPr lang="en-US" dirty="0"/>
           </a:p>
@@ -3459,7 +3459,7 @@
           <a:p>
             <a:fld id="{EB712588-04B1-427B-82EE-E8DB90309F08}" type="datetimeFigureOut">
               <a:rPr lang="en-US" dirty="0"/>
-              <a:t>4/24/2024</a:t>
+              <a:t>4/26/2024</a:t>
             </a:fld>
             <a:endParaRPr lang="en-US" dirty="0"/>
           </a:p>
@@ -3829,7 +3829,7 @@
             <a:fld id="{B61BEF0D-F0BB-DE4B-95CE-6DB70DBA9567}" type="datetimeFigureOut">
               <a:rPr lang="en-US" dirty="0"/>
               <a:pPr/>
-              <a:t>4/24/2024</a:t>
+              <a:t>4/26/2024</a:t>
             </a:fld>
             <a:endParaRPr lang="en-US" dirty="0"/>
           </a:p>
@@ -3949,7 +3949,7 @@
             <a:fld id="{B61BEF0D-F0BB-DE4B-95CE-6DB70DBA9567}" type="datetimeFigureOut">
               <a:rPr lang="en-US" dirty="0"/>
               <a:pPr/>
-              <a:t>4/24/2024</a:t>
+              <a:t>4/26/2024</a:t>
             </a:fld>
             <a:endParaRPr lang="en-US" dirty="0"/>
           </a:p>
@@ -4041,7 +4041,7 @@
             <a:fld id="{B61BEF0D-F0BB-DE4B-95CE-6DB70DBA9567}" type="datetimeFigureOut">
               <a:rPr lang="en-US" dirty="0"/>
               <a:pPr/>
-              <a:t>4/24/2024</a:t>
+              <a:t>4/26/2024</a:t>
             </a:fld>
             <a:endParaRPr lang="en-US" dirty="0"/>
           </a:p>
@@ -4292,7 +4292,7 @@
           <a:p>
             <a:fld id="{42A54C80-263E-416B-A8E0-580EDEADCBDC}" type="datetimeFigureOut">
               <a:rPr lang="en-US" dirty="0"/>
-              <a:t>4/24/2024</a:t>
+              <a:t>4/26/2024</a:t>
             </a:fld>
             <a:endParaRPr lang="en-US" dirty="0"/>
           </a:p>
@@ -4551,7 +4551,7 @@
             <a:fld id="{B61BEF0D-F0BB-DE4B-95CE-6DB70DBA9567}" type="datetimeFigureOut">
               <a:rPr lang="en-US" dirty="0"/>
               <a:pPr/>
-              <a:t>4/24/2024</a:t>
+              <a:t>4/26/2024</a:t>
             </a:fld>
             <a:endParaRPr lang="en-US" dirty="0"/>
           </a:p>
@@ -5291,7 +5291,7 @@
             <a:fld id="{B61BEF0D-F0BB-DE4B-95CE-6DB70DBA9567}" type="datetimeFigureOut">
               <a:rPr lang="en-US" dirty="0"/>
               <a:pPr/>
-              <a:t>4/24/2024</a:t>
+              <a:t>4/26/2024</a:t>
             </a:fld>
             <a:endParaRPr lang="en-US" dirty="0"/>
           </a:p>
@@ -13090,12 +13090,12 @@
           <a:lstStyle/>
           <a:p>
             <a:r>
-              <a:rPr lang="zh-TW" altLang="en-US" sz="2800" b="1" dirty="0" smtClean="0">
+              <a:rPr lang="zh-TW" altLang="en-US" sz="2800" b="1" dirty="0">
                 <a:solidFill>
                   <a:srgbClr val="C00000"/>
                 </a:solidFill>
               </a:rPr>
-              <a:t>程式一堆是依</a:t>
+              <a:t>程式是一堆依</a:t>
             </a:r>
             <a:r>
               <a:rPr lang="zh-TW" altLang="en-US" sz="2800" b="1" u="sng" dirty="0" smtClean="0">
